--- a/reference_content/Slides/TimeSeries.pptx
+++ b/reference_content/Slides/TimeSeries.pptx
@@ -9,32 +9,34 @@
     <p:sldId id="281" r:id="rId3"/>
     <p:sldId id="256" r:id="rId4"/>
     <p:sldId id="270" r:id="rId5"/>
-    <p:sldId id="271" r:id="rId6"/>
-    <p:sldId id="272" r:id="rId7"/>
-    <p:sldId id="258" r:id="rId8"/>
-    <p:sldId id="261" r:id="rId9"/>
-    <p:sldId id="262" r:id="rId10"/>
-    <p:sldId id="284" r:id="rId11"/>
-    <p:sldId id="257" r:id="rId12"/>
-    <p:sldId id="259" r:id="rId13"/>
-    <p:sldId id="263" r:id="rId14"/>
-    <p:sldId id="282" r:id="rId15"/>
-    <p:sldId id="283" r:id="rId16"/>
-    <p:sldId id="265" r:id="rId17"/>
-    <p:sldId id="266" r:id="rId18"/>
-    <p:sldId id="264" r:id="rId19"/>
-    <p:sldId id="260" r:id="rId20"/>
-    <p:sldId id="276" r:id="rId21"/>
-    <p:sldId id="277" r:id="rId22"/>
-    <p:sldId id="278" r:id="rId23"/>
-    <p:sldId id="273" r:id="rId24"/>
-    <p:sldId id="274" r:id="rId25"/>
-    <p:sldId id="267" r:id="rId26"/>
-    <p:sldId id="285" r:id="rId27"/>
-    <p:sldId id="268" r:id="rId28"/>
-    <p:sldId id="275" r:id="rId29"/>
-    <p:sldId id="279" r:id="rId30"/>
-    <p:sldId id="269" r:id="rId31"/>
+    <p:sldId id="286" r:id="rId6"/>
+    <p:sldId id="271" r:id="rId7"/>
+    <p:sldId id="272" r:id="rId8"/>
+    <p:sldId id="258" r:id="rId9"/>
+    <p:sldId id="261" r:id="rId10"/>
+    <p:sldId id="262" r:id="rId11"/>
+    <p:sldId id="284" r:id="rId12"/>
+    <p:sldId id="257" r:id="rId13"/>
+    <p:sldId id="259" r:id="rId14"/>
+    <p:sldId id="263" r:id="rId15"/>
+    <p:sldId id="282" r:id="rId16"/>
+    <p:sldId id="283" r:id="rId17"/>
+    <p:sldId id="265" r:id="rId18"/>
+    <p:sldId id="266" r:id="rId19"/>
+    <p:sldId id="264" r:id="rId20"/>
+    <p:sldId id="260" r:id="rId21"/>
+    <p:sldId id="276" r:id="rId22"/>
+    <p:sldId id="277" r:id="rId23"/>
+    <p:sldId id="278" r:id="rId24"/>
+    <p:sldId id="273" r:id="rId25"/>
+    <p:sldId id="274" r:id="rId26"/>
+    <p:sldId id="267" r:id="rId27"/>
+    <p:sldId id="285" r:id="rId28"/>
+    <p:sldId id="268" r:id="rId29"/>
+    <p:sldId id="287" r:id="rId30"/>
+    <p:sldId id="275" r:id="rId31"/>
+    <p:sldId id="279" r:id="rId32"/>
+    <p:sldId id="269" r:id="rId33"/>
   </p:sldIdLst>
   <p:sldSz cx="12192000" cy="6858000"/>
   <p:notesSz cx="6858000" cy="9144000"/>
@@ -141,6 +143,202 @@
 </p:presentation>
 </file>
 
+<file path=ppt/ink/ink1.xml><?xml version="1.0" encoding="utf-8"?>
+<inkml:ink xmlns:inkml="http://www.w3.org/2003/InkML">
+  <inkml:definitions>
+    <inkml:context xml:id="ctx0">
+      <inkml:inkSource xml:id="inkSrc0">
+        <inkml:traceFormat>
+          <inkml:channel name="X" type="integer" min="-2.14748E9" max="2.14748E9" units="cm"/>
+          <inkml:channel name="Y" type="integer" min="-2.14748E9" max="2.14748E9" units="cm"/>
+          <inkml:channel name="F" type="integer" max="32767" units="dev"/>
+        </inkml:traceFormat>
+        <inkml:channelProperties>
+          <inkml:channelProperty channel="X" name="resolution" value="1000" units="1/cm"/>
+          <inkml:channelProperty channel="Y" name="resolution" value="1000" units="1/cm"/>
+          <inkml:channelProperty channel="F" name="resolution" value="0" units="1/dev"/>
+        </inkml:channelProperties>
+      </inkml:inkSource>
+      <inkml:timestamp xml:id="ts0" timeString="2025-03-11T15:33:34.216"/>
+    </inkml:context>
+    <inkml:brush xml:id="br0">
+      <inkml:brushProperty name="width" value="0.35" units="cm"/>
+      <inkml:brushProperty name="height" value="0.35" units="cm"/>
+      <inkml:brushProperty name="color" value="#004F8B"/>
+    </inkml:brush>
+  </inkml:definitions>
+  <inkml:trace contextRef="#ctx0" brushRef="#br0">62 0 24575,'0'35'0,"0"17"0,0-29 0,0 13 0,0-20 0,0 7 0,0-5 0,5 38 0,-4-36 0,4 46 0,-5-49-984,5 44 0,-3-43 0,8 48 0,-9-33 0,4 7 0,-5 6 104,5-15 880,-4 54 983,4-47-492,-2 17 1,-1-4 491,0-28-492,0 24 1,1 7 491,-3 13 0,0 0-1967,-5 24 0,3-71 0,-8 66 0,9-65 0,-4 75 0,5-73 0,-5 73 0,4-75 0,-4 60 0,0-52 0,-1 59 0,0-56 304,1 54 680,5-67 983,-5 52-316,3-52-667,-3 52 0,5-52 0,0 57 0,0-56 0,-5 65 0,4-63 0,-4 59 0,5-63-984,0 58 0,0-56 52,0 61 932,0-61 0,0 56 0,0-57 983,-5 37 0,4-41-49,-9 36-934,9-33 0,-9 48 0,8-48 0,-3 53 0,5-52 0,-5 62 0,4-60 0,1 75 0,2-73 0,8 63 0,-9-68 403,4 33-403,-5-37 983,0 22 0,0-16 0,0 28 0,0-27-378,0 35-605,0-39 983,0 44 0,0-43 0,0 33 0,5-41 0,-4 15 0,4-19-97,-5 5-886,0 0 0,0 1 0,0 4 0,0-4 0,0 9 0,0-8 0,0 18 0,0-16 0,0 21 0,0-22 0,0 17 0,0-17 0,0 12 0,0-14 0,0 10 0,0-10 0,0 14 0,0-12 0,0 17 0,0-17 0,0 17 0,0-17 0,0 7 0,0-10 0,0 0 0,0 10 0,0-7 0,0 2 0,0-11 0</inkml:trace>
+</inkml:ink>
+</file>
+
+<file path=ppt/ink/ink2.xml><?xml version="1.0" encoding="utf-8"?>
+<inkml:ink xmlns:inkml="http://www.w3.org/2003/InkML">
+  <inkml:definitions>
+    <inkml:context xml:id="ctx0">
+      <inkml:inkSource xml:id="inkSrc0">
+        <inkml:traceFormat>
+          <inkml:channel name="X" type="integer" min="-2.14748E9" max="2.14748E9" units="cm"/>
+          <inkml:channel name="Y" type="integer" min="-2.14748E9" max="2.14748E9" units="cm"/>
+          <inkml:channel name="F" type="integer" max="32767" units="dev"/>
+        </inkml:traceFormat>
+        <inkml:channelProperties>
+          <inkml:channelProperty channel="X" name="resolution" value="1000" units="1/cm"/>
+          <inkml:channelProperty channel="Y" name="resolution" value="1000" units="1/cm"/>
+          <inkml:channelProperty channel="F" name="resolution" value="0" units="1/dev"/>
+        </inkml:channelProperties>
+      </inkml:inkSource>
+      <inkml:timestamp xml:id="ts0" timeString="2025-03-11T15:33:40.566"/>
+    </inkml:context>
+    <inkml:brush xml:id="br0">
+      <inkml:brushProperty name="width" value="0.35" units="cm"/>
+      <inkml:brushProperty name="height" value="0.35" units="cm"/>
+      <inkml:brushProperty name="color" value="#004F8B"/>
+    </inkml:brush>
+  </inkml:definitions>
+  <inkml:trace contextRef="#ctx0" brushRef="#br0">0 485 24575,'29'6'0,"-6"-1"0,23 10 0,-27-11 0,23 10 0,-6-4 0,-18-7 0,43 12 0,-43-14 0,44 9 0,-45-9 0,45 9 0,-44-8 0,33 3 0,-36-5 0,37 0 0,-35 0-984,65 0 0,-59 0 0,74 0 0,-76 0 0,76-5 0,-74 3 492,29 0 0,3-1-492,-26 3 0,69 0 0,-53 0 734,6 0 250,31 5 0,2 6 0,-2-3 491,-13-1 1,0 1-336,16-2-156,10 0 0,-20 0 0,12 0 0,-1-1-328,-12-3 0,-3-2 0,6 1 82,3 1 0,7 2 0,-1-1 0,-8-1-246,22-2 0,0 0 246,-19 3 0,10 2 0,-4 0 0,-20-1 143,9 0 103,7 4 0,27 3 0,-1 1 0,-31-4 0,-24-2 0,31 9 0,25 7 0,-27-5 983,-43-9-656,28 9 1,21 7 0,-21-8 655,-28-9-492,54 13 1,0-1 491,-57-15-492,37 6 1,9-5-184,5-20-308,4 11-492,-29-10 0,-9-2-492,-32 7 492,31-4 0,1 0-492,-30 5 492,30-3 0,-1 2-492,-30 7 0,63-13 0,-67 13 1320,34-3 0,1 0-336,-26 4 491,36-3 1,4-2 491,-23 0 0,27-1-638,-23 0 0,4-1-345,3-1 0,4 1 0,14-2 0,1 1 0,-18-2 0,0 0 0,24 3 0,-2 0 983,13-10-680,-17 9 0,12 0 0,-5 0-303,-2-3 0,0 0-328,0 1 0,4 1 0,-9 1-164,-21 2 0,1 1 164,23-1 0,9 0 0,-20 3-129,-18 3 457,19-2 0,21-1 0,-10 1 0,-19 0 0,-4 0 491,7-1 1,3 1-1,19 0 1,-13 1 491,-44 2-1475,33 0 0,0 0-492,-39 0 544,75 5 440,-76-4-492,32 2 0,1-1-492,-29-2 492,57-4 0,4-2-492,-50 4 656,30-4 0,21-2 0,-21 2 185,-28 3 143,39 0 0,27-1 0,-24 1 0,-28 3 0,34 0 0,26 0 0,-22 0 0,-24 0 0,9 0 0,25-1 0,1 1 0,-23 1 0,7 4 0,-1-4 0,28-1 0,-2-1 0,-31 2 0,-21 4 0,27-5 0,22-2 0,-28-1 0,-45 2 0,45-4 0,-4 0 0,-51 4 983,73-9-888,-77 8-95,62-3 0,-62 5 983,62 0-433,-62 0 433,41-5 0,-45 4 0,20-9 0,-22 9-352,12-9-631,-13 8 0,33-8 0,-27 9 983,43-9 0,-21-1 0,-3 3-492,15-5 1,1 1 491,-15 8-492,27-10 1,2-2 491,-9 7-492,11-4 1,9 0-1,1 3 1,-1 2-311,-22 2 1,3 0-182,14-1 0,6 0 0,-20 0 0,-23 0 0,33-3 0,23-3 0,-22 2-984,-29 0 492,32-2 0,-9 4-492,-53 9 0,10-5 0,-10 4 0,9-4 0,-8 5 0,3-5 0,1 3 0,-5-3 0,4 5 0,1-5 1967,0 4-830,6-9-153,9 4 0,-11-1-492,33-8 0,3 0-492,-24 9 722,42-15 1,-3 2 261,-48 15 983,38-11 0,-51 15 0,0 0 0,1 5 0,14 11-728,-11-7 728,17 6 0,-20-15 0,0 5 0,-2-4 0,-4 4 0,5 0 0,1-4 0,-1 4-854,5-5-129,-3 5 0,3-4 0,6 4 0,-9-5 0,34 5 0,-29-3 0,58 3 0,-54-5 0,49 0 0,-54 0 0,24 0 0,-27 0 0,18 0 0,-19 0 0,14 0 0,-15 0 0,20-6 0,-17 5 0,21-4 0,-22 0 0,18 4 0,-18-4 0,12 5 0,-13-5 0,13 4 0,-12-4 0,22 5 0,-21 0 0,12 0 0,-16 0 0,1 0 0,-1 0 0,0 0 0,0-5 0,1 3 0,-1-3 0,0 5 0,1 0 0,9 0 0,8 0 0,-4 0 0,2 0 0,-16 0 0,0 0 0,26 0 0,-20 0 0,25 0 0,-34-5 0,2 4 0,-10-4 0</inkml:trace>
+</inkml:ink>
+</file>
+
+<file path=ppt/ink/ink3.xml><?xml version="1.0" encoding="utf-8"?>
+<inkml:ink xmlns:inkml="http://www.w3.org/2003/InkML">
+  <inkml:definitions>
+    <inkml:context xml:id="ctx0">
+      <inkml:inkSource xml:id="inkSrc0">
+        <inkml:traceFormat>
+          <inkml:channel name="X" type="integer" min="-2.14748E9" max="2.14748E9" units="cm"/>
+          <inkml:channel name="Y" type="integer" min="-2.14748E9" max="2.14748E9" units="cm"/>
+          <inkml:channel name="F" type="integer" max="32767" units="dev"/>
+        </inkml:traceFormat>
+        <inkml:channelProperties>
+          <inkml:channelProperty channel="X" name="resolution" value="1000" units="1/cm"/>
+          <inkml:channelProperty channel="Y" name="resolution" value="1000" units="1/cm"/>
+          <inkml:channelProperty channel="F" name="resolution" value="0" units="1/dev"/>
+        </inkml:channelProperties>
+      </inkml:inkSource>
+      <inkml:timestamp xml:id="ts0" timeString="2025-03-11T15:33:43.768"/>
+    </inkml:context>
+    <inkml:brush xml:id="br0">
+      <inkml:brushProperty name="width" value="0.35" units="cm"/>
+      <inkml:brushProperty name="height" value="0.35" units="cm"/>
+      <inkml:brushProperty name="color" value="#004F8B"/>
+    </inkml:brush>
+  </inkml:definitions>
+  <inkml:trace contextRef="#ctx0" brushRef="#br0">123 0 24575,'0'35'0,"0"-8"0,0-10 0,0-6 0,0 5 0,0-4 0,0 40 0,0-33-984,0 67 0,0-64 0,5 69 0,-4-70 492,6 29 0,1 1-492,-5-28 492,7 28 0,0-1-492,-8-28 0,8 59 0,-10-63 1967,5 43-919,-3-44-64,3 44 0,-5-43-984,-10 48 112,7-48 1855,-17 58-537,18-55-938,-6 29 0,1 1-492,6-27 492,-4 33 0,0 2-492,3-35 492,0 35 0,-1-2 334,3-33-334,0 27 0,0-1-330,0-29 1805,5 65-493,-3-66-864,3 41 374,-5-46 983,0 31 0,0-30-871,-10 45-112,7-42 0,-12 62 0,14-60 897,-9 55-897,9-38 0,-9 48 0,9-44-984,-4 54 0,5-75 627,0 75 357,0-73-984,0 63 843,0-68 1124,0 43-435,0-44 435,0 44 0,0-43-751,5 48-232,-4-48 0,9 48 0,-9-47 0,9 57 0,-8-56 0,8 61 0,-9-61 0,-1 56 0,-1-58 0,-4 23 983,5-29 0,0-1 0,-5 0 0,3 5 0,-3-3 0,5 3 0,-5 25 0,4-22 0,-9 57-427,9-56-1540,-4 66 0,5-65 492,2 36 0,1 2-492,-2-32 492,2 37 0,-1-2-492,-2-38 0,0 37 0,-10 20 0,8-53 492,-6 48 0,1-1-492,6-46 492,-4 30 0,0 8 293,3 15 1182,-3-11-492,3-12 1,0-7 491,0-31-898,-8 50-85,4-55 0,0 45 0,1-42 0,5 42 0,0-45 983,0 35 0,0-34 0,0 14 0,0-20 0,0 5 0,0-3 0,0 8 0,0-9 0,-5 5 0,4-6 0,-4 5-475,5-4-508,0 5 0,0-6 0,0 10 0,0-7 0,0 17 0,0-17 0,0 22 0,0-21 0,0 26 0,0-26 0,0 26 0,0-26 0,0 36 0,0-34 0,0 49 0,0-47 0,0 27 0,0-33 0,10 23 0,-3-25 0,5 34 0,-7-35 0,-5 26 0,0-22 0,0 22 0,0-21 0,0 36 0,0-34 0,0 49 0,0-47 0,0 47 0,0-48 0,0 28 0,0-33 0,0 19 0,0-19 0,5 14 0,-4-15 0,4 14 0,-5-12 0,0 7 0,0-10 0,0 10 0,0-7 0,0 12 0,0-13 0,0 3 0,0-5 0,0 0 0,0 1 0,0-1 0,0 0 0,0 0 0,0 1 0,-5-6 0,4 4 0,-4-4 0,5 20 0,0-11 0,0 16 0,0-18 0,-5 13 0,3-12 0,-3 17 0,5-18 0,0 9 0,0 9 0,0 5 0,0 0 0,0-5 0,6-25 0,-5 4 0,4-3 0,-5 4 0,5 5 0,-4-3 0,4 3 0,-5-5 0,0 0 0,0 0 0</inkml:trace>
+</inkml:ink>
+</file>
+
+<file path=ppt/ink/ink4.xml><?xml version="1.0" encoding="utf-8"?>
+<inkml:ink xmlns:inkml="http://www.w3.org/2003/InkML">
+  <inkml:definitions>
+    <inkml:context xml:id="ctx0">
+      <inkml:inkSource xml:id="inkSrc0">
+        <inkml:traceFormat>
+          <inkml:channel name="X" type="integer" min="-2.14748E9" max="2.14748E9" units="cm"/>
+          <inkml:channel name="Y" type="integer" min="-2.14748E9" max="2.14748E9" units="cm"/>
+          <inkml:channel name="F" type="integer" max="32767" units="dev"/>
+        </inkml:traceFormat>
+        <inkml:channelProperties>
+          <inkml:channelProperty channel="X" name="resolution" value="1000" units="1/cm"/>
+          <inkml:channelProperty channel="Y" name="resolution" value="1000" units="1/cm"/>
+          <inkml:channelProperty channel="F" name="resolution" value="0" units="1/dev"/>
+        </inkml:channelProperties>
+      </inkml:inkSource>
+      <inkml:timestamp xml:id="ts0" timeString="2025-03-11T15:33:51.656"/>
+    </inkml:context>
+    <inkml:brush xml:id="br0">
+      <inkml:brushProperty name="width" value="0.35" units="cm"/>
+      <inkml:brushProperty name="height" value="0.35" units="cm"/>
+      <inkml:brushProperty name="color" value="#F6630D"/>
+    </inkml:brush>
+  </inkml:definitions>
+  <inkml:trace contextRef="#ctx0" brushRef="#br0">0 206 24575,'30'0'0,"-3"0"0,-16 0 0,0 0 0,1 0 0,14 0 0,-11 0 0,47 0 0,-42 0-984,77 0 0,-73 0 492,30 0 0,4 0-492,-19 0 0,31 0 0,13 0 0,-33 0 492,17-3 0,-2 1-492,-18 0 1967,50-8-432,-70 9-13,27-4-538,-8 5 0,3-2 0,4-1 0,31-3 0,-33 1 0,-2-2 983,21-4 0,-29 0-1967,45-11 2,-47 14 490,27-8 0,0 1-492,-32 12 492,53-12 0,1-1-492,-48 13 492,55-7 0,-1 0-492,-62 3 492,55 4 0,-1 0-492,-56-2 1033,35 3 0,2 4-49,-24 3 0,17-2 0,2 0 0,-16 3 0,17 2 0,-4-1 0,-35-4 0,34 7 0,1 0 0,-34-8 491,38 8 1,6 0 491,-6-7-1475,3 2 0,-1 0-458,-7-5 1704,-2 0-754,-44 0 983,-1 0 0,0 0 0,1 0-916,-1 0-67,0 0 0,1 0 0,-1 0 0,5 0 0,7-5 0,1 3 279,15-3-279,18 2 0,2 1 983,-1 1-656,12 0 1,16 1 0,-17 1 655,-18 5-656,30-1 1,24 1 0,-19-1 655,-17 3-970,19-3 0,21 0 1,-23 0-14,-26 1 0,26-3 0,22-2 0,-24 1 983,-32 3-656,25-4 1,21-1 0,-23-1 655,-30 1-492,50 3 1,-1-1 491,-53 0-680,39 0 1,-2 0-304,-45-2 0,36 0 0,-1 0 0,-41 0 0,31 3 0,23 1 0,-17-1-852,-14 0 852,22-1 0,31 2 0,1-2 0,-25 0 0,-5-2 0,-4 0 0,25 0 0,8 0 0,-8 0 0,-26 0 0,4 0 0,-2 3 0,27 3 0,9 1 0,-9-1 0,-26-1 0,7 2 0,-14-1 0,25 4 0,13 0 0,1 1 0,-12-2 0,-25-3-984,25 0 738,-10 1 0,24 2 0,-4 0 0,-32-4 131,-32-3 115,40 7 0,0 2 0,-43-8 0,42 5 0,-2-1 0,-48-7-492,28 0 0,-3 0-492,-33 0 0,33 0 87,-38 0 897,17-5 0,-17 4 0,27-9 0,-24 9 0,14-4 0,-19 5 983,-1 0 0,10 0 0,-7 0 0,12 0 0,-13 0 0,24 0-97,-21 0-886,46 0 0,-44 0-984,69 0 0,-64 0 0,74 0 0,-76 0 0,61 0 0,-63 0 0,42 0 0,-44 0 0,34-5 0,-34 3 1415,34-3-431,-34 5 983,24-5-815,-37 4 1,10-4 0,-19 5-1</inkml:trace>
+</inkml:ink>
+</file>
+
+<file path=ppt/ink/ink5.xml><?xml version="1.0" encoding="utf-8"?>
+<inkml:ink xmlns:inkml="http://www.w3.org/2003/InkML">
+  <inkml:definitions>
+    <inkml:context xml:id="ctx0">
+      <inkml:inkSource xml:id="inkSrc0">
+        <inkml:traceFormat>
+          <inkml:channel name="X" type="integer" min="-2.14748E9" max="2.14748E9" units="cm"/>
+          <inkml:channel name="Y" type="integer" min="-2.14748E9" max="2.14748E9" units="cm"/>
+          <inkml:channel name="F" type="integer" max="32767" units="dev"/>
+        </inkml:traceFormat>
+        <inkml:channelProperties>
+          <inkml:channelProperty channel="X" name="resolution" value="1000" units="1/cm"/>
+          <inkml:channelProperty channel="Y" name="resolution" value="1000" units="1/cm"/>
+          <inkml:channelProperty channel="F" name="resolution" value="0" units="1/dev"/>
+        </inkml:channelProperties>
+      </inkml:inkSource>
+      <inkml:timestamp xml:id="ts0" timeString="2025-03-11T15:33:53.700"/>
+    </inkml:context>
+    <inkml:brush xml:id="br0">
+      <inkml:brushProperty name="width" value="0.35" units="cm"/>
+      <inkml:brushProperty name="height" value="0.35" units="cm"/>
+      <inkml:brushProperty name="color" value="#F6630D"/>
+    </inkml:brush>
+  </inkml:definitions>
+  <inkml:trace contextRef="#ctx0" brushRef="#br0">0 0 24575,'0'30'0,"0"-4"0,5 10 0,-4-18-984,4 18 0,-5-25 0,0 20 696,3 21 1,-1 2 1107,0 0-820,0 44 0,1-5-984,-3-60 492,-1 17 0,2 6-492,9 38 0,-8-57 492,5 48 0,1 13 0,-2-29 0,0-3 0,-3-4 0,1 3 164,4 6 0,2 6 0,-3-18 1311,-3-19-656,4 22 1,2 18 0,-3-18 655,-4-21-492,9 58 1,1-1 491,-9-64-492,6 50 1,0-2 491,-9-55-492,4 41 1,0 0 491,-4-42-492,5 40 1,-1-1 257,-4-39-749,6 42 0,1 0 0,-6-41 0,4 41 0,-2 0 0,-4-42 0,0 38 0,0-2 0,0-37 0,1 36 0,-2-1 0,-3-35 0,1 28 0,-1 0 0,-2-32 0,-9 75 0,13-73 0,-6 27 0,1 5 0,0-1 0,1 15 0,-1-4 0,-1-5 0,1-27 0,2 29 0,2 20 0,0-18 0,-2-25 0,7 24 0,4 21 0,1-7 0,-3-11 0,0-5 0,5 6 0,-1 1 0,-2 18 0,-2-16 0,-3-45 0,3 33 0,-3 0 0,-6-35 0,2 39 0,0 2 0,-3-31-492,-2 42 0,1 2-492,4-42 492,-9 54 0,-1-1-492,10-53 492,-8 63 0,2 1-492,7-64 492,0 56 0,-1-1-492,3-60 492,-1 41 0,2-1-492,4-45 0,-3 46 0,3-59 1471,-5 9-487,0-8 983,0 3 0,0-5 0,0 15 0,0-11-378,0 21-605,0-22 0,0 17 0,0-17 983,0 22 0,0-21 0,0 21 0,0-22 0,0 27 0,0-25-97,0 40-886,0-38 0,0 33 0,0-36 0,0 21 0,0-22 0,0 12 0,0-14 0,0 24 0,0-19 0,-5 39 0,4-39 0,-4 49 0,5-47 0,0 42 0,0-45 0,-5 25 0,3-27 0,-3 12 0,5-13 0,0 3 0,0-5 0,0 0 0,0 5 0,0 2 0,0-1 0,0 25 0,0-25 0,-5 44 0,4-44 0,-4 40 0,5-41 0,0 35 0,0-35 0,0 25 0,0-27 0,5 12 0,-4-18 0,4 2 0</inkml:trace>
+</inkml:ink>
+</file>
+
+<file path=ppt/ink/ink6.xml><?xml version="1.0" encoding="utf-8"?>
+<inkml:ink xmlns:inkml="http://www.w3.org/2003/InkML">
+  <inkml:definitions>
+    <inkml:context xml:id="ctx0">
+      <inkml:inkSource xml:id="inkSrc0">
+        <inkml:traceFormat>
+          <inkml:channel name="X" type="integer" min="-2.14748E9" max="2.14748E9" units="cm"/>
+          <inkml:channel name="Y" type="integer" min="-2.14748E9" max="2.14748E9" units="cm"/>
+          <inkml:channel name="F" type="integer" max="32767" units="dev"/>
+        </inkml:traceFormat>
+        <inkml:channelProperties>
+          <inkml:channelProperty channel="X" name="resolution" value="1000" units="1/cm"/>
+          <inkml:channelProperty channel="Y" name="resolution" value="1000" units="1/cm"/>
+          <inkml:channelProperty channel="F" name="resolution" value="0" units="1/dev"/>
+        </inkml:channelProperties>
+      </inkml:inkSource>
+      <inkml:timestamp xml:id="ts0" timeString="2025-03-11T15:34:11.134"/>
+    </inkml:context>
+    <inkml:brush xml:id="br0">
+      <inkml:brushProperty name="width" value="0.05" units="cm"/>
+      <inkml:brushProperty name="height" value="0.05" units="cm"/>
+      <inkml:brushProperty name="color" value="#F6630D"/>
+    </inkml:brush>
+  </inkml:definitions>
+  <inkml:trace contextRef="#ctx0" brushRef="#br0">1 1994 24575,'5'6'0,"1"-1"0,0-10 0,4 4 0,-3-4 0,-1 0 0,4 3 0,-9-8 0,9 9 0,12-19 0,-12 11 0,35-27 0,-33 26 0,34-31 0,-31 31 0,37-46 0,-35 42 0,45-47 0,-44 50 0,28-31 0,-27 24 0,4 0 0,13-17 0,-24 23 0,43-44 0,-17 8 0,4 4-6784,25-18 6784,-53 46 0,51-36 0,-27 16 0,25-21 0,-17 16 0,-7-1 0,-5 1 0,-12 12-1366,28-33 1366,-44 51 0,1-1-315,3 6 315,-9-4 0,9 4 0,-4 0 0,11-10 0,-5 9 0,5-9 0,19-11 0,-23 12 0,42-32 0,-49 31 0,45-35 0,-45 34-3980,44-44 3980,-38 47-2066,44-57 2066,-38 62-937,15-30 1,1-2 936,-15 30 0,19-35 0,0 1 0,-18 34 2029,22-40-2029,8 10 3034,-33 26-3034,25-21 0,7-4 0,3 1 0,17-14 0,-10 11 0,-33 29 4537,0 3-4537,-20 5 0,4 4 6784,-3-4-6784,4 5 0,-5-5 0,4 3 0,7-8 0,-4 9 0,29-4 0,-26 0 0,36 4 0,-36-4-6784,41 10 6784,-39-4-1406,34 5 1,2 3 1405,-25-2-1803,57 4 1,0-1 1802,-52-2-1206,53 6 0,-2 2 1206,-56-6 0,45 8 0,-1 0 0,-45-9-386,36 6 0,-1 0 386,-39-7 0,63 14 0,-75-11 1546,49 5-1546,-49-9 2475,35 8-2475,-33-8 0,22 4 0,-26 0 0,41 5 0,-39-3 4020,25-2-4020,4 4 0,13 7 0,-3-7-3326,20 20 3326,-53-31-2686,54 31 2686,-52-30-2029,56 35 2029,-57-35 0,63 39 0,-60-37 1549,44 38-1549,-51-40 2796,22 29-2796,-28-25 0,16 27 0,-18-21 0,15 26 0,-15-26 4181,8 22-4181,-8-24 6252,4 23-6252,0-26 1606,-4 25-1606,-2-26 0,0 27 0,-4-21 0,9 36 0,-9-33 0,14 58 0,-12-55 0,17 55 0,-12-49 0,3 12 0,-1-3 0,-4-11 0,1 29 0,-2-27 0,-5 19 0,5-27 0,1 18 0,10 3 0,-8-9 0,12 5 0,-18-23 0,14 3 0,-10-10 0,0 4 0,4-9 0,-4 4 0,6-5 0,-1 5 0,0-3 0,11 13 0,-8-13 0,32 13 0,-28-14 0,49 9 0,-54-4 0,68 1 0,-65-2-3392,36-4 0,3-2 3392,-30 1-2269,41-3 1,0 1 2268,-38 0-465,31-3 0,-1 0 465,-37 4-547,66-9 547,-67 9 3805,37-4-3805,-43 0 5690,7 3-5690,-9-3 1942,-1 5-1942,5 0 1361,-3 0-1361,3 0 0,1 0 0,-5-5 0,15-1 0,-14 0 0,39-19 0,-38 15 0,51-27 0,-57 23 0,47-12 0,-44 13 0,31-13 0,-28 17 0,27-36 0,-29 32-6784,48-59 6784,-51 52 0,41-41 0,-36 30-4537,24-24 4537,-18 27-3034,32-42 3034,-40 55 0,21-26 0,0 0 0,-20 26-973,22-30 1,2-1 972,-18 29 0,22-33 0,0-2 0,-25 29 263,32-25 0,0 0-263,-31 26 0,26-18 0,1 3 0,-25 25-93,48-54 93,-50 58 527,55-58-527,-52 54 196,23-19 0,1 0-196,-23 18 1035,23-13 1,-1 2-1036,-23 19 0,62-40 0,-62 38 16,52-38-16,-55 40 1212,45-35-1212,-44 35 0,43-30 0,-43 26 0,49-13 0,-48 16-2405,57-4 2405,-56 9 0,77-4 0,-73 5-336,37 1 0,0 3 336,-34 2-829,32 2 0,-1 0 829,-36 0 2029,75 12-2029,-60-13 2092,28 9-2092,-36-10 0,-8-1 0,-9 0 3660,-1-3-3660,0 8 0,1-9 0,-1 4 0,10 0 0,-7-4 0,13 9-3934,25 6 3934,-25-7-1011,25 8 0,-2 1 1011,-31-8-913,36 12 1,0 2 912,-36-8 0,35 10 0,-1-1 0,-35-8 0,27 8 0,0 1 0,-25-10 0,58 40 0,-54-44 2029,33 38-2029,-37-35 3034,8 8-3034,3 6 0,-21-19 0,35 37 0,-33-36 0,34 39 0,-36-39 0,41 50 0,-14-12 0,6-1 0,-8-7 0,-3-6 4537,-13-20-4537,47 55 0,-48-63 0,29 43 0,-39-40 6784,13 16-6784,-20-14 0,4 9 0,-5-8 0,0 39 0,0-34 0,-5 48 0,4-48 0,-9 38 0,8-40 0,-3 40 0,5-38 0,-5 38 0,4-40 0,-4 30 0,5-31 0,0 26 0,0-26 0,5 21 0,-4-22 0,10 17 0,-10-17 0,9 12 0,-4-19 0,0 8 0,5-8 0,-10 4 0,4 0 0,0 0 0,-4 0 0,4 1 0,-5-1 0,0 0 0,0 10 0,0-7 0,5 17 0,-4-17 0,10 17 0,-10-17 0,14 17 0,-8-22 0,5 5 0,-7-14 0</inkml:trace>
+</inkml:ink>
+</file>
+
+<file path=ppt/ink/ink7.xml><?xml version="1.0" encoding="utf-8"?>
+<inkml:ink xmlns:inkml="http://www.w3.org/2003/InkML">
+  <inkml:definitions>
+    <inkml:context xml:id="ctx0">
+      <inkml:inkSource xml:id="inkSrc0">
+        <inkml:traceFormat>
+          <inkml:channel name="X" type="integer" min="-2.14748E9" max="2.14748E9" units="cm"/>
+          <inkml:channel name="Y" type="integer" min="-2.14748E9" max="2.14748E9" units="cm"/>
+          <inkml:channel name="F" type="integer" max="32767" units="dev"/>
+        </inkml:traceFormat>
+        <inkml:channelProperties>
+          <inkml:channelProperty channel="X" name="resolution" value="1000" units="1/cm"/>
+          <inkml:channelProperty channel="Y" name="resolution" value="1000" units="1/cm"/>
+          <inkml:channelProperty channel="F" name="resolution" value="0" units="1/dev"/>
+        </inkml:channelProperties>
+      </inkml:inkSource>
+      <inkml:timestamp xml:id="ts0" timeString="2025-03-11T15:34:21.452"/>
+    </inkml:context>
+    <inkml:brush xml:id="br0">
+      <inkml:brushProperty name="width" value="0.05" units="cm"/>
+      <inkml:brushProperty name="height" value="0.05" units="cm"/>
+      <inkml:brushProperty name="color" value="#004F8B"/>
+    </inkml:brush>
+  </inkml:definitions>
+  <inkml:trace contextRef="#ctx0" brushRef="#br0">0 1980 24575,'12'0'0,"-1"0"0,0 0 0,1 0 0,-6-5 0,4 4 0,1-4 0,2 5 0,8-5 0,-8 3 0,18-18 0,-16 16 0,32-26 0,-31 26 0,56-36 0,-51 34 0,66-39 0,-67 40-6784,67-36 6784,-66 36-37,61-30 37,-63 26 0,28-7 0,6-14-4525,3 3 4525,3-8 0,18-12 0,-57 36-3009,62-39 3009,-62 44-2029,62-50 2029,-67 44 893,65-45-893,-64 41 1882,60-36-1882,-57 36 0,48-36 0,-49 36 0,48-46 0,-47 48-1230,43-51 1230,-46 57-478,36-42 478,-41 40 2558,34-27-2558,-40 24 3824,26-19-3824,-29 18 0,23-12 0,-21 13 5719,31-13-5719,-25 17 3216,27-21-3216,-18 21 0,-2-12 0,8 4 0,-16 5 0,13 0 0,-11 2 0,0 4 0,1-5 0,-1 4 0,-5-3 0,19-6 0,-15 7-6784,37-26 6784,-31 30-2310,41-30 2310,-39 31 0,53-21 0,-51 22-3772,57-12 3772,-58 9-2522,73-11 2522,-68 10 0,34-4 0,1 2 0,-34 6-156,31-9 0,0-1 156,-34 9 1108,70-21-1108,-72 23 1630,57-13-1630,-58 8 3367,43-4-3367,-46 5 0,41 1 0,-40 5-1557,55-10 1557,-52 7-1401,72-17 1401,-69 12-73,69-13 73,-72 13-2429,56-12 2429,-57 18 2162,63-18-2162,-61 17-340,66-12 340,-67 14-1518,67-9 1518,-65 8 0,64-8 0,-65 9 0,60-9 0,-66 4-83,71-6 83,-70 6 0,61 1 0,-59 5 0,43 0 0,-43 0 0,54 5 0,-52-4 0,67 19 0,-61-16 0,25 13 0,1 1 0,-23-13 0,28 13 0,-2-1 0,-31-13-775,37 15 0,0 1 775,-35-13 0,49 18 0,2-1 0,-40-17 0,50 15 0,-1 1 0,-49-18 0,47 12 0,-1 0 0,-53-13 72,35 9 1,-3-1-73,-40-9 0,64 7 0,-65-10 0,50 5 0,-53-4 2101,39 9-2101,-41-9-217,41 4 217,-40-5 2811,45 5-2811,-45-4 4426,30 9-4426,-33-9 0,17 9 0,-17-8 6619,7 8-6619,-9-9 0,9 19 0,-7-11 0,28 22 0,-31-18 0,39 19 0,-38-19 499,29 18-499,-27-17 0,12 12 0,-18-13 0,12 18 0,-12-21 0,13 40 0,-14-38 0,4 29 0,-11-28 0,10 33 0,-8-27-6784,13 62 6784,-14-60-2257,10 65 2257,-5-71-3789,5 60 3789,-5-62 0,5 23 0,-10-26 0,14 16 0,-13-9 3789,19 24-3789,-19-27 2257,8 7-2257,-5-15 6784,-4 4-6784,9-4 0,-3 0 0,-1 4 0,4-3 0,-4-1 0,1 4 0,3-9 0,-4 9 0,5-4 0,1 0 0,-1 4 0,0-8 0,6 13 0,-5-13 0,10 13 0,-10-14 0,10 9 0,-10-3 0,5-1 0,-11 4 0,9-9 0,-12 9 0,22-9 0,-17 9 0,24-4 0,-18 6 0,7-6 0,6 9 0,3 2 0,0-3 0,6 11 0,-22-23 0,13 13 0,-15-8 0,15-1 0,-13-1 0,17 0 0,-17-4 0,12 4 0,-13-5 0,3 0 0,-9-5 0,3 4 0,-9-9 0,9-2 0,-4 0 0,16-15 0,-14 13 0,33-22 0,-30 21 0,20-12 0,-24 16 0,8-5 0,-8 8 0,30-32 0,-26 27 0,34-38 0,-39 36-6784,29-27 6784,-31 27-4287,26-37 4287,-21 35-3117,32-50 3117,-25 48-1042,18-21 0,-1-1 1042,-18 19 0,31-26 0,-1-1 0,-33 27-56,39-32 0,-1 1 56,-38 29 0,29-25 0,-1 1 0,-27 28 0,48-52 0,-48 55 795,42-35-795,-43 37 0,39-22 0,-40 24 0,35-19 0,-36 23 2422,16-6-2422,6 0 3623,-16 11-3623,46-26 0,2 11 0,-11 0-889,9-1 1,-2 0 888,-28 9 1678,33-9 0,3-2-1678,-17 3 0,20 2 0,-14 1 0,-7 2 0,-20 8 0,26-8 0,19-7 0,-1 4 0,8 5 0,-1 1 2759,-3-8 1,3 1-2760,23 3 0,-14 5 0,-38 8 0,15-8 0,4-1 0,6 9 1702,0-8-1702,-17 4 0,-8 2 0,-22 1 0,59-6 0,7-2-658,-41 4 658,15-1 0,16-2 0,-11 1 718,16-5-718,-18 5 0,12 0 0,-16 1 0,-5 0 0,18 2 0,-2 2 0,-29 4-3279,14 0 1,-2 0 3278,-13 0 228,2 2 1,3 1-229,22 9 0,-6-5 0,26 13 0,-78-18 0,37 13 0,-46-8 0,36 4 0,-35-5 0,15 4 0,5 1-4537,5 12 4537,2-10 0,34 22 0,-57-25 0,70 31 0,-68-26-904,30 9 0,2-2 904,-26-10 0,26 16 0,-1-2 0,-27-18 0,23 22 0,-1 0 0,-23-23-1218,25 21 1,2-1 1217,-19-21 0,35 31 0,2 1 0,-31-25 321,31 30 1,-3-2-322,-40-32-464,25 19 1,-2-1 463,-25-22 432,52 35-432,-54-35 0,43 30 0,-43-27 509,39 18-509,-41-18 1527,31 12-1527,-32-18 1996,31 18-1996,-29-17 0,29 17 0,-31-18 4506,27 13-4506,-27-9 0,21 6 0,-22-6 2743,18 4-2743,-19-9 2839,19 9-2839,-18-9 1296,12 14-1296,-13-12 0,8 17 0,-13-13 0,22 19 0,-20-17 0,31 21 0,-30-21 0,39 27 0,-38-26 0,45 25 0,-41-27 0,16 9 0,-26-7 0,4-9 0,-4 4 0,1 0 0,8 1 0,-8 0 0,5 4 0,-2-8 0,-9 7 0,9-7 0,-9 8 0,14-4 0,-7 0 0,3 4 0,-1-4 0,-3 6 0,4-6 0,-5 4 0,4-4 0,-3 0 0,4-1 0,-5 0 0,4-4 0,-3 4 0,4 0 0,0-3 0,1 3 0,-6 0 0,4-4 0,-14 4 0,8 0 0,-14-4 0,9 4 0,-4-5 0</inkml:trace>
+</inkml:ink>
+</file>
+
 <file path=ppt/slideLayouts/slideLayout1.xml><?xml version="1.0" encoding="utf-8"?>
 <p:sldLayout xmlns:a="http://schemas.openxmlformats.org/drawingml/2006/main" xmlns:r="http://schemas.openxmlformats.org/officeDocument/2006/relationships" xmlns:p="http://schemas.openxmlformats.org/presentationml/2006/main" type="title" preserve="1">
   <p:cSld name="Title Slide">
@@ -280,7 +478,7 @@
           <a:p>
             <a:fld id="{7CAF7FD4-E345-3B4F-B408-1EAACE559263}" type="datetimeFigureOut">
               <a:rPr lang="en-US" smtClean="0"/>
-              <a:t>3/19/24</a:t>
+              <a:t>3/11/25</a:t>
             </a:fld>
             <a:endParaRPr lang="en-US"/>
           </a:p>
@@ -491,7 +689,7 @@
           <a:p>
             <a:fld id="{7CAF7FD4-E345-3B4F-B408-1EAACE559263}" type="datetimeFigureOut">
               <a:rPr lang="en-US" smtClean="0"/>
-              <a:t>3/19/24</a:t>
+              <a:t>3/11/25</a:t>
             </a:fld>
             <a:endParaRPr lang="en-US"/>
           </a:p>
@@ -706,7 +904,7 @@
           <a:p>
             <a:fld id="{7CAF7FD4-E345-3B4F-B408-1EAACE559263}" type="datetimeFigureOut">
               <a:rPr lang="en-US" smtClean="0"/>
-              <a:t>3/19/24</a:t>
+              <a:t>3/11/25</a:t>
             </a:fld>
             <a:endParaRPr lang="en-US"/>
           </a:p>
@@ -907,7 +1105,7 @@
           <a:p>
             <a:fld id="{7CAF7FD4-E345-3B4F-B408-1EAACE559263}" type="datetimeFigureOut">
               <a:rPr lang="en-US" smtClean="0"/>
-              <a:t>3/19/24</a:t>
+              <a:t>3/11/25</a:t>
             </a:fld>
             <a:endParaRPr lang="en-US"/>
           </a:p>
@@ -1186,7 +1384,7 @@
           <a:p>
             <a:fld id="{7CAF7FD4-E345-3B4F-B408-1EAACE559263}" type="datetimeFigureOut">
               <a:rPr lang="en-US" smtClean="0"/>
-              <a:t>3/19/24</a:t>
+              <a:t>3/11/25</a:t>
             </a:fld>
             <a:endParaRPr lang="en-US"/>
           </a:p>
@@ -1454,7 +1652,7 @@
           <a:p>
             <a:fld id="{7CAF7FD4-E345-3B4F-B408-1EAACE559263}" type="datetimeFigureOut">
               <a:rPr lang="en-US" smtClean="0"/>
-              <a:t>3/19/24</a:t>
+              <a:t>3/11/25</a:t>
             </a:fld>
             <a:endParaRPr lang="en-US"/>
           </a:p>
@@ -1870,7 +2068,7 @@
           <a:p>
             <a:fld id="{7CAF7FD4-E345-3B4F-B408-1EAACE559263}" type="datetimeFigureOut">
               <a:rPr lang="en-US" smtClean="0"/>
-              <a:t>3/19/24</a:t>
+              <a:t>3/11/25</a:t>
             </a:fld>
             <a:endParaRPr lang="en-US"/>
           </a:p>
@@ -2019,7 +2217,7 @@
           <a:p>
             <a:fld id="{7CAF7FD4-E345-3B4F-B408-1EAACE559263}" type="datetimeFigureOut">
               <a:rPr lang="en-US" smtClean="0"/>
-              <a:t>3/19/24</a:t>
+              <a:t>3/11/25</a:t>
             </a:fld>
             <a:endParaRPr lang="en-US"/>
           </a:p>
@@ -2145,7 +2343,7 @@
           <a:p>
             <a:fld id="{7CAF7FD4-E345-3B4F-B408-1EAACE559263}" type="datetimeFigureOut">
               <a:rPr lang="en-US" smtClean="0"/>
-              <a:t>3/19/24</a:t>
+              <a:t>3/11/25</a:t>
             </a:fld>
             <a:endParaRPr lang="en-US"/>
           </a:p>
@@ -2396,7 +2594,7 @@
           <a:p>
             <a:fld id="{7CAF7FD4-E345-3B4F-B408-1EAACE559263}" type="datetimeFigureOut">
               <a:rPr lang="en-US" smtClean="0"/>
-              <a:t>3/19/24</a:t>
+              <a:t>3/11/25</a:t>
             </a:fld>
             <a:endParaRPr lang="en-US"/>
           </a:p>
@@ -2841,7 +3039,7 @@
           <a:p>
             <a:fld id="{7CAF7FD4-E345-3B4F-B408-1EAACE559263}" type="datetimeFigureOut">
               <a:rPr lang="en-US" smtClean="0"/>
-              <a:t>3/19/24</a:t>
+              <a:t>3/11/25</a:t>
             </a:fld>
             <a:endParaRPr lang="en-US"/>
           </a:p>
@@ -3168,7 +3366,7 @@
           <a:p>
             <a:fld id="{7CAF7FD4-E345-3B4F-B408-1EAACE559263}" type="datetimeFigureOut">
               <a:rPr lang="en-US" smtClean="0"/>
-              <a:t>3/19/24</a:t>
+              <a:t>3/11/25</a:t>
             </a:fld>
             <a:endParaRPr lang="en-US"/>
           </a:p>
@@ -3793,6 +3991,439 @@
 <file path=ppt/slides/slide10.xml><?xml version="1.0" encoding="utf-8"?>
 <p:sld xmlns:a="http://schemas.openxmlformats.org/drawingml/2006/main" xmlns:r="http://schemas.openxmlformats.org/officeDocument/2006/relationships" xmlns:p="http://schemas.openxmlformats.org/presentationml/2006/main">
   <p:cSld>
+    <p:bg>
+      <p:bgPr>
+        <a:gradFill rotWithShape="1">
+          <a:gsLst>
+            <a:gs pos="0">
+              <a:schemeClr val="bg2">
+                <a:tint val="94000"/>
+                <a:satMod val="80000"/>
+                <a:lumMod val="106000"/>
+              </a:schemeClr>
+            </a:gs>
+            <a:gs pos="100000">
+              <a:schemeClr val="bg2">
+                <a:shade val="80000"/>
+              </a:schemeClr>
+            </a:gs>
+          </a:gsLst>
+          <a:path path="circle">
+            <a:fillToRect l="43000" r="43000" b="100000"/>
+          </a:path>
+        </a:gradFill>
+        <a:effectLst/>
+      </p:bgPr>
+    </p:bg>
+    <p:spTree>
+      <p:nvGrpSpPr>
+        <p:cNvPr id="1" name=""/>
+        <p:cNvGrpSpPr/>
+        <p:nvPr/>
+      </p:nvGrpSpPr>
+      <p:grpSpPr>
+        <a:xfrm>
+          <a:off x="0" y="0"/>
+          <a:ext cx="0" cy="0"/>
+          <a:chOff x="0" y="0"/>
+          <a:chExt cx="0" cy="0"/>
+        </a:xfrm>
+      </p:grpSpPr>
+      <p:sp useBgFill="1">
+        <p:nvSpPr>
+          <p:cNvPr id="71" name="Rectangle 70">
+            <a:extLst>
+              <a:ext uri="{FF2B5EF4-FFF2-40B4-BE49-F238E27FC236}">
+                <a16:creationId xmlns:a16="http://schemas.microsoft.com/office/drawing/2014/main" id="{1C2A4B30-77D7-4FFB-8B53-A88BD68CABD2}"/>
+              </a:ext>
+              <a:ext uri="{C183D7F6-B498-43B3-948B-1728B52AA6E4}">
+                <adec:decorative xmlns:adec="http://schemas.microsoft.com/office/drawing/2017/decorative" val="1"/>
+              </a:ext>
+            </a:extLst>
+          </p:cNvPr>
+          <p:cNvSpPr>
+            <a:spLocks noGrp="1" noRot="1" noChangeAspect="1" noMove="1" noResize="1" noEditPoints="1" noAdjustHandles="1" noChangeArrowheads="1" noChangeShapeType="1" noTextEdit="1"/>
+          </p:cNvSpPr>
+          <p:nvPr>
+            <p:extLst>
+              <p:ext uri="{386F3935-93C4-4BCD-93E2-E3B085C9AB24}">
+                <p16:designElem xmlns:p16="http://schemas.microsoft.com/office/powerpoint/2015/main" val="1"/>
+              </p:ext>
+            </p:extLst>
+          </p:nvPr>
+        </p:nvSpPr>
+        <p:spPr>
+          <a:xfrm>
+            <a:off x="2" y="0"/>
+            <a:ext cx="12191695" cy="6858000"/>
+          </a:xfrm>
+          <a:prstGeom prst="rect">
+            <a:avLst/>
+          </a:prstGeom>
+          <a:ln>
+            <a:noFill/>
+          </a:ln>
+        </p:spPr>
+        <p:style>
+          <a:lnRef idx="2">
+            <a:schemeClr val="accent1">
+              <a:shade val="50000"/>
+            </a:schemeClr>
+          </a:lnRef>
+          <a:fillRef idx="1">
+            <a:schemeClr val="accent1"/>
+          </a:fillRef>
+          <a:effectRef idx="0">
+            <a:schemeClr val="accent1"/>
+          </a:effectRef>
+          <a:fontRef idx="minor">
+            <a:schemeClr val="lt1"/>
+          </a:fontRef>
+        </p:style>
+        <p:txBody>
+          <a:bodyPr rtlCol="0" anchor="ctr"/>
+          <a:lstStyle/>
+          <a:p>
+            <a:pPr algn="ctr"/>
+            <a:endParaRPr lang="en-US"/>
+          </a:p>
+        </p:txBody>
+      </p:sp>
+      <p:sp>
+        <p:nvSpPr>
+          <p:cNvPr id="2" name="Title 1">
+            <a:extLst>
+              <a:ext uri="{FF2B5EF4-FFF2-40B4-BE49-F238E27FC236}">
+                <a16:creationId xmlns:a16="http://schemas.microsoft.com/office/drawing/2014/main" id="{23FAC60B-7F32-F642-BD1A-77F116133BB9}"/>
+              </a:ext>
+            </a:extLst>
+          </p:cNvPr>
+          <p:cNvSpPr>
+            <a:spLocks noGrp="1"/>
+          </p:cNvSpPr>
+          <p:nvPr>
+            <p:ph type="title"/>
+          </p:nvPr>
+        </p:nvSpPr>
+        <p:spPr>
+          <a:xfrm>
+            <a:off x="1451580" y="804519"/>
+            <a:ext cx="4325112" cy="1049235"/>
+          </a:xfrm>
+        </p:spPr>
+        <p:txBody>
+          <a:bodyPr>
+            <a:normAutofit/>
+          </a:bodyPr>
+          <a:lstStyle/>
+          <a:p>
+            <a:r>
+              <a:rPr lang="en-US" sz="2800"/>
+              <a:t>Stationary</a:t>
+            </a:r>
+          </a:p>
+        </p:txBody>
+      </p:sp>
+      <p:cxnSp>
+        <p:nvCxnSpPr>
+          <p:cNvPr id="73" name="Straight Connector 72">
+            <a:extLst>
+              <a:ext uri="{FF2B5EF4-FFF2-40B4-BE49-F238E27FC236}">
+                <a16:creationId xmlns:a16="http://schemas.microsoft.com/office/drawing/2014/main" id="{373AAE2E-5D6B-4952-A4BB-546C49F8DE4B}"/>
+              </a:ext>
+              <a:ext uri="{C183D7F6-B498-43B3-948B-1728B52AA6E4}">
+                <adec:decorative xmlns:adec="http://schemas.microsoft.com/office/drawing/2017/decorative" val="1"/>
+              </a:ext>
+            </a:extLst>
+          </p:cNvPr>
+          <p:cNvCxnSpPr>
+            <a:cxnSpLocks noGrp="1" noRot="1" noChangeAspect="1" noMove="1" noResize="1" noEditPoints="1" noAdjustHandles="1" noChangeArrowheads="1" noChangeShapeType="1"/>
+          </p:cNvCxnSpPr>
+          <p:nvPr>
+            <p:extLst>
+              <p:ext uri="{386F3935-93C4-4BCD-93E2-E3B085C9AB24}">
+                <p16:designElem xmlns:p16="http://schemas.microsoft.com/office/powerpoint/2015/main" val="1"/>
+              </p:ext>
+            </p:extLst>
+          </p:nvPr>
+        </p:nvCxnSpPr>
+        <p:spPr>
+          <a:xfrm>
+            <a:off x="1451579" y="1853754"/>
+            <a:ext cx="4325112" cy="0"/>
+          </a:xfrm>
+          <a:prstGeom prst="line">
+            <a:avLst/>
+          </a:prstGeom>
+          <a:ln w="31750"/>
+        </p:spPr>
+        <p:style>
+          <a:lnRef idx="3">
+            <a:schemeClr val="accent1"/>
+          </a:lnRef>
+          <a:fillRef idx="0">
+            <a:schemeClr val="accent1"/>
+          </a:fillRef>
+          <a:effectRef idx="2">
+            <a:schemeClr val="accent1"/>
+          </a:effectRef>
+          <a:fontRef idx="minor">
+            <a:schemeClr val="tx1"/>
+          </a:fontRef>
+        </p:style>
+      </p:cxnSp>
+      <p:sp>
+        <p:nvSpPr>
+          <p:cNvPr id="75" name="Rectangle 74">
+            <a:extLst>
+              <a:ext uri="{FF2B5EF4-FFF2-40B4-BE49-F238E27FC236}">
+                <a16:creationId xmlns:a16="http://schemas.microsoft.com/office/drawing/2014/main" id="{01E4D783-AD45-49E7-B6C7-BBACB8290688}"/>
+              </a:ext>
+              <a:ext uri="{C183D7F6-B498-43B3-948B-1728B52AA6E4}">
+                <adec:decorative xmlns:adec="http://schemas.microsoft.com/office/drawing/2017/decorative" val="1"/>
+              </a:ext>
+            </a:extLst>
+          </p:cNvPr>
+          <p:cNvSpPr>
+            <a:spLocks noGrp="1" noRot="1" noChangeAspect="1" noMove="1" noResize="1" noEditPoints="1" noAdjustHandles="1" noChangeArrowheads="1" noChangeShapeType="1" noTextEdit="1"/>
+          </p:cNvSpPr>
+          <p:nvPr>
+            <p:extLst>
+              <p:ext uri="{386F3935-93C4-4BCD-93E2-E3B085C9AB24}">
+                <p16:designElem xmlns:p16="http://schemas.microsoft.com/office/powerpoint/2015/main" val="1"/>
+              </p:ext>
+            </p:extLst>
+          </p:nvPr>
+        </p:nvSpPr>
+        <p:spPr>
+          <a:xfrm>
+            <a:off x="0" y="2019476"/>
+            <a:ext cx="12192000" cy="4838524"/>
+          </a:xfrm>
+          <a:prstGeom prst="rect">
+            <a:avLst/>
+          </a:prstGeom>
+          <a:gradFill flip="none" rotWithShape="1">
+            <a:gsLst>
+              <a:gs pos="0">
+                <a:schemeClr val="bg2">
+                  <a:alpha val="0"/>
+                </a:schemeClr>
+              </a:gs>
+              <a:gs pos="100000">
+                <a:schemeClr val="bg2"/>
+              </a:gs>
+            </a:gsLst>
+            <a:lin ang="5400000" scaled="0"/>
+            <a:tileRect/>
+          </a:gradFill>
+          <a:ln>
+            <a:noFill/>
+          </a:ln>
+        </p:spPr>
+        <p:style>
+          <a:lnRef idx="2">
+            <a:schemeClr val="accent1">
+              <a:shade val="50000"/>
+            </a:schemeClr>
+          </a:lnRef>
+          <a:fillRef idx="1">
+            <a:schemeClr val="accent1"/>
+          </a:fillRef>
+          <a:effectRef idx="0">
+            <a:schemeClr val="accent1"/>
+          </a:effectRef>
+          <a:fontRef idx="minor">
+            <a:schemeClr val="lt1"/>
+          </a:fontRef>
+        </p:style>
+        <p:txBody>
+          <a:bodyPr rtlCol="0" anchor="ctr"/>
+          <a:lstStyle/>
+          <a:p>
+            <a:pPr lvl="0" algn="ctr"/>
+            <a:endParaRPr lang="en-US"/>
+          </a:p>
+        </p:txBody>
+      </p:sp>
+      <p:sp>
+        <p:nvSpPr>
+          <p:cNvPr id="3" name="Content Placeholder 2">
+            <a:extLst>
+              <a:ext uri="{FF2B5EF4-FFF2-40B4-BE49-F238E27FC236}">
+                <a16:creationId xmlns:a16="http://schemas.microsoft.com/office/drawing/2014/main" id="{EA367F9E-CA23-2649-A11D-BB828F573123}"/>
+              </a:ext>
+            </a:extLst>
+          </p:cNvPr>
+          <p:cNvSpPr>
+            <a:spLocks noGrp="1"/>
+          </p:cNvSpPr>
+          <p:nvPr>
+            <p:ph idx="1"/>
+          </p:nvPr>
+        </p:nvSpPr>
+        <p:spPr>
+          <a:xfrm>
+            <a:off x="0" y="1853754"/>
+            <a:ext cx="6757685" cy="5004243"/>
+          </a:xfrm>
+        </p:spPr>
+        <p:txBody>
+          <a:bodyPr>
+            <a:normAutofit/>
+          </a:bodyPr>
+          <a:lstStyle/>
+          <a:p>
+            <a:pPr>
+              <a:lnSpc>
+                <a:spcPct val="110000"/>
+              </a:lnSpc>
+            </a:pPr>
+            <a:r>
+              <a:rPr lang="en-US" sz="2400" dirty="0"/>
+              <a:t>A time series being stationary means that its major stats (mean, std) are not changing over time. </a:t>
+            </a:r>
+          </a:p>
+          <a:p>
+            <a:pPr>
+              <a:lnSpc>
+                <a:spcPct val="110000"/>
+              </a:lnSpc>
+            </a:pPr>
+            <a:r>
+              <a:rPr lang="en-US" sz="2400" dirty="0"/>
+              <a:t>We can transform data to make it stationary:</a:t>
+            </a:r>
+          </a:p>
+          <a:p>
+            <a:pPr lvl="1">
+              <a:lnSpc>
+                <a:spcPct val="110000"/>
+              </a:lnSpc>
+            </a:pPr>
+            <a:r>
+              <a:rPr lang="en-US" sz="2000" dirty="0"/>
+              <a:t>Differencing. </a:t>
+            </a:r>
+          </a:p>
+          <a:p>
+            <a:pPr lvl="2">
+              <a:lnSpc>
+                <a:spcPct val="110000"/>
+              </a:lnSpc>
+            </a:pPr>
+            <a:r>
+              <a:rPr lang="en-US" sz="1800" dirty="0"/>
+              <a:t>difference(T) = observation(T) – observation(T-1)</a:t>
+            </a:r>
+          </a:p>
+          <a:p>
+            <a:pPr lvl="2">
+              <a:lnSpc>
+                <a:spcPct val="110000"/>
+              </a:lnSpc>
+            </a:pPr>
+            <a:r>
+              <a:rPr lang="en-US" sz="1800" dirty="0"/>
+              <a:t>.diff() in code.</a:t>
+            </a:r>
+          </a:p>
+          <a:p>
+            <a:pPr lvl="1">
+              <a:lnSpc>
+                <a:spcPct val="110000"/>
+              </a:lnSpc>
+            </a:pPr>
+            <a:r>
+              <a:rPr lang="en-US" sz="2000" dirty="0"/>
+              <a:t>Other transformations (e.g. log). We won’t cover this stuff in detail. </a:t>
+            </a:r>
+          </a:p>
+          <a:p>
+            <a:pPr>
+              <a:lnSpc>
+                <a:spcPct val="110000"/>
+              </a:lnSpc>
+            </a:pPr>
+            <a:r>
+              <a:rPr lang="en-US" sz="2200" dirty="0"/>
+              <a:t>We generally need to make a time series stationary, or provide arguments for it to be made stationary. </a:t>
+            </a:r>
+          </a:p>
+          <a:p>
+            <a:pPr>
+              <a:lnSpc>
+                <a:spcPct val="110000"/>
+              </a:lnSpc>
+            </a:pPr>
+            <a:r>
+              <a:rPr lang="en-US" sz="2200" dirty="0"/>
+              <a:t>Similar idea to a kernel or basis function. </a:t>
+            </a:r>
+          </a:p>
+        </p:txBody>
+      </p:sp>
+      <p:pic>
+        <p:nvPicPr>
+          <p:cNvPr id="2050" name="Picture 2" descr="Time Series Analysis and Models | An Explorer of Things">
+            <a:extLst>
+              <a:ext uri="{FF2B5EF4-FFF2-40B4-BE49-F238E27FC236}">
+                <a16:creationId xmlns:a16="http://schemas.microsoft.com/office/drawing/2014/main" id="{928CD29D-72B7-1148-BD34-5F79ED0D24ED}"/>
+              </a:ext>
+            </a:extLst>
+          </p:cNvPr>
+          <p:cNvPicPr>
+            <a:picLocks noChangeAspect="1" noChangeArrowheads="1"/>
+          </p:cNvPicPr>
+          <p:nvPr/>
+        </p:nvPicPr>
+        <p:blipFill rotWithShape="1">
+          <a:blip r:embed="rId2">
+            <a:extLst>
+              <a:ext uri="{28A0092B-C50C-407E-A947-70E740481C1C}">
+                <a14:useLocalDpi xmlns:a14="http://schemas.microsoft.com/office/drawing/2010/main" val="0"/>
+              </a:ext>
+            </a:extLst>
+          </a:blip>
+          <a:srcRect t="1868"/>
+          <a:stretch/>
+        </p:blipFill>
+        <p:spPr bwMode="auto">
+          <a:xfrm>
+            <a:off x="6757988" y="1952"/>
+            <a:ext cx="5433709" cy="6880238"/>
+          </a:xfrm>
+          <a:prstGeom prst="rect">
+            <a:avLst/>
+          </a:prstGeom>
+          <a:noFill/>
+          <a:extLst>
+            <a:ext uri="{909E8E84-426E-40DD-AFC4-6F175D3DCCD1}">
+              <a14:hiddenFill xmlns:a14="http://schemas.microsoft.com/office/drawing/2010/main">
+                <a:solidFill>
+                  <a:srgbClr val="FFFFFF"/>
+                </a:solidFill>
+              </a14:hiddenFill>
+            </a:ext>
+          </a:extLst>
+        </p:spPr>
+      </p:pic>
+    </p:spTree>
+    <p:extLst>
+      <p:ext uri="{BB962C8B-B14F-4D97-AF65-F5344CB8AC3E}">
+        <p14:creationId xmlns:p14="http://schemas.microsoft.com/office/powerpoint/2010/main" val="3466610102"/>
+      </p:ext>
+    </p:extLst>
+  </p:cSld>
+  <p:clrMapOvr>
+    <a:masterClrMapping/>
+  </p:clrMapOvr>
+</p:sld>
+</file>
+
+<file path=ppt/slides/slide11.xml><?xml version="1.0" encoding="utf-8"?>
+<p:sld xmlns:a="http://schemas.openxmlformats.org/drawingml/2006/main" xmlns:r="http://schemas.openxmlformats.org/officeDocument/2006/relationships" xmlns:p="http://schemas.openxmlformats.org/presentationml/2006/main">
+  <p:cSld>
     <p:spTree>
       <p:nvGrpSpPr>
         <p:cNvPr id="1" name=""/>
@@ -3948,151 +4579,6 @@
 </p:sld>
 </file>
 
-<file path=ppt/slides/slide11.xml><?xml version="1.0" encoding="utf-8"?>
-<p:sld xmlns:a="http://schemas.openxmlformats.org/drawingml/2006/main" xmlns:r="http://schemas.openxmlformats.org/officeDocument/2006/relationships" xmlns:p="http://schemas.openxmlformats.org/presentationml/2006/main">
-  <p:cSld>
-    <p:spTree>
-      <p:nvGrpSpPr>
-        <p:cNvPr id="1" name=""/>
-        <p:cNvGrpSpPr/>
-        <p:nvPr/>
-      </p:nvGrpSpPr>
-      <p:grpSpPr>
-        <a:xfrm>
-          <a:off x="0" y="0"/>
-          <a:ext cx="0" cy="0"/>
-          <a:chOff x="0" y="0"/>
-          <a:chExt cx="0" cy="0"/>
-        </a:xfrm>
-      </p:grpSpPr>
-      <p:sp>
-        <p:nvSpPr>
-          <p:cNvPr id="2" name="Title 1">
-            <a:extLst>
-              <a:ext uri="{FF2B5EF4-FFF2-40B4-BE49-F238E27FC236}">
-                <a16:creationId xmlns:a16="http://schemas.microsoft.com/office/drawing/2014/main" id="{48D6F2E3-C441-EA45-AFB0-16746E9DB104}"/>
-              </a:ext>
-            </a:extLst>
-          </p:cNvPr>
-          <p:cNvSpPr>
-            <a:spLocks noGrp="1"/>
-          </p:cNvSpPr>
-          <p:nvPr>
-            <p:ph type="title"/>
-          </p:nvPr>
-        </p:nvSpPr>
-        <p:spPr/>
-        <p:txBody>
-          <a:bodyPr/>
-          <a:lstStyle/>
-          <a:p>
-            <a:r>
-              <a:rPr lang="en-US" dirty="0"/>
-              <a:t>ARIMA</a:t>
-            </a:r>
-          </a:p>
-        </p:txBody>
-      </p:sp>
-      <p:sp>
-        <p:nvSpPr>
-          <p:cNvPr id="3" name="Content Placeholder 2">
-            <a:extLst>
-              <a:ext uri="{FF2B5EF4-FFF2-40B4-BE49-F238E27FC236}">
-                <a16:creationId xmlns:a16="http://schemas.microsoft.com/office/drawing/2014/main" id="{3391B933-66AE-EF4B-A480-3CF6E4F1BDD6}"/>
-              </a:ext>
-            </a:extLst>
-          </p:cNvPr>
-          <p:cNvSpPr>
-            <a:spLocks noGrp="1"/>
-          </p:cNvSpPr>
-          <p:nvPr>
-            <p:ph idx="1"/>
-          </p:nvPr>
-        </p:nvSpPr>
-        <p:spPr>
-          <a:xfrm>
-            <a:off x="1451579" y="1853754"/>
-            <a:ext cx="9603275" cy="4199727"/>
-          </a:xfrm>
-        </p:spPr>
-        <p:txBody>
-          <a:bodyPr/>
-          <a:lstStyle/>
-          <a:p>
-            <a:r>
-              <a:rPr lang="en-US" dirty="0"/>
-              <a:t>ARIMA is a common time series model, it has 3 parts:</a:t>
-            </a:r>
-          </a:p>
-          <a:p>
-            <a:pPr lvl="1"/>
-            <a:r>
-              <a:rPr lang="en-US" dirty="0"/>
-              <a:t>AR (p) – Autoregressive. </a:t>
-            </a:r>
-            <a:r>
-              <a:rPr lang="en-CA" dirty="0"/>
-              <a:t>Regresses on its own prior or lagged values. In other words, it predicts future values based on past values. </a:t>
-            </a:r>
-            <a:endParaRPr lang="en-US" dirty="0"/>
-          </a:p>
-          <a:p>
-            <a:pPr lvl="1"/>
-            <a:r>
-              <a:rPr lang="en-US" dirty="0"/>
-              <a:t>I (d) – Integrated. </a:t>
-            </a:r>
-            <a:r>
-              <a:rPr lang="en-CA" dirty="0"/>
-              <a:t>Observes the difference between static data values and previous values. The goal is to achieve stationary data that is not subject to seasonality. </a:t>
-            </a:r>
-            <a:endParaRPr lang="en-US" dirty="0"/>
-          </a:p>
-          <a:p>
-            <a:pPr lvl="1"/>
-            <a:r>
-              <a:rPr lang="en-US" dirty="0"/>
-              <a:t>MA (q) – Moving Average. A moving average. </a:t>
-            </a:r>
-          </a:p>
-          <a:p>
-            <a:r>
-              <a:rPr lang="en-US" dirty="0"/>
-              <a:t>Uses differencing to become stationary – removes seasonality. </a:t>
-            </a:r>
-          </a:p>
-          <a:p>
-            <a:r>
-              <a:rPr lang="en-US" dirty="0"/>
-              <a:t>Doing this part manually is for context, we have tools to do it for us that we’ll leverage. </a:t>
-            </a:r>
-          </a:p>
-          <a:p>
-            <a:pPr lvl="1"/>
-            <a:r>
-              <a:rPr lang="en-US" dirty="0"/>
-              <a:t>We don’t need to know how to do this process in depth, we’ll use the library tools. </a:t>
-            </a:r>
-          </a:p>
-          <a:p>
-            <a:pPr lvl="1"/>
-            <a:endParaRPr lang="en-US" dirty="0"/>
-          </a:p>
-        </p:txBody>
-      </p:sp>
-    </p:spTree>
-    <p:extLst>
-      <p:ext uri="{BB962C8B-B14F-4D97-AF65-F5344CB8AC3E}">
-        <p14:creationId xmlns:p14="http://schemas.microsoft.com/office/powerpoint/2010/main" val="3138543553"/>
-      </p:ext>
-    </p:extLst>
-  </p:cSld>
-  <p:clrMapOvr>
-    <a:masterClrMapping/>
-  </p:clrMapOvr>
-</p:sld>
-</file>
-
 <file path=ppt/slides/slide12.xml><?xml version="1.0" encoding="utf-8"?>
 <p:sld xmlns:a="http://schemas.openxmlformats.org/drawingml/2006/main" xmlns:r="http://schemas.openxmlformats.org/officeDocument/2006/relationships" xmlns:p="http://schemas.openxmlformats.org/presentationml/2006/main">
   <p:cSld>
@@ -4115,6 +4601,151 @@
           <p:cNvPr id="2" name="Title 1">
             <a:extLst>
               <a:ext uri="{FF2B5EF4-FFF2-40B4-BE49-F238E27FC236}">
+                <a16:creationId xmlns:a16="http://schemas.microsoft.com/office/drawing/2014/main" id="{48D6F2E3-C441-EA45-AFB0-16746E9DB104}"/>
+              </a:ext>
+            </a:extLst>
+          </p:cNvPr>
+          <p:cNvSpPr>
+            <a:spLocks noGrp="1"/>
+          </p:cNvSpPr>
+          <p:nvPr>
+            <p:ph type="title"/>
+          </p:nvPr>
+        </p:nvSpPr>
+        <p:spPr/>
+        <p:txBody>
+          <a:bodyPr/>
+          <a:lstStyle/>
+          <a:p>
+            <a:r>
+              <a:rPr lang="en-US" dirty="0"/>
+              <a:t>ARIMA</a:t>
+            </a:r>
+          </a:p>
+        </p:txBody>
+      </p:sp>
+      <p:sp>
+        <p:nvSpPr>
+          <p:cNvPr id="3" name="Content Placeholder 2">
+            <a:extLst>
+              <a:ext uri="{FF2B5EF4-FFF2-40B4-BE49-F238E27FC236}">
+                <a16:creationId xmlns:a16="http://schemas.microsoft.com/office/drawing/2014/main" id="{3391B933-66AE-EF4B-A480-3CF6E4F1BDD6}"/>
+              </a:ext>
+            </a:extLst>
+          </p:cNvPr>
+          <p:cNvSpPr>
+            <a:spLocks noGrp="1"/>
+          </p:cNvSpPr>
+          <p:nvPr>
+            <p:ph idx="1"/>
+          </p:nvPr>
+        </p:nvSpPr>
+        <p:spPr>
+          <a:xfrm>
+            <a:off x="1451579" y="1853754"/>
+            <a:ext cx="9603275" cy="4199727"/>
+          </a:xfrm>
+        </p:spPr>
+        <p:txBody>
+          <a:bodyPr/>
+          <a:lstStyle/>
+          <a:p>
+            <a:r>
+              <a:rPr lang="en-US" dirty="0"/>
+              <a:t>ARIMA is a common time series model, it has 3 parts:</a:t>
+            </a:r>
+          </a:p>
+          <a:p>
+            <a:pPr lvl="1"/>
+            <a:r>
+              <a:rPr lang="en-US" dirty="0"/>
+              <a:t>AR (p) – Autoregressive. </a:t>
+            </a:r>
+            <a:r>
+              <a:rPr lang="en-CA" dirty="0"/>
+              <a:t>Regresses on its own prior or lagged values. In other words, it predicts future values based on past values. </a:t>
+            </a:r>
+            <a:endParaRPr lang="en-US" dirty="0"/>
+          </a:p>
+          <a:p>
+            <a:pPr lvl="1"/>
+            <a:r>
+              <a:rPr lang="en-US" dirty="0"/>
+              <a:t>I (d) – Integrated. </a:t>
+            </a:r>
+            <a:r>
+              <a:rPr lang="en-CA" dirty="0"/>
+              <a:t>Observes the difference between static data values and previous values. The goal is to achieve stationary data that is not subject to seasonality. </a:t>
+            </a:r>
+            <a:endParaRPr lang="en-US" dirty="0"/>
+          </a:p>
+          <a:p>
+            <a:pPr lvl="1"/>
+            <a:r>
+              <a:rPr lang="en-US" dirty="0"/>
+              <a:t>MA (q) – Moving Average. A moving average. </a:t>
+            </a:r>
+          </a:p>
+          <a:p>
+            <a:r>
+              <a:rPr lang="en-US" dirty="0"/>
+              <a:t>Uses differencing to become stationary – removes seasonality. </a:t>
+            </a:r>
+          </a:p>
+          <a:p>
+            <a:r>
+              <a:rPr lang="en-US" dirty="0"/>
+              <a:t>Doing this part manually is for context, we have tools to do it for us that we’ll leverage. </a:t>
+            </a:r>
+          </a:p>
+          <a:p>
+            <a:pPr lvl="1"/>
+            <a:r>
+              <a:rPr lang="en-US" dirty="0"/>
+              <a:t>We don’t need to know how to do this process in depth, we’ll use the library tools. </a:t>
+            </a:r>
+          </a:p>
+          <a:p>
+            <a:pPr lvl="1"/>
+            <a:endParaRPr lang="en-US" dirty="0"/>
+          </a:p>
+        </p:txBody>
+      </p:sp>
+    </p:spTree>
+    <p:extLst>
+      <p:ext uri="{BB962C8B-B14F-4D97-AF65-F5344CB8AC3E}">
+        <p14:creationId xmlns:p14="http://schemas.microsoft.com/office/powerpoint/2010/main" val="3138543553"/>
+      </p:ext>
+    </p:extLst>
+  </p:cSld>
+  <p:clrMapOvr>
+    <a:masterClrMapping/>
+  </p:clrMapOvr>
+</p:sld>
+</file>
+
+<file path=ppt/slides/slide13.xml><?xml version="1.0" encoding="utf-8"?>
+<p:sld xmlns:a="http://schemas.openxmlformats.org/drawingml/2006/main" xmlns:r="http://schemas.openxmlformats.org/officeDocument/2006/relationships" xmlns:p="http://schemas.openxmlformats.org/presentationml/2006/main">
+  <p:cSld>
+    <p:spTree>
+      <p:nvGrpSpPr>
+        <p:cNvPr id="1" name=""/>
+        <p:cNvGrpSpPr/>
+        <p:nvPr/>
+      </p:nvGrpSpPr>
+      <p:grpSpPr>
+        <a:xfrm>
+          <a:off x="0" y="0"/>
+          <a:ext cx="0" cy="0"/>
+          <a:chOff x="0" y="0"/>
+          <a:chExt cx="0" cy="0"/>
+        </a:xfrm>
+      </p:grpSpPr>
+      <p:sp>
+        <p:nvSpPr>
+          <p:cNvPr id="2" name="Title 1">
+            <a:extLst>
+              <a:ext uri="{FF2B5EF4-FFF2-40B4-BE49-F238E27FC236}">
                 <a16:creationId xmlns:a16="http://schemas.microsoft.com/office/drawing/2014/main" id="{7B11B4FF-C483-1843-A310-41690B02C0B1}"/>
               </a:ext>
             </a:extLst>
@@ -4225,7 +4856,7 @@
 </p:sld>
 </file>
 
-<file path=ppt/slides/slide13.xml><?xml version="1.0" encoding="utf-8"?>
+<file path=ppt/slides/slide14.xml><?xml version="1.0" encoding="utf-8"?>
 <p:sld xmlns:a="http://schemas.openxmlformats.org/drawingml/2006/main" xmlns:r="http://schemas.openxmlformats.org/officeDocument/2006/relationships" xmlns:p="http://schemas.openxmlformats.org/presentationml/2006/main">
   <p:cSld>
     <p:spTree>
@@ -4338,132 +4969,6 @@
 </p:sld>
 </file>
 
-<file path=ppt/slides/slide14.xml><?xml version="1.0" encoding="utf-8"?>
-<p:sld xmlns:a="http://schemas.openxmlformats.org/drawingml/2006/main" xmlns:r="http://schemas.openxmlformats.org/officeDocument/2006/relationships" xmlns:p="http://schemas.openxmlformats.org/presentationml/2006/main">
-  <p:cSld>
-    <p:spTree>
-      <p:nvGrpSpPr>
-        <p:cNvPr id="1" name=""/>
-        <p:cNvGrpSpPr/>
-        <p:nvPr/>
-      </p:nvGrpSpPr>
-      <p:grpSpPr>
-        <a:xfrm>
-          <a:off x="0" y="0"/>
-          <a:ext cx="0" cy="0"/>
-          <a:chOff x="0" y="0"/>
-          <a:chExt cx="0" cy="0"/>
-        </a:xfrm>
-      </p:grpSpPr>
-      <p:sp>
-        <p:nvSpPr>
-          <p:cNvPr id="2" name="Title 1">
-            <a:extLst>
-              <a:ext uri="{FF2B5EF4-FFF2-40B4-BE49-F238E27FC236}">
-                <a16:creationId xmlns:a16="http://schemas.microsoft.com/office/drawing/2014/main" id="{1E301671-7911-14AC-D4D5-9602BE635904}"/>
-              </a:ext>
-            </a:extLst>
-          </p:cNvPr>
-          <p:cNvSpPr>
-            <a:spLocks noGrp="1"/>
-          </p:cNvSpPr>
-          <p:nvPr>
-            <p:ph type="title"/>
-          </p:nvPr>
-        </p:nvSpPr>
-        <p:spPr/>
-        <p:txBody>
-          <a:bodyPr/>
-          <a:lstStyle/>
-          <a:p>
-            <a:r>
-              <a:rPr lang="en-US" dirty="0"/>
-              <a:t>P and Q</a:t>
-            </a:r>
-          </a:p>
-        </p:txBody>
-      </p:sp>
-      <p:sp>
-        <p:nvSpPr>
-          <p:cNvPr id="3" name="Content Placeholder 2">
-            <a:extLst>
-              <a:ext uri="{FF2B5EF4-FFF2-40B4-BE49-F238E27FC236}">
-                <a16:creationId xmlns:a16="http://schemas.microsoft.com/office/drawing/2014/main" id="{D9A78AFD-5820-9530-33CA-3503BFEFD001}"/>
-              </a:ext>
-            </a:extLst>
-          </p:cNvPr>
-          <p:cNvSpPr>
-            <a:spLocks noGrp="1"/>
-          </p:cNvSpPr>
-          <p:nvPr>
-            <p:ph idx="1"/>
-          </p:nvPr>
-        </p:nvSpPr>
-        <p:spPr>
-          <a:xfrm>
-            <a:off x="1238081" y="1933996"/>
-            <a:ext cx="10034124" cy="4119485"/>
-          </a:xfrm>
-        </p:spPr>
-        <p:txBody>
-          <a:bodyPr>
-            <a:normAutofit/>
-          </a:bodyPr>
-          <a:lstStyle/>
-          <a:p>
-            <a:r>
-              <a:rPr lang="en-US" dirty="0"/>
-              <a:t>Determining the p and q values is kind of vague. </a:t>
-            </a:r>
-          </a:p>
-          <a:p>
-            <a:pPr lvl="1"/>
-            <a:r>
-              <a:rPr lang="en-US" dirty="0"/>
-              <a:t>These terms act with the d param like kernel/basis functions to do a stationary transformation. </a:t>
-            </a:r>
-          </a:p>
-          <a:p>
-            <a:r>
-              <a:rPr lang="en-US" dirty="0"/>
-              <a:t>We make guesses based off of what we can see in a couple of plots:</a:t>
-            </a:r>
-          </a:p>
-          <a:p>
-            <a:pPr lvl="1"/>
-            <a:r>
-              <a:rPr lang="en-US" dirty="0"/>
-              <a:t>ACF – residual autocorrelation. </a:t>
-            </a:r>
-          </a:p>
-          <a:p>
-            <a:pPr lvl="1"/>
-            <a:r>
-              <a:rPr lang="en-US" dirty="0"/>
-              <a:t>PACF – residual partial autocorrelation. </a:t>
-            </a:r>
-          </a:p>
-          <a:p>
-            <a:r>
-              <a:rPr lang="en-US" dirty="0"/>
-              <a:t>Note – there’s more detail that goes into selecting these things that is largely out of scope. We can make estimates and evaluate. </a:t>
-            </a:r>
-          </a:p>
-        </p:txBody>
-      </p:sp>
-    </p:spTree>
-    <p:extLst>
-      <p:ext uri="{BB962C8B-B14F-4D97-AF65-F5344CB8AC3E}">
-        <p14:creationId xmlns:p14="http://schemas.microsoft.com/office/powerpoint/2010/main" val="628860228"/>
-      </p:ext>
-    </p:extLst>
-  </p:cSld>
-  <p:clrMapOvr>
-    <a:masterClrMapping/>
-  </p:clrMapOvr>
-</p:sld>
-</file>
-
 <file path=ppt/slides/slide15.xml><?xml version="1.0" encoding="utf-8"?>
 <p:sld xmlns:a="http://schemas.openxmlformats.org/drawingml/2006/main" xmlns:r="http://schemas.openxmlformats.org/officeDocument/2006/relationships" xmlns:p="http://schemas.openxmlformats.org/presentationml/2006/main">
   <p:cSld>
@@ -4486,6 +4991,132 @@
           <p:cNvPr id="2" name="Title 1">
             <a:extLst>
               <a:ext uri="{FF2B5EF4-FFF2-40B4-BE49-F238E27FC236}">
+                <a16:creationId xmlns:a16="http://schemas.microsoft.com/office/drawing/2014/main" id="{1E301671-7911-14AC-D4D5-9602BE635904}"/>
+              </a:ext>
+            </a:extLst>
+          </p:cNvPr>
+          <p:cNvSpPr>
+            <a:spLocks noGrp="1"/>
+          </p:cNvSpPr>
+          <p:nvPr>
+            <p:ph type="title"/>
+          </p:nvPr>
+        </p:nvSpPr>
+        <p:spPr/>
+        <p:txBody>
+          <a:bodyPr/>
+          <a:lstStyle/>
+          <a:p>
+            <a:r>
+              <a:rPr lang="en-US" dirty="0"/>
+              <a:t>P and Q</a:t>
+            </a:r>
+          </a:p>
+        </p:txBody>
+      </p:sp>
+      <p:sp>
+        <p:nvSpPr>
+          <p:cNvPr id="3" name="Content Placeholder 2">
+            <a:extLst>
+              <a:ext uri="{FF2B5EF4-FFF2-40B4-BE49-F238E27FC236}">
+                <a16:creationId xmlns:a16="http://schemas.microsoft.com/office/drawing/2014/main" id="{D9A78AFD-5820-9530-33CA-3503BFEFD001}"/>
+              </a:ext>
+            </a:extLst>
+          </p:cNvPr>
+          <p:cNvSpPr>
+            <a:spLocks noGrp="1"/>
+          </p:cNvSpPr>
+          <p:nvPr>
+            <p:ph idx="1"/>
+          </p:nvPr>
+        </p:nvSpPr>
+        <p:spPr>
+          <a:xfrm>
+            <a:off x="1238081" y="1933996"/>
+            <a:ext cx="10034124" cy="4119485"/>
+          </a:xfrm>
+        </p:spPr>
+        <p:txBody>
+          <a:bodyPr>
+            <a:normAutofit/>
+          </a:bodyPr>
+          <a:lstStyle/>
+          <a:p>
+            <a:r>
+              <a:rPr lang="en-US" dirty="0"/>
+              <a:t>Determining the p and q values is kind of vague. </a:t>
+            </a:r>
+          </a:p>
+          <a:p>
+            <a:pPr lvl="1"/>
+            <a:r>
+              <a:rPr lang="en-US" dirty="0"/>
+              <a:t>These terms act with the d param like kernel/basis functions to do a stationary transformation. </a:t>
+            </a:r>
+          </a:p>
+          <a:p>
+            <a:r>
+              <a:rPr lang="en-US" dirty="0"/>
+              <a:t>We make guesses based off of what we can see in a couple of plots:</a:t>
+            </a:r>
+          </a:p>
+          <a:p>
+            <a:pPr lvl="1"/>
+            <a:r>
+              <a:rPr lang="en-US" dirty="0"/>
+              <a:t>ACF – residual autocorrelation. </a:t>
+            </a:r>
+          </a:p>
+          <a:p>
+            <a:pPr lvl="1"/>
+            <a:r>
+              <a:rPr lang="en-US" dirty="0"/>
+              <a:t>PACF – residual partial autocorrelation. </a:t>
+            </a:r>
+          </a:p>
+          <a:p>
+            <a:r>
+              <a:rPr lang="en-US" dirty="0"/>
+              <a:t>Note – there’s more detail that goes into selecting these things that is largely out of scope. We can make estimates and evaluate. </a:t>
+            </a:r>
+          </a:p>
+        </p:txBody>
+      </p:sp>
+    </p:spTree>
+    <p:extLst>
+      <p:ext uri="{BB962C8B-B14F-4D97-AF65-F5344CB8AC3E}">
+        <p14:creationId xmlns:p14="http://schemas.microsoft.com/office/powerpoint/2010/main" val="628860228"/>
+      </p:ext>
+    </p:extLst>
+  </p:cSld>
+  <p:clrMapOvr>
+    <a:masterClrMapping/>
+  </p:clrMapOvr>
+</p:sld>
+</file>
+
+<file path=ppt/slides/slide16.xml><?xml version="1.0" encoding="utf-8"?>
+<p:sld xmlns:a="http://schemas.openxmlformats.org/drawingml/2006/main" xmlns:r="http://schemas.openxmlformats.org/officeDocument/2006/relationships" xmlns:p="http://schemas.openxmlformats.org/presentationml/2006/main">
+  <p:cSld>
+    <p:spTree>
+      <p:nvGrpSpPr>
+        <p:cNvPr id="1" name=""/>
+        <p:cNvGrpSpPr/>
+        <p:nvPr/>
+      </p:nvGrpSpPr>
+      <p:grpSpPr>
+        <a:xfrm>
+          <a:off x="0" y="0"/>
+          <a:ext cx="0" cy="0"/>
+          <a:chOff x="0" y="0"/>
+          <a:chExt cx="0" cy="0"/>
+        </a:xfrm>
+      </p:grpSpPr>
+      <p:sp>
+        <p:nvSpPr>
+          <p:cNvPr id="2" name="Title 1">
+            <a:extLst>
+              <a:ext uri="{FF2B5EF4-FFF2-40B4-BE49-F238E27FC236}">
                 <a16:creationId xmlns:a16="http://schemas.microsoft.com/office/drawing/2014/main" id="{E315D5B2-E808-5298-6064-A28E494EEB36}"/>
               </a:ext>
             </a:extLst>
@@ -4593,7 +5224,7 @@
 </p:sld>
 </file>
 
-<file path=ppt/slides/slide16.xml><?xml version="1.0" encoding="utf-8"?>
+<file path=ppt/slides/slide17.xml><?xml version="1.0" encoding="utf-8"?>
 <p:sld xmlns:a="http://schemas.openxmlformats.org/drawingml/2006/main" xmlns:r="http://schemas.openxmlformats.org/officeDocument/2006/relationships" xmlns:p="http://schemas.openxmlformats.org/presentationml/2006/main">
   <p:cSld>
     <p:spTree>
@@ -4722,7 +5353,7 @@
 </p:sld>
 </file>
 
-<file path=ppt/slides/slide17.xml><?xml version="1.0" encoding="utf-8"?>
+<file path=ppt/slides/slide18.xml><?xml version="1.0" encoding="utf-8"?>
 <p:sld xmlns:a="http://schemas.openxmlformats.org/drawingml/2006/main" xmlns:r="http://schemas.openxmlformats.org/officeDocument/2006/relationships" xmlns:p="http://schemas.openxmlformats.org/presentationml/2006/main">
   <p:cSld>
     <p:spTree>
@@ -4851,7 +5482,7 @@
 </p:sld>
 </file>
 
-<file path=ppt/slides/slide18.xml><?xml version="1.0" encoding="utf-8"?>
+<file path=ppt/slides/slide19.xml><?xml version="1.0" encoding="utf-8"?>
 <p:sld xmlns:a="http://schemas.openxmlformats.org/drawingml/2006/main" xmlns:r="http://schemas.openxmlformats.org/officeDocument/2006/relationships" xmlns:p="http://schemas.openxmlformats.org/presentationml/2006/main">
   <p:cSld>
     <p:spTree>
@@ -4980,173 +5611,6 @@
 </p:sld>
 </file>
 
-<file path=ppt/slides/slide19.xml><?xml version="1.0" encoding="utf-8"?>
-<p:sld xmlns:a="http://schemas.openxmlformats.org/drawingml/2006/main" xmlns:r="http://schemas.openxmlformats.org/officeDocument/2006/relationships" xmlns:p="http://schemas.openxmlformats.org/presentationml/2006/main">
-  <p:cSld>
-    <p:spTree>
-      <p:nvGrpSpPr>
-        <p:cNvPr id="1" name=""/>
-        <p:cNvGrpSpPr/>
-        <p:nvPr/>
-      </p:nvGrpSpPr>
-      <p:grpSpPr>
-        <a:xfrm>
-          <a:off x="0" y="0"/>
-          <a:ext cx="0" cy="0"/>
-          <a:chOff x="0" y="0"/>
-          <a:chExt cx="0" cy="0"/>
-        </a:xfrm>
-      </p:grpSpPr>
-      <p:sp>
-        <p:nvSpPr>
-          <p:cNvPr id="2" name="Title 1">
-            <a:extLst>
-              <a:ext uri="{FF2B5EF4-FFF2-40B4-BE49-F238E27FC236}">
-                <a16:creationId xmlns:a16="http://schemas.microsoft.com/office/drawing/2014/main" id="{6E1A8DAA-594E-DF46-8A5F-F8BFE936389B}"/>
-              </a:ext>
-            </a:extLst>
-          </p:cNvPr>
-          <p:cNvSpPr>
-            <a:spLocks noGrp="1"/>
-          </p:cNvSpPr>
-          <p:nvPr>
-            <p:ph type="title"/>
-          </p:nvPr>
-        </p:nvSpPr>
-        <p:spPr/>
-        <p:txBody>
-          <a:bodyPr/>
-          <a:lstStyle/>
-          <a:p>
-            <a:r>
-              <a:rPr lang="en-US" dirty="0"/>
-              <a:t>Implementation</a:t>
-            </a:r>
-          </a:p>
-        </p:txBody>
-      </p:sp>
-      <p:sp>
-        <p:nvSpPr>
-          <p:cNvPr id="3" name="Content Placeholder 2">
-            <a:extLst>
-              <a:ext uri="{FF2B5EF4-FFF2-40B4-BE49-F238E27FC236}">
-                <a16:creationId xmlns:a16="http://schemas.microsoft.com/office/drawing/2014/main" id="{F521AF14-542C-D24F-AB24-180660807542}"/>
-              </a:ext>
-            </a:extLst>
-          </p:cNvPr>
-          <p:cNvSpPr>
-            <a:spLocks noGrp="1"/>
-          </p:cNvSpPr>
-          <p:nvPr>
-            <p:ph idx="1"/>
-          </p:nvPr>
-        </p:nvSpPr>
-        <p:spPr>
-          <a:xfrm>
-            <a:off x="1451579" y="2015732"/>
-            <a:ext cx="9603275" cy="4037749"/>
-          </a:xfrm>
-        </p:spPr>
-        <p:txBody>
-          <a:bodyPr/>
-          <a:lstStyle/>
-          <a:p>
-            <a:r>
-              <a:rPr lang="en-US" dirty="0" err="1"/>
-              <a:t>Sktime</a:t>
-            </a:r>
-            <a:r>
-              <a:rPr lang="en-US" dirty="0"/>
-              <a:t> is a wrapper that packages time series functionality, largely from </a:t>
-            </a:r>
-            <a:r>
-              <a:rPr lang="en-US" dirty="0" err="1"/>
-              <a:t>statsmodels</a:t>
-            </a:r>
-            <a:r>
-              <a:rPr lang="en-US" dirty="0"/>
-              <a:t>, into a </a:t>
-            </a:r>
-            <a:r>
-              <a:rPr lang="en-US" dirty="0" err="1"/>
-              <a:t>sklearn-ish</a:t>
-            </a:r>
-            <a:r>
-              <a:rPr lang="en-US" dirty="0"/>
-              <a:t> format. </a:t>
-            </a:r>
-          </a:p>
-          <a:p>
-            <a:pPr lvl="1"/>
-            <a:r>
-              <a:rPr lang="en-US" dirty="0" err="1"/>
-              <a:t>Statsmodels</a:t>
-            </a:r>
-            <a:r>
-              <a:rPr lang="en-US" dirty="0"/>
-              <a:t> documentation is not the best. </a:t>
-            </a:r>
-          </a:p>
-          <a:p>
-            <a:pPr lvl="1"/>
-            <a:r>
-              <a:rPr lang="en-US" dirty="0" err="1"/>
-              <a:t>Statsmodels</a:t>
-            </a:r>
-            <a:r>
-              <a:rPr lang="en-US" dirty="0"/>
-              <a:t> code is structured quite differently. </a:t>
-            </a:r>
-          </a:p>
-          <a:p>
-            <a:r>
-              <a:rPr lang="en-US" dirty="0"/>
-              <a:t>Allows us to do basic time series at a higher level, much more easily. </a:t>
-            </a:r>
-          </a:p>
-          <a:p>
-            <a:r>
-              <a:rPr lang="en-US" dirty="0"/>
-              <a:t>ARIMA details previously can be replaced with </a:t>
-            </a:r>
-            <a:r>
-              <a:rPr lang="en-US" dirty="0" err="1"/>
-              <a:t>AutoARIMA</a:t>
-            </a:r>
-            <a:r>
-              <a:rPr lang="en-US"/>
-              <a:t>. </a:t>
-            </a:r>
-            <a:endParaRPr lang="en-US" dirty="0"/>
-          </a:p>
-          <a:p>
-            <a:r>
-              <a:rPr lang="en-US" dirty="0"/>
-              <a:t>Key notes:</a:t>
-            </a:r>
-          </a:p>
-          <a:p>
-            <a:pPr lvl="1"/>
-            <a:r>
-              <a:rPr lang="en-US" dirty="0"/>
-              <a:t>Train-test split is now normally just the last X records are test data. </a:t>
-            </a:r>
-          </a:p>
-        </p:txBody>
-      </p:sp>
-    </p:spTree>
-    <p:extLst>
-      <p:ext uri="{BB962C8B-B14F-4D97-AF65-F5344CB8AC3E}">
-        <p14:creationId xmlns:p14="http://schemas.microsoft.com/office/powerpoint/2010/main" val="450521076"/>
-      </p:ext>
-    </p:extLst>
-  </p:cSld>
-  <p:clrMapOvr>
-    <a:masterClrMapping/>
-  </p:clrMapOvr>
-</p:sld>
-</file>
-
 <file path=ppt/slides/slide2.xml><?xml version="1.0" encoding="utf-8"?>
 <p:sld xmlns:a="http://schemas.openxmlformats.org/drawingml/2006/main" xmlns:r="http://schemas.openxmlformats.org/officeDocument/2006/relationships" xmlns:p="http://schemas.openxmlformats.org/presentationml/2006/main">
   <p:cSld>
@@ -5269,6 +5733,173 @@
 </file>
 
 <file path=ppt/slides/slide20.xml><?xml version="1.0" encoding="utf-8"?>
+<p:sld xmlns:a="http://schemas.openxmlformats.org/drawingml/2006/main" xmlns:r="http://schemas.openxmlformats.org/officeDocument/2006/relationships" xmlns:p="http://schemas.openxmlformats.org/presentationml/2006/main">
+  <p:cSld>
+    <p:spTree>
+      <p:nvGrpSpPr>
+        <p:cNvPr id="1" name=""/>
+        <p:cNvGrpSpPr/>
+        <p:nvPr/>
+      </p:nvGrpSpPr>
+      <p:grpSpPr>
+        <a:xfrm>
+          <a:off x="0" y="0"/>
+          <a:ext cx="0" cy="0"/>
+          <a:chOff x="0" y="0"/>
+          <a:chExt cx="0" cy="0"/>
+        </a:xfrm>
+      </p:grpSpPr>
+      <p:sp>
+        <p:nvSpPr>
+          <p:cNvPr id="2" name="Title 1">
+            <a:extLst>
+              <a:ext uri="{FF2B5EF4-FFF2-40B4-BE49-F238E27FC236}">
+                <a16:creationId xmlns:a16="http://schemas.microsoft.com/office/drawing/2014/main" id="{6E1A8DAA-594E-DF46-8A5F-F8BFE936389B}"/>
+              </a:ext>
+            </a:extLst>
+          </p:cNvPr>
+          <p:cNvSpPr>
+            <a:spLocks noGrp="1"/>
+          </p:cNvSpPr>
+          <p:nvPr>
+            <p:ph type="title"/>
+          </p:nvPr>
+        </p:nvSpPr>
+        <p:spPr/>
+        <p:txBody>
+          <a:bodyPr/>
+          <a:lstStyle/>
+          <a:p>
+            <a:r>
+              <a:rPr lang="en-US" dirty="0"/>
+              <a:t>Implementation</a:t>
+            </a:r>
+          </a:p>
+        </p:txBody>
+      </p:sp>
+      <p:sp>
+        <p:nvSpPr>
+          <p:cNvPr id="3" name="Content Placeholder 2">
+            <a:extLst>
+              <a:ext uri="{FF2B5EF4-FFF2-40B4-BE49-F238E27FC236}">
+                <a16:creationId xmlns:a16="http://schemas.microsoft.com/office/drawing/2014/main" id="{F521AF14-542C-D24F-AB24-180660807542}"/>
+              </a:ext>
+            </a:extLst>
+          </p:cNvPr>
+          <p:cNvSpPr>
+            <a:spLocks noGrp="1"/>
+          </p:cNvSpPr>
+          <p:nvPr>
+            <p:ph idx="1"/>
+          </p:nvPr>
+        </p:nvSpPr>
+        <p:spPr>
+          <a:xfrm>
+            <a:off x="1451579" y="2015732"/>
+            <a:ext cx="9603275" cy="4037749"/>
+          </a:xfrm>
+        </p:spPr>
+        <p:txBody>
+          <a:bodyPr/>
+          <a:lstStyle/>
+          <a:p>
+            <a:r>
+              <a:rPr lang="en-US" dirty="0" err="1"/>
+              <a:t>Sktime</a:t>
+            </a:r>
+            <a:r>
+              <a:rPr lang="en-US" dirty="0"/>
+              <a:t> is a wrapper that packages time series functionality, largely from </a:t>
+            </a:r>
+            <a:r>
+              <a:rPr lang="en-US" dirty="0" err="1"/>
+              <a:t>statsmodels</a:t>
+            </a:r>
+            <a:r>
+              <a:rPr lang="en-US" dirty="0"/>
+              <a:t>, into a </a:t>
+            </a:r>
+            <a:r>
+              <a:rPr lang="en-US" dirty="0" err="1"/>
+              <a:t>sklearn-ish</a:t>
+            </a:r>
+            <a:r>
+              <a:rPr lang="en-US" dirty="0"/>
+              <a:t> format. </a:t>
+            </a:r>
+          </a:p>
+          <a:p>
+            <a:pPr lvl="1"/>
+            <a:r>
+              <a:rPr lang="en-US" dirty="0" err="1"/>
+              <a:t>Statsmodels</a:t>
+            </a:r>
+            <a:r>
+              <a:rPr lang="en-US" dirty="0"/>
+              <a:t> documentation is not the best. </a:t>
+            </a:r>
+          </a:p>
+          <a:p>
+            <a:pPr lvl="1"/>
+            <a:r>
+              <a:rPr lang="en-US" dirty="0" err="1"/>
+              <a:t>Statsmodels</a:t>
+            </a:r>
+            <a:r>
+              <a:rPr lang="en-US" dirty="0"/>
+              <a:t> code is structured quite differently. </a:t>
+            </a:r>
+          </a:p>
+          <a:p>
+            <a:r>
+              <a:rPr lang="en-US" dirty="0"/>
+              <a:t>Allows us to do basic time series at a higher level, much more easily. </a:t>
+            </a:r>
+          </a:p>
+          <a:p>
+            <a:r>
+              <a:rPr lang="en-US" dirty="0"/>
+              <a:t>ARIMA details previously can be replaced with </a:t>
+            </a:r>
+            <a:r>
+              <a:rPr lang="en-US" dirty="0" err="1"/>
+              <a:t>AutoARIMA</a:t>
+            </a:r>
+            <a:r>
+              <a:rPr lang="en-US"/>
+              <a:t>. </a:t>
+            </a:r>
+            <a:endParaRPr lang="en-US" dirty="0"/>
+          </a:p>
+          <a:p>
+            <a:r>
+              <a:rPr lang="en-US" dirty="0"/>
+              <a:t>Key notes:</a:t>
+            </a:r>
+          </a:p>
+          <a:p>
+            <a:pPr lvl="1"/>
+            <a:r>
+              <a:rPr lang="en-US" dirty="0"/>
+              <a:t>Train-test split is now normally just the last X records are test data. </a:t>
+            </a:r>
+          </a:p>
+        </p:txBody>
+      </p:sp>
+    </p:spTree>
+    <p:extLst>
+      <p:ext uri="{BB962C8B-B14F-4D97-AF65-F5344CB8AC3E}">
+        <p14:creationId xmlns:p14="http://schemas.microsoft.com/office/powerpoint/2010/main" val="450521076"/>
+      </p:ext>
+    </p:extLst>
+  </p:cSld>
+  <p:clrMapOvr>
+    <a:masterClrMapping/>
+  </p:clrMapOvr>
+</p:sld>
+</file>
+
+<file path=ppt/slides/slide21.xml><?xml version="1.0" encoding="utf-8"?>
 <p:sld xmlns:a="http://schemas.openxmlformats.org/drawingml/2006/main" xmlns:r="http://schemas.openxmlformats.org/officeDocument/2006/relationships" xmlns:p="http://schemas.openxmlformats.org/presentationml/2006/main">
   <p:cSld>
     <p:bg>
@@ -5451,7 +6082,7 @@
 </p:sld>
 </file>
 
-<file path=ppt/slides/slide21.xml><?xml version="1.0" encoding="utf-8"?>
+<file path=ppt/slides/slide22.xml><?xml version="1.0" encoding="utf-8"?>
 <p:sld xmlns:a="http://schemas.openxmlformats.org/drawingml/2006/main" xmlns:r="http://schemas.openxmlformats.org/officeDocument/2006/relationships" xmlns:p="http://schemas.openxmlformats.org/presentationml/2006/main">
   <p:cSld>
     <p:spTree>
@@ -5595,7 +6226,7 @@
 </p:sld>
 </file>
 
-<file path=ppt/slides/slide22.xml><?xml version="1.0" encoding="utf-8"?>
+<file path=ppt/slides/slide23.xml><?xml version="1.0" encoding="utf-8"?>
 <p:sld xmlns:a="http://schemas.openxmlformats.org/drawingml/2006/main" xmlns:r="http://schemas.openxmlformats.org/officeDocument/2006/relationships" xmlns:p="http://schemas.openxmlformats.org/presentationml/2006/main">
   <p:cSld>
     <p:spTree>
@@ -5722,144 +6353,6 @@
 </p:sld>
 </file>
 
-<file path=ppt/slides/slide23.xml><?xml version="1.0" encoding="utf-8"?>
-<p:sld xmlns:a="http://schemas.openxmlformats.org/drawingml/2006/main" xmlns:r="http://schemas.openxmlformats.org/officeDocument/2006/relationships" xmlns:p="http://schemas.openxmlformats.org/presentationml/2006/main">
-  <p:cSld>
-    <p:spTree>
-      <p:nvGrpSpPr>
-        <p:cNvPr id="1" name=""/>
-        <p:cNvGrpSpPr/>
-        <p:nvPr/>
-      </p:nvGrpSpPr>
-      <p:grpSpPr>
-        <a:xfrm>
-          <a:off x="0" y="0"/>
-          <a:ext cx="0" cy="0"/>
-          <a:chOff x="0" y="0"/>
-          <a:chExt cx="0" cy="0"/>
-        </a:xfrm>
-      </p:grpSpPr>
-      <p:sp>
-        <p:nvSpPr>
-          <p:cNvPr id="2" name="Title 1">
-            <a:extLst>
-              <a:ext uri="{FF2B5EF4-FFF2-40B4-BE49-F238E27FC236}">
-                <a16:creationId xmlns:a16="http://schemas.microsoft.com/office/drawing/2014/main" id="{7918DD57-685F-9106-A246-52DA83E487AF}"/>
-              </a:ext>
-            </a:extLst>
-          </p:cNvPr>
-          <p:cNvSpPr>
-            <a:spLocks noGrp="1"/>
-          </p:cNvSpPr>
-          <p:nvPr>
-            <p:ph type="title"/>
-          </p:nvPr>
-        </p:nvSpPr>
-        <p:spPr/>
-        <p:txBody>
-          <a:bodyPr/>
-          <a:lstStyle/>
-          <a:p>
-            <a:r>
-              <a:rPr lang="en-US" dirty="0"/>
-              <a:t>ARIMA-d Up</a:t>
-            </a:r>
-          </a:p>
-        </p:txBody>
-      </p:sp>
-      <p:sp>
-        <p:nvSpPr>
-          <p:cNvPr id="3" name="Content Placeholder 2">
-            <a:extLst>
-              <a:ext uri="{FF2B5EF4-FFF2-40B4-BE49-F238E27FC236}">
-                <a16:creationId xmlns:a16="http://schemas.microsoft.com/office/drawing/2014/main" id="{5DFC05F1-1780-38C0-3A3E-8D342C5F1611}"/>
-              </a:ext>
-            </a:extLst>
-          </p:cNvPr>
-          <p:cNvSpPr>
-            <a:spLocks noGrp="1"/>
-          </p:cNvSpPr>
-          <p:nvPr>
-            <p:ph idx="1"/>
-          </p:nvPr>
-        </p:nvSpPr>
-        <p:spPr>
-          <a:xfrm>
-            <a:off x="1451579" y="1853754"/>
-            <a:ext cx="9603275" cy="4110076"/>
-          </a:xfrm>
-        </p:spPr>
-        <p:txBody>
-          <a:bodyPr/>
-          <a:lstStyle/>
-          <a:p>
-            <a:r>
-              <a:rPr lang="en-US" dirty="0"/>
-              <a:t>The ARIMA model type is a ‘basic’ one – a more elaborate moving average. </a:t>
-            </a:r>
-          </a:p>
-          <a:p>
-            <a:pPr lvl="1"/>
-            <a:r>
-              <a:rPr lang="en-US" dirty="0"/>
-              <a:t>I.e. it is ‘pure stats’ and is an old way of making these projections. </a:t>
-            </a:r>
-          </a:p>
-          <a:p>
-            <a:r>
-              <a:rPr lang="en-US" dirty="0"/>
-              <a:t>Pros:</a:t>
-            </a:r>
-          </a:p>
-          <a:p>
-            <a:pPr lvl="1"/>
-            <a:r>
-              <a:rPr lang="en-US" dirty="0"/>
-              <a:t>Simple, transparent, generally less overfitting/variance error. </a:t>
-            </a:r>
-          </a:p>
-          <a:p>
-            <a:pPr lvl="1"/>
-            <a:r>
-              <a:rPr lang="en-US" dirty="0"/>
-              <a:t>Single digits of number of weights trained during fitting. </a:t>
-            </a:r>
-          </a:p>
-          <a:p>
-            <a:r>
-              <a:rPr lang="en-US" dirty="0"/>
-              <a:t>Cons:</a:t>
-            </a:r>
-          </a:p>
-          <a:p>
-            <a:pPr lvl="1"/>
-            <a:r>
-              <a:rPr lang="en-US" dirty="0"/>
-              <a:t>Potentially too simple, not adaptable to variable scenarios. </a:t>
-            </a:r>
-          </a:p>
-          <a:p>
-            <a:pPr lvl="1"/>
-            <a:r>
-              <a:rPr lang="en-US" dirty="0"/>
-              <a:t>Low capacity to adapt – too much bias error, especially in complex scenarios. </a:t>
-            </a:r>
-          </a:p>
-        </p:txBody>
-      </p:sp>
-    </p:spTree>
-    <p:extLst>
-      <p:ext uri="{BB962C8B-B14F-4D97-AF65-F5344CB8AC3E}">
-        <p14:creationId xmlns:p14="http://schemas.microsoft.com/office/powerpoint/2010/main" val="2830739107"/>
-      </p:ext>
-    </p:extLst>
-  </p:cSld>
-  <p:clrMapOvr>
-    <a:masterClrMapping/>
-  </p:clrMapOvr>
-</p:sld>
-</file>
-
 <file path=ppt/slides/slide24.xml><?xml version="1.0" encoding="utf-8"?>
 <p:sld xmlns:a="http://schemas.openxmlformats.org/drawingml/2006/main" xmlns:r="http://schemas.openxmlformats.org/officeDocument/2006/relationships" xmlns:p="http://schemas.openxmlformats.org/presentationml/2006/main">
   <p:cSld>
@@ -5882,7 +6375,7 @@
           <p:cNvPr id="2" name="Title 1">
             <a:extLst>
               <a:ext uri="{FF2B5EF4-FFF2-40B4-BE49-F238E27FC236}">
-                <a16:creationId xmlns:a16="http://schemas.microsoft.com/office/drawing/2014/main" id="{DA5678F7-635A-D40C-AD90-AAADEA13E967}"/>
+                <a16:creationId xmlns:a16="http://schemas.microsoft.com/office/drawing/2014/main" id="{7918DD57-685F-9106-A246-52DA83E487AF}"/>
               </a:ext>
             </a:extLst>
           </p:cNvPr>
@@ -5900,7 +6393,7 @@
           <a:p>
             <a:r>
               <a:rPr lang="en-US" dirty="0"/>
-              <a:t>Smarter Time Models</a:t>
+              <a:t>ARIMA-d Up</a:t>
             </a:r>
           </a:p>
         </p:txBody>
@@ -5910,7 +6403,7 @@
           <p:cNvPr id="3" name="Content Placeholder 2">
             <a:extLst>
               <a:ext uri="{FF2B5EF4-FFF2-40B4-BE49-F238E27FC236}">
-                <a16:creationId xmlns:a16="http://schemas.microsoft.com/office/drawing/2014/main" id="{F23B1FF3-C207-9615-B32A-D907854A0D2F}"/>
+                <a16:creationId xmlns:a16="http://schemas.microsoft.com/office/drawing/2014/main" id="{5DFC05F1-1780-38C0-3A3E-8D342C5F1611}"/>
               </a:ext>
             </a:extLst>
           </p:cNvPr>
@@ -5923,84 +6416,80 @@
         </p:nvSpPr>
         <p:spPr>
           <a:xfrm>
-            <a:off x="1137147" y="1853754"/>
-            <a:ext cx="10243158" cy="4199727"/>
+            <a:off x="1451579" y="1853753"/>
+            <a:ext cx="9603275" cy="4199727"/>
           </a:xfrm>
         </p:spPr>
         <p:txBody>
-          <a:bodyPr/>
-          <a:lstStyle/>
-          <a:p>
-            <a:r>
-              <a:rPr lang="en-US" dirty="0"/>
-              <a:t>Modern models have much more capability than a simple ARIMA one. </a:t>
+          <a:bodyPr>
+            <a:normAutofit lnSpcReduction="10000"/>
+          </a:bodyPr>
+          <a:lstStyle/>
+          <a:p>
+            <a:r>
+              <a:rPr lang="en-US" dirty="0"/>
+              <a:t>The ARIMA model type is a ‘basic’ one – a more elaborate moving average. </a:t>
             </a:r>
           </a:p>
           <a:p>
             <a:pPr lvl="1"/>
             <a:r>
               <a:rPr lang="en-US" dirty="0"/>
-              <a:t>Large numbers of weights can capture less frequent or obvious patterns. </a:t>
+              <a:t>I.e. it is ‘pure stats’ and is an old way of making these projections. </a:t>
+            </a:r>
+          </a:p>
+          <a:p>
+            <a:r>
+              <a:rPr lang="en-US" dirty="0"/>
+              <a:t>Pros:</a:t>
             </a:r>
           </a:p>
           <a:p>
             <a:pPr lvl="1"/>
             <a:r>
               <a:rPr lang="en-US" dirty="0"/>
-              <a:t>In some cases (neural networks) models can learn things like the ARIMA patterns themselves. </a:t>
-            </a:r>
-          </a:p>
-          <a:p>
-            <a:r>
-              <a:rPr lang="en-US" dirty="0"/>
-              <a:t>Their capacity to learn is much larger - they have more weights, can learn complex patterns. </a:t>
+              <a:t>Simple, transparent, generally less overfitting/variance error. </a:t>
             </a:r>
           </a:p>
           <a:p>
             <a:pPr lvl="1"/>
             <a:r>
               <a:rPr lang="en-US" dirty="0"/>
-              <a:t>Similar to a large tree (or NN) vs a linear regression – more flexible in learning and adapting. </a:t>
+              <a:t>Single digits of number of weights trained during fitting. </a:t>
+            </a:r>
+          </a:p>
+          <a:p>
+            <a:r>
+              <a:rPr lang="en-US" dirty="0"/>
+              <a:t>Cons:</a:t>
             </a:r>
           </a:p>
           <a:p>
             <a:pPr lvl="1"/>
             <a:r>
               <a:rPr lang="en-US" dirty="0"/>
-              <a:t>Rare events, ‘special’ times like holidays, longer cyclical patterns, </a:t>
-            </a:r>
-            <a:r>
-              <a:rPr lang="en-US" dirty="0" err="1"/>
-              <a:t>etc</a:t>
-            </a:r>
-            <a:r>
-              <a:rPr lang="en-US" dirty="0"/>
-              <a:t>…</a:t>
+              <a:t>Potentially too simple, not adaptable to variable scenarios. </a:t>
             </a:r>
           </a:p>
           <a:p>
             <a:pPr lvl="1"/>
             <a:r>
               <a:rPr lang="en-US" dirty="0"/>
-              <a:t>Much of the flexibility in the tools that helped language models also help here. </a:t>
-            </a:r>
-          </a:p>
-          <a:p>
-            <a:r>
-              <a:rPr lang="en-US" dirty="0"/>
-              <a:t>These models tend to work and interact more similar to what we’re used to (or NN-style). </a:t>
-            </a:r>
-          </a:p>
-          <a:p>
-            <a:pPr lvl="1"/>
-            <a:endParaRPr lang="en-US" dirty="0"/>
+              <a:t>Low capacity to adapt – too much bias error, especially in complex scenarios. </a:t>
+            </a:r>
+          </a:p>
+          <a:p>
+            <a:r>
+              <a:rPr lang="en-US" dirty="0"/>
+              <a:t>Note – these simpler models with more bias error may perform best, the future is hard to predict accurately. Too much ability of the model to adjust predictions may harm us. </a:t>
+            </a:r>
           </a:p>
         </p:txBody>
       </p:sp>
     </p:spTree>
     <p:extLst>
       <p:ext uri="{BB962C8B-B14F-4D97-AF65-F5344CB8AC3E}">
-        <p14:creationId xmlns:p14="http://schemas.microsoft.com/office/powerpoint/2010/main" val="2969086212"/>
+        <p14:creationId xmlns:p14="http://schemas.microsoft.com/office/powerpoint/2010/main" val="2830739107"/>
       </p:ext>
     </p:extLst>
   </p:cSld>
@@ -6032,7 +6521,7 @@
           <p:cNvPr id="2" name="Title 1">
             <a:extLst>
               <a:ext uri="{FF2B5EF4-FFF2-40B4-BE49-F238E27FC236}">
-                <a16:creationId xmlns:a16="http://schemas.microsoft.com/office/drawing/2014/main" id="{19192875-568E-E27F-EF8C-0E63853062C2}"/>
+                <a16:creationId xmlns:a16="http://schemas.microsoft.com/office/drawing/2014/main" id="{DA5678F7-635A-D40C-AD90-AAADEA13E967}"/>
               </a:ext>
             </a:extLst>
           </p:cNvPr>
@@ -6050,7 +6539,7 @@
           <a:p>
             <a:r>
               <a:rPr lang="en-US" dirty="0"/>
-              <a:t>Facebook Prophet</a:t>
+              <a:t>Smarter Time Models</a:t>
             </a:r>
           </a:p>
         </p:txBody>
@@ -6060,7 +6549,7 @@
           <p:cNvPr id="3" name="Content Placeholder 2">
             <a:extLst>
               <a:ext uri="{FF2B5EF4-FFF2-40B4-BE49-F238E27FC236}">
-                <a16:creationId xmlns:a16="http://schemas.microsoft.com/office/drawing/2014/main" id="{BBD86F92-A329-D6B9-24F3-6095A7021DE0}"/>
+                <a16:creationId xmlns:a16="http://schemas.microsoft.com/office/drawing/2014/main" id="{F23B1FF3-C207-9615-B32A-D907854A0D2F}"/>
               </a:ext>
             </a:extLst>
           </p:cNvPr>
@@ -6073,81 +6562,84 @@
         </p:nvSpPr>
         <p:spPr>
           <a:xfrm>
-            <a:off x="1451579" y="2015732"/>
-            <a:ext cx="9603275" cy="4037749"/>
+            <a:off x="1137147" y="1853754"/>
+            <a:ext cx="10243158" cy="4199727"/>
           </a:xfrm>
         </p:spPr>
         <p:txBody>
-          <a:bodyPr>
-            <a:normAutofit lnSpcReduction="10000"/>
-          </a:bodyPr>
-          <a:lstStyle/>
-          <a:p>
-            <a:r>
-              <a:rPr lang="en-US" dirty="0"/>
-              <a:t>Facebook Prophet is a library that is well setup to handle common time-series problems:</a:t>
+          <a:bodyPr/>
+          <a:lstStyle/>
+          <a:p>
+            <a:r>
+              <a:rPr lang="en-US" dirty="0"/>
+              <a:t>Modern models have much more capability than a simple ARIMA one. </a:t>
             </a:r>
           </a:p>
           <a:p>
             <a:pPr lvl="1"/>
             <a:r>
               <a:rPr lang="en-US" dirty="0"/>
-              <a:t>Handles events such as holidays, including custom lists. </a:t>
+              <a:t>Large numbers of weights can capture less frequent or obvious patterns. </a:t>
             </a:r>
           </a:p>
           <a:p>
             <a:pPr lvl="1"/>
             <a:r>
               <a:rPr lang="en-US" dirty="0"/>
-              <a:t>Can be set to anticipate change points, e.g. product launches. </a:t>
+              <a:t>In some cases (neural networks) models can learn things like the ARIMA patterns themselves. </a:t>
+            </a:r>
+          </a:p>
+          <a:p>
+            <a:r>
+              <a:rPr lang="en-US" dirty="0"/>
+              <a:t>Their capacity to learn is much larger - they have more weights, can learn complex patterns. </a:t>
             </a:r>
           </a:p>
           <a:p>
             <a:pPr lvl="1"/>
             <a:r>
               <a:rPr lang="en-US" dirty="0"/>
-              <a:t>Provides useful things like plotting and cross validation. </a:t>
+              <a:t>Similar to a large tree (or NN) vs a linear regression – more flexible in learning and adapting. </a:t>
             </a:r>
           </a:p>
           <a:p>
             <a:pPr lvl="1"/>
             <a:r>
               <a:rPr lang="en-US" dirty="0"/>
-              <a:t>Can handle additional regressors. </a:t>
-            </a:r>
-          </a:p>
-          <a:p>
-            <a:r>
-              <a:rPr lang="en-US" dirty="0"/>
-              <a:t>We can use a Prophet model much like the above models, with slightly different syntax. </a:t>
-            </a:r>
-          </a:p>
-          <a:p>
-            <a:r>
-              <a:rPr lang="en-US" dirty="0"/>
-              <a:t>There are several other libraries that handle time-series data similarly. </a:t>
+              <a:t>Rare events, ‘special’ times like holidays, longer cyclical patterns, </a:t>
+            </a:r>
+            <a:r>
+              <a:rPr lang="en-US" dirty="0" err="1"/>
+              <a:t>etc</a:t>
+            </a:r>
+            <a:r>
+              <a:rPr lang="en-US" dirty="0"/>
+              <a:t>…</a:t>
             </a:r>
           </a:p>
           <a:p>
             <a:pPr lvl="1"/>
             <a:r>
               <a:rPr lang="en-US" dirty="0"/>
-              <a:t>Modern implementations are based on recurrent neural networks (RNNs) or transformer based neural networks. </a:t>
+              <a:t>Much of the flexibility in the tools that helped language models also help here. </a:t>
+            </a:r>
+          </a:p>
+          <a:p>
+            <a:r>
+              <a:rPr lang="en-US" dirty="0"/>
+              <a:t>These models tend to work and interact more similar to what we’re used to (or NN-style). </a:t>
             </a:r>
           </a:p>
           <a:p>
             <a:pPr lvl="1"/>
-            <a:r>
-              <a:rPr lang="en-US" dirty="0"/>
-              <a:t>Neural networks well suited to sequential data. Seen with language models. </a:t>
-            </a:r>
+            <a:endParaRPr lang="en-US" dirty="0"/>
           </a:p>
         </p:txBody>
       </p:sp>
     </p:spTree>
     <p:extLst>
       <p:ext uri="{BB962C8B-B14F-4D97-AF65-F5344CB8AC3E}">
-        <p14:creationId xmlns:p14="http://schemas.microsoft.com/office/powerpoint/2010/main" val="910616763"/>
+        <p14:creationId xmlns:p14="http://schemas.microsoft.com/office/powerpoint/2010/main" val="2969086212"/>
       </p:ext>
     </p:extLst>
   </p:cSld>
@@ -6179,7 +6671,7 @@
           <p:cNvPr id="2" name="Title 1">
             <a:extLst>
               <a:ext uri="{FF2B5EF4-FFF2-40B4-BE49-F238E27FC236}">
-                <a16:creationId xmlns:a16="http://schemas.microsoft.com/office/drawing/2014/main" id="{05D6CAF4-B7BD-3D4A-E7EF-B81C2728AC84}"/>
+                <a16:creationId xmlns:a16="http://schemas.microsoft.com/office/drawing/2014/main" id="{19192875-568E-E27F-EF8C-0E63853062C2}"/>
               </a:ext>
             </a:extLst>
           </p:cNvPr>
@@ -6197,7 +6689,7 @@
           <a:p>
             <a:r>
               <a:rPr lang="en-US" dirty="0"/>
-              <a:t>Prophet Models</a:t>
+              <a:t>Facebook Prophet</a:t>
             </a:r>
           </a:p>
         </p:txBody>
@@ -6207,7 +6699,7 @@
           <p:cNvPr id="3" name="Content Placeholder 2">
             <a:extLst>
               <a:ext uri="{FF2B5EF4-FFF2-40B4-BE49-F238E27FC236}">
-                <a16:creationId xmlns:a16="http://schemas.microsoft.com/office/drawing/2014/main" id="{B9B321EA-9285-DAEB-262C-04F24DE125D0}"/>
+                <a16:creationId xmlns:a16="http://schemas.microsoft.com/office/drawing/2014/main" id="{BBD86F92-A329-D6B9-24F3-6095A7021DE0}"/>
               </a:ext>
             </a:extLst>
           </p:cNvPr>
@@ -6225,66 +6717,68 @@
           </a:xfrm>
         </p:spPr>
         <p:txBody>
-          <a:bodyPr/>
-          <a:lstStyle/>
-          <a:p>
-            <a:r>
-              <a:rPr lang="en-US" dirty="0"/>
-              <a:t>The prophet library makes many of the time series things we may need, easier. </a:t>
-            </a:r>
-          </a:p>
-          <a:p>
-            <a:r>
-              <a:rPr lang="en-US" dirty="0"/>
-              <a:t>Dealing with </a:t>
-            </a:r>
-            <a:r>
-              <a:rPr lang="en-US" dirty="0" err="1"/>
-              <a:t>statationality</a:t>
-            </a:r>
-            <a:r>
-              <a:rPr lang="en-US" dirty="0"/>
-              <a:t> without a bunch of transformations. </a:t>
-            </a:r>
-          </a:p>
-          <a:p>
-            <a:r>
-              <a:rPr lang="en-US" dirty="0"/>
-              <a:t>Accommodating common date-related stuff:</a:t>
+          <a:bodyPr>
+            <a:normAutofit lnSpcReduction="10000"/>
+          </a:bodyPr>
+          <a:lstStyle/>
+          <a:p>
+            <a:r>
+              <a:rPr lang="en-US" dirty="0"/>
+              <a:t>Facebook Prophet is a library that is well setup to handle common time-series problems:</a:t>
             </a:r>
           </a:p>
           <a:p>
             <a:pPr lvl="1"/>
             <a:r>
               <a:rPr lang="en-US" dirty="0"/>
-              <a:t>Days, weeks, months, weekends, etc..</a:t>
-            </a:r>
-          </a:p>
-          <a:p>
-            <a:r>
-              <a:rPr lang="en-US" dirty="0"/>
-              <a:t>Handling common real-life concerns:</a:t>
+              <a:t>Handles events such as holidays, including custom lists. </a:t>
             </a:r>
           </a:p>
           <a:p>
             <a:pPr lvl="1"/>
             <a:r>
               <a:rPr lang="en-US" dirty="0"/>
-              <a:t>Events, holidays, </a:t>
-            </a:r>
-            <a:r>
-              <a:rPr lang="en-US" dirty="0" err="1"/>
-              <a:t>etc</a:t>
-            </a:r>
-            <a:r>
-              <a:rPr lang="en-US" dirty="0"/>
-              <a:t>….</a:t>
-            </a:r>
-          </a:p>
-          <a:p>
-            <a:r>
-              <a:rPr lang="en-US" dirty="0"/>
-              <a:t>Can incorporate additional predictors – expand dimensionality. </a:t>
+              <a:t>Can be set to anticipate change points, e.g. product launches. </a:t>
+            </a:r>
+          </a:p>
+          <a:p>
+            <a:pPr lvl="1"/>
+            <a:r>
+              <a:rPr lang="en-US" dirty="0"/>
+              <a:t>Provides useful things like plotting and cross validation. </a:t>
+            </a:r>
+          </a:p>
+          <a:p>
+            <a:pPr lvl="1"/>
+            <a:r>
+              <a:rPr lang="en-US" dirty="0"/>
+              <a:t>Can handle additional regressors. </a:t>
+            </a:r>
+          </a:p>
+          <a:p>
+            <a:r>
+              <a:rPr lang="en-US" dirty="0"/>
+              <a:t>We can use a Prophet model much like the above models, with slightly different syntax. </a:t>
+            </a:r>
+          </a:p>
+          <a:p>
+            <a:r>
+              <a:rPr lang="en-US" dirty="0"/>
+              <a:t>There are several other libraries that handle time-series data similarly. </a:t>
+            </a:r>
+          </a:p>
+          <a:p>
+            <a:pPr lvl="1"/>
+            <a:r>
+              <a:rPr lang="en-US" dirty="0"/>
+              <a:t>Modern implementations are based on recurrent neural networks (RNNs) or transformer based neural networks. </a:t>
+            </a:r>
+          </a:p>
+          <a:p>
+            <a:pPr lvl="1"/>
+            <a:r>
+              <a:rPr lang="en-US" dirty="0"/>
+              <a:t>Neural networks well suited to sequential data. Seen with language models. </a:t>
             </a:r>
           </a:p>
         </p:txBody>
@@ -6292,7 +6786,7 @@
     </p:spTree>
     <p:extLst>
       <p:ext uri="{BB962C8B-B14F-4D97-AF65-F5344CB8AC3E}">
-        <p14:creationId xmlns:p14="http://schemas.microsoft.com/office/powerpoint/2010/main" val="2883628601"/>
+        <p14:creationId xmlns:p14="http://schemas.microsoft.com/office/powerpoint/2010/main" val="910616763"/>
       </p:ext>
     </p:extLst>
   </p:cSld>
@@ -6324,6 +6818,151 @@
           <p:cNvPr id="2" name="Title 1">
             <a:extLst>
               <a:ext uri="{FF2B5EF4-FFF2-40B4-BE49-F238E27FC236}">
+                <a16:creationId xmlns:a16="http://schemas.microsoft.com/office/drawing/2014/main" id="{05D6CAF4-B7BD-3D4A-E7EF-B81C2728AC84}"/>
+              </a:ext>
+            </a:extLst>
+          </p:cNvPr>
+          <p:cNvSpPr>
+            <a:spLocks noGrp="1"/>
+          </p:cNvSpPr>
+          <p:nvPr>
+            <p:ph type="title"/>
+          </p:nvPr>
+        </p:nvSpPr>
+        <p:spPr/>
+        <p:txBody>
+          <a:bodyPr/>
+          <a:lstStyle/>
+          <a:p>
+            <a:r>
+              <a:rPr lang="en-US" dirty="0"/>
+              <a:t>Prophet Models</a:t>
+            </a:r>
+          </a:p>
+        </p:txBody>
+      </p:sp>
+      <p:sp>
+        <p:nvSpPr>
+          <p:cNvPr id="3" name="Content Placeholder 2">
+            <a:extLst>
+              <a:ext uri="{FF2B5EF4-FFF2-40B4-BE49-F238E27FC236}">
+                <a16:creationId xmlns:a16="http://schemas.microsoft.com/office/drawing/2014/main" id="{B9B321EA-9285-DAEB-262C-04F24DE125D0}"/>
+              </a:ext>
+            </a:extLst>
+          </p:cNvPr>
+          <p:cNvSpPr>
+            <a:spLocks noGrp="1"/>
+          </p:cNvSpPr>
+          <p:nvPr>
+            <p:ph idx="1"/>
+          </p:nvPr>
+        </p:nvSpPr>
+        <p:spPr>
+          <a:xfrm>
+            <a:off x="1451579" y="2015732"/>
+            <a:ext cx="9603275" cy="4037749"/>
+          </a:xfrm>
+        </p:spPr>
+        <p:txBody>
+          <a:bodyPr/>
+          <a:lstStyle/>
+          <a:p>
+            <a:r>
+              <a:rPr lang="en-US" dirty="0"/>
+              <a:t>The prophet library makes many of the time series things we may need, easier. </a:t>
+            </a:r>
+          </a:p>
+          <a:p>
+            <a:r>
+              <a:rPr lang="en-US" dirty="0"/>
+              <a:t>Dealing with </a:t>
+            </a:r>
+            <a:r>
+              <a:rPr lang="en-US" dirty="0" err="1"/>
+              <a:t>statationality</a:t>
+            </a:r>
+            <a:r>
+              <a:rPr lang="en-US" dirty="0"/>
+              <a:t> without a bunch of transformations. </a:t>
+            </a:r>
+          </a:p>
+          <a:p>
+            <a:r>
+              <a:rPr lang="en-US" dirty="0"/>
+              <a:t>Accommodating common date-related stuff:</a:t>
+            </a:r>
+          </a:p>
+          <a:p>
+            <a:pPr lvl="1"/>
+            <a:r>
+              <a:rPr lang="en-US" dirty="0"/>
+              <a:t>Days, weeks, months, weekends, etc..</a:t>
+            </a:r>
+          </a:p>
+          <a:p>
+            <a:r>
+              <a:rPr lang="en-US" dirty="0"/>
+              <a:t>Handling common real-life concerns:</a:t>
+            </a:r>
+          </a:p>
+          <a:p>
+            <a:pPr lvl="1"/>
+            <a:r>
+              <a:rPr lang="en-US" dirty="0"/>
+              <a:t>Events, holidays, </a:t>
+            </a:r>
+            <a:r>
+              <a:rPr lang="en-US" dirty="0" err="1"/>
+              <a:t>etc</a:t>
+            </a:r>
+            <a:r>
+              <a:rPr lang="en-US" dirty="0"/>
+              <a:t>….</a:t>
+            </a:r>
+          </a:p>
+          <a:p>
+            <a:r>
+              <a:rPr lang="en-US" dirty="0"/>
+              <a:t>Can incorporate additional predictors – expand dimensionality. </a:t>
+            </a:r>
+          </a:p>
+        </p:txBody>
+      </p:sp>
+    </p:spTree>
+    <p:extLst>
+      <p:ext uri="{BB962C8B-B14F-4D97-AF65-F5344CB8AC3E}">
+        <p14:creationId xmlns:p14="http://schemas.microsoft.com/office/powerpoint/2010/main" val="2883628601"/>
+      </p:ext>
+    </p:extLst>
+  </p:cSld>
+  <p:clrMapOvr>
+    <a:masterClrMapping/>
+  </p:clrMapOvr>
+</p:sld>
+</file>
+
+<file path=ppt/slides/slide28.xml><?xml version="1.0" encoding="utf-8"?>
+<p:sld xmlns:a="http://schemas.openxmlformats.org/drawingml/2006/main" xmlns:r="http://schemas.openxmlformats.org/officeDocument/2006/relationships" xmlns:p="http://schemas.openxmlformats.org/presentationml/2006/main">
+  <p:cSld>
+    <p:spTree>
+      <p:nvGrpSpPr>
+        <p:cNvPr id="1" name=""/>
+        <p:cNvGrpSpPr/>
+        <p:nvPr/>
+      </p:nvGrpSpPr>
+      <p:grpSpPr>
+        <a:xfrm>
+          <a:off x="0" y="0"/>
+          <a:ext cx="0" cy="0"/>
+          <a:chOff x="0" y="0"/>
+          <a:chExt cx="0" cy="0"/>
+        </a:xfrm>
+      </p:grpSpPr>
+      <p:sp>
+        <p:nvSpPr>
+          <p:cNvPr id="2" name="Title 1">
+            <a:extLst>
+              <a:ext uri="{FF2B5EF4-FFF2-40B4-BE49-F238E27FC236}">
                 <a16:creationId xmlns:a16="http://schemas.microsoft.com/office/drawing/2014/main" id="{44FF2E50-6EDB-B2D2-D936-C7FAD2E53B07}"/>
               </a:ext>
             </a:extLst>
@@ -6432,7 +7071,699 @@
 </p:sld>
 </file>
 
-<file path=ppt/slides/slide28.xml><?xml version="1.0" encoding="utf-8"?>
+<file path=ppt/slides/slide29.xml><?xml version="1.0" encoding="utf-8"?>
+<p:sld xmlns:a="http://schemas.openxmlformats.org/drawingml/2006/main" xmlns:r="http://schemas.openxmlformats.org/officeDocument/2006/relationships" xmlns:p="http://schemas.openxmlformats.org/presentationml/2006/main">
+  <p:cSld>
+    <p:spTree>
+      <p:nvGrpSpPr>
+        <p:cNvPr id="1" name=""/>
+        <p:cNvGrpSpPr/>
+        <p:nvPr/>
+      </p:nvGrpSpPr>
+      <p:grpSpPr>
+        <a:xfrm>
+          <a:off x="0" y="0"/>
+          <a:ext cx="0" cy="0"/>
+          <a:chOff x="0" y="0"/>
+          <a:chExt cx="0" cy="0"/>
+        </a:xfrm>
+      </p:grpSpPr>
+      <p:sp>
+        <p:nvSpPr>
+          <p:cNvPr id="2" name="Title 1">
+            <a:extLst>
+              <a:ext uri="{FF2B5EF4-FFF2-40B4-BE49-F238E27FC236}">
+                <a16:creationId xmlns:a16="http://schemas.microsoft.com/office/drawing/2014/main" id="{72B51999-C4CF-AA86-AB99-DC217C3FE518}"/>
+              </a:ext>
+            </a:extLst>
+          </p:cNvPr>
+          <p:cNvSpPr>
+            <a:spLocks noGrp="1"/>
+          </p:cNvSpPr>
+          <p:nvPr>
+            <p:ph type="title"/>
+          </p:nvPr>
+        </p:nvSpPr>
+        <p:spPr/>
+        <p:txBody>
+          <a:bodyPr/>
+          <a:lstStyle/>
+          <a:p>
+            <a:r>
+              <a:rPr lang="en-US" dirty="0"/>
+              <a:t>Regressor Availability</a:t>
+            </a:r>
+          </a:p>
+        </p:txBody>
+      </p:sp>
+      <p:sp>
+        <p:nvSpPr>
+          <p:cNvPr id="3" name="Content Placeholder 2">
+            <a:extLst>
+              <a:ext uri="{FF2B5EF4-FFF2-40B4-BE49-F238E27FC236}">
+                <a16:creationId xmlns:a16="http://schemas.microsoft.com/office/drawing/2014/main" id="{5891F0D2-8F0A-CFDD-EADF-75C6EE4DC140}"/>
+              </a:ext>
+            </a:extLst>
+          </p:cNvPr>
+          <p:cNvSpPr>
+            <a:spLocks noGrp="1"/>
+          </p:cNvSpPr>
+          <p:nvPr>
+            <p:ph idx="1"/>
+          </p:nvPr>
+        </p:nvSpPr>
+        <p:spPr>
+          <a:xfrm>
+            <a:off x="1451579" y="1872870"/>
+            <a:ext cx="9603275" cy="1729371"/>
+          </a:xfrm>
+        </p:spPr>
+        <p:txBody>
+          <a:bodyPr/>
+          <a:lstStyle/>
+          <a:p>
+            <a:r>
+              <a:rPr lang="en-US" dirty="0"/>
+              <a:t>If we want to use other factors, and predict farther into the future, we have an issue with those regressors not existing for the future period. </a:t>
+            </a:r>
+          </a:p>
+          <a:p>
+            <a:pPr lvl="1"/>
+            <a:r>
+              <a:rPr lang="en-US" dirty="0"/>
+              <a:t>E.g. if predicting sales of a store, and ‘foot traffic’ is a feature, we only know that for the past. </a:t>
+            </a:r>
+          </a:p>
+          <a:p>
+            <a:pPr lvl="1"/>
+            <a:r>
+              <a:rPr lang="en-US" dirty="0"/>
+              <a:t>Predictions using that in the future, must use something generated from past data. </a:t>
+            </a:r>
+          </a:p>
+        </p:txBody>
+      </p:sp>
+      <p:grpSp>
+        <p:nvGrpSpPr>
+          <p:cNvPr id="18" name="Group 17">
+            <a:extLst>
+              <a:ext uri="{FF2B5EF4-FFF2-40B4-BE49-F238E27FC236}">
+                <a16:creationId xmlns:a16="http://schemas.microsoft.com/office/drawing/2014/main" id="{5CDE05FD-A88C-402D-BAB9-EC1FFB221D99}"/>
+              </a:ext>
+            </a:extLst>
+          </p:cNvPr>
+          <p:cNvGrpSpPr/>
+          <p:nvPr/>
+        </p:nvGrpSpPr>
+        <p:grpSpPr>
+          <a:xfrm>
+            <a:off x="691090" y="3631673"/>
+            <a:ext cx="11397141" cy="3044119"/>
+            <a:chOff x="691090" y="3104900"/>
+            <a:chExt cx="11397141" cy="3044119"/>
+          </a:xfrm>
+        </p:grpSpPr>
+        <mc:AlternateContent xmlns:mc="http://schemas.openxmlformats.org/markup-compatibility/2006">
+          <mc:Choice xmlns:p14="http://schemas.microsoft.com/office/powerpoint/2010/main" Requires="p14">
+            <p:contentPart p14:bwMode="auto" r:id="rId2">
+              <p14:nvContentPartPr>
+                <p14:cNvPr id="4" name="Ink 3">
+                  <a:extLst>
+                    <a:ext uri="{FF2B5EF4-FFF2-40B4-BE49-F238E27FC236}">
+                      <a16:creationId xmlns:a16="http://schemas.microsoft.com/office/drawing/2014/main" id="{501AC577-9669-E278-C6B9-FCDC5B73391A}"/>
+                    </a:ext>
+                  </a:extLst>
+                </p14:cNvPr>
+                <p14:cNvContentPartPr/>
+                <p14:nvPr/>
+              </p14:nvContentPartPr>
+              <p14:xfrm>
+                <a:off x="691090" y="4328499"/>
+                <a:ext cx="42840" cy="1554840"/>
+              </p14:xfrm>
+            </p:contentPart>
+          </mc:Choice>
+          <mc:Fallback>
+            <p:pic>
+              <p:nvPicPr>
+                <p:cNvPr id="4" name="Ink 3">
+                  <a:extLst>
+                    <a:ext uri="{FF2B5EF4-FFF2-40B4-BE49-F238E27FC236}">
+                      <a16:creationId xmlns:a16="http://schemas.microsoft.com/office/drawing/2014/main" id="{501AC577-9669-E278-C6B9-FCDC5B73391A}"/>
+                    </a:ext>
+                  </a:extLst>
+                </p:cNvPr>
+                <p:cNvPicPr/>
+                <p:nvPr/>
+              </p:nvPicPr>
+              <p:blipFill>
+                <a:blip r:embed="rId3"/>
+                <a:stretch>
+                  <a:fillRect/>
+                </a:stretch>
+              </p:blipFill>
+              <p:spPr>
+                <a:xfrm>
+                  <a:off x="628090" y="4265499"/>
+                  <a:ext cx="168480" cy="1680480"/>
+                </a:xfrm>
+                <a:prstGeom prst="rect">
+                  <a:avLst/>
+                </a:prstGeom>
+              </p:spPr>
+            </p:pic>
+          </mc:Fallback>
+        </mc:AlternateContent>
+        <mc:AlternateContent xmlns:mc="http://schemas.openxmlformats.org/markup-compatibility/2006">
+          <mc:Choice xmlns:p14="http://schemas.microsoft.com/office/powerpoint/2010/main" Requires="p14">
+            <p:contentPart p14:bwMode="auto" r:id="rId4">
+              <p14:nvContentPartPr>
+                <p14:cNvPr id="5" name="Ink 4">
+                  <a:extLst>
+                    <a:ext uri="{FF2B5EF4-FFF2-40B4-BE49-F238E27FC236}">
+                      <a16:creationId xmlns:a16="http://schemas.microsoft.com/office/drawing/2014/main" id="{5E7EF303-01D8-BF51-6C12-8CC1EF93DE58}"/>
+                    </a:ext>
+                  </a:extLst>
+                </p14:cNvPr>
+                <p14:cNvContentPartPr/>
+                <p14:nvPr/>
+              </p14:nvContentPartPr>
+              <p14:xfrm>
+                <a:off x="792250" y="4893339"/>
+                <a:ext cx="5420520" cy="326160"/>
+              </p14:xfrm>
+            </p:contentPart>
+          </mc:Choice>
+          <mc:Fallback>
+            <p:pic>
+              <p:nvPicPr>
+                <p:cNvPr id="5" name="Ink 4">
+                  <a:extLst>
+                    <a:ext uri="{FF2B5EF4-FFF2-40B4-BE49-F238E27FC236}">
+                      <a16:creationId xmlns:a16="http://schemas.microsoft.com/office/drawing/2014/main" id="{5E7EF303-01D8-BF51-6C12-8CC1EF93DE58}"/>
+                    </a:ext>
+                  </a:extLst>
+                </p:cNvPr>
+                <p:cNvPicPr/>
+                <p:nvPr/>
+              </p:nvPicPr>
+              <p:blipFill>
+                <a:blip r:embed="rId5"/>
+                <a:stretch>
+                  <a:fillRect/>
+                </a:stretch>
+              </p:blipFill>
+              <p:spPr>
+                <a:xfrm>
+                  <a:off x="729250" y="4830699"/>
+                  <a:ext cx="5546160" cy="451800"/>
+                </a:xfrm>
+                <a:prstGeom prst="rect">
+                  <a:avLst/>
+                </a:prstGeom>
+              </p:spPr>
+            </p:pic>
+          </mc:Fallback>
+        </mc:AlternateContent>
+        <mc:AlternateContent xmlns:mc="http://schemas.openxmlformats.org/markup-compatibility/2006">
+          <mc:Choice xmlns:p14="http://schemas.microsoft.com/office/powerpoint/2010/main" Requires="p14">
+            <p:contentPart p14:bwMode="auto" r:id="rId6">
+              <p14:nvContentPartPr>
+                <p14:cNvPr id="6" name="Ink 5">
+                  <a:extLst>
+                    <a:ext uri="{FF2B5EF4-FFF2-40B4-BE49-F238E27FC236}">
+                      <a16:creationId xmlns:a16="http://schemas.microsoft.com/office/drawing/2014/main" id="{13443669-CCC9-BCE3-C4ED-8F60D2A63A2D}"/>
+                    </a:ext>
+                  </a:extLst>
+                </p14:cNvPr>
+                <p14:cNvContentPartPr/>
+                <p14:nvPr/>
+              </p14:nvContentPartPr>
+              <p14:xfrm>
+                <a:off x="6248770" y="3657459"/>
+                <a:ext cx="68760" cy="2491560"/>
+              </p14:xfrm>
+            </p:contentPart>
+          </mc:Choice>
+          <mc:Fallback>
+            <p:pic>
+              <p:nvPicPr>
+                <p:cNvPr id="6" name="Ink 5">
+                  <a:extLst>
+                    <a:ext uri="{FF2B5EF4-FFF2-40B4-BE49-F238E27FC236}">
+                      <a16:creationId xmlns:a16="http://schemas.microsoft.com/office/drawing/2014/main" id="{13443669-CCC9-BCE3-C4ED-8F60D2A63A2D}"/>
+                    </a:ext>
+                  </a:extLst>
+                </p:cNvPr>
+                <p:cNvPicPr/>
+                <p:nvPr/>
+              </p:nvPicPr>
+              <p:blipFill>
+                <a:blip r:embed="rId7"/>
+                <a:stretch>
+                  <a:fillRect/>
+                </a:stretch>
+              </p:blipFill>
+              <p:spPr>
+                <a:xfrm>
+                  <a:off x="6186130" y="3594459"/>
+                  <a:ext cx="194400" cy="2617200"/>
+                </a:xfrm>
+                <a:prstGeom prst="rect">
+                  <a:avLst/>
+                </a:prstGeom>
+              </p:spPr>
+            </p:pic>
+          </mc:Fallback>
+        </mc:AlternateContent>
+        <p:grpSp>
+          <p:nvGrpSpPr>
+            <p:cNvPr id="13" name="Group 12">
+              <a:extLst>
+                <a:ext uri="{FF2B5EF4-FFF2-40B4-BE49-F238E27FC236}">
+                  <a16:creationId xmlns:a16="http://schemas.microsoft.com/office/drawing/2014/main" id="{536B1EE7-F00A-EF14-C2E3-2D6D85E949D3}"/>
+                </a:ext>
+              </a:extLst>
+            </p:cNvPr>
+            <p:cNvGrpSpPr/>
+            <p:nvPr/>
+          </p:nvGrpSpPr>
+          <p:grpSpPr>
+            <a:xfrm>
+              <a:off x="6433450" y="3443979"/>
+              <a:ext cx="3781800" cy="2691360"/>
+              <a:chOff x="6433450" y="3443979"/>
+              <a:chExt cx="3781800" cy="2691360"/>
+            </a:xfrm>
+          </p:grpSpPr>
+          <mc:AlternateContent xmlns:mc="http://schemas.openxmlformats.org/markup-compatibility/2006">
+            <mc:Choice xmlns:p14="http://schemas.microsoft.com/office/powerpoint/2010/main" Requires="p14">
+              <p:contentPart p14:bwMode="auto" r:id="rId8">
+                <p14:nvContentPartPr>
+                  <p14:cNvPr id="7" name="Ink 6">
+                    <a:extLst>
+                      <a:ext uri="{FF2B5EF4-FFF2-40B4-BE49-F238E27FC236}">
+                        <a16:creationId xmlns:a16="http://schemas.microsoft.com/office/drawing/2014/main" id="{2DEC00FE-042E-661B-E5AE-85763714D91E}"/>
+                      </a:ext>
+                    </a:extLst>
+                  </p14:cNvPr>
+                  <p14:cNvContentPartPr/>
+                  <p14:nvPr/>
+                </p14:nvContentPartPr>
+                <p14:xfrm>
+                  <a:off x="6433450" y="4836099"/>
+                  <a:ext cx="3701520" cy="119880"/>
+                </p14:xfrm>
+              </p:contentPart>
+            </mc:Choice>
+            <mc:Fallback>
+              <p:pic>
+                <p:nvPicPr>
+                  <p:cNvPr id="7" name="Ink 6">
+                    <a:extLst>
+                      <a:ext uri="{FF2B5EF4-FFF2-40B4-BE49-F238E27FC236}">
+                        <a16:creationId xmlns:a16="http://schemas.microsoft.com/office/drawing/2014/main" id="{2DEC00FE-042E-661B-E5AE-85763714D91E}"/>
+                      </a:ext>
+                    </a:extLst>
+                  </p:cNvPr>
+                  <p:cNvPicPr/>
+                  <p:nvPr/>
+                </p:nvPicPr>
+                <p:blipFill>
+                  <a:blip r:embed="rId9"/>
+                  <a:stretch>
+                    <a:fillRect/>
+                  </a:stretch>
+                </p:blipFill>
+                <p:spPr>
+                  <a:xfrm>
+                    <a:off x="6370450" y="4773099"/>
+                    <a:ext cx="3827160" cy="245520"/>
+                  </a:xfrm>
+                  <a:prstGeom prst="rect">
+                    <a:avLst/>
+                  </a:prstGeom>
+                </p:spPr>
+              </p:pic>
+            </mc:Fallback>
+          </mc:AlternateContent>
+          <mc:AlternateContent xmlns:mc="http://schemas.openxmlformats.org/markup-compatibility/2006">
+            <mc:Choice xmlns:p14="http://schemas.microsoft.com/office/powerpoint/2010/main" Requires="p14">
+              <p:contentPart p14:bwMode="auto" r:id="rId10">
+                <p14:nvContentPartPr>
+                  <p14:cNvPr id="8" name="Ink 7">
+                    <a:extLst>
+                      <a:ext uri="{FF2B5EF4-FFF2-40B4-BE49-F238E27FC236}">
+                        <a16:creationId xmlns:a16="http://schemas.microsoft.com/office/drawing/2014/main" id="{DC794DBB-B9DD-6BE9-5657-610351140DB0}"/>
+                      </a:ext>
+                    </a:extLst>
+                  </p14:cNvPr>
+                  <p14:cNvContentPartPr/>
+                  <p14:nvPr/>
+                </p14:nvContentPartPr>
+                <p14:xfrm>
+                  <a:off x="10133170" y="3443979"/>
+                  <a:ext cx="82080" cy="2691360"/>
+                </p14:xfrm>
+              </p:contentPart>
+            </mc:Choice>
+            <mc:Fallback>
+              <p:pic>
+                <p:nvPicPr>
+                  <p:cNvPr id="8" name="Ink 7">
+                    <a:extLst>
+                      <a:ext uri="{FF2B5EF4-FFF2-40B4-BE49-F238E27FC236}">
+                        <a16:creationId xmlns:a16="http://schemas.microsoft.com/office/drawing/2014/main" id="{DC794DBB-B9DD-6BE9-5657-610351140DB0}"/>
+                      </a:ext>
+                    </a:extLst>
+                  </p:cNvPr>
+                  <p:cNvPicPr/>
+                  <p:nvPr/>
+                </p:nvPicPr>
+                <p:blipFill>
+                  <a:blip r:embed="rId11"/>
+                  <a:stretch>
+                    <a:fillRect/>
+                  </a:stretch>
+                </p:blipFill>
+                <p:spPr>
+                  <a:xfrm>
+                    <a:off x="10070170" y="3380979"/>
+                    <a:ext cx="207720" cy="2817000"/>
+                  </a:xfrm>
+                  <a:prstGeom prst="rect">
+                    <a:avLst/>
+                  </a:prstGeom>
+                </p:spPr>
+              </p:pic>
+            </mc:Fallback>
+          </mc:AlternateContent>
+          <mc:AlternateContent xmlns:mc="http://schemas.openxmlformats.org/markup-compatibility/2006">
+            <mc:Choice xmlns:p14="http://schemas.microsoft.com/office/powerpoint/2010/main" Requires="p14">
+              <p:contentPart p14:bwMode="auto" r:id="rId12">
+                <p14:nvContentPartPr>
+                  <p14:cNvPr id="11" name="Ink 10">
+                    <a:extLst>
+                      <a:ext uri="{FF2B5EF4-FFF2-40B4-BE49-F238E27FC236}">
+                        <a16:creationId xmlns:a16="http://schemas.microsoft.com/office/drawing/2014/main" id="{CC24FCF1-C20F-FFCA-3896-71057B5C160A}"/>
+                      </a:ext>
+                    </a:extLst>
+                  </p14:cNvPr>
+                  <p14:cNvContentPartPr/>
+                  <p14:nvPr/>
+                </p14:nvContentPartPr>
+                <p14:xfrm>
+                  <a:off x="6480610" y="4027179"/>
+                  <a:ext cx="3530160" cy="753840"/>
+                </p14:xfrm>
+              </p:contentPart>
+            </mc:Choice>
+            <mc:Fallback>
+              <p:pic>
+                <p:nvPicPr>
+                  <p:cNvPr id="11" name="Ink 10">
+                    <a:extLst>
+                      <a:ext uri="{FF2B5EF4-FFF2-40B4-BE49-F238E27FC236}">
+                        <a16:creationId xmlns:a16="http://schemas.microsoft.com/office/drawing/2014/main" id="{CC24FCF1-C20F-FFCA-3896-71057B5C160A}"/>
+                      </a:ext>
+                    </a:extLst>
+                  </p:cNvPr>
+                  <p:cNvPicPr/>
+                  <p:nvPr/>
+                </p:nvPicPr>
+                <p:blipFill>
+                  <a:blip r:embed="rId13"/>
+                  <a:stretch>
+                    <a:fillRect/>
+                  </a:stretch>
+                </p:blipFill>
+                <p:spPr>
+                  <a:xfrm>
+                    <a:off x="6471970" y="4018539"/>
+                    <a:ext cx="3547800" cy="771480"/>
+                  </a:xfrm>
+                  <a:prstGeom prst="rect">
+                    <a:avLst/>
+                  </a:prstGeom>
+                </p:spPr>
+              </p:pic>
+            </mc:Fallback>
+          </mc:AlternateContent>
+        </p:grpSp>
+        <mc:AlternateContent xmlns:mc="http://schemas.openxmlformats.org/markup-compatibility/2006">
+          <mc:Choice xmlns:p14="http://schemas.microsoft.com/office/powerpoint/2010/main" Requires="p14">
+            <p:contentPart p14:bwMode="auto" r:id="rId14">
+              <p14:nvContentPartPr>
+                <p14:cNvPr id="14" name="Ink 13">
+                  <a:extLst>
+                    <a:ext uri="{FF2B5EF4-FFF2-40B4-BE49-F238E27FC236}">
+                      <a16:creationId xmlns:a16="http://schemas.microsoft.com/office/drawing/2014/main" id="{892E0D6B-F058-FF94-8FD3-A02FA2224DA4}"/>
+                    </a:ext>
+                  </a:extLst>
+                </p14:cNvPr>
+                <p14:cNvContentPartPr/>
+                <p14:nvPr/>
+              </p14:nvContentPartPr>
+              <p14:xfrm>
+                <a:off x="883690" y="4198899"/>
+                <a:ext cx="5240520" cy="713160"/>
+              </p14:xfrm>
+            </p:contentPart>
+          </mc:Choice>
+          <mc:Fallback>
+            <p:pic>
+              <p:nvPicPr>
+                <p:cNvPr id="14" name="Ink 13">
+                  <a:extLst>
+                    <a:ext uri="{FF2B5EF4-FFF2-40B4-BE49-F238E27FC236}">
+                      <a16:creationId xmlns:a16="http://schemas.microsoft.com/office/drawing/2014/main" id="{892E0D6B-F058-FF94-8FD3-A02FA2224DA4}"/>
+                    </a:ext>
+                  </a:extLst>
+                </p:cNvPr>
+                <p:cNvPicPr/>
+                <p:nvPr/>
+              </p:nvPicPr>
+              <p:blipFill>
+                <a:blip r:embed="rId15"/>
+                <a:stretch>
+                  <a:fillRect/>
+                </a:stretch>
+              </p:blipFill>
+              <p:spPr>
+                <a:xfrm>
+                  <a:off x="874690" y="4189899"/>
+                  <a:ext cx="5258160" cy="730800"/>
+                </a:xfrm>
+                <a:prstGeom prst="rect">
+                  <a:avLst/>
+                </a:prstGeom>
+              </p:spPr>
+            </p:pic>
+          </mc:Fallback>
+        </mc:AlternateContent>
+        <p:sp>
+          <p:nvSpPr>
+            <p:cNvPr id="15" name="TextBox 14">
+              <a:extLst>
+                <a:ext uri="{FF2B5EF4-FFF2-40B4-BE49-F238E27FC236}">
+                  <a16:creationId xmlns:a16="http://schemas.microsoft.com/office/drawing/2014/main" id="{EA9B25F0-CBE5-0451-D455-F246FE9FC69F}"/>
+                </a:ext>
+              </a:extLst>
+            </p:cNvPr>
+            <p:cNvSpPr txBox="1"/>
+            <p:nvPr/>
+          </p:nvSpPr>
+          <p:spPr>
+            <a:xfrm>
+              <a:off x="6629400" y="3190167"/>
+              <a:ext cx="3715940" cy="923330"/>
+            </a:xfrm>
+            <a:prstGeom prst="rect">
+              <a:avLst/>
+            </a:prstGeom>
+            <a:noFill/>
+          </p:spPr>
+          <p:txBody>
+            <a:bodyPr wrap="square" rtlCol="0">
+              <a:spAutoFit/>
+            </a:bodyPr>
+            <a:lstStyle/>
+            <a:p>
+              <a:r>
+                <a:rPr lang="en-US" dirty="0"/>
+                <a:t>If we are using other variables to predict, we don’t have them for the future period. </a:t>
+              </a:r>
+            </a:p>
+          </p:txBody>
+        </p:sp>
+        <p:sp>
+          <p:nvSpPr>
+            <p:cNvPr id="16" name="TextBox 15">
+              <a:extLst>
+                <a:ext uri="{FF2B5EF4-FFF2-40B4-BE49-F238E27FC236}">
+                  <a16:creationId xmlns:a16="http://schemas.microsoft.com/office/drawing/2014/main" id="{5392F6EC-3927-A7DB-9462-8F4F9CD8F842}"/>
+                </a:ext>
+              </a:extLst>
+            </p:cNvPr>
+            <p:cNvSpPr txBox="1"/>
+            <p:nvPr/>
+          </p:nvSpPr>
+          <p:spPr>
+            <a:xfrm>
+              <a:off x="5034317" y="3130548"/>
+              <a:ext cx="1013792" cy="523220"/>
+            </a:xfrm>
+            <a:prstGeom prst="rect">
+              <a:avLst/>
+            </a:prstGeom>
+            <a:noFill/>
+          </p:spPr>
+          <p:txBody>
+            <a:bodyPr wrap="square" rtlCol="0">
+              <a:spAutoFit/>
+            </a:bodyPr>
+            <a:lstStyle/>
+            <a:p>
+              <a:r>
+                <a:rPr lang="en-US" sz="2800" b="1" dirty="0"/>
+                <a:t>Now</a:t>
+              </a:r>
+            </a:p>
+          </p:txBody>
+        </p:sp>
+        <p:sp>
+          <p:nvSpPr>
+            <p:cNvPr id="17" name="TextBox 16">
+              <a:extLst>
+                <a:ext uri="{FF2B5EF4-FFF2-40B4-BE49-F238E27FC236}">
+                  <a16:creationId xmlns:a16="http://schemas.microsoft.com/office/drawing/2014/main" id="{D1F6F99E-8E01-4116-CC89-5B5BAE769572}"/>
+                </a:ext>
+              </a:extLst>
+            </p:cNvPr>
+            <p:cNvSpPr txBox="1"/>
+            <p:nvPr/>
+          </p:nvSpPr>
+          <p:spPr>
+            <a:xfrm>
+              <a:off x="10337650" y="3104900"/>
+              <a:ext cx="1750581" cy="830997"/>
+            </a:xfrm>
+            <a:prstGeom prst="rect">
+              <a:avLst/>
+            </a:prstGeom>
+            <a:noFill/>
+          </p:spPr>
+          <p:txBody>
+            <a:bodyPr wrap="square" rtlCol="0">
+              <a:spAutoFit/>
+            </a:bodyPr>
+            <a:lstStyle/>
+            <a:p>
+              <a:r>
+                <a:rPr lang="en-US" sz="2400" b="1" dirty="0"/>
+                <a:t>Prediction Frontier</a:t>
+              </a:r>
+            </a:p>
+          </p:txBody>
+        </p:sp>
+      </p:grpSp>
+    </p:spTree>
+    <p:extLst>
+      <p:ext uri="{BB962C8B-B14F-4D97-AF65-F5344CB8AC3E}">
+        <p14:creationId xmlns:p14="http://schemas.microsoft.com/office/powerpoint/2010/main" val="2233192158"/>
+      </p:ext>
+    </p:extLst>
+  </p:cSld>
+  <p:clrMapOvr>
+    <a:masterClrMapping/>
+  </p:clrMapOvr>
+</p:sld>
+</file>
+
+<file path=ppt/slides/slide3.xml><?xml version="1.0" encoding="utf-8"?>
+<p:sld xmlns:a="http://schemas.openxmlformats.org/drawingml/2006/main" xmlns:r="http://schemas.openxmlformats.org/officeDocument/2006/relationships" xmlns:p="http://schemas.openxmlformats.org/presentationml/2006/main">
+  <p:cSld>
+    <p:spTree>
+      <p:nvGrpSpPr>
+        <p:cNvPr id="1" name=""/>
+        <p:cNvGrpSpPr/>
+        <p:nvPr/>
+      </p:nvGrpSpPr>
+      <p:grpSpPr>
+        <a:xfrm>
+          <a:off x="0" y="0"/>
+          <a:ext cx="0" cy="0"/>
+          <a:chOff x="0" y="0"/>
+          <a:chExt cx="0" cy="0"/>
+        </a:xfrm>
+      </p:grpSpPr>
+      <p:sp>
+        <p:nvSpPr>
+          <p:cNvPr id="2" name="Title 1">
+            <a:extLst>
+              <a:ext uri="{FF2B5EF4-FFF2-40B4-BE49-F238E27FC236}">
+                <a16:creationId xmlns:a16="http://schemas.microsoft.com/office/drawing/2014/main" id="{AD0A358F-3029-3B46-8F88-5B7AAD9B2E72}"/>
+              </a:ext>
+            </a:extLst>
+          </p:cNvPr>
+          <p:cNvSpPr>
+            <a:spLocks noGrp="1"/>
+          </p:cNvSpPr>
+          <p:nvPr>
+            <p:ph type="ctrTitle"/>
+          </p:nvPr>
+        </p:nvSpPr>
+        <p:spPr/>
+        <p:txBody>
+          <a:bodyPr/>
+          <a:lstStyle/>
+          <a:p>
+            <a:r>
+              <a:rPr lang="en-US" dirty="0"/>
+              <a:t>Time Series Forecasting</a:t>
+            </a:r>
+          </a:p>
+        </p:txBody>
+      </p:sp>
+      <p:sp>
+        <p:nvSpPr>
+          <p:cNvPr id="3" name="Subtitle 2">
+            <a:extLst>
+              <a:ext uri="{FF2B5EF4-FFF2-40B4-BE49-F238E27FC236}">
+                <a16:creationId xmlns:a16="http://schemas.microsoft.com/office/drawing/2014/main" id="{BA00FEBA-B494-5046-9CD2-12082358FE92}"/>
+              </a:ext>
+            </a:extLst>
+          </p:cNvPr>
+          <p:cNvSpPr>
+            <a:spLocks noGrp="1"/>
+          </p:cNvSpPr>
+          <p:nvPr>
+            <p:ph type="subTitle" idx="1"/>
+          </p:nvPr>
+        </p:nvSpPr>
+        <p:spPr/>
+        <p:txBody>
+          <a:bodyPr/>
+          <a:lstStyle/>
+          <a:p>
+            <a:endParaRPr lang="en-US"/>
+          </a:p>
+        </p:txBody>
+      </p:sp>
+    </p:spTree>
+    <p:extLst>
+      <p:ext uri="{BB962C8B-B14F-4D97-AF65-F5344CB8AC3E}">
+        <p14:creationId xmlns:p14="http://schemas.microsoft.com/office/powerpoint/2010/main" val="3614949151"/>
+      </p:ext>
+    </p:extLst>
+  </p:cSld>
+  <p:clrMapOvr>
+    <a:masterClrMapping/>
+  </p:clrMapOvr>
+</p:sld>
+</file>
+
+<file path=ppt/slides/slide30.xml><?xml version="1.0" encoding="utf-8"?>
 <p:sld xmlns:a="http://schemas.openxmlformats.org/drawingml/2006/main" xmlns:r="http://schemas.openxmlformats.org/officeDocument/2006/relationships" xmlns:p="http://schemas.openxmlformats.org/presentationml/2006/main">
   <p:cSld>
     <p:spTree>
@@ -6580,7 +7911,7 @@
 </p:sld>
 </file>
 
-<file path=ppt/slides/slide29.xml><?xml version="1.0" encoding="utf-8"?>
+<file path=ppt/slides/slide31.xml><?xml version="1.0" encoding="utf-8"?>
 <p:sld xmlns:a="http://schemas.openxmlformats.org/drawingml/2006/main" xmlns:r="http://schemas.openxmlformats.org/officeDocument/2006/relationships" xmlns:p="http://schemas.openxmlformats.org/presentationml/2006/main">
   <p:cSld>
     <p:spTree>
@@ -6678,6 +8009,18 @@
             </a:r>
           </a:p>
           <a:p>
+            <a:pPr lvl="1"/>
+            <a:r>
+              <a:rPr lang="en-US" dirty="0"/>
+              <a:t>May see more/different things done for feature construction, especially </a:t>
+            </a:r>
+            <a:r>
+              <a:rPr lang="en-US"/>
+              <a:t>with future preds. </a:t>
+            </a:r>
+            <a:endParaRPr lang="en-US" dirty="0"/>
+          </a:p>
+          <a:p>
             <a:r>
               <a:rPr lang="en-US" dirty="0"/>
               <a:t>Framing of the problem is flexible, and requires domain and technical knowledge. </a:t>
@@ -6725,7 +8068,7 @@
 </p:sld>
 </file>
 
-<file path=ppt/slides/slide3.xml><?xml version="1.0" encoding="utf-8"?>
+<file path=ppt/slides/slide32.xml><?xml version="1.0" encoding="utf-8"?>
 <p:sld xmlns:a="http://schemas.openxmlformats.org/drawingml/2006/main" xmlns:r="http://schemas.openxmlformats.org/officeDocument/2006/relationships" xmlns:p="http://schemas.openxmlformats.org/presentationml/2006/main">
   <p:cSld>
     <p:spTree>
@@ -6747,89 +8090,6 @@
           <p:cNvPr id="2" name="Title 1">
             <a:extLst>
               <a:ext uri="{FF2B5EF4-FFF2-40B4-BE49-F238E27FC236}">
-                <a16:creationId xmlns:a16="http://schemas.microsoft.com/office/drawing/2014/main" id="{AD0A358F-3029-3B46-8F88-5B7AAD9B2E72}"/>
-              </a:ext>
-            </a:extLst>
-          </p:cNvPr>
-          <p:cNvSpPr>
-            <a:spLocks noGrp="1"/>
-          </p:cNvSpPr>
-          <p:nvPr>
-            <p:ph type="ctrTitle"/>
-          </p:nvPr>
-        </p:nvSpPr>
-        <p:spPr/>
-        <p:txBody>
-          <a:bodyPr/>
-          <a:lstStyle/>
-          <a:p>
-            <a:r>
-              <a:rPr lang="en-US" dirty="0"/>
-              <a:t>Time Series Forecasting</a:t>
-            </a:r>
-          </a:p>
-        </p:txBody>
-      </p:sp>
-      <p:sp>
-        <p:nvSpPr>
-          <p:cNvPr id="3" name="Subtitle 2">
-            <a:extLst>
-              <a:ext uri="{FF2B5EF4-FFF2-40B4-BE49-F238E27FC236}">
-                <a16:creationId xmlns:a16="http://schemas.microsoft.com/office/drawing/2014/main" id="{BA00FEBA-B494-5046-9CD2-12082358FE92}"/>
-              </a:ext>
-            </a:extLst>
-          </p:cNvPr>
-          <p:cNvSpPr>
-            <a:spLocks noGrp="1"/>
-          </p:cNvSpPr>
-          <p:nvPr>
-            <p:ph type="subTitle" idx="1"/>
-          </p:nvPr>
-        </p:nvSpPr>
-        <p:spPr/>
-        <p:txBody>
-          <a:bodyPr/>
-          <a:lstStyle/>
-          <a:p>
-            <a:endParaRPr lang="en-US"/>
-          </a:p>
-        </p:txBody>
-      </p:sp>
-    </p:spTree>
-    <p:extLst>
-      <p:ext uri="{BB962C8B-B14F-4D97-AF65-F5344CB8AC3E}">
-        <p14:creationId xmlns:p14="http://schemas.microsoft.com/office/powerpoint/2010/main" val="3614949151"/>
-      </p:ext>
-    </p:extLst>
-  </p:cSld>
-  <p:clrMapOvr>
-    <a:masterClrMapping/>
-  </p:clrMapOvr>
-</p:sld>
-</file>
-
-<file path=ppt/slides/slide30.xml><?xml version="1.0" encoding="utf-8"?>
-<p:sld xmlns:a="http://schemas.openxmlformats.org/drawingml/2006/main" xmlns:r="http://schemas.openxmlformats.org/officeDocument/2006/relationships" xmlns:p="http://schemas.openxmlformats.org/presentationml/2006/main">
-  <p:cSld>
-    <p:spTree>
-      <p:nvGrpSpPr>
-        <p:cNvPr id="1" name=""/>
-        <p:cNvGrpSpPr/>
-        <p:nvPr/>
-      </p:nvGrpSpPr>
-      <p:grpSpPr>
-        <a:xfrm>
-          <a:off x="0" y="0"/>
-          <a:ext cx="0" cy="0"/>
-          <a:chOff x="0" y="0"/>
-          <a:chExt cx="0" cy="0"/>
-        </a:xfrm>
-      </p:grpSpPr>
-      <p:sp>
-        <p:nvSpPr>
-          <p:cNvPr id="2" name="Title 1">
-            <a:extLst>
-              <a:ext uri="{FF2B5EF4-FFF2-40B4-BE49-F238E27FC236}">
                 <a16:creationId xmlns:a16="http://schemas.microsoft.com/office/drawing/2014/main" id="{C965BD4C-1366-F7CE-BB72-33EBDC782A79}"/>
               </a:ext>
             </a:extLst>
@@ -6871,8 +8131,8 @@
         </p:nvSpPr>
         <p:spPr>
           <a:xfrm>
-            <a:off x="1271239" y="1925904"/>
-            <a:ext cx="10136459" cy="4127577"/>
+            <a:off x="775252" y="1925904"/>
+            <a:ext cx="10793895" cy="4127577"/>
           </a:xfrm>
         </p:spPr>
         <p:txBody>
@@ -6921,7 +8181,14 @@
             <a:pPr lvl="1"/>
             <a:r>
               <a:rPr lang="en-US" dirty="0"/>
-              <a:t>Any time there’s a direct dependence on “the last time”, these ideas apply. </a:t>
+              <a:t>Any time there’s a direct dependence on “the previous record(s)”, these ideas apply. </a:t>
+            </a:r>
+          </a:p>
+          <a:p>
+            <a:pPr lvl="1"/>
+            <a:r>
+              <a:rPr lang="en-US" dirty="0"/>
+              <a:t>We’ll revisit this a little with RNN/transformer models, they maintain more temporal (sequence) info. </a:t>
             </a:r>
           </a:p>
         </p:txBody>
@@ -7095,6 +8362,131 @@
 
 <file path=ppt/slides/slide5.xml><?xml version="1.0" encoding="utf-8"?>
 <p:sld xmlns:a="http://schemas.openxmlformats.org/drawingml/2006/main" xmlns:r="http://schemas.openxmlformats.org/officeDocument/2006/relationships" xmlns:p="http://schemas.openxmlformats.org/presentationml/2006/main">
+  <p:cSld>
+    <p:spTree>
+      <p:nvGrpSpPr>
+        <p:cNvPr id="1" name=""/>
+        <p:cNvGrpSpPr/>
+        <p:nvPr/>
+      </p:nvGrpSpPr>
+      <p:grpSpPr>
+        <a:xfrm>
+          <a:off x="0" y="0"/>
+          <a:ext cx="0" cy="0"/>
+          <a:chOff x="0" y="0"/>
+          <a:chExt cx="0" cy="0"/>
+        </a:xfrm>
+      </p:grpSpPr>
+      <p:sp>
+        <p:nvSpPr>
+          <p:cNvPr id="2" name="Title 1">
+            <a:extLst>
+              <a:ext uri="{FF2B5EF4-FFF2-40B4-BE49-F238E27FC236}">
+                <a16:creationId xmlns:a16="http://schemas.microsoft.com/office/drawing/2014/main" id="{CA70A4D0-EDE2-C46E-4065-9564930E6593}"/>
+              </a:ext>
+            </a:extLst>
+          </p:cNvPr>
+          <p:cNvSpPr>
+            <a:spLocks noGrp="1"/>
+          </p:cNvSpPr>
+          <p:nvPr>
+            <p:ph type="title"/>
+          </p:nvPr>
+        </p:nvSpPr>
+        <p:spPr/>
+        <p:txBody>
+          <a:bodyPr/>
+          <a:lstStyle/>
+          <a:p>
+            <a:r>
+              <a:rPr lang="en-US" dirty="0"/>
+              <a:t>Note on Time series-</a:t>
+            </a:r>
+            <a:r>
+              <a:rPr lang="en-US" dirty="0" err="1"/>
+              <a:t>ing</a:t>
+            </a:r>
+            <a:r>
+              <a:rPr lang="en-US" dirty="0"/>
+              <a:t>…</a:t>
+            </a:r>
+          </a:p>
+        </p:txBody>
+      </p:sp>
+      <p:sp>
+        <p:nvSpPr>
+          <p:cNvPr id="3" name="Content Placeholder 2">
+            <a:extLst>
+              <a:ext uri="{FF2B5EF4-FFF2-40B4-BE49-F238E27FC236}">
+                <a16:creationId xmlns:a16="http://schemas.microsoft.com/office/drawing/2014/main" id="{14130C1E-28DB-68FE-5CCA-133310511A68}"/>
+              </a:ext>
+            </a:extLst>
+          </p:cNvPr>
+          <p:cNvSpPr>
+            <a:spLocks noGrp="1"/>
+          </p:cNvSpPr>
+          <p:nvPr>
+            <p:ph idx="1"/>
+          </p:nvPr>
+        </p:nvSpPr>
+        <p:spPr>
+          <a:xfrm>
+            <a:off x="1451579" y="2015732"/>
+            <a:ext cx="9603275" cy="4037749"/>
+          </a:xfrm>
+        </p:spPr>
+        <p:txBody>
+          <a:bodyPr/>
+          <a:lstStyle/>
+          <a:p>
+            <a:r>
+              <a:rPr lang="en-US" dirty="0"/>
+              <a:t>There are two basic ways that we can approach processing time series data:</a:t>
+            </a:r>
+          </a:p>
+          <a:p>
+            <a:pPr lvl="1"/>
+            <a:r>
+              <a:rPr lang="en-US" dirty="0"/>
+              <a:t>Manually. </a:t>
+            </a:r>
+          </a:p>
+          <a:p>
+            <a:pPr lvl="1"/>
+            <a:r>
+              <a:rPr lang="en-US" dirty="0"/>
+              <a:t>Automatically. </a:t>
+            </a:r>
+          </a:p>
+          <a:p>
+            <a:r>
+              <a:rPr lang="en-US" dirty="0"/>
+              <a:t>We’ll cover the basics of the manual bits. </a:t>
+            </a:r>
+          </a:p>
+          <a:p>
+            <a:r>
+              <a:rPr lang="en-US" dirty="0"/>
+              <a:t>The more I cover this, the less critical I think that getting into those details is. </a:t>
+            </a:r>
+          </a:p>
+        </p:txBody>
+      </p:sp>
+    </p:spTree>
+    <p:extLst>
+      <p:ext uri="{BB962C8B-B14F-4D97-AF65-F5344CB8AC3E}">
+        <p14:creationId xmlns:p14="http://schemas.microsoft.com/office/powerpoint/2010/main" val="2816021713"/>
+      </p:ext>
+    </p:extLst>
+  </p:cSld>
+  <p:clrMapOvr>
+    <a:masterClrMapping/>
+  </p:clrMapOvr>
+</p:sld>
+</file>
+
+<file path=ppt/slides/slide6.xml><?xml version="1.0" encoding="utf-8"?>
+<p:sld xmlns:a="http://schemas.openxmlformats.org/drawingml/2006/main" xmlns:r="http://schemas.openxmlformats.org/officeDocument/2006/relationships" xmlns:p="http://schemas.openxmlformats.org/presentationml/2006/main" show="0">
   <p:cSld>
     <p:spTree>
       <p:nvGrpSpPr>
@@ -7220,7 +8612,7 @@
 </p:sld>
 </file>
 
-<file path=ppt/slides/slide6.xml><?xml version="1.0" encoding="utf-8"?>
+<file path=ppt/slides/slide7.xml><?xml version="1.0" encoding="utf-8"?>
 <p:sld xmlns:a="http://schemas.openxmlformats.org/drawingml/2006/main" xmlns:r="http://schemas.openxmlformats.org/officeDocument/2006/relationships" xmlns:p="http://schemas.openxmlformats.org/presentationml/2006/main">
   <p:cSld>
     <p:spTree>
@@ -7396,7 +8788,7 @@
 </p:sld>
 </file>
 
-<file path=ppt/slides/slide7.xml><?xml version="1.0" encoding="utf-8"?>
+<file path=ppt/slides/slide8.xml><?xml version="1.0" encoding="utf-8"?>
 <p:sld xmlns:a="http://schemas.openxmlformats.org/drawingml/2006/main" xmlns:r="http://schemas.openxmlformats.org/officeDocument/2006/relationships" xmlns:p="http://schemas.openxmlformats.org/presentationml/2006/main">
   <p:cSld>
     <p:spTree>
@@ -7483,6 +8875,26 @@
           <a:p>
             <a:r>
               <a:rPr lang="en-US" dirty="0"/>
+              <a:t>Can also incorporate:</a:t>
+            </a:r>
+          </a:p>
+          <a:p>
+            <a:pPr lvl="1"/>
+            <a:r>
+              <a:rPr lang="en-US" dirty="0"/>
+              <a:t>Trends – are we moving up or down over time. </a:t>
+            </a:r>
+          </a:p>
+          <a:p>
+            <a:pPr lvl="1"/>
+            <a:r>
+              <a:rPr lang="en-US" dirty="0"/>
+              <a:t>Cyclicality – are there seasonal patterns. </a:t>
+            </a:r>
+          </a:p>
+          <a:p>
+            <a:r>
+              <a:rPr lang="en-US" dirty="0"/>
               <a:t>Trends and seasonality can be either Additive or Multiplicative:</a:t>
             </a:r>
           </a:p>
@@ -7508,29 +8920,6 @@
               <a:rPr lang="en-CA" dirty="0"/>
               <a:t> in nature.</a:t>
             </a:r>
-            <a:endParaRPr lang="en-US" dirty="0"/>
-          </a:p>
-          <a:p>
-            <a:r>
-              <a:rPr lang="en-US" dirty="0"/>
-              <a:t>Can also incorporate:</a:t>
-            </a:r>
-          </a:p>
-          <a:p>
-            <a:pPr lvl="1"/>
-            <a:r>
-              <a:rPr lang="en-US" dirty="0"/>
-              <a:t>Trends – are we moving up or down over time. </a:t>
-            </a:r>
-          </a:p>
-          <a:p>
-            <a:pPr lvl="1"/>
-            <a:r>
-              <a:rPr lang="en-US" dirty="0"/>
-              <a:t>Cyclicality – are there seasonal patterns. </a:t>
-            </a:r>
-          </a:p>
-          <a:p>
             <a:endParaRPr lang="en-US" dirty="0"/>
           </a:p>
         </p:txBody>
@@ -7548,7 +8937,7 @@
 </p:sld>
 </file>
 
-<file path=ppt/slides/slide8.xml><?xml version="1.0" encoding="utf-8"?>
+<file path=ppt/slides/slide9.xml><?xml version="1.0" encoding="utf-8"?>
 <p:sld xmlns:a="http://schemas.openxmlformats.org/drawingml/2006/main" xmlns:r="http://schemas.openxmlformats.org/officeDocument/2006/relationships" xmlns:p="http://schemas.openxmlformats.org/presentationml/2006/main">
   <p:cSld>
     <p:spTree>
@@ -7666,439 +9055,6 @@
     <p:extLst>
       <p:ext uri="{BB962C8B-B14F-4D97-AF65-F5344CB8AC3E}">
         <p14:creationId xmlns:p14="http://schemas.microsoft.com/office/powerpoint/2010/main" val="184144261"/>
-      </p:ext>
-    </p:extLst>
-  </p:cSld>
-  <p:clrMapOvr>
-    <a:masterClrMapping/>
-  </p:clrMapOvr>
-</p:sld>
-</file>
-
-<file path=ppt/slides/slide9.xml><?xml version="1.0" encoding="utf-8"?>
-<p:sld xmlns:a="http://schemas.openxmlformats.org/drawingml/2006/main" xmlns:r="http://schemas.openxmlformats.org/officeDocument/2006/relationships" xmlns:p="http://schemas.openxmlformats.org/presentationml/2006/main">
-  <p:cSld>
-    <p:bg>
-      <p:bgPr>
-        <a:gradFill rotWithShape="1">
-          <a:gsLst>
-            <a:gs pos="0">
-              <a:schemeClr val="bg2">
-                <a:tint val="94000"/>
-                <a:satMod val="80000"/>
-                <a:lumMod val="106000"/>
-              </a:schemeClr>
-            </a:gs>
-            <a:gs pos="100000">
-              <a:schemeClr val="bg2">
-                <a:shade val="80000"/>
-              </a:schemeClr>
-            </a:gs>
-          </a:gsLst>
-          <a:path path="circle">
-            <a:fillToRect l="43000" r="43000" b="100000"/>
-          </a:path>
-        </a:gradFill>
-        <a:effectLst/>
-      </p:bgPr>
-    </p:bg>
-    <p:spTree>
-      <p:nvGrpSpPr>
-        <p:cNvPr id="1" name=""/>
-        <p:cNvGrpSpPr/>
-        <p:nvPr/>
-      </p:nvGrpSpPr>
-      <p:grpSpPr>
-        <a:xfrm>
-          <a:off x="0" y="0"/>
-          <a:ext cx="0" cy="0"/>
-          <a:chOff x="0" y="0"/>
-          <a:chExt cx="0" cy="0"/>
-        </a:xfrm>
-      </p:grpSpPr>
-      <p:sp useBgFill="1">
-        <p:nvSpPr>
-          <p:cNvPr id="71" name="Rectangle 70">
-            <a:extLst>
-              <a:ext uri="{FF2B5EF4-FFF2-40B4-BE49-F238E27FC236}">
-                <a16:creationId xmlns:a16="http://schemas.microsoft.com/office/drawing/2014/main" id="{1C2A4B30-77D7-4FFB-8B53-A88BD68CABD2}"/>
-              </a:ext>
-              <a:ext uri="{C183D7F6-B498-43B3-948B-1728B52AA6E4}">
-                <adec:decorative xmlns:adec="http://schemas.microsoft.com/office/drawing/2017/decorative" val="1"/>
-              </a:ext>
-            </a:extLst>
-          </p:cNvPr>
-          <p:cNvSpPr>
-            <a:spLocks noGrp="1" noRot="1" noChangeAspect="1" noMove="1" noResize="1" noEditPoints="1" noAdjustHandles="1" noChangeArrowheads="1" noChangeShapeType="1" noTextEdit="1"/>
-          </p:cNvSpPr>
-          <p:nvPr>
-            <p:extLst>
-              <p:ext uri="{386F3935-93C4-4BCD-93E2-E3B085C9AB24}">
-                <p16:designElem xmlns:p16="http://schemas.microsoft.com/office/powerpoint/2015/main" val="1"/>
-              </p:ext>
-            </p:extLst>
-          </p:nvPr>
-        </p:nvSpPr>
-        <p:spPr>
-          <a:xfrm>
-            <a:off x="2" y="0"/>
-            <a:ext cx="12191695" cy="6858000"/>
-          </a:xfrm>
-          <a:prstGeom prst="rect">
-            <a:avLst/>
-          </a:prstGeom>
-          <a:ln>
-            <a:noFill/>
-          </a:ln>
-        </p:spPr>
-        <p:style>
-          <a:lnRef idx="2">
-            <a:schemeClr val="accent1">
-              <a:shade val="50000"/>
-            </a:schemeClr>
-          </a:lnRef>
-          <a:fillRef idx="1">
-            <a:schemeClr val="accent1"/>
-          </a:fillRef>
-          <a:effectRef idx="0">
-            <a:schemeClr val="accent1"/>
-          </a:effectRef>
-          <a:fontRef idx="minor">
-            <a:schemeClr val="lt1"/>
-          </a:fontRef>
-        </p:style>
-        <p:txBody>
-          <a:bodyPr rtlCol="0" anchor="ctr"/>
-          <a:lstStyle/>
-          <a:p>
-            <a:pPr algn="ctr"/>
-            <a:endParaRPr lang="en-US"/>
-          </a:p>
-        </p:txBody>
-      </p:sp>
-      <p:sp>
-        <p:nvSpPr>
-          <p:cNvPr id="2" name="Title 1">
-            <a:extLst>
-              <a:ext uri="{FF2B5EF4-FFF2-40B4-BE49-F238E27FC236}">
-                <a16:creationId xmlns:a16="http://schemas.microsoft.com/office/drawing/2014/main" id="{23FAC60B-7F32-F642-BD1A-77F116133BB9}"/>
-              </a:ext>
-            </a:extLst>
-          </p:cNvPr>
-          <p:cNvSpPr>
-            <a:spLocks noGrp="1"/>
-          </p:cNvSpPr>
-          <p:nvPr>
-            <p:ph type="title"/>
-          </p:nvPr>
-        </p:nvSpPr>
-        <p:spPr>
-          <a:xfrm>
-            <a:off x="1451580" y="804519"/>
-            <a:ext cx="4325112" cy="1049235"/>
-          </a:xfrm>
-        </p:spPr>
-        <p:txBody>
-          <a:bodyPr>
-            <a:normAutofit/>
-          </a:bodyPr>
-          <a:lstStyle/>
-          <a:p>
-            <a:r>
-              <a:rPr lang="en-US" sz="2800"/>
-              <a:t>Stationary</a:t>
-            </a:r>
-          </a:p>
-        </p:txBody>
-      </p:sp>
-      <p:cxnSp>
-        <p:nvCxnSpPr>
-          <p:cNvPr id="73" name="Straight Connector 72">
-            <a:extLst>
-              <a:ext uri="{FF2B5EF4-FFF2-40B4-BE49-F238E27FC236}">
-                <a16:creationId xmlns:a16="http://schemas.microsoft.com/office/drawing/2014/main" id="{373AAE2E-5D6B-4952-A4BB-546C49F8DE4B}"/>
-              </a:ext>
-              <a:ext uri="{C183D7F6-B498-43B3-948B-1728B52AA6E4}">
-                <adec:decorative xmlns:adec="http://schemas.microsoft.com/office/drawing/2017/decorative" val="1"/>
-              </a:ext>
-            </a:extLst>
-          </p:cNvPr>
-          <p:cNvCxnSpPr>
-            <a:cxnSpLocks noGrp="1" noRot="1" noChangeAspect="1" noMove="1" noResize="1" noEditPoints="1" noAdjustHandles="1" noChangeArrowheads="1" noChangeShapeType="1"/>
-          </p:cNvCxnSpPr>
-          <p:nvPr>
-            <p:extLst>
-              <p:ext uri="{386F3935-93C4-4BCD-93E2-E3B085C9AB24}">
-                <p16:designElem xmlns:p16="http://schemas.microsoft.com/office/powerpoint/2015/main" val="1"/>
-              </p:ext>
-            </p:extLst>
-          </p:nvPr>
-        </p:nvCxnSpPr>
-        <p:spPr>
-          <a:xfrm>
-            <a:off x="1451579" y="1853754"/>
-            <a:ext cx="4325112" cy="0"/>
-          </a:xfrm>
-          <a:prstGeom prst="line">
-            <a:avLst/>
-          </a:prstGeom>
-          <a:ln w="31750"/>
-        </p:spPr>
-        <p:style>
-          <a:lnRef idx="3">
-            <a:schemeClr val="accent1"/>
-          </a:lnRef>
-          <a:fillRef idx="0">
-            <a:schemeClr val="accent1"/>
-          </a:fillRef>
-          <a:effectRef idx="2">
-            <a:schemeClr val="accent1"/>
-          </a:effectRef>
-          <a:fontRef idx="minor">
-            <a:schemeClr val="tx1"/>
-          </a:fontRef>
-        </p:style>
-      </p:cxnSp>
-      <p:sp>
-        <p:nvSpPr>
-          <p:cNvPr id="75" name="Rectangle 74">
-            <a:extLst>
-              <a:ext uri="{FF2B5EF4-FFF2-40B4-BE49-F238E27FC236}">
-                <a16:creationId xmlns:a16="http://schemas.microsoft.com/office/drawing/2014/main" id="{01E4D783-AD45-49E7-B6C7-BBACB8290688}"/>
-              </a:ext>
-              <a:ext uri="{C183D7F6-B498-43B3-948B-1728B52AA6E4}">
-                <adec:decorative xmlns:adec="http://schemas.microsoft.com/office/drawing/2017/decorative" val="1"/>
-              </a:ext>
-            </a:extLst>
-          </p:cNvPr>
-          <p:cNvSpPr>
-            <a:spLocks noGrp="1" noRot="1" noChangeAspect="1" noMove="1" noResize="1" noEditPoints="1" noAdjustHandles="1" noChangeArrowheads="1" noChangeShapeType="1" noTextEdit="1"/>
-          </p:cNvSpPr>
-          <p:nvPr>
-            <p:extLst>
-              <p:ext uri="{386F3935-93C4-4BCD-93E2-E3B085C9AB24}">
-                <p16:designElem xmlns:p16="http://schemas.microsoft.com/office/powerpoint/2015/main" val="1"/>
-              </p:ext>
-            </p:extLst>
-          </p:nvPr>
-        </p:nvSpPr>
-        <p:spPr>
-          <a:xfrm>
-            <a:off x="0" y="2019476"/>
-            <a:ext cx="12192000" cy="4838524"/>
-          </a:xfrm>
-          <a:prstGeom prst="rect">
-            <a:avLst/>
-          </a:prstGeom>
-          <a:gradFill flip="none" rotWithShape="1">
-            <a:gsLst>
-              <a:gs pos="0">
-                <a:schemeClr val="bg2">
-                  <a:alpha val="0"/>
-                </a:schemeClr>
-              </a:gs>
-              <a:gs pos="100000">
-                <a:schemeClr val="bg2"/>
-              </a:gs>
-            </a:gsLst>
-            <a:lin ang="5400000" scaled="0"/>
-            <a:tileRect/>
-          </a:gradFill>
-          <a:ln>
-            <a:noFill/>
-          </a:ln>
-        </p:spPr>
-        <p:style>
-          <a:lnRef idx="2">
-            <a:schemeClr val="accent1">
-              <a:shade val="50000"/>
-            </a:schemeClr>
-          </a:lnRef>
-          <a:fillRef idx="1">
-            <a:schemeClr val="accent1"/>
-          </a:fillRef>
-          <a:effectRef idx="0">
-            <a:schemeClr val="accent1"/>
-          </a:effectRef>
-          <a:fontRef idx="minor">
-            <a:schemeClr val="lt1"/>
-          </a:fontRef>
-        </p:style>
-        <p:txBody>
-          <a:bodyPr rtlCol="0" anchor="ctr"/>
-          <a:lstStyle/>
-          <a:p>
-            <a:pPr lvl="0" algn="ctr"/>
-            <a:endParaRPr lang="en-US"/>
-          </a:p>
-        </p:txBody>
-      </p:sp>
-      <p:sp>
-        <p:nvSpPr>
-          <p:cNvPr id="3" name="Content Placeholder 2">
-            <a:extLst>
-              <a:ext uri="{FF2B5EF4-FFF2-40B4-BE49-F238E27FC236}">
-                <a16:creationId xmlns:a16="http://schemas.microsoft.com/office/drawing/2014/main" id="{EA367F9E-CA23-2649-A11D-BB828F573123}"/>
-              </a:ext>
-            </a:extLst>
-          </p:cNvPr>
-          <p:cNvSpPr>
-            <a:spLocks noGrp="1"/>
-          </p:cNvSpPr>
-          <p:nvPr>
-            <p:ph idx="1"/>
-          </p:nvPr>
-        </p:nvSpPr>
-        <p:spPr>
-          <a:xfrm>
-            <a:off x="0" y="1853754"/>
-            <a:ext cx="6757685" cy="5004243"/>
-          </a:xfrm>
-        </p:spPr>
-        <p:txBody>
-          <a:bodyPr>
-            <a:normAutofit/>
-          </a:bodyPr>
-          <a:lstStyle/>
-          <a:p>
-            <a:pPr>
-              <a:lnSpc>
-                <a:spcPct val="110000"/>
-              </a:lnSpc>
-            </a:pPr>
-            <a:r>
-              <a:rPr lang="en-US" sz="2400" dirty="0"/>
-              <a:t>A time series being stationary means that its major stats (mean, std) are not changing over time. </a:t>
-            </a:r>
-          </a:p>
-          <a:p>
-            <a:pPr>
-              <a:lnSpc>
-                <a:spcPct val="110000"/>
-              </a:lnSpc>
-            </a:pPr>
-            <a:r>
-              <a:rPr lang="en-US" sz="2400" dirty="0"/>
-              <a:t>We can transform data to make it stationary:</a:t>
-            </a:r>
-          </a:p>
-          <a:p>
-            <a:pPr lvl="1">
-              <a:lnSpc>
-                <a:spcPct val="110000"/>
-              </a:lnSpc>
-            </a:pPr>
-            <a:r>
-              <a:rPr lang="en-US" sz="2000" dirty="0"/>
-              <a:t>Differencing. </a:t>
-            </a:r>
-          </a:p>
-          <a:p>
-            <a:pPr lvl="2">
-              <a:lnSpc>
-                <a:spcPct val="110000"/>
-              </a:lnSpc>
-            </a:pPr>
-            <a:r>
-              <a:rPr lang="en-US" sz="1800" dirty="0"/>
-              <a:t>difference(T) = observation(T) – observation(T-1)</a:t>
-            </a:r>
-          </a:p>
-          <a:p>
-            <a:pPr lvl="2">
-              <a:lnSpc>
-                <a:spcPct val="110000"/>
-              </a:lnSpc>
-            </a:pPr>
-            <a:r>
-              <a:rPr lang="en-US" sz="1800" dirty="0"/>
-              <a:t>.diff() in code.</a:t>
-            </a:r>
-          </a:p>
-          <a:p>
-            <a:pPr lvl="1">
-              <a:lnSpc>
-                <a:spcPct val="110000"/>
-              </a:lnSpc>
-            </a:pPr>
-            <a:r>
-              <a:rPr lang="en-US" sz="2000" dirty="0"/>
-              <a:t>Other transformations (e.g. log). We won’t cover this stuff in detail. </a:t>
-            </a:r>
-          </a:p>
-          <a:p>
-            <a:pPr>
-              <a:lnSpc>
-                <a:spcPct val="110000"/>
-              </a:lnSpc>
-            </a:pPr>
-            <a:r>
-              <a:rPr lang="en-US" sz="2200" dirty="0"/>
-              <a:t>We generally need to make a time series stationary, or provide arguments for it to be made stationary. </a:t>
-            </a:r>
-          </a:p>
-          <a:p>
-            <a:pPr>
-              <a:lnSpc>
-                <a:spcPct val="110000"/>
-              </a:lnSpc>
-            </a:pPr>
-            <a:r>
-              <a:rPr lang="en-US" sz="2200" dirty="0"/>
-              <a:t>Similar idea to a kernel or basis function. </a:t>
-            </a:r>
-          </a:p>
-        </p:txBody>
-      </p:sp>
-      <p:pic>
-        <p:nvPicPr>
-          <p:cNvPr id="2050" name="Picture 2" descr="Time Series Analysis and Models | An Explorer of Things">
-            <a:extLst>
-              <a:ext uri="{FF2B5EF4-FFF2-40B4-BE49-F238E27FC236}">
-                <a16:creationId xmlns:a16="http://schemas.microsoft.com/office/drawing/2014/main" id="{928CD29D-72B7-1148-BD34-5F79ED0D24ED}"/>
-              </a:ext>
-            </a:extLst>
-          </p:cNvPr>
-          <p:cNvPicPr>
-            <a:picLocks noChangeAspect="1" noChangeArrowheads="1"/>
-          </p:cNvPicPr>
-          <p:nvPr/>
-        </p:nvPicPr>
-        <p:blipFill rotWithShape="1">
-          <a:blip r:embed="rId2">
-            <a:extLst>
-              <a:ext uri="{28A0092B-C50C-407E-A947-70E740481C1C}">
-                <a14:useLocalDpi xmlns:a14="http://schemas.microsoft.com/office/drawing/2010/main" val="0"/>
-              </a:ext>
-            </a:extLst>
-          </a:blip>
-          <a:srcRect t="1868"/>
-          <a:stretch/>
-        </p:blipFill>
-        <p:spPr bwMode="auto">
-          <a:xfrm>
-            <a:off x="6757988" y="1952"/>
-            <a:ext cx="5433709" cy="6880238"/>
-          </a:xfrm>
-          <a:prstGeom prst="rect">
-            <a:avLst/>
-          </a:prstGeom>
-          <a:noFill/>
-          <a:extLst>
-            <a:ext uri="{909E8E84-426E-40DD-AFC4-6F175D3DCCD1}">
-              <a14:hiddenFill xmlns:a14="http://schemas.microsoft.com/office/drawing/2010/main">
-                <a:solidFill>
-                  <a:srgbClr val="FFFFFF"/>
-                </a:solidFill>
-              </a14:hiddenFill>
-            </a:ext>
-          </a:extLst>
-        </p:spPr>
-      </p:pic>
-    </p:spTree>
-    <p:extLst>
-      <p:ext uri="{BB962C8B-B14F-4D97-AF65-F5344CB8AC3E}">
-        <p14:creationId xmlns:p14="http://schemas.microsoft.com/office/powerpoint/2010/main" val="3466610102"/>
       </p:ext>
     </p:extLst>
   </p:cSld>

--- a/reference_content/Slides/TimeSeries.pptx
+++ b/reference_content/Slides/TimeSeries.pptx
@@ -7,36 +7,45 @@
   <p:sldIdLst>
     <p:sldId id="280" r:id="rId2"/>
     <p:sldId id="281" r:id="rId3"/>
-    <p:sldId id="256" r:id="rId4"/>
-    <p:sldId id="270" r:id="rId5"/>
-    <p:sldId id="286" r:id="rId6"/>
-    <p:sldId id="271" r:id="rId7"/>
-    <p:sldId id="272" r:id="rId8"/>
-    <p:sldId id="258" r:id="rId9"/>
-    <p:sldId id="261" r:id="rId10"/>
-    <p:sldId id="262" r:id="rId11"/>
-    <p:sldId id="284" r:id="rId12"/>
-    <p:sldId id="257" r:id="rId13"/>
-    <p:sldId id="259" r:id="rId14"/>
-    <p:sldId id="263" r:id="rId15"/>
-    <p:sldId id="282" r:id="rId16"/>
-    <p:sldId id="283" r:id="rId17"/>
-    <p:sldId id="265" r:id="rId18"/>
-    <p:sldId id="266" r:id="rId19"/>
-    <p:sldId id="264" r:id="rId20"/>
-    <p:sldId id="260" r:id="rId21"/>
-    <p:sldId id="276" r:id="rId22"/>
-    <p:sldId id="277" r:id="rId23"/>
-    <p:sldId id="278" r:id="rId24"/>
-    <p:sldId id="273" r:id="rId25"/>
-    <p:sldId id="274" r:id="rId26"/>
-    <p:sldId id="267" r:id="rId27"/>
-    <p:sldId id="285" r:id="rId28"/>
-    <p:sldId id="268" r:id="rId29"/>
-    <p:sldId id="287" r:id="rId30"/>
-    <p:sldId id="275" r:id="rId31"/>
-    <p:sldId id="279" r:id="rId32"/>
-    <p:sldId id="269" r:id="rId33"/>
+    <p:sldId id="296" r:id="rId4"/>
+    <p:sldId id="297" r:id="rId5"/>
+    <p:sldId id="256" r:id="rId6"/>
+    <p:sldId id="270" r:id="rId7"/>
+    <p:sldId id="288" r:id="rId8"/>
+    <p:sldId id="286" r:id="rId9"/>
+    <p:sldId id="271" r:id="rId10"/>
+    <p:sldId id="272" r:id="rId11"/>
+    <p:sldId id="258" r:id="rId12"/>
+    <p:sldId id="261" r:id="rId13"/>
+    <p:sldId id="294" r:id="rId14"/>
+    <p:sldId id="262" r:id="rId15"/>
+    <p:sldId id="284" r:id="rId16"/>
+    <p:sldId id="257" r:id="rId17"/>
+    <p:sldId id="290" r:id="rId18"/>
+    <p:sldId id="259" r:id="rId19"/>
+    <p:sldId id="263" r:id="rId20"/>
+    <p:sldId id="282" r:id="rId21"/>
+    <p:sldId id="283" r:id="rId22"/>
+    <p:sldId id="291" r:id="rId23"/>
+    <p:sldId id="292" r:id="rId24"/>
+    <p:sldId id="293" r:id="rId25"/>
+    <p:sldId id="265" r:id="rId26"/>
+    <p:sldId id="266" r:id="rId27"/>
+    <p:sldId id="264" r:id="rId28"/>
+    <p:sldId id="260" r:id="rId29"/>
+    <p:sldId id="295" r:id="rId30"/>
+    <p:sldId id="276" r:id="rId31"/>
+    <p:sldId id="277" r:id="rId32"/>
+    <p:sldId id="278" r:id="rId33"/>
+    <p:sldId id="273" r:id="rId34"/>
+    <p:sldId id="274" r:id="rId35"/>
+    <p:sldId id="267" r:id="rId36"/>
+    <p:sldId id="285" r:id="rId37"/>
+    <p:sldId id="268" r:id="rId38"/>
+    <p:sldId id="287" r:id="rId39"/>
+    <p:sldId id="275" r:id="rId40"/>
+    <p:sldId id="279" r:id="rId41"/>
+    <p:sldId id="269" r:id="rId42"/>
   </p:sldIdLst>
   <p:sldSz cx="12192000" cy="6858000"/>
   <p:notesSz cx="6858000" cy="9144000"/>
@@ -478,7 +487,7 @@
           <a:p>
             <a:fld id="{7CAF7FD4-E345-3B4F-B408-1EAACE559263}" type="datetimeFigureOut">
               <a:rPr lang="en-US" smtClean="0"/>
-              <a:t>3/11/25</a:t>
+              <a:t>3/31/25</a:t>
             </a:fld>
             <a:endParaRPr lang="en-US"/>
           </a:p>
@@ -689,7 +698,7 @@
           <a:p>
             <a:fld id="{7CAF7FD4-E345-3B4F-B408-1EAACE559263}" type="datetimeFigureOut">
               <a:rPr lang="en-US" smtClean="0"/>
-              <a:t>3/11/25</a:t>
+              <a:t>3/31/25</a:t>
             </a:fld>
             <a:endParaRPr lang="en-US"/>
           </a:p>
@@ -904,7 +913,7 @@
           <a:p>
             <a:fld id="{7CAF7FD4-E345-3B4F-B408-1EAACE559263}" type="datetimeFigureOut">
               <a:rPr lang="en-US" smtClean="0"/>
-              <a:t>3/11/25</a:t>
+              <a:t>3/31/25</a:t>
             </a:fld>
             <a:endParaRPr lang="en-US"/>
           </a:p>
@@ -1105,7 +1114,7 @@
           <a:p>
             <a:fld id="{7CAF7FD4-E345-3B4F-B408-1EAACE559263}" type="datetimeFigureOut">
               <a:rPr lang="en-US" smtClean="0"/>
-              <a:t>3/11/25</a:t>
+              <a:t>3/31/25</a:t>
             </a:fld>
             <a:endParaRPr lang="en-US"/>
           </a:p>
@@ -1384,7 +1393,7 @@
           <a:p>
             <a:fld id="{7CAF7FD4-E345-3B4F-B408-1EAACE559263}" type="datetimeFigureOut">
               <a:rPr lang="en-US" smtClean="0"/>
-              <a:t>3/11/25</a:t>
+              <a:t>3/31/25</a:t>
             </a:fld>
             <a:endParaRPr lang="en-US"/>
           </a:p>
@@ -1652,7 +1661,7 @@
           <a:p>
             <a:fld id="{7CAF7FD4-E345-3B4F-B408-1EAACE559263}" type="datetimeFigureOut">
               <a:rPr lang="en-US" smtClean="0"/>
-              <a:t>3/11/25</a:t>
+              <a:t>3/31/25</a:t>
             </a:fld>
             <a:endParaRPr lang="en-US"/>
           </a:p>
@@ -2068,7 +2077,7 @@
           <a:p>
             <a:fld id="{7CAF7FD4-E345-3B4F-B408-1EAACE559263}" type="datetimeFigureOut">
               <a:rPr lang="en-US" smtClean="0"/>
-              <a:t>3/11/25</a:t>
+              <a:t>3/31/25</a:t>
             </a:fld>
             <a:endParaRPr lang="en-US"/>
           </a:p>
@@ -2217,7 +2226,7 @@
           <a:p>
             <a:fld id="{7CAF7FD4-E345-3B4F-B408-1EAACE559263}" type="datetimeFigureOut">
               <a:rPr lang="en-US" smtClean="0"/>
-              <a:t>3/11/25</a:t>
+              <a:t>3/31/25</a:t>
             </a:fld>
             <a:endParaRPr lang="en-US"/>
           </a:p>
@@ -2343,7 +2352,7 @@
           <a:p>
             <a:fld id="{7CAF7FD4-E345-3B4F-B408-1EAACE559263}" type="datetimeFigureOut">
               <a:rPr lang="en-US" smtClean="0"/>
-              <a:t>3/11/25</a:t>
+              <a:t>3/31/25</a:t>
             </a:fld>
             <a:endParaRPr lang="en-US"/>
           </a:p>
@@ -2594,7 +2603,7 @@
           <a:p>
             <a:fld id="{7CAF7FD4-E345-3B4F-B408-1EAACE559263}" type="datetimeFigureOut">
               <a:rPr lang="en-US" smtClean="0"/>
-              <a:t>3/11/25</a:t>
+              <a:t>3/31/25</a:t>
             </a:fld>
             <a:endParaRPr lang="en-US"/>
           </a:p>
@@ -3039,7 +3048,7 @@
           <a:p>
             <a:fld id="{7CAF7FD4-E345-3B4F-B408-1EAACE559263}" type="datetimeFigureOut">
               <a:rPr lang="en-US" smtClean="0"/>
-              <a:t>3/11/25</a:t>
+              <a:t>3/31/25</a:t>
             </a:fld>
             <a:endParaRPr lang="en-US"/>
           </a:p>
@@ -3366,7 +3375,7 @@
           <a:p>
             <a:fld id="{7CAF7FD4-E345-3B4F-B408-1EAACE559263}" type="datetimeFigureOut">
               <a:rPr lang="en-US" smtClean="0"/>
-              <a:t>3/11/25</a:t>
+              <a:t>3/31/25</a:t>
             </a:fld>
             <a:endParaRPr lang="en-US"/>
           </a:p>
@@ -3836,6 +3845,159 @@
 </file>
 
 <file path=ppt/slides/slide1.xml><?xml version="1.0" encoding="utf-8"?>
+<p:sld xmlns:a="http://schemas.openxmlformats.org/drawingml/2006/main" xmlns:r="http://schemas.openxmlformats.org/officeDocument/2006/relationships" xmlns:p="http://schemas.openxmlformats.org/presentationml/2006/main" show="0">
+  <p:cSld>
+    <p:spTree>
+      <p:nvGrpSpPr>
+        <p:cNvPr id="1" name=""/>
+        <p:cNvGrpSpPr/>
+        <p:nvPr/>
+      </p:nvGrpSpPr>
+      <p:grpSpPr>
+        <a:xfrm>
+          <a:off x="0" y="0"/>
+          <a:ext cx="0" cy="0"/>
+          <a:chOff x="0" y="0"/>
+          <a:chExt cx="0" cy="0"/>
+        </a:xfrm>
+      </p:grpSpPr>
+      <p:sp>
+        <p:nvSpPr>
+          <p:cNvPr id="2" name="Title 1">
+            <a:extLst>
+              <a:ext uri="{FF2B5EF4-FFF2-40B4-BE49-F238E27FC236}">
+                <a16:creationId xmlns:a16="http://schemas.microsoft.com/office/drawing/2014/main" id="{013788C2-C8E1-0C9D-71E2-6779C21887CA}"/>
+              </a:ext>
+            </a:extLst>
+          </p:cNvPr>
+          <p:cNvSpPr>
+            <a:spLocks noGrp="1"/>
+          </p:cNvSpPr>
+          <p:nvPr>
+            <p:ph type="title"/>
+          </p:nvPr>
+        </p:nvSpPr>
+        <p:spPr/>
+        <p:txBody>
+          <a:bodyPr/>
+          <a:lstStyle/>
+          <a:p>
+            <a:r>
+              <a:rPr lang="en-US" dirty="0"/>
+              <a:t>Housekeeping</a:t>
+            </a:r>
+          </a:p>
+        </p:txBody>
+      </p:sp>
+      <p:sp>
+        <p:nvSpPr>
+          <p:cNvPr id="3" name="Content Placeholder 2">
+            <a:extLst>
+              <a:ext uri="{FF2B5EF4-FFF2-40B4-BE49-F238E27FC236}">
+                <a16:creationId xmlns:a16="http://schemas.microsoft.com/office/drawing/2014/main" id="{34C2F89F-020A-2CA3-4C8A-17F8920C62EC}"/>
+              </a:ext>
+            </a:extLst>
+          </p:cNvPr>
+          <p:cNvSpPr>
+            <a:spLocks noGrp="1"/>
+          </p:cNvSpPr>
+          <p:nvPr>
+            <p:ph idx="1"/>
+          </p:nvPr>
+        </p:nvSpPr>
+        <p:spPr>
+          <a:xfrm>
+            <a:off x="1451579" y="1853754"/>
+            <a:ext cx="9603275" cy="4199727"/>
+          </a:xfrm>
+        </p:spPr>
+        <p:txBody>
+          <a:bodyPr>
+            <a:normAutofit lnSpcReduction="10000"/>
+          </a:bodyPr>
+          <a:lstStyle/>
+          <a:p>
+            <a:r>
+              <a:rPr lang="en-US" dirty="0"/>
+              <a:t>Cancelled assignment 3:</a:t>
+            </a:r>
+          </a:p>
+          <a:p>
+            <a:pPr lvl="1"/>
+            <a:r>
+              <a:rPr lang="en-US" dirty="0"/>
+              <a:t>Some people did it, which wasn’t my intent. </a:t>
+            </a:r>
+          </a:p>
+          <a:p>
+            <a:pPr lvl="1"/>
+            <a:r>
+              <a:rPr lang="en-US" dirty="0"/>
+              <a:t>If you want to hand it in, I’ll take ¾ for the scores to calculate the assignment mark bucket. </a:t>
+            </a:r>
+          </a:p>
+          <a:p>
+            <a:pPr lvl="1"/>
+            <a:r>
+              <a:rPr lang="en-US" dirty="0"/>
+              <a:t>It isn’t something that you need, explicitly, to know deeply for the other parts. </a:t>
+            </a:r>
+          </a:p>
+          <a:p>
+            <a:r>
+              <a:rPr lang="en-US" dirty="0"/>
+              <a:t>To this point:</a:t>
+            </a:r>
+          </a:p>
+          <a:p>
+            <a:pPr lvl="1"/>
+            <a:r>
+              <a:rPr lang="en-US" dirty="0"/>
+              <a:t>Can do basically any regression/classification/clustering problem we encounter. </a:t>
+            </a:r>
+          </a:p>
+          <a:p>
+            <a:pPr lvl="1"/>
+            <a:r>
+              <a:rPr lang="en-US" dirty="0"/>
+              <a:t>Pipeline stuff for prep, stats stuff for exploration, model selection grid for model, results. </a:t>
+            </a:r>
+          </a:p>
+          <a:p>
+            <a:r>
+              <a:rPr lang="en-US" dirty="0"/>
+              <a:t>Today:</a:t>
+            </a:r>
+          </a:p>
+          <a:p>
+            <a:pPr lvl="1"/>
+            <a:r>
+              <a:rPr lang="en-US" dirty="0"/>
+              <a:t>Time series #2 – ARIMA and FB Prophet. </a:t>
+            </a:r>
+          </a:p>
+          <a:p>
+            <a:r>
+              <a:rPr lang="en-US" dirty="0"/>
+              <a:t>Thursday – boosting ensembles and that’s pretty much it for normal models. </a:t>
+            </a:r>
+          </a:p>
+        </p:txBody>
+      </p:sp>
+    </p:spTree>
+    <p:extLst>
+      <p:ext uri="{BB962C8B-B14F-4D97-AF65-F5344CB8AC3E}">
+        <p14:creationId xmlns:p14="http://schemas.microsoft.com/office/powerpoint/2010/main" val="1026581835"/>
+      </p:ext>
+    </p:extLst>
+  </p:cSld>
+  <p:clrMapOvr>
+    <a:masterClrMapping/>
+  </p:clrMapOvr>
+</p:sld>
+</file>
+
+<file path=ppt/slides/slide10.xml><?xml version="1.0" encoding="utf-8"?>
 <p:sld xmlns:a="http://schemas.openxmlformats.org/drawingml/2006/main" xmlns:r="http://schemas.openxmlformats.org/officeDocument/2006/relationships" xmlns:p="http://schemas.openxmlformats.org/presentationml/2006/main">
   <p:cSld>
     <p:spTree>
@@ -3857,7 +4019,7 @@
           <p:cNvPr id="2" name="Title 1">
             <a:extLst>
               <a:ext uri="{FF2B5EF4-FFF2-40B4-BE49-F238E27FC236}">
-                <a16:creationId xmlns:a16="http://schemas.microsoft.com/office/drawing/2014/main" id="{013788C2-C8E1-0C9D-71E2-6779C21887CA}"/>
+                <a16:creationId xmlns:a16="http://schemas.microsoft.com/office/drawing/2014/main" id="{82AE3AE3-61AA-C5C4-4A48-DBE9FABF829F}"/>
               </a:ext>
             </a:extLst>
           </p:cNvPr>
@@ -3866,119 +4028,142 @@
           </p:cNvSpPr>
           <p:nvPr>
             <p:ph type="title"/>
-          </p:nvPr>
-        </p:nvSpPr>
-        <p:spPr/>
-        <p:txBody>
-          <a:bodyPr/>
-          <a:lstStyle/>
-          <a:p>
-            <a:r>
-              <a:rPr lang="en-US" dirty="0"/>
-              <a:t>Housekeeping</a:t>
-            </a:r>
-          </a:p>
-        </p:txBody>
-      </p:sp>
-      <p:sp>
-        <p:nvSpPr>
-          <p:cNvPr id="3" name="Content Placeholder 2">
-            <a:extLst>
-              <a:ext uri="{FF2B5EF4-FFF2-40B4-BE49-F238E27FC236}">
-                <a16:creationId xmlns:a16="http://schemas.microsoft.com/office/drawing/2014/main" id="{34C2F89F-020A-2CA3-4C8A-17F8920C62EC}"/>
-              </a:ext>
-            </a:extLst>
-          </p:cNvPr>
-          <p:cNvSpPr>
-            <a:spLocks noGrp="1"/>
-          </p:cNvSpPr>
-          <p:nvPr>
-            <p:ph idx="1"/>
           </p:nvPr>
         </p:nvSpPr>
         <p:spPr>
           <a:xfrm>
-            <a:off x="1451579" y="1853754"/>
-            <a:ext cx="9603275" cy="4199727"/>
+            <a:off x="145143" y="804519"/>
+            <a:ext cx="4845957" cy="1049235"/>
           </a:xfrm>
         </p:spPr>
         <p:txBody>
-          <a:bodyPr>
-            <a:normAutofit lnSpcReduction="10000"/>
-          </a:bodyPr>
-          <a:lstStyle/>
-          <a:p>
-            <a:r>
-              <a:rPr lang="en-US" dirty="0"/>
-              <a:t>Cancelled assignment 3:</a:t>
+          <a:bodyPr/>
+          <a:lstStyle/>
+          <a:p>
+            <a:r>
+              <a:rPr lang="en-US" dirty="0"/>
+              <a:t>Time Series Components</a:t>
+            </a:r>
+          </a:p>
+        </p:txBody>
+      </p:sp>
+      <p:sp>
+        <p:nvSpPr>
+          <p:cNvPr id="3" name="Content Placeholder 2">
+            <a:extLst>
+              <a:ext uri="{FF2B5EF4-FFF2-40B4-BE49-F238E27FC236}">
+                <a16:creationId xmlns:a16="http://schemas.microsoft.com/office/drawing/2014/main" id="{823CBDEA-9B52-1B56-8C54-684D056D5886}"/>
+              </a:ext>
+            </a:extLst>
+          </p:cNvPr>
+          <p:cNvSpPr>
+            <a:spLocks noGrp="1"/>
+          </p:cNvSpPr>
+          <p:nvPr>
+            <p:ph idx="1"/>
+          </p:nvPr>
+        </p:nvSpPr>
+        <p:spPr>
+          <a:xfrm>
+            <a:off x="145143" y="1853754"/>
+            <a:ext cx="4845957" cy="4199727"/>
+          </a:xfrm>
+        </p:spPr>
+        <p:txBody>
+          <a:bodyPr/>
+          <a:lstStyle/>
+          <a:p>
+            <a:r>
+              <a:rPr lang="en-US" dirty="0"/>
+              <a:t>The basic idea is that if we can extract each component of the time series’ variation, our model can more easily project each. </a:t>
+            </a:r>
+          </a:p>
+          <a:p>
+            <a:r>
+              <a:rPr lang="en-US" dirty="0"/>
+              <a:t>Example plots:</a:t>
             </a:r>
           </a:p>
           <a:p>
             <a:pPr lvl="1"/>
             <a:r>
               <a:rPr lang="en-US" dirty="0"/>
-              <a:t>Some people did it, which wasn’t my intent. </a:t>
+              <a:t>Trend – linear increase. </a:t>
             </a:r>
           </a:p>
           <a:p>
             <a:pPr lvl="1"/>
             <a:r>
               <a:rPr lang="en-US" dirty="0"/>
-              <a:t>If you want to hand it in, I’ll take ¾ for the scores to calculate the assignment mark bucket. </a:t>
+              <a:t>Seasonality – predictable waves. </a:t>
             </a:r>
           </a:p>
           <a:p>
             <a:pPr lvl="1"/>
             <a:r>
               <a:rPr lang="en-US" dirty="0"/>
-              <a:t>It isn’t something that you need, explicitly, to know deeply for the other parts. </a:t>
-            </a:r>
-          </a:p>
-          <a:p>
-            <a:r>
-              <a:rPr lang="en-US" dirty="0"/>
-              <a:t>To this point:</a:t>
-            </a:r>
-          </a:p>
-          <a:p>
-            <a:pPr lvl="1"/>
-            <a:r>
-              <a:rPr lang="en-US" dirty="0"/>
-              <a:t>Can do basically any regression/classification/clustering problem we encounter. </a:t>
-            </a:r>
-          </a:p>
-          <a:p>
-            <a:pPr lvl="1"/>
-            <a:r>
-              <a:rPr lang="en-US" dirty="0"/>
-              <a:t>Pipeline stuff for prep, stats stuff for exploration, model selection grid for model, results. </a:t>
-            </a:r>
-          </a:p>
-          <a:p>
-            <a:r>
-              <a:rPr lang="en-US" dirty="0"/>
-              <a:t>Today:</a:t>
-            </a:r>
-          </a:p>
-          <a:p>
-            <a:pPr lvl="1"/>
-            <a:r>
-              <a:rPr lang="en-US" dirty="0"/>
-              <a:t>Time series #2 – ARIMA and FB Prophet. </a:t>
-            </a:r>
-          </a:p>
-          <a:p>
-            <a:r>
-              <a:rPr lang="en-US" dirty="0"/>
-              <a:t>Thursday – boosting ensembles and that’s pretty much it for normal models. </a:t>
-            </a:r>
-          </a:p>
-        </p:txBody>
-      </p:sp>
+              <a:t>Random – “other” variation. </a:t>
+            </a:r>
+          </a:p>
+          <a:p>
+            <a:r>
+              <a:rPr lang="en-US" dirty="0"/>
+              <a:t>Note: different models may capture slightly different components. </a:t>
+            </a:r>
+          </a:p>
+        </p:txBody>
+      </p:sp>
+      <p:pic>
+        <p:nvPicPr>
+          <p:cNvPr id="2050" name="Picture 2" descr="Time series graphs with random, seasonal and trend components in cluster 1  | Download Scientific Diagram">
+            <a:extLst>
+              <a:ext uri="{FF2B5EF4-FFF2-40B4-BE49-F238E27FC236}">
+                <a16:creationId xmlns:a16="http://schemas.microsoft.com/office/drawing/2014/main" id="{245F8238-6B60-6A10-C7A0-A1CBA8A26730}"/>
+              </a:ext>
+            </a:extLst>
+          </p:cNvPr>
+          <p:cNvPicPr>
+            <a:picLocks noChangeAspect="1" noChangeArrowheads="1"/>
+          </p:cNvPicPr>
+          <p:nvPr/>
+        </p:nvPicPr>
+        <p:blipFill>
+          <a:blip r:embed="rId2">
+            <a:extLst>
+              <a:ext uri="{28A0092B-C50C-407E-A947-70E740481C1C}">
+                <a14:useLocalDpi xmlns:a14="http://schemas.microsoft.com/office/drawing/2010/main" val="0"/>
+              </a:ext>
+            </a:extLst>
+          </a:blip>
+          <a:srcRect/>
+          <a:stretch>
+            <a:fillRect/>
+          </a:stretch>
+        </p:blipFill>
+        <p:spPr bwMode="auto">
+          <a:xfrm>
+            <a:off x="4991100" y="196850"/>
+            <a:ext cx="7200900" cy="6464300"/>
+          </a:xfrm>
+          <a:prstGeom prst="rect">
+            <a:avLst/>
+          </a:prstGeom>
+          <a:noFill/>
+          <a:extLst>
+            <a:ext uri="{909E8E84-426E-40DD-AFC4-6F175D3DCCD1}">
+              <a14:hiddenFill xmlns:a14="http://schemas.microsoft.com/office/drawing/2010/main">
+                <a:solidFill>
+                  <a:srgbClr val="FFFFFF"/>
+                </a:solidFill>
+              </a14:hiddenFill>
+            </a:ext>
+          </a:extLst>
+        </p:spPr>
+      </p:pic>
     </p:spTree>
     <p:extLst>
       <p:ext uri="{BB962C8B-B14F-4D97-AF65-F5344CB8AC3E}">
-        <p14:creationId xmlns:p14="http://schemas.microsoft.com/office/powerpoint/2010/main" val="1026581835"/>
+        <p14:creationId xmlns:p14="http://schemas.microsoft.com/office/powerpoint/2010/main" val="1903044234"/>
       </p:ext>
     </p:extLst>
   </p:cSld>
@@ -3988,7 +4173,403 @@
 </p:sld>
 </file>
 
-<file path=ppt/slides/slide10.xml><?xml version="1.0" encoding="utf-8"?>
+<file path=ppt/slides/slide11.xml><?xml version="1.0" encoding="utf-8"?>
+<p:sld xmlns:a="http://schemas.openxmlformats.org/drawingml/2006/main" xmlns:r="http://schemas.openxmlformats.org/officeDocument/2006/relationships" xmlns:p="http://schemas.openxmlformats.org/presentationml/2006/main">
+  <p:cSld>
+    <p:spTree>
+      <p:nvGrpSpPr>
+        <p:cNvPr id="1" name=""/>
+        <p:cNvGrpSpPr/>
+        <p:nvPr/>
+      </p:nvGrpSpPr>
+      <p:grpSpPr>
+        <a:xfrm>
+          <a:off x="0" y="0"/>
+          <a:ext cx="0" cy="0"/>
+          <a:chOff x="0" y="0"/>
+          <a:chExt cx="0" cy="0"/>
+        </a:xfrm>
+      </p:grpSpPr>
+      <p:sp>
+        <p:nvSpPr>
+          <p:cNvPr id="2" name="Title 1">
+            <a:extLst>
+              <a:ext uri="{FF2B5EF4-FFF2-40B4-BE49-F238E27FC236}">
+                <a16:creationId xmlns:a16="http://schemas.microsoft.com/office/drawing/2014/main" id="{5747E6BB-1E1D-AF4C-8CE0-6495F0739AD3}"/>
+              </a:ext>
+            </a:extLst>
+          </p:cNvPr>
+          <p:cNvSpPr>
+            <a:spLocks noGrp="1"/>
+          </p:cNvSpPr>
+          <p:nvPr>
+            <p:ph type="title"/>
+          </p:nvPr>
+        </p:nvSpPr>
+        <p:spPr/>
+        <p:txBody>
+          <a:bodyPr/>
+          <a:lstStyle/>
+          <a:p>
+            <a:r>
+              <a:rPr lang="en-US" dirty="0"/>
+              <a:t>Exponential Smoothing</a:t>
+            </a:r>
+          </a:p>
+        </p:txBody>
+      </p:sp>
+      <p:sp>
+        <p:nvSpPr>
+          <p:cNvPr id="3" name="Content Placeholder 2">
+            <a:extLst>
+              <a:ext uri="{FF2B5EF4-FFF2-40B4-BE49-F238E27FC236}">
+                <a16:creationId xmlns:a16="http://schemas.microsoft.com/office/drawing/2014/main" id="{92510E4B-B5AE-7445-AA7F-16491623F112}"/>
+              </a:ext>
+            </a:extLst>
+          </p:cNvPr>
+          <p:cNvSpPr>
+            <a:spLocks noGrp="1"/>
+          </p:cNvSpPr>
+          <p:nvPr>
+            <p:ph idx="1"/>
+          </p:nvPr>
+        </p:nvSpPr>
+        <p:spPr>
+          <a:xfrm>
+            <a:off x="1451579" y="2015732"/>
+            <a:ext cx="9603275" cy="4037749"/>
+          </a:xfrm>
+        </p:spPr>
+        <p:txBody>
+          <a:bodyPr>
+            <a:normAutofit/>
+          </a:bodyPr>
+          <a:lstStyle/>
+          <a:p>
+            <a:r>
+              <a:rPr lang="en-US" dirty="0"/>
+              <a:t>Exponential smoothing is one of the simplest forms of time series forecasts. </a:t>
+            </a:r>
+          </a:p>
+          <a:p>
+            <a:r>
+              <a:rPr lang="en-US" dirty="0"/>
+              <a:t>Weighted averaging with a smoothing term. </a:t>
+            </a:r>
+          </a:p>
+          <a:p>
+            <a:r>
+              <a:rPr lang="en-US" dirty="0"/>
+              <a:t>Can also incorporate:</a:t>
+            </a:r>
+          </a:p>
+          <a:p>
+            <a:pPr lvl="1"/>
+            <a:r>
+              <a:rPr lang="en-US" dirty="0"/>
+              <a:t>Trends – are we moving up or down over time. </a:t>
+            </a:r>
+          </a:p>
+          <a:p>
+            <a:pPr lvl="1"/>
+            <a:r>
+              <a:rPr lang="en-US" dirty="0"/>
+              <a:t>Cyclicality – are there seasonal patterns. </a:t>
+            </a:r>
+          </a:p>
+          <a:p>
+            <a:r>
+              <a:rPr lang="en-US" dirty="0"/>
+              <a:t>Trends and seasonality can be either Additive or Multiplicative:</a:t>
+            </a:r>
+          </a:p>
+          <a:p>
+            <a:pPr lvl="1"/>
+            <a:r>
+              <a:rPr lang="en-CA" dirty="0"/>
+              <a:t>If every December we sell 10,000 more apartments than we do in November, the seasonality is </a:t>
+            </a:r>
+            <a:r>
+              <a:rPr lang="en-CA" i="1" dirty="0"/>
+              <a:t>additive</a:t>
+            </a:r>
+            <a:r>
+              <a:rPr lang="en-CA" dirty="0"/>
+              <a:t> in nature. However, if we sell 10% more apartments in the summer months than we do in the winter months the seasonality is </a:t>
+            </a:r>
+            <a:r>
+              <a:rPr lang="en-CA" i="1" dirty="0"/>
+              <a:t>multiplicative</a:t>
+            </a:r>
+            <a:r>
+              <a:rPr lang="en-CA" dirty="0"/>
+              <a:t> in nature.</a:t>
+            </a:r>
+            <a:endParaRPr lang="en-US" dirty="0"/>
+          </a:p>
+        </p:txBody>
+      </p:sp>
+    </p:spTree>
+    <p:extLst>
+      <p:ext uri="{BB962C8B-B14F-4D97-AF65-F5344CB8AC3E}">
+        <p14:creationId xmlns:p14="http://schemas.microsoft.com/office/powerpoint/2010/main" val="1578221522"/>
+      </p:ext>
+    </p:extLst>
+  </p:cSld>
+  <p:clrMapOvr>
+    <a:masterClrMapping/>
+  </p:clrMapOvr>
+</p:sld>
+</file>
+
+<file path=ppt/slides/slide12.xml><?xml version="1.0" encoding="utf-8"?>
+<p:sld xmlns:a="http://schemas.openxmlformats.org/drawingml/2006/main" xmlns:r="http://schemas.openxmlformats.org/officeDocument/2006/relationships" xmlns:p="http://schemas.openxmlformats.org/presentationml/2006/main">
+  <p:cSld>
+    <p:spTree>
+      <p:nvGrpSpPr>
+        <p:cNvPr id="1" name=""/>
+        <p:cNvGrpSpPr/>
+        <p:nvPr/>
+      </p:nvGrpSpPr>
+      <p:grpSpPr>
+        <a:xfrm>
+          <a:off x="0" y="0"/>
+          <a:ext cx="0" cy="0"/>
+          <a:chOff x="0" y="0"/>
+          <a:chExt cx="0" cy="0"/>
+        </a:xfrm>
+      </p:grpSpPr>
+      <p:sp>
+        <p:nvSpPr>
+          <p:cNvPr id="2" name="Title 1">
+            <a:extLst>
+              <a:ext uri="{FF2B5EF4-FFF2-40B4-BE49-F238E27FC236}">
+                <a16:creationId xmlns:a16="http://schemas.microsoft.com/office/drawing/2014/main" id="{38C00E31-AF1D-2147-A243-C6D0E066B0F9}"/>
+              </a:ext>
+            </a:extLst>
+          </p:cNvPr>
+          <p:cNvSpPr>
+            <a:spLocks noGrp="1"/>
+          </p:cNvSpPr>
+          <p:nvPr>
+            <p:ph type="title"/>
+          </p:nvPr>
+        </p:nvSpPr>
+        <p:spPr/>
+        <p:txBody>
+          <a:bodyPr/>
+          <a:lstStyle/>
+          <a:p>
+            <a:endParaRPr lang="en-US"/>
+          </a:p>
+        </p:txBody>
+      </p:sp>
+      <p:sp>
+        <p:nvSpPr>
+          <p:cNvPr id="3" name="Content Placeholder 2">
+            <a:extLst>
+              <a:ext uri="{FF2B5EF4-FFF2-40B4-BE49-F238E27FC236}">
+                <a16:creationId xmlns:a16="http://schemas.microsoft.com/office/drawing/2014/main" id="{E1474FC8-4E41-6541-BD02-76EBFABE63CC}"/>
+              </a:ext>
+            </a:extLst>
+          </p:cNvPr>
+          <p:cNvSpPr>
+            <a:spLocks noGrp="1"/>
+          </p:cNvSpPr>
+          <p:nvPr>
+            <p:ph idx="1"/>
+          </p:nvPr>
+        </p:nvSpPr>
+        <p:spPr/>
+        <p:txBody>
+          <a:bodyPr/>
+          <a:lstStyle/>
+          <a:p>
+            <a:endParaRPr lang="en-US"/>
+          </a:p>
+        </p:txBody>
+      </p:sp>
+      <p:pic>
+        <p:nvPicPr>
+          <p:cNvPr id="1026" name="Picture 2" descr="Trend, Seasonality, Moving Average, Auto Regressive Model : My Journey to  Time Series Data with Interactive Code | by Jae Duk Seo | Towards Data  Science">
+            <a:extLst>
+              <a:ext uri="{FF2B5EF4-FFF2-40B4-BE49-F238E27FC236}">
+                <a16:creationId xmlns:a16="http://schemas.microsoft.com/office/drawing/2014/main" id="{81836D80-3AD8-7448-BD2F-386344D86380}"/>
+              </a:ext>
+            </a:extLst>
+          </p:cNvPr>
+          <p:cNvPicPr>
+            <a:picLocks noChangeAspect="1" noChangeArrowheads="1"/>
+          </p:cNvPicPr>
+          <p:nvPr/>
+        </p:nvPicPr>
+        <p:blipFill>
+          <a:blip r:embed="rId2">
+            <a:extLst>
+              <a:ext uri="{28A0092B-C50C-407E-A947-70E740481C1C}">
+                <a14:useLocalDpi xmlns:a14="http://schemas.microsoft.com/office/drawing/2010/main" val="0"/>
+              </a:ext>
+            </a:extLst>
+          </a:blip>
+          <a:srcRect/>
+          <a:stretch>
+            <a:fillRect/>
+          </a:stretch>
+        </p:blipFill>
+        <p:spPr bwMode="auto">
+          <a:xfrm>
+            <a:off x="2473325" y="0"/>
+            <a:ext cx="7245350" cy="6858000"/>
+          </a:xfrm>
+          <a:prstGeom prst="rect">
+            <a:avLst/>
+          </a:prstGeom>
+          <a:noFill/>
+          <a:extLst>
+            <a:ext uri="{909E8E84-426E-40DD-AFC4-6F175D3DCCD1}">
+              <a14:hiddenFill xmlns:a14="http://schemas.microsoft.com/office/drawing/2010/main">
+                <a:solidFill>
+                  <a:srgbClr val="FFFFFF"/>
+                </a:solidFill>
+              </a14:hiddenFill>
+            </a:ext>
+          </a:extLst>
+        </p:spPr>
+      </p:pic>
+    </p:spTree>
+    <p:extLst>
+      <p:ext uri="{BB962C8B-B14F-4D97-AF65-F5344CB8AC3E}">
+        <p14:creationId xmlns:p14="http://schemas.microsoft.com/office/powerpoint/2010/main" val="184144261"/>
+      </p:ext>
+    </p:extLst>
+  </p:cSld>
+  <p:clrMapOvr>
+    <a:masterClrMapping/>
+  </p:clrMapOvr>
+</p:sld>
+</file>
+
+<file path=ppt/slides/slide13.xml><?xml version="1.0" encoding="utf-8"?>
+<p:sld xmlns:a="http://schemas.openxmlformats.org/drawingml/2006/main" xmlns:r="http://schemas.openxmlformats.org/officeDocument/2006/relationships" xmlns:p="http://schemas.openxmlformats.org/presentationml/2006/main">
+  <p:cSld>
+    <p:spTree>
+      <p:nvGrpSpPr>
+        <p:cNvPr id="1" name=""/>
+        <p:cNvGrpSpPr/>
+        <p:nvPr/>
+      </p:nvGrpSpPr>
+      <p:grpSpPr>
+        <a:xfrm>
+          <a:off x="0" y="0"/>
+          <a:ext cx="0" cy="0"/>
+          <a:chOff x="0" y="0"/>
+          <a:chExt cx="0" cy="0"/>
+        </a:xfrm>
+      </p:grpSpPr>
+      <p:sp>
+        <p:nvSpPr>
+          <p:cNvPr id="2" name="Title 1">
+            <a:extLst>
+              <a:ext uri="{FF2B5EF4-FFF2-40B4-BE49-F238E27FC236}">
+                <a16:creationId xmlns:a16="http://schemas.microsoft.com/office/drawing/2014/main" id="{5CD5A8FA-D6CA-F632-C45A-636943769359}"/>
+              </a:ext>
+            </a:extLst>
+          </p:cNvPr>
+          <p:cNvSpPr>
+            <a:spLocks noGrp="1"/>
+          </p:cNvSpPr>
+          <p:nvPr>
+            <p:ph type="title"/>
+          </p:nvPr>
+        </p:nvSpPr>
+        <p:spPr/>
+        <p:txBody>
+          <a:bodyPr/>
+          <a:lstStyle/>
+          <a:p>
+            <a:r>
+              <a:rPr lang="en-US" dirty="0"/>
+              <a:t>Moving Average Predictions</a:t>
+            </a:r>
+          </a:p>
+        </p:txBody>
+      </p:sp>
+      <p:sp>
+        <p:nvSpPr>
+          <p:cNvPr id="3" name="Content Placeholder 2">
+            <a:extLst>
+              <a:ext uri="{FF2B5EF4-FFF2-40B4-BE49-F238E27FC236}">
+                <a16:creationId xmlns:a16="http://schemas.microsoft.com/office/drawing/2014/main" id="{4F2A515F-EED5-7C3C-45DC-B6718A9C47E6}"/>
+              </a:ext>
+            </a:extLst>
+          </p:cNvPr>
+          <p:cNvSpPr>
+            <a:spLocks noGrp="1"/>
+          </p:cNvSpPr>
+          <p:nvPr>
+            <p:ph idx="1"/>
+          </p:nvPr>
+        </p:nvSpPr>
+        <p:spPr/>
+        <p:txBody>
+          <a:bodyPr/>
+          <a:lstStyle/>
+          <a:p>
+            <a:r>
+              <a:rPr lang="en-US" dirty="0"/>
+              <a:t>These moving average models are the most simple we can do. </a:t>
+            </a:r>
+          </a:p>
+          <a:p>
+            <a:r>
+              <a:rPr lang="en-US" dirty="0"/>
+              <a:t>Need to spot period and add/</a:t>
+            </a:r>
+            <a:r>
+              <a:rPr lang="en-US" dirty="0" err="1"/>
+              <a:t>mult</a:t>
+            </a:r>
+            <a:r>
+              <a:rPr lang="en-US" dirty="0"/>
+              <a:t>, but very simple to create. </a:t>
+            </a:r>
+          </a:p>
+          <a:p>
+            <a:r>
+              <a:rPr lang="en-US" dirty="0"/>
+              <a:t>Not really able to handle complex things.</a:t>
+            </a:r>
+          </a:p>
+          <a:p>
+            <a:pPr lvl="1"/>
+            <a:r>
+              <a:rPr lang="en-US" dirty="0"/>
+              <a:t>Roughly equivalent to a linear regression – can’t adapt to changes. </a:t>
+            </a:r>
+          </a:p>
+          <a:p>
+            <a:pPr lvl="1"/>
+            <a:r>
+              <a:rPr lang="en-US" dirty="0"/>
+              <a:t>Too much bias error, model can’t learn details. </a:t>
+            </a:r>
+          </a:p>
+        </p:txBody>
+      </p:sp>
+    </p:spTree>
+    <p:extLst>
+      <p:ext uri="{BB962C8B-B14F-4D97-AF65-F5344CB8AC3E}">
+        <p14:creationId xmlns:p14="http://schemas.microsoft.com/office/powerpoint/2010/main" val="1830476856"/>
+      </p:ext>
+    </p:extLst>
+  </p:cSld>
+  <p:clrMapOvr>
+    <a:masterClrMapping/>
+  </p:clrMapOvr>
+</p:sld>
+</file>
+
+<file path=ppt/slides/slide14.xml><?xml version="1.0" encoding="utf-8"?>
 <p:sld xmlns:a="http://schemas.openxmlformats.org/drawingml/2006/main" xmlns:r="http://schemas.openxmlformats.org/officeDocument/2006/relationships" xmlns:p="http://schemas.openxmlformats.org/presentationml/2006/main">
   <p:cSld>
     <p:bg>
@@ -4421,7 +5002,7 @@
 </p:sld>
 </file>
 
-<file path=ppt/slides/slide11.xml><?xml version="1.0" encoding="utf-8"?>
+<file path=ppt/slides/slide15.xml><?xml version="1.0" encoding="utf-8"?>
 <p:sld xmlns:a="http://schemas.openxmlformats.org/drawingml/2006/main" xmlns:r="http://schemas.openxmlformats.org/officeDocument/2006/relationships" xmlns:p="http://schemas.openxmlformats.org/presentationml/2006/main">
   <p:cSld>
     <p:spTree>
@@ -4579,522 +5160,6 @@
 </p:sld>
 </file>
 
-<file path=ppt/slides/slide12.xml><?xml version="1.0" encoding="utf-8"?>
-<p:sld xmlns:a="http://schemas.openxmlformats.org/drawingml/2006/main" xmlns:r="http://schemas.openxmlformats.org/officeDocument/2006/relationships" xmlns:p="http://schemas.openxmlformats.org/presentationml/2006/main">
-  <p:cSld>
-    <p:spTree>
-      <p:nvGrpSpPr>
-        <p:cNvPr id="1" name=""/>
-        <p:cNvGrpSpPr/>
-        <p:nvPr/>
-      </p:nvGrpSpPr>
-      <p:grpSpPr>
-        <a:xfrm>
-          <a:off x="0" y="0"/>
-          <a:ext cx="0" cy="0"/>
-          <a:chOff x="0" y="0"/>
-          <a:chExt cx="0" cy="0"/>
-        </a:xfrm>
-      </p:grpSpPr>
-      <p:sp>
-        <p:nvSpPr>
-          <p:cNvPr id="2" name="Title 1">
-            <a:extLst>
-              <a:ext uri="{FF2B5EF4-FFF2-40B4-BE49-F238E27FC236}">
-                <a16:creationId xmlns:a16="http://schemas.microsoft.com/office/drawing/2014/main" id="{48D6F2E3-C441-EA45-AFB0-16746E9DB104}"/>
-              </a:ext>
-            </a:extLst>
-          </p:cNvPr>
-          <p:cNvSpPr>
-            <a:spLocks noGrp="1"/>
-          </p:cNvSpPr>
-          <p:nvPr>
-            <p:ph type="title"/>
-          </p:nvPr>
-        </p:nvSpPr>
-        <p:spPr/>
-        <p:txBody>
-          <a:bodyPr/>
-          <a:lstStyle/>
-          <a:p>
-            <a:r>
-              <a:rPr lang="en-US" dirty="0"/>
-              <a:t>ARIMA</a:t>
-            </a:r>
-          </a:p>
-        </p:txBody>
-      </p:sp>
-      <p:sp>
-        <p:nvSpPr>
-          <p:cNvPr id="3" name="Content Placeholder 2">
-            <a:extLst>
-              <a:ext uri="{FF2B5EF4-FFF2-40B4-BE49-F238E27FC236}">
-                <a16:creationId xmlns:a16="http://schemas.microsoft.com/office/drawing/2014/main" id="{3391B933-66AE-EF4B-A480-3CF6E4F1BDD6}"/>
-              </a:ext>
-            </a:extLst>
-          </p:cNvPr>
-          <p:cNvSpPr>
-            <a:spLocks noGrp="1"/>
-          </p:cNvSpPr>
-          <p:nvPr>
-            <p:ph idx="1"/>
-          </p:nvPr>
-        </p:nvSpPr>
-        <p:spPr>
-          <a:xfrm>
-            <a:off x="1451579" y="1853754"/>
-            <a:ext cx="9603275" cy="4199727"/>
-          </a:xfrm>
-        </p:spPr>
-        <p:txBody>
-          <a:bodyPr/>
-          <a:lstStyle/>
-          <a:p>
-            <a:r>
-              <a:rPr lang="en-US" dirty="0"/>
-              <a:t>ARIMA is a common time series model, it has 3 parts:</a:t>
-            </a:r>
-          </a:p>
-          <a:p>
-            <a:pPr lvl="1"/>
-            <a:r>
-              <a:rPr lang="en-US" dirty="0"/>
-              <a:t>AR (p) – Autoregressive. </a:t>
-            </a:r>
-            <a:r>
-              <a:rPr lang="en-CA" dirty="0"/>
-              <a:t>Regresses on its own prior or lagged values. In other words, it predicts future values based on past values. </a:t>
-            </a:r>
-            <a:endParaRPr lang="en-US" dirty="0"/>
-          </a:p>
-          <a:p>
-            <a:pPr lvl="1"/>
-            <a:r>
-              <a:rPr lang="en-US" dirty="0"/>
-              <a:t>I (d) – Integrated. </a:t>
-            </a:r>
-            <a:r>
-              <a:rPr lang="en-CA" dirty="0"/>
-              <a:t>Observes the difference between static data values and previous values. The goal is to achieve stationary data that is not subject to seasonality. </a:t>
-            </a:r>
-            <a:endParaRPr lang="en-US" dirty="0"/>
-          </a:p>
-          <a:p>
-            <a:pPr lvl="1"/>
-            <a:r>
-              <a:rPr lang="en-US" dirty="0"/>
-              <a:t>MA (q) – Moving Average. A moving average. </a:t>
-            </a:r>
-          </a:p>
-          <a:p>
-            <a:r>
-              <a:rPr lang="en-US" dirty="0"/>
-              <a:t>Uses differencing to become stationary – removes seasonality. </a:t>
-            </a:r>
-          </a:p>
-          <a:p>
-            <a:r>
-              <a:rPr lang="en-US" dirty="0"/>
-              <a:t>Doing this part manually is for context, we have tools to do it for us that we’ll leverage. </a:t>
-            </a:r>
-          </a:p>
-          <a:p>
-            <a:pPr lvl="1"/>
-            <a:r>
-              <a:rPr lang="en-US" dirty="0"/>
-              <a:t>We don’t need to know how to do this process in depth, we’ll use the library tools. </a:t>
-            </a:r>
-          </a:p>
-          <a:p>
-            <a:pPr lvl="1"/>
-            <a:endParaRPr lang="en-US" dirty="0"/>
-          </a:p>
-        </p:txBody>
-      </p:sp>
-    </p:spTree>
-    <p:extLst>
-      <p:ext uri="{BB962C8B-B14F-4D97-AF65-F5344CB8AC3E}">
-        <p14:creationId xmlns:p14="http://schemas.microsoft.com/office/powerpoint/2010/main" val="3138543553"/>
-      </p:ext>
-    </p:extLst>
-  </p:cSld>
-  <p:clrMapOvr>
-    <a:masterClrMapping/>
-  </p:clrMapOvr>
-</p:sld>
-</file>
-
-<file path=ppt/slides/slide13.xml><?xml version="1.0" encoding="utf-8"?>
-<p:sld xmlns:a="http://schemas.openxmlformats.org/drawingml/2006/main" xmlns:r="http://schemas.openxmlformats.org/officeDocument/2006/relationships" xmlns:p="http://schemas.openxmlformats.org/presentationml/2006/main">
-  <p:cSld>
-    <p:spTree>
-      <p:nvGrpSpPr>
-        <p:cNvPr id="1" name=""/>
-        <p:cNvGrpSpPr/>
-        <p:nvPr/>
-      </p:nvGrpSpPr>
-      <p:grpSpPr>
-        <a:xfrm>
-          <a:off x="0" y="0"/>
-          <a:ext cx="0" cy="0"/>
-          <a:chOff x="0" y="0"/>
-          <a:chExt cx="0" cy="0"/>
-        </a:xfrm>
-      </p:grpSpPr>
-      <p:sp>
-        <p:nvSpPr>
-          <p:cNvPr id="2" name="Title 1">
-            <a:extLst>
-              <a:ext uri="{FF2B5EF4-FFF2-40B4-BE49-F238E27FC236}">
-                <a16:creationId xmlns:a16="http://schemas.microsoft.com/office/drawing/2014/main" id="{7B11B4FF-C483-1843-A310-41690B02C0B1}"/>
-              </a:ext>
-            </a:extLst>
-          </p:cNvPr>
-          <p:cNvSpPr>
-            <a:spLocks noGrp="1"/>
-          </p:cNvSpPr>
-          <p:nvPr>
-            <p:ph type="title"/>
-          </p:nvPr>
-        </p:nvSpPr>
-        <p:spPr/>
-        <p:txBody>
-          <a:bodyPr/>
-          <a:lstStyle/>
-          <a:p>
-            <a:r>
-              <a:rPr lang="en-US" dirty="0"/>
-              <a:t>Creating ARIMA</a:t>
-            </a:r>
-          </a:p>
-        </p:txBody>
-      </p:sp>
-      <p:sp>
-        <p:nvSpPr>
-          <p:cNvPr id="3" name="Content Placeholder 2">
-            <a:extLst>
-              <a:ext uri="{FF2B5EF4-FFF2-40B4-BE49-F238E27FC236}">
-                <a16:creationId xmlns:a16="http://schemas.microsoft.com/office/drawing/2014/main" id="{A9D6FFEB-93E4-2440-B6F9-5294BC07F0C5}"/>
-              </a:ext>
-            </a:extLst>
-          </p:cNvPr>
-          <p:cNvSpPr>
-            <a:spLocks noGrp="1"/>
-          </p:cNvSpPr>
-          <p:nvPr>
-            <p:ph idx="1"/>
-          </p:nvPr>
-        </p:nvSpPr>
-        <p:spPr/>
-        <p:txBody>
-          <a:bodyPr/>
-          <a:lstStyle/>
-          <a:p>
-            <a:r>
-              <a:rPr lang="en-US" dirty="0"/>
-              <a:t>Manually doing an ARIMA model requires we figure out the </a:t>
-            </a:r>
-            <a:r>
-              <a:rPr lang="en-US" dirty="0" err="1"/>
-              <a:t>d,p,q</a:t>
-            </a:r>
-            <a:r>
-              <a:rPr lang="en-US" dirty="0"/>
-              <a:t> parameters first. </a:t>
-            </a:r>
-          </a:p>
-          <a:p>
-            <a:r>
-              <a:rPr lang="en-US" dirty="0"/>
-              <a:t>D term - Augmented Dickey Fuller test.</a:t>
-            </a:r>
-          </a:p>
-          <a:p>
-            <a:r>
-              <a:rPr lang="en-US" dirty="0"/>
-              <a:t>Hypothesis test for “is this thing stationary”. </a:t>
-            </a:r>
-          </a:p>
-          <a:p>
-            <a:pPr lvl="1"/>
-            <a:r>
-              <a:rPr lang="en-US" dirty="0"/>
-              <a:t>P &lt; .05 for significance test is normal cutoff. </a:t>
-            </a:r>
-          </a:p>
-          <a:p>
-            <a:r>
-              <a:rPr lang="en-US" dirty="0"/>
-              <a:t>P and Q Terms from autocorrelation and partial autocorrelation graphs. </a:t>
-            </a:r>
-          </a:p>
-          <a:p>
-            <a:pPr lvl="1"/>
-            <a:r>
-              <a:rPr lang="en-US" dirty="0"/>
-              <a:t>Next page… </a:t>
-            </a:r>
-          </a:p>
-          <a:p>
-            <a:r>
-              <a:rPr lang="en-US" dirty="0"/>
-              <a:t>If in doubt, default to lower values first. </a:t>
-            </a:r>
-          </a:p>
-        </p:txBody>
-      </p:sp>
-    </p:spTree>
-    <p:extLst>
-      <p:ext uri="{BB962C8B-B14F-4D97-AF65-F5344CB8AC3E}">
-        <p14:creationId xmlns:p14="http://schemas.microsoft.com/office/powerpoint/2010/main" val="4024351370"/>
-      </p:ext>
-    </p:extLst>
-  </p:cSld>
-  <p:clrMapOvr>
-    <a:masterClrMapping/>
-  </p:clrMapOvr>
-</p:sld>
-</file>
-
-<file path=ppt/slides/slide14.xml><?xml version="1.0" encoding="utf-8"?>
-<p:sld xmlns:a="http://schemas.openxmlformats.org/drawingml/2006/main" xmlns:r="http://schemas.openxmlformats.org/officeDocument/2006/relationships" xmlns:p="http://schemas.openxmlformats.org/presentationml/2006/main">
-  <p:cSld>
-    <p:spTree>
-      <p:nvGrpSpPr>
-        <p:cNvPr id="1" name=""/>
-        <p:cNvGrpSpPr/>
-        <p:nvPr/>
-      </p:nvGrpSpPr>
-      <p:grpSpPr>
-        <a:xfrm>
-          <a:off x="0" y="0"/>
-          <a:ext cx="0" cy="0"/>
-          <a:chOff x="0" y="0"/>
-          <a:chExt cx="0" cy="0"/>
-        </a:xfrm>
-      </p:grpSpPr>
-      <p:sp>
-        <p:nvSpPr>
-          <p:cNvPr id="2" name="Title 1">
-            <a:extLst>
-              <a:ext uri="{FF2B5EF4-FFF2-40B4-BE49-F238E27FC236}">
-                <a16:creationId xmlns:a16="http://schemas.microsoft.com/office/drawing/2014/main" id="{B6D692E1-DF41-494A-AF87-6271E660E4E5}"/>
-              </a:ext>
-            </a:extLst>
-          </p:cNvPr>
-          <p:cNvSpPr>
-            <a:spLocks noGrp="1"/>
-          </p:cNvSpPr>
-          <p:nvPr>
-            <p:ph type="title"/>
-          </p:nvPr>
-        </p:nvSpPr>
-        <p:spPr/>
-        <p:txBody>
-          <a:bodyPr/>
-          <a:lstStyle/>
-          <a:p>
-            <a:r>
-              <a:rPr lang="en-US" dirty="0"/>
-              <a:t>Guidelines on What to Use…</a:t>
-            </a:r>
-          </a:p>
-        </p:txBody>
-      </p:sp>
-      <p:sp>
-        <p:nvSpPr>
-          <p:cNvPr id="3" name="Content Placeholder 2">
-            <a:extLst>
-              <a:ext uri="{FF2B5EF4-FFF2-40B4-BE49-F238E27FC236}">
-                <a16:creationId xmlns:a16="http://schemas.microsoft.com/office/drawing/2014/main" id="{F764A3B3-9888-4A42-8523-5EAC0835E46E}"/>
-              </a:ext>
-            </a:extLst>
-          </p:cNvPr>
-          <p:cNvSpPr>
-            <a:spLocks noGrp="1"/>
-          </p:cNvSpPr>
-          <p:nvPr>
-            <p:ph idx="1"/>
-          </p:nvPr>
-        </p:nvSpPr>
-        <p:spPr/>
-        <p:txBody>
-          <a:bodyPr/>
-          <a:lstStyle/>
-          <a:p>
-            <a:endParaRPr lang="en-US"/>
-          </a:p>
-        </p:txBody>
-      </p:sp>
-      <p:pic>
-        <p:nvPicPr>
-          <p:cNvPr id="5" name="Picture 4">
-            <a:extLst>
-              <a:ext uri="{FF2B5EF4-FFF2-40B4-BE49-F238E27FC236}">
-                <a16:creationId xmlns:a16="http://schemas.microsoft.com/office/drawing/2014/main" id="{A1133875-FED9-BC45-9C3A-9741348C1241}"/>
-              </a:ext>
-            </a:extLst>
-          </p:cNvPr>
-          <p:cNvPicPr>
-            <a:picLocks noChangeAspect="1"/>
-          </p:cNvPicPr>
-          <p:nvPr/>
-        </p:nvPicPr>
-        <p:blipFill>
-          <a:blip r:embed="rId2"/>
-          <a:stretch>
-            <a:fillRect/>
-          </a:stretch>
-        </p:blipFill>
-        <p:spPr>
-          <a:xfrm>
-            <a:off x="0" y="1803859"/>
-            <a:ext cx="12192000" cy="2670420"/>
-          </a:xfrm>
-          <a:prstGeom prst="rect">
-            <a:avLst/>
-          </a:prstGeom>
-        </p:spPr>
-      </p:pic>
-    </p:spTree>
-    <p:extLst>
-      <p:ext uri="{BB962C8B-B14F-4D97-AF65-F5344CB8AC3E}">
-        <p14:creationId xmlns:p14="http://schemas.microsoft.com/office/powerpoint/2010/main" val="2712208763"/>
-      </p:ext>
-    </p:extLst>
-  </p:cSld>
-  <p:clrMapOvr>
-    <a:masterClrMapping/>
-  </p:clrMapOvr>
-</p:sld>
-</file>
-
-<file path=ppt/slides/slide15.xml><?xml version="1.0" encoding="utf-8"?>
-<p:sld xmlns:a="http://schemas.openxmlformats.org/drawingml/2006/main" xmlns:r="http://schemas.openxmlformats.org/officeDocument/2006/relationships" xmlns:p="http://schemas.openxmlformats.org/presentationml/2006/main">
-  <p:cSld>
-    <p:spTree>
-      <p:nvGrpSpPr>
-        <p:cNvPr id="1" name=""/>
-        <p:cNvGrpSpPr/>
-        <p:nvPr/>
-      </p:nvGrpSpPr>
-      <p:grpSpPr>
-        <a:xfrm>
-          <a:off x="0" y="0"/>
-          <a:ext cx="0" cy="0"/>
-          <a:chOff x="0" y="0"/>
-          <a:chExt cx="0" cy="0"/>
-        </a:xfrm>
-      </p:grpSpPr>
-      <p:sp>
-        <p:nvSpPr>
-          <p:cNvPr id="2" name="Title 1">
-            <a:extLst>
-              <a:ext uri="{FF2B5EF4-FFF2-40B4-BE49-F238E27FC236}">
-                <a16:creationId xmlns:a16="http://schemas.microsoft.com/office/drawing/2014/main" id="{1E301671-7911-14AC-D4D5-9602BE635904}"/>
-              </a:ext>
-            </a:extLst>
-          </p:cNvPr>
-          <p:cNvSpPr>
-            <a:spLocks noGrp="1"/>
-          </p:cNvSpPr>
-          <p:nvPr>
-            <p:ph type="title"/>
-          </p:nvPr>
-        </p:nvSpPr>
-        <p:spPr/>
-        <p:txBody>
-          <a:bodyPr/>
-          <a:lstStyle/>
-          <a:p>
-            <a:r>
-              <a:rPr lang="en-US" dirty="0"/>
-              <a:t>P and Q</a:t>
-            </a:r>
-          </a:p>
-        </p:txBody>
-      </p:sp>
-      <p:sp>
-        <p:nvSpPr>
-          <p:cNvPr id="3" name="Content Placeholder 2">
-            <a:extLst>
-              <a:ext uri="{FF2B5EF4-FFF2-40B4-BE49-F238E27FC236}">
-                <a16:creationId xmlns:a16="http://schemas.microsoft.com/office/drawing/2014/main" id="{D9A78AFD-5820-9530-33CA-3503BFEFD001}"/>
-              </a:ext>
-            </a:extLst>
-          </p:cNvPr>
-          <p:cNvSpPr>
-            <a:spLocks noGrp="1"/>
-          </p:cNvSpPr>
-          <p:nvPr>
-            <p:ph idx="1"/>
-          </p:nvPr>
-        </p:nvSpPr>
-        <p:spPr>
-          <a:xfrm>
-            <a:off x="1238081" y="1933996"/>
-            <a:ext cx="10034124" cy="4119485"/>
-          </a:xfrm>
-        </p:spPr>
-        <p:txBody>
-          <a:bodyPr>
-            <a:normAutofit/>
-          </a:bodyPr>
-          <a:lstStyle/>
-          <a:p>
-            <a:r>
-              <a:rPr lang="en-US" dirty="0"/>
-              <a:t>Determining the p and q values is kind of vague. </a:t>
-            </a:r>
-          </a:p>
-          <a:p>
-            <a:pPr lvl="1"/>
-            <a:r>
-              <a:rPr lang="en-US" dirty="0"/>
-              <a:t>These terms act with the d param like kernel/basis functions to do a stationary transformation. </a:t>
-            </a:r>
-          </a:p>
-          <a:p>
-            <a:r>
-              <a:rPr lang="en-US" dirty="0"/>
-              <a:t>We make guesses based off of what we can see in a couple of plots:</a:t>
-            </a:r>
-          </a:p>
-          <a:p>
-            <a:pPr lvl="1"/>
-            <a:r>
-              <a:rPr lang="en-US" dirty="0"/>
-              <a:t>ACF – residual autocorrelation. </a:t>
-            </a:r>
-          </a:p>
-          <a:p>
-            <a:pPr lvl="1"/>
-            <a:r>
-              <a:rPr lang="en-US" dirty="0"/>
-              <a:t>PACF – residual partial autocorrelation. </a:t>
-            </a:r>
-          </a:p>
-          <a:p>
-            <a:r>
-              <a:rPr lang="en-US" dirty="0"/>
-              <a:t>Note – there’s more detail that goes into selecting these things that is largely out of scope. We can make estimates and evaluate. </a:t>
-            </a:r>
-          </a:p>
-        </p:txBody>
-      </p:sp>
-    </p:spTree>
-    <p:extLst>
-      <p:ext uri="{BB962C8B-B14F-4D97-AF65-F5344CB8AC3E}">
-        <p14:creationId xmlns:p14="http://schemas.microsoft.com/office/powerpoint/2010/main" val="628860228"/>
-      </p:ext>
-    </p:extLst>
-  </p:cSld>
-  <p:clrMapOvr>
-    <a:masterClrMapping/>
-  </p:clrMapOvr>
-</p:sld>
-</file>
-
 <file path=ppt/slides/slide16.xml><?xml version="1.0" encoding="utf-8"?>
 <p:sld xmlns:a="http://schemas.openxmlformats.org/drawingml/2006/main" xmlns:r="http://schemas.openxmlformats.org/officeDocument/2006/relationships" xmlns:p="http://schemas.openxmlformats.org/presentationml/2006/main">
   <p:cSld>
@@ -5117,7 +5182,7 @@
           <p:cNvPr id="2" name="Title 1">
             <a:extLst>
               <a:ext uri="{FF2B5EF4-FFF2-40B4-BE49-F238E27FC236}">
-                <a16:creationId xmlns:a16="http://schemas.microsoft.com/office/drawing/2014/main" id="{E315D5B2-E808-5298-6064-A28E494EEB36}"/>
+                <a16:creationId xmlns:a16="http://schemas.microsoft.com/office/drawing/2014/main" id="{48D6F2E3-C441-EA45-AFB0-16746E9DB104}"/>
               </a:ext>
             </a:extLst>
           </p:cNvPr>
@@ -5135,7 +5200,7 @@
           <a:p>
             <a:r>
               <a:rPr lang="en-US" dirty="0"/>
-              <a:t>P and Q, Part 2</a:t>
+              <a:t>ARIMA</a:t>
             </a:r>
           </a:p>
         </p:txBody>
@@ -5145,7 +5210,7 @@
           <p:cNvPr id="3" name="Content Placeholder 2">
             <a:extLst>
               <a:ext uri="{FF2B5EF4-FFF2-40B4-BE49-F238E27FC236}">
-                <a16:creationId xmlns:a16="http://schemas.microsoft.com/office/drawing/2014/main" id="{845943AD-DB2E-C73D-F903-CE6FA309E9C2}"/>
+                <a16:creationId xmlns:a16="http://schemas.microsoft.com/office/drawing/2014/main" id="{3391B933-66AE-EF4B-A480-3CF6E4F1BDD6}"/>
               </a:ext>
             </a:extLst>
           </p:cNvPr>
@@ -5158,63 +5223,79 @@
         </p:nvSpPr>
         <p:spPr>
           <a:xfrm>
-            <a:off x="1451579" y="2015732"/>
-            <a:ext cx="9603275" cy="4150399"/>
+            <a:off x="1451579" y="1853754"/>
+            <a:ext cx="9603275" cy="4199727"/>
           </a:xfrm>
         </p:spPr>
         <p:txBody>
-          <a:bodyPr>
-            <a:normAutofit/>
-          </a:bodyPr>
-          <a:lstStyle/>
-          <a:p>
-            <a:r>
-              <a:rPr lang="en-US" dirty="0"/>
-              <a:t>Rough ‘rules’ – these are condensed guidelines. </a:t>
+          <a:bodyPr/>
+          <a:lstStyle/>
+          <a:p>
+            <a:r>
+              <a:rPr lang="en-US" dirty="0"/>
+              <a:t>ARIMA is a common time series model, it has 3 parts:</a:t>
             </a:r>
           </a:p>
           <a:p>
             <a:pPr lvl="1"/>
             <a:r>
               <a:rPr lang="en-US" dirty="0"/>
-              <a:t>If the PACF of the differenced series displays a sharp cutoff and/or the lag-1 autocorrelation is positive--i.e., if the series appears slightly "</a:t>
-            </a:r>
-            <a:r>
-              <a:rPr lang="en-US" dirty="0" err="1"/>
-              <a:t>underdifferenced</a:t>
-            </a:r>
-            <a:r>
-              <a:rPr lang="en-US" dirty="0"/>
-              <a:t>"--then consider adding an AR term to the model. The lag at which the PACF cuts off is the indicated number of AR terms.</a:t>
-            </a:r>
+              <a:t>AR (p) – Autoregressive. </a:t>
+            </a:r>
+            <a:r>
+              <a:rPr lang="en-CA" dirty="0"/>
+              <a:t>Regresses on its own prior or lagged values. In other words, it predicts future values based on past values. </a:t>
+            </a:r>
+            <a:endParaRPr lang="en-US" dirty="0"/>
           </a:p>
           <a:p>
             <a:pPr lvl="1"/>
             <a:r>
               <a:rPr lang="en-US" dirty="0"/>
-              <a:t>If the ACF of the differenced series displays a sharp cutoff and/or the lag-1 autocorrelation is negative--i.e., if the series appears slightly "</a:t>
-            </a:r>
-            <a:r>
-              <a:rPr lang="en-US" dirty="0" err="1"/>
-              <a:t>overdifferenced</a:t>
-            </a:r>
-            <a:r>
-              <a:rPr lang="en-US" dirty="0"/>
-              <a:t>"--then consider adding an MA term to the model. The lag at which the ACF cuts off is the indicated number of MA terms.</a:t>
-            </a:r>
-          </a:p>
-          <a:p>
-            <a:r>
-              <a:rPr lang="en-US" dirty="0"/>
-              <a:t>Start small, test, and revise. </a:t>
-            </a:r>
+              <a:t>I (d) – Integrated. </a:t>
+            </a:r>
+            <a:r>
+              <a:rPr lang="en-CA" dirty="0"/>
+              <a:t>Observes the difference between static data values and previous values. The goal is to achieve stationary data that is not subject to seasonality. </a:t>
+            </a:r>
+            <a:endParaRPr lang="en-US" dirty="0"/>
+          </a:p>
+          <a:p>
+            <a:pPr lvl="1"/>
+            <a:r>
+              <a:rPr lang="en-US" dirty="0"/>
+              <a:t>MA (q) – Moving Average. A moving average. </a:t>
+            </a:r>
+          </a:p>
+          <a:p>
+            <a:r>
+              <a:rPr lang="en-US" dirty="0"/>
+              <a:t>Uses differencing to become stationary – removes seasonality. </a:t>
+            </a:r>
+          </a:p>
+          <a:p>
+            <a:r>
+              <a:rPr lang="en-US" dirty="0"/>
+              <a:t>Doing this part manually is for context, we have tools to do it for us that we’ll leverage. </a:t>
+            </a:r>
+          </a:p>
+          <a:p>
+            <a:pPr lvl="1"/>
+            <a:r>
+              <a:rPr lang="en-US" dirty="0"/>
+              <a:t>We don’t need to know how to do this process in depth, we’ll use the library tools. </a:t>
+            </a:r>
+          </a:p>
+          <a:p>
+            <a:pPr lvl="1"/>
+            <a:endParaRPr lang="en-US" dirty="0"/>
           </a:p>
         </p:txBody>
       </p:sp>
     </p:spTree>
     <p:extLst>
       <p:ext uri="{BB962C8B-B14F-4D97-AF65-F5344CB8AC3E}">
-        <p14:creationId xmlns:p14="http://schemas.microsoft.com/office/powerpoint/2010/main" val="3853325820"/>
+        <p14:creationId xmlns:p14="http://schemas.microsoft.com/office/powerpoint/2010/main" val="3138543553"/>
       </p:ext>
     </p:extLst>
   </p:cSld>
@@ -5225,681 +5306,6 @@
 </file>
 
 <file path=ppt/slides/slide17.xml><?xml version="1.0" encoding="utf-8"?>
-<p:sld xmlns:a="http://schemas.openxmlformats.org/drawingml/2006/main" xmlns:r="http://schemas.openxmlformats.org/officeDocument/2006/relationships" xmlns:p="http://schemas.openxmlformats.org/presentationml/2006/main">
-  <p:cSld>
-    <p:spTree>
-      <p:nvGrpSpPr>
-        <p:cNvPr id="1" name=""/>
-        <p:cNvGrpSpPr/>
-        <p:nvPr/>
-      </p:nvGrpSpPr>
-      <p:grpSpPr>
-        <a:xfrm>
-          <a:off x="0" y="0"/>
-          <a:ext cx="0" cy="0"/>
-          <a:chOff x="0" y="0"/>
-          <a:chExt cx="0" cy="0"/>
-        </a:xfrm>
-      </p:grpSpPr>
-      <p:sp>
-        <p:nvSpPr>
-          <p:cNvPr id="2" name="Title 1">
-            <a:extLst>
-              <a:ext uri="{FF2B5EF4-FFF2-40B4-BE49-F238E27FC236}">
-                <a16:creationId xmlns:a16="http://schemas.microsoft.com/office/drawing/2014/main" id="{42ECDDAF-6A94-AA4A-9692-942BAAC8C5AE}"/>
-              </a:ext>
-            </a:extLst>
-          </p:cNvPr>
-          <p:cNvSpPr>
-            <a:spLocks noGrp="1"/>
-          </p:cNvSpPr>
-          <p:nvPr>
-            <p:ph type="title"/>
-          </p:nvPr>
-        </p:nvSpPr>
-        <p:spPr/>
-        <p:txBody>
-          <a:bodyPr/>
-          <a:lstStyle/>
-          <a:p>
-            <a:r>
-              <a:rPr lang="en-US" dirty="0"/>
-              <a:t>AR – 0</a:t>
-            </a:r>
-            <a:br>
-              <a:rPr lang="en-US" dirty="0"/>
-            </a:br>
-            <a:r>
-              <a:rPr lang="en-US" dirty="0"/>
-              <a:t>MA – 1 </a:t>
-            </a:r>
-          </a:p>
-        </p:txBody>
-      </p:sp>
-      <p:pic>
-        <p:nvPicPr>
-          <p:cNvPr id="5" name="Content Placeholder 4">
-            <a:extLst>
-              <a:ext uri="{FF2B5EF4-FFF2-40B4-BE49-F238E27FC236}">
-                <a16:creationId xmlns:a16="http://schemas.microsoft.com/office/drawing/2014/main" id="{1050A55D-89FE-F349-BD7C-C479A0C23AEC}"/>
-              </a:ext>
-            </a:extLst>
-          </p:cNvPr>
-          <p:cNvPicPr>
-            <a:picLocks noGrp="1" noChangeAspect="1"/>
-          </p:cNvPicPr>
-          <p:nvPr>
-            <p:ph sz="half" idx="1"/>
-          </p:nvPr>
-        </p:nvPicPr>
-        <p:blipFill>
-          <a:blip r:embed="rId2"/>
-          <a:stretch>
-            <a:fillRect/>
-          </a:stretch>
-        </p:blipFill>
-        <p:spPr>
-          <a:xfrm>
-            <a:off x="0" y="2102632"/>
-            <a:ext cx="6092825" cy="4283334"/>
-          </a:xfrm>
-          <a:prstGeom prst="rect">
-            <a:avLst/>
-          </a:prstGeom>
-        </p:spPr>
-      </p:pic>
-      <p:pic>
-        <p:nvPicPr>
-          <p:cNvPr id="6" name="Content Placeholder 5">
-            <a:extLst>
-              <a:ext uri="{FF2B5EF4-FFF2-40B4-BE49-F238E27FC236}">
-                <a16:creationId xmlns:a16="http://schemas.microsoft.com/office/drawing/2014/main" id="{41F8E2DB-FAAD-C34C-B1DB-0C8BFE864AB0}"/>
-              </a:ext>
-            </a:extLst>
-          </p:cNvPr>
-          <p:cNvPicPr>
-            <a:picLocks noGrp="1" noChangeAspect="1"/>
-          </p:cNvPicPr>
-          <p:nvPr>
-            <p:ph sz="half" idx="2"/>
-          </p:nvPr>
-        </p:nvPicPr>
-        <p:blipFill>
-          <a:blip r:embed="rId3"/>
-          <a:stretch>
-            <a:fillRect/>
-          </a:stretch>
-        </p:blipFill>
-        <p:spPr>
-          <a:xfrm>
-            <a:off x="6107414" y="2116544"/>
-            <a:ext cx="6113241" cy="4269422"/>
-          </a:xfrm>
-          <a:prstGeom prst="rect">
-            <a:avLst/>
-          </a:prstGeom>
-        </p:spPr>
-      </p:pic>
-    </p:spTree>
-    <p:extLst>
-      <p:ext uri="{BB962C8B-B14F-4D97-AF65-F5344CB8AC3E}">
-        <p14:creationId xmlns:p14="http://schemas.microsoft.com/office/powerpoint/2010/main" val="2848724905"/>
-      </p:ext>
-    </p:extLst>
-  </p:cSld>
-  <p:clrMapOvr>
-    <a:masterClrMapping/>
-  </p:clrMapOvr>
-</p:sld>
-</file>
-
-<file path=ppt/slides/slide18.xml><?xml version="1.0" encoding="utf-8"?>
-<p:sld xmlns:a="http://schemas.openxmlformats.org/drawingml/2006/main" xmlns:r="http://schemas.openxmlformats.org/officeDocument/2006/relationships" xmlns:p="http://schemas.openxmlformats.org/presentationml/2006/main">
-  <p:cSld>
-    <p:spTree>
-      <p:nvGrpSpPr>
-        <p:cNvPr id="1" name=""/>
-        <p:cNvGrpSpPr/>
-        <p:nvPr/>
-      </p:nvGrpSpPr>
-      <p:grpSpPr>
-        <a:xfrm>
-          <a:off x="0" y="0"/>
-          <a:ext cx="0" cy="0"/>
-          <a:chOff x="0" y="0"/>
-          <a:chExt cx="0" cy="0"/>
-        </a:xfrm>
-      </p:grpSpPr>
-      <p:sp>
-        <p:nvSpPr>
-          <p:cNvPr id="2" name="Title 1">
-            <a:extLst>
-              <a:ext uri="{FF2B5EF4-FFF2-40B4-BE49-F238E27FC236}">
-                <a16:creationId xmlns:a16="http://schemas.microsoft.com/office/drawing/2014/main" id="{558BE19D-AE42-BB42-B8FA-BA310BE0E4AD}"/>
-              </a:ext>
-            </a:extLst>
-          </p:cNvPr>
-          <p:cNvSpPr>
-            <a:spLocks noGrp="1"/>
-          </p:cNvSpPr>
-          <p:nvPr>
-            <p:ph type="title"/>
-          </p:nvPr>
-        </p:nvSpPr>
-        <p:spPr/>
-        <p:txBody>
-          <a:bodyPr/>
-          <a:lstStyle/>
-          <a:p>
-            <a:r>
-              <a:rPr lang="en-US" dirty="0"/>
-              <a:t>AR – 1</a:t>
-            </a:r>
-            <a:br>
-              <a:rPr lang="en-US" dirty="0"/>
-            </a:br>
-            <a:r>
-              <a:rPr lang="en-US" dirty="0"/>
-              <a:t>MA – 0 </a:t>
-            </a:r>
-          </a:p>
-        </p:txBody>
-      </p:sp>
-      <p:pic>
-        <p:nvPicPr>
-          <p:cNvPr id="6" name="Content Placeholder 5">
-            <a:extLst>
-              <a:ext uri="{FF2B5EF4-FFF2-40B4-BE49-F238E27FC236}">
-                <a16:creationId xmlns:a16="http://schemas.microsoft.com/office/drawing/2014/main" id="{1C70AB12-CE35-9E4A-9759-B1340242A2AA}"/>
-              </a:ext>
-            </a:extLst>
-          </p:cNvPr>
-          <p:cNvPicPr>
-            <a:picLocks noGrp="1" noChangeAspect="1"/>
-          </p:cNvPicPr>
-          <p:nvPr>
-            <p:ph sz="half" idx="1"/>
-          </p:nvPr>
-        </p:nvPicPr>
-        <p:blipFill>
-          <a:blip r:embed="rId2"/>
-          <a:stretch>
-            <a:fillRect/>
-          </a:stretch>
-        </p:blipFill>
-        <p:spPr>
-          <a:xfrm>
-            <a:off x="0" y="2201955"/>
-            <a:ext cx="6092825" cy="4022772"/>
-          </a:xfrm>
-          <a:prstGeom prst="rect">
-            <a:avLst/>
-          </a:prstGeom>
-        </p:spPr>
-      </p:pic>
-      <p:pic>
-        <p:nvPicPr>
-          <p:cNvPr id="5" name="Content Placeholder 4">
-            <a:extLst>
-              <a:ext uri="{FF2B5EF4-FFF2-40B4-BE49-F238E27FC236}">
-                <a16:creationId xmlns:a16="http://schemas.microsoft.com/office/drawing/2014/main" id="{2B161ABB-D74D-3749-82FA-6930A99CB936}"/>
-              </a:ext>
-            </a:extLst>
-          </p:cNvPr>
-          <p:cNvPicPr>
-            <a:picLocks noGrp="1" noChangeAspect="1"/>
-          </p:cNvPicPr>
-          <p:nvPr>
-            <p:ph sz="half" idx="2"/>
-          </p:nvPr>
-        </p:nvPicPr>
-        <p:blipFill>
-          <a:blip r:embed="rId3"/>
-          <a:stretch>
-            <a:fillRect/>
-          </a:stretch>
-        </p:blipFill>
-        <p:spPr>
-          <a:xfrm>
-            <a:off x="6154121" y="2136946"/>
-            <a:ext cx="6092825" cy="4201641"/>
-          </a:xfrm>
-          <a:prstGeom prst="rect">
-            <a:avLst/>
-          </a:prstGeom>
-        </p:spPr>
-      </p:pic>
-    </p:spTree>
-    <p:extLst>
-      <p:ext uri="{BB962C8B-B14F-4D97-AF65-F5344CB8AC3E}">
-        <p14:creationId xmlns:p14="http://schemas.microsoft.com/office/powerpoint/2010/main" val="752172956"/>
-      </p:ext>
-    </p:extLst>
-  </p:cSld>
-  <p:clrMapOvr>
-    <a:masterClrMapping/>
-  </p:clrMapOvr>
-</p:sld>
-</file>
-
-<file path=ppt/slides/slide19.xml><?xml version="1.0" encoding="utf-8"?>
-<p:sld xmlns:a="http://schemas.openxmlformats.org/drawingml/2006/main" xmlns:r="http://schemas.openxmlformats.org/officeDocument/2006/relationships" xmlns:p="http://schemas.openxmlformats.org/presentationml/2006/main">
-  <p:cSld>
-    <p:spTree>
-      <p:nvGrpSpPr>
-        <p:cNvPr id="1" name=""/>
-        <p:cNvGrpSpPr/>
-        <p:nvPr/>
-      </p:nvGrpSpPr>
-      <p:grpSpPr>
-        <a:xfrm>
-          <a:off x="0" y="0"/>
-          <a:ext cx="0" cy="0"/>
-          <a:chOff x="0" y="0"/>
-          <a:chExt cx="0" cy="0"/>
-        </a:xfrm>
-      </p:grpSpPr>
-      <p:sp>
-        <p:nvSpPr>
-          <p:cNvPr id="6" name="Title 5">
-            <a:extLst>
-              <a:ext uri="{FF2B5EF4-FFF2-40B4-BE49-F238E27FC236}">
-                <a16:creationId xmlns:a16="http://schemas.microsoft.com/office/drawing/2014/main" id="{6C075DEA-0F3A-1D41-91A1-46ECC0DA25AC}"/>
-              </a:ext>
-            </a:extLst>
-          </p:cNvPr>
-          <p:cNvSpPr>
-            <a:spLocks noGrp="1"/>
-          </p:cNvSpPr>
-          <p:nvPr>
-            <p:ph type="title"/>
-          </p:nvPr>
-        </p:nvSpPr>
-        <p:spPr/>
-        <p:txBody>
-          <a:bodyPr/>
-          <a:lstStyle/>
-          <a:p>
-            <a:r>
-              <a:rPr lang="en-US" dirty="0"/>
-              <a:t>AR = 1</a:t>
-            </a:r>
-            <a:br>
-              <a:rPr lang="en-US" dirty="0"/>
-            </a:br>
-            <a:r>
-              <a:rPr lang="en-US" dirty="0"/>
-              <a:t>MA = 1</a:t>
-            </a:r>
-          </a:p>
-        </p:txBody>
-      </p:sp>
-      <p:pic>
-        <p:nvPicPr>
-          <p:cNvPr id="9" name="Content Placeholder 8">
-            <a:extLst>
-              <a:ext uri="{FF2B5EF4-FFF2-40B4-BE49-F238E27FC236}">
-                <a16:creationId xmlns:a16="http://schemas.microsoft.com/office/drawing/2014/main" id="{5450AC10-2360-C041-A1DE-1ED01FFAF62D}"/>
-              </a:ext>
-            </a:extLst>
-          </p:cNvPr>
-          <p:cNvPicPr>
-            <a:picLocks noGrp="1" noChangeAspect="1"/>
-          </p:cNvPicPr>
-          <p:nvPr>
-            <p:ph sz="half" idx="2"/>
-          </p:nvPr>
-        </p:nvPicPr>
-        <p:blipFill>
-          <a:blip r:embed="rId2"/>
-          <a:stretch>
-            <a:fillRect/>
-          </a:stretch>
-        </p:blipFill>
-        <p:spPr>
-          <a:xfrm>
-            <a:off x="6114320" y="2163640"/>
-            <a:ext cx="6034920" cy="4092349"/>
-          </a:xfrm>
-          <a:prstGeom prst="rect">
-            <a:avLst/>
-          </a:prstGeom>
-        </p:spPr>
-      </p:pic>
-      <p:pic>
-        <p:nvPicPr>
-          <p:cNvPr id="10" name="Content Placeholder 9">
-            <a:extLst>
-              <a:ext uri="{FF2B5EF4-FFF2-40B4-BE49-F238E27FC236}">
-                <a16:creationId xmlns:a16="http://schemas.microsoft.com/office/drawing/2014/main" id="{7F4A48C3-8DA4-1244-9CEC-30EB32F0272C}"/>
-              </a:ext>
-            </a:extLst>
-          </p:cNvPr>
-          <p:cNvPicPr>
-            <a:picLocks noGrp="1" noChangeAspect="1"/>
-          </p:cNvPicPr>
-          <p:nvPr>
-            <p:ph sz="half" idx="1"/>
-          </p:nvPr>
-        </p:nvPicPr>
-        <p:blipFill>
-          <a:blip r:embed="rId3"/>
-          <a:stretch>
-            <a:fillRect/>
-          </a:stretch>
-        </p:blipFill>
-        <p:spPr>
-          <a:xfrm>
-            <a:off x="0" y="2182697"/>
-            <a:ext cx="6092825" cy="4073292"/>
-          </a:xfrm>
-          <a:prstGeom prst="rect">
-            <a:avLst/>
-          </a:prstGeom>
-        </p:spPr>
-      </p:pic>
-    </p:spTree>
-    <p:extLst>
-      <p:ext uri="{BB962C8B-B14F-4D97-AF65-F5344CB8AC3E}">
-        <p14:creationId xmlns:p14="http://schemas.microsoft.com/office/powerpoint/2010/main" val="2180279072"/>
-      </p:ext>
-    </p:extLst>
-  </p:cSld>
-  <p:clrMapOvr>
-    <a:masterClrMapping/>
-  </p:clrMapOvr>
-</p:sld>
-</file>
-
-<file path=ppt/slides/slide2.xml><?xml version="1.0" encoding="utf-8"?>
-<p:sld xmlns:a="http://schemas.openxmlformats.org/drawingml/2006/main" xmlns:r="http://schemas.openxmlformats.org/officeDocument/2006/relationships" xmlns:p="http://schemas.openxmlformats.org/presentationml/2006/main">
-  <p:cSld>
-    <p:spTree>
-      <p:nvGrpSpPr>
-        <p:cNvPr id="1" name=""/>
-        <p:cNvGrpSpPr/>
-        <p:nvPr/>
-      </p:nvGrpSpPr>
-      <p:grpSpPr>
-        <a:xfrm>
-          <a:off x="0" y="0"/>
-          <a:ext cx="0" cy="0"/>
-          <a:chOff x="0" y="0"/>
-          <a:chExt cx="0" cy="0"/>
-        </a:xfrm>
-      </p:grpSpPr>
-      <p:sp>
-        <p:nvSpPr>
-          <p:cNvPr id="2" name="Title 1">
-            <a:extLst>
-              <a:ext uri="{FF2B5EF4-FFF2-40B4-BE49-F238E27FC236}">
-                <a16:creationId xmlns:a16="http://schemas.microsoft.com/office/drawing/2014/main" id="{895088AB-F855-F539-BDBD-DF7174C29073}"/>
-              </a:ext>
-            </a:extLst>
-          </p:cNvPr>
-          <p:cNvSpPr>
-            <a:spLocks noGrp="1"/>
-          </p:cNvSpPr>
-          <p:nvPr>
-            <p:ph type="title"/>
-          </p:nvPr>
-        </p:nvSpPr>
-        <p:spPr/>
-        <p:txBody>
-          <a:bodyPr/>
-          <a:lstStyle/>
-          <a:p>
-            <a:r>
-              <a:rPr lang="en-US" dirty="0"/>
-              <a:t>Test Stuff</a:t>
-            </a:r>
-          </a:p>
-        </p:txBody>
-      </p:sp>
-      <p:sp>
-        <p:nvSpPr>
-          <p:cNvPr id="3" name="Content Placeholder 2">
-            <a:extLst>
-              <a:ext uri="{FF2B5EF4-FFF2-40B4-BE49-F238E27FC236}">
-                <a16:creationId xmlns:a16="http://schemas.microsoft.com/office/drawing/2014/main" id="{1F131C13-0A7B-2F52-C8D0-E07C377600A1}"/>
-              </a:ext>
-            </a:extLst>
-          </p:cNvPr>
-          <p:cNvSpPr>
-            <a:spLocks noGrp="1"/>
-          </p:cNvSpPr>
-          <p:nvPr>
-            <p:ph idx="1"/>
-          </p:nvPr>
-        </p:nvSpPr>
-        <p:spPr>
-          <a:xfrm>
-            <a:off x="1451579" y="2015732"/>
-            <a:ext cx="9603275" cy="3964282"/>
-          </a:xfrm>
-        </p:spPr>
-        <p:txBody>
-          <a:bodyPr/>
-          <a:lstStyle/>
-          <a:p>
-            <a:r>
-              <a:rPr lang="en-US" dirty="0"/>
-              <a:t>Good job overall. </a:t>
-            </a:r>
-          </a:p>
-          <a:p>
-            <a:r>
-              <a:rPr lang="en-US" dirty="0"/>
-              <a:t>Small notes:</a:t>
-            </a:r>
-          </a:p>
-          <a:p>
-            <a:pPr lvl="1"/>
-            <a:r>
-              <a:rPr lang="en-US" dirty="0"/>
-              <a:t>The kernel transformation and the kernel trick are separate. The transformation makes things work, the ‘trick’ allows it with less math. </a:t>
-            </a:r>
-          </a:p>
-          <a:p>
-            <a:pPr lvl="1"/>
-            <a:r>
-              <a:rPr lang="en-US" dirty="0"/>
-              <a:t>Forests are generally not really interpretable. </a:t>
-            </a:r>
-          </a:p>
-          <a:p>
-            <a:r>
-              <a:rPr lang="en-US" dirty="0"/>
-              <a:t>Dimensionality will continue to be important as we move to NN stuff. </a:t>
-            </a:r>
-          </a:p>
-          <a:p>
-            <a:pPr lvl="1"/>
-            <a:endParaRPr lang="en-US" dirty="0"/>
-          </a:p>
-        </p:txBody>
-      </p:sp>
-    </p:spTree>
-    <p:extLst>
-      <p:ext uri="{BB962C8B-B14F-4D97-AF65-F5344CB8AC3E}">
-        <p14:creationId xmlns:p14="http://schemas.microsoft.com/office/powerpoint/2010/main" val="2007408444"/>
-      </p:ext>
-    </p:extLst>
-  </p:cSld>
-  <p:clrMapOvr>
-    <a:masterClrMapping/>
-  </p:clrMapOvr>
-</p:sld>
-</file>
-
-<file path=ppt/slides/slide20.xml><?xml version="1.0" encoding="utf-8"?>
-<p:sld xmlns:a="http://schemas.openxmlformats.org/drawingml/2006/main" xmlns:r="http://schemas.openxmlformats.org/officeDocument/2006/relationships" xmlns:p="http://schemas.openxmlformats.org/presentationml/2006/main">
-  <p:cSld>
-    <p:spTree>
-      <p:nvGrpSpPr>
-        <p:cNvPr id="1" name=""/>
-        <p:cNvGrpSpPr/>
-        <p:nvPr/>
-      </p:nvGrpSpPr>
-      <p:grpSpPr>
-        <a:xfrm>
-          <a:off x="0" y="0"/>
-          <a:ext cx="0" cy="0"/>
-          <a:chOff x="0" y="0"/>
-          <a:chExt cx="0" cy="0"/>
-        </a:xfrm>
-      </p:grpSpPr>
-      <p:sp>
-        <p:nvSpPr>
-          <p:cNvPr id="2" name="Title 1">
-            <a:extLst>
-              <a:ext uri="{FF2B5EF4-FFF2-40B4-BE49-F238E27FC236}">
-                <a16:creationId xmlns:a16="http://schemas.microsoft.com/office/drawing/2014/main" id="{6E1A8DAA-594E-DF46-8A5F-F8BFE936389B}"/>
-              </a:ext>
-            </a:extLst>
-          </p:cNvPr>
-          <p:cNvSpPr>
-            <a:spLocks noGrp="1"/>
-          </p:cNvSpPr>
-          <p:nvPr>
-            <p:ph type="title"/>
-          </p:nvPr>
-        </p:nvSpPr>
-        <p:spPr/>
-        <p:txBody>
-          <a:bodyPr/>
-          <a:lstStyle/>
-          <a:p>
-            <a:r>
-              <a:rPr lang="en-US" dirty="0"/>
-              <a:t>Implementation</a:t>
-            </a:r>
-          </a:p>
-        </p:txBody>
-      </p:sp>
-      <p:sp>
-        <p:nvSpPr>
-          <p:cNvPr id="3" name="Content Placeholder 2">
-            <a:extLst>
-              <a:ext uri="{FF2B5EF4-FFF2-40B4-BE49-F238E27FC236}">
-                <a16:creationId xmlns:a16="http://schemas.microsoft.com/office/drawing/2014/main" id="{F521AF14-542C-D24F-AB24-180660807542}"/>
-              </a:ext>
-            </a:extLst>
-          </p:cNvPr>
-          <p:cNvSpPr>
-            <a:spLocks noGrp="1"/>
-          </p:cNvSpPr>
-          <p:nvPr>
-            <p:ph idx="1"/>
-          </p:nvPr>
-        </p:nvSpPr>
-        <p:spPr>
-          <a:xfrm>
-            <a:off x="1451579" y="2015732"/>
-            <a:ext cx="9603275" cy="4037749"/>
-          </a:xfrm>
-        </p:spPr>
-        <p:txBody>
-          <a:bodyPr/>
-          <a:lstStyle/>
-          <a:p>
-            <a:r>
-              <a:rPr lang="en-US" dirty="0" err="1"/>
-              <a:t>Sktime</a:t>
-            </a:r>
-            <a:r>
-              <a:rPr lang="en-US" dirty="0"/>
-              <a:t> is a wrapper that packages time series functionality, largely from </a:t>
-            </a:r>
-            <a:r>
-              <a:rPr lang="en-US" dirty="0" err="1"/>
-              <a:t>statsmodels</a:t>
-            </a:r>
-            <a:r>
-              <a:rPr lang="en-US" dirty="0"/>
-              <a:t>, into a </a:t>
-            </a:r>
-            <a:r>
-              <a:rPr lang="en-US" dirty="0" err="1"/>
-              <a:t>sklearn-ish</a:t>
-            </a:r>
-            <a:r>
-              <a:rPr lang="en-US" dirty="0"/>
-              <a:t> format. </a:t>
-            </a:r>
-          </a:p>
-          <a:p>
-            <a:pPr lvl="1"/>
-            <a:r>
-              <a:rPr lang="en-US" dirty="0" err="1"/>
-              <a:t>Statsmodels</a:t>
-            </a:r>
-            <a:r>
-              <a:rPr lang="en-US" dirty="0"/>
-              <a:t> documentation is not the best. </a:t>
-            </a:r>
-          </a:p>
-          <a:p>
-            <a:pPr lvl="1"/>
-            <a:r>
-              <a:rPr lang="en-US" dirty="0" err="1"/>
-              <a:t>Statsmodels</a:t>
-            </a:r>
-            <a:r>
-              <a:rPr lang="en-US" dirty="0"/>
-              <a:t> code is structured quite differently. </a:t>
-            </a:r>
-          </a:p>
-          <a:p>
-            <a:r>
-              <a:rPr lang="en-US" dirty="0"/>
-              <a:t>Allows us to do basic time series at a higher level, much more easily. </a:t>
-            </a:r>
-          </a:p>
-          <a:p>
-            <a:r>
-              <a:rPr lang="en-US" dirty="0"/>
-              <a:t>ARIMA details previously can be replaced with </a:t>
-            </a:r>
-            <a:r>
-              <a:rPr lang="en-US" dirty="0" err="1"/>
-              <a:t>AutoARIMA</a:t>
-            </a:r>
-            <a:r>
-              <a:rPr lang="en-US"/>
-              <a:t>. </a:t>
-            </a:r>
-            <a:endParaRPr lang="en-US" dirty="0"/>
-          </a:p>
-          <a:p>
-            <a:r>
-              <a:rPr lang="en-US" dirty="0"/>
-              <a:t>Key notes:</a:t>
-            </a:r>
-          </a:p>
-          <a:p>
-            <a:pPr lvl="1"/>
-            <a:r>
-              <a:rPr lang="en-US" dirty="0"/>
-              <a:t>Train-test split is now normally just the last X records are test data. </a:t>
-            </a:r>
-          </a:p>
-        </p:txBody>
-      </p:sp>
-    </p:spTree>
-    <p:extLst>
-      <p:ext uri="{BB962C8B-B14F-4D97-AF65-F5344CB8AC3E}">
-        <p14:creationId xmlns:p14="http://schemas.microsoft.com/office/powerpoint/2010/main" val="450521076"/>
-      </p:ext>
-    </p:extLst>
-  </p:cSld>
-  <p:clrMapOvr>
-    <a:masterClrMapping/>
-  </p:clrMapOvr>
-</p:sld>
-</file>
-
-<file path=ppt/slides/slide21.xml><?xml version="1.0" encoding="utf-8"?>
 <p:sld xmlns:a="http://schemas.openxmlformats.org/drawingml/2006/main" xmlns:r="http://schemas.openxmlformats.org/officeDocument/2006/relationships" xmlns:p="http://schemas.openxmlformats.org/presentationml/2006/main">
   <p:cSld>
     <p:bg>
@@ -5945,6 +5351,2108 @@
           <p:cNvPr id="2" name="Title 1">
             <a:extLst>
               <a:ext uri="{FF2B5EF4-FFF2-40B4-BE49-F238E27FC236}">
+                <a16:creationId xmlns:a16="http://schemas.microsoft.com/office/drawing/2014/main" id="{D0E2867E-3434-6EFB-4A4F-4F767C927816}"/>
+              </a:ext>
+            </a:extLst>
+          </p:cNvPr>
+          <p:cNvSpPr>
+            <a:spLocks noGrp="1"/>
+          </p:cNvSpPr>
+          <p:nvPr>
+            <p:ph type="title"/>
+          </p:nvPr>
+        </p:nvSpPr>
+        <p:spPr>
+          <a:xfrm>
+            <a:off x="117231" y="804519"/>
+            <a:ext cx="3716779" cy="1049235"/>
+          </a:xfrm>
+        </p:spPr>
+        <p:txBody>
+          <a:bodyPr>
+            <a:normAutofit/>
+          </a:bodyPr>
+          <a:lstStyle/>
+          <a:p>
+            <a:r>
+              <a:rPr lang="en-US" dirty="0"/>
+              <a:t>ARIMA Variants</a:t>
+            </a:r>
+          </a:p>
+        </p:txBody>
+      </p:sp>
+      <p:sp>
+        <p:nvSpPr>
+          <p:cNvPr id="3" name="Content Placeholder 2">
+            <a:extLst>
+              <a:ext uri="{FF2B5EF4-FFF2-40B4-BE49-F238E27FC236}">
+                <a16:creationId xmlns:a16="http://schemas.microsoft.com/office/drawing/2014/main" id="{7AEFCCBA-DEE4-0926-09CC-90E7D973BCC7}"/>
+              </a:ext>
+            </a:extLst>
+          </p:cNvPr>
+          <p:cNvSpPr>
+            <a:spLocks noGrp="1"/>
+          </p:cNvSpPr>
+          <p:nvPr>
+            <p:ph idx="1"/>
+          </p:nvPr>
+        </p:nvSpPr>
+        <p:spPr>
+          <a:xfrm>
+            <a:off x="0" y="2015734"/>
+            <a:ext cx="3834012" cy="3450613"/>
+          </a:xfrm>
+        </p:spPr>
+        <p:txBody>
+          <a:bodyPr>
+            <a:normAutofit/>
+          </a:bodyPr>
+          <a:lstStyle/>
+          <a:p>
+            <a:r>
+              <a:rPr lang="en-US" dirty="0"/>
+              <a:t>There are several variants on ARIMA depending on the patterns in the data. </a:t>
+            </a:r>
+          </a:p>
+          <a:p>
+            <a:r>
+              <a:rPr lang="en-US" dirty="0"/>
+              <a:t>We can use some plots and tests to estimate parameters. </a:t>
+            </a:r>
+          </a:p>
+          <a:p>
+            <a:r>
+              <a:rPr lang="en-US" dirty="0"/>
+              <a:t>We can also do basic analysis (usually finding period) then let the algorithm do it. </a:t>
+            </a:r>
+          </a:p>
+        </p:txBody>
+      </p:sp>
+      <p:pic>
+        <p:nvPicPr>
+          <p:cNvPr id="2052" name="Picture 4">
+            <a:extLst>
+              <a:ext uri="{FF2B5EF4-FFF2-40B4-BE49-F238E27FC236}">
+                <a16:creationId xmlns:a16="http://schemas.microsoft.com/office/drawing/2014/main" id="{8FD1E33D-4962-BAE7-7056-1CAD62CB5525}"/>
+              </a:ext>
+            </a:extLst>
+          </p:cNvPr>
+          <p:cNvPicPr>
+            <a:picLocks noChangeAspect="1" noChangeArrowheads="1"/>
+          </p:cNvPicPr>
+          <p:nvPr/>
+        </p:nvPicPr>
+        <p:blipFill>
+          <a:blip r:embed="rId2">
+            <a:extLst>
+              <a:ext uri="{28A0092B-C50C-407E-A947-70E740481C1C}">
+                <a14:useLocalDpi xmlns:a14="http://schemas.microsoft.com/office/drawing/2010/main" val="0"/>
+              </a:ext>
+            </a:extLst>
+          </a:blip>
+          <a:stretch>
+            <a:fillRect/>
+          </a:stretch>
+        </p:blipFill>
+        <p:spPr bwMode="auto">
+          <a:xfrm>
+            <a:off x="3834011" y="1362622"/>
+            <a:ext cx="8357989" cy="5495377"/>
+          </a:xfrm>
+          <a:prstGeom prst="rect">
+            <a:avLst/>
+          </a:prstGeom>
+          <a:noFill/>
+          <a:extLst>
+            <a:ext uri="{909E8E84-426E-40DD-AFC4-6F175D3DCCD1}">
+              <a14:hiddenFill xmlns:a14="http://schemas.microsoft.com/office/drawing/2010/main">
+                <a:solidFill>
+                  <a:srgbClr val="FFFFFF"/>
+                </a:solidFill>
+              </a14:hiddenFill>
+            </a:ext>
+          </a:extLst>
+        </p:spPr>
+      </p:pic>
+    </p:spTree>
+    <p:extLst>
+      <p:ext uri="{BB962C8B-B14F-4D97-AF65-F5344CB8AC3E}">
+        <p14:creationId xmlns:p14="http://schemas.microsoft.com/office/powerpoint/2010/main" val="3253530099"/>
+      </p:ext>
+    </p:extLst>
+  </p:cSld>
+  <p:clrMapOvr>
+    <a:masterClrMapping/>
+  </p:clrMapOvr>
+</p:sld>
+</file>
+
+<file path=ppt/slides/slide18.xml><?xml version="1.0" encoding="utf-8"?>
+<p:sld xmlns:a="http://schemas.openxmlformats.org/drawingml/2006/main" xmlns:r="http://schemas.openxmlformats.org/officeDocument/2006/relationships" xmlns:p="http://schemas.openxmlformats.org/presentationml/2006/main">
+  <p:cSld>
+    <p:spTree>
+      <p:nvGrpSpPr>
+        <p:cNvPr id="1" name=""/>
+        <p:cNvGrpSpPr/>
+        <p:nvPr/>
+      </p:nvGrpSpPr>
+      <p:grpSpPr>
+        <a:xfrm>
+          <a:off x="0" y="0"/>
+          <a:ext cx="0" cy="0"/>
+          <a:chOff x="0" y="0"/>
+          <a:chExt cx="0" cy="0"/>
+        </a:xfrm>
+      </p:grpSpPr>
+      <p:sp>
+        <p:nvSpPr>
+          <p:cNvPr id="2" name="Title 1">
+            <a:extLst>
+              <a:ext uri="{FF2B5EF4-FFF2-40B4-BE49-F238E27FC236}">
+                <a16:creationId xmlns:a16="http://schemas.microsoft.com/office/drawing/2014/main" id="{7B11B4FF-C483-1843-A310-41690B02C0B1}"/>
+              </a:ext>
+            </a:extLst>
+          </p:cNvPr>
+          <p:cNvSpPr>
+            <a:spLocks noGrp="1"/>
+          </p:cNvSpPr>
+          <p:nvPr>
+            <p:ph type="title"/>
+          </p:nvPr>
+        </p:nvSpPr>
+        <p:spPr/>
+        <p:txBody>
+          <a:bodyPr/>
+          <a:lstStyle/>
+          <a:p>
+            <a:r>
+              <a:rPr lang="en-US" dirty="0"/>
+              <a:t>Creating ARIMA</a:t>
+            </a:r>
+          </a:p>
+        </p:txBody>
+      </p:sp>
+      <p:sp>
+        <p:nvSpPr>
+          <p:cNvPr id="3" name="Content Placeholder 2">
+            <a:extLst>
+              <a:ext uri="{FF2B5EF4-FFF2-40B4-BE49-F238E27FC236}">
+                <a16:creationId xmlns:a16="http://schemas.microsoft.com/office/drawing/2014/main" id="{A9D6FFEB-93E4-2440-B6F9-5294BC07F0C5}"/>
+              </a:ext>
+            </a:extLst>
+          </p:cNvPr>
+          <p:cNvSpPr>
+            <a:spLocks noGrp="1"/>
+          </p:cNvSpPr>
+          <p:nvPr>
+            <p:ph idx="1"/>
+          </p:nvPr>
+        </p:nvSpPr>
+        <p:spPr/>
+        <p:txBody>
+          <a:bodyPr/>
+          <a:lstStyle/>
+          <a:p>
+            <a:r>
+              <a:rPr lang="en-US" dirty="0"/>
+              <a:t>Manually doing an ARIMA model requires we figure out the </a:t>
+            </a:r>
+            <a:r>
+              <a:rPr lang="en-US" dirty="0" err="1"/>
+              <a:t>d,p,q</a:t>
+            </a:r>
+            <a:r>
+              <a:rPr lang="en-US" dirty="0"/>
+              <a:t> parameters first. </a:t>
+            </a:r>
+          </a:p>
+          <a:p>
+            <a:r>
+              <a:rPr lang="en-US" dirty="0"/>
+              <a:t>D term - Augmented Dickey Fuller test.</a:t>
+            </a:r>
+          </a:p>
+          <a:p>
+            <a:r>
+              <a:rPr lang="en-US" dirty="0"/>
+              <a:t>Hypothesis test for “is this thing stationary”. </a:t>
+            </a:r>
+          </a:p>
+          <a:p>
+            <a:pPr lvl="1"/>
+            <a:r>
+              <a:rPr lang="en-US" dirty="0"/>
+              <a:t>P &lt; .05 for significance test is normal cutoff. </a:t>
+            </a:r>
+          </a:p>
+          <a:p>
+            <a:r>
+              <a:rPr lang="en-US" dirty="0"/>
+              <a:t>P and Q Terms from autocorrelation and partial autocorrelation graphs. </a:t>
+            </a:r>
+          </a:p>
+          <a:p>
+            <a:pPr lvl="1"/>
+            <a:r>
+              <a:rPr lang="en-US" dirty="0"/>
+              <a:t>Next page… </a:t>
+            </a:r>
+          </a:p>
+          <a:p>
+            <a:r>
+              <a:rPr lang="en-US" dirty="0"/>
+              <a:t>If in doubt, default to lower values first. </a:t>
+            </a:r>
+          </a:p>
+        </p:txBody>
+      </p:sp>
+    </p:spTree>
+    <p:extLst>
+      <p:ext uri="{BB962C8B-B14F-4D97-AF65-F5344CB8AC3E}">
+        <p14:creationId xmlns:p14="http://schemas.microsoft.com/office/powerpoint/2010/main" val="4024351370"/>
+      </p:ext>
+    </p:extLst>
+  </p:cSld>
+  <p:clrMapOvr>
+    <a:masterClrMapping/>
+  </p:clrMapOvr>
+</p:sld>
+</file>
+
+<file path=ppt/slides/slide19.xml><?xml version="1.0" encoding="utf-8"?>
+<p:sld xmlns:a="http://schemas.openxmlformats.org/drawingml/2006/main" xmlns:r="http://schemas.openxmlformats.org/officeDocument/2006/relationships" xmlns:p="http://schemas.openxmlformats.org/presentationml/2006/main">
+  <p:cSld>
+    <p:spTree>
+      <p:nvGrpSpPr>
+        <p:cNvPr id="1" name=""/>
+        <p:cNvGrpSpPr/>
+        <p:nvPr/>
+      </p:nvGrpSpPr>
+      <p:grpSpPr>
+        <a:xfrm>
+          <a:off x="0" y="0"/>
+          <a:ext cx="0" cy="0"/>
+          <a:chOff x="0" y="0"/>
+          <a:chExt cx="0" cy="0"/>
+        </a:xfrm>
+      </p:grpSpPr>
+      <p:sp>
+        <p:nvSpPr>
+          <p:cNvPr id="2" name="Title 1">
+            <a:extLst>
+              <a:ext uri="{FF2B5EF4-FFF2-40B4-BE49-F238E27FC236}">
+                <a16:creationId xmlns:a16="http://schemas.microsoft.com/office/drawing/2014/main" id="{B6D692E1-DF41-494A-AF87-6271E660E4E5}"/>
+              </a:ext>
+            </a:extLst>
+          </p:cNvPr>
+          <p:cNvSpPr>
+            <a:spLocks noGrp="1"/>
+          </p:cNvSpPr>
+          <p:nvPr>
+            <p:ph type="title"/>
+          </p:nvPr>
+        </p:nvSpPr>
+        <p:spPr/>
+        <p:txBody>
+          <a:bodyPr/>
+          <a:lstStyle/>
+          <a:p>
+            <a:r>
+              <a:rPr lang="en-US" dirty="0"/>
+              <a:t>Guidelines on What to Use…</a:t>
+            </a:r>
+          </a:p>
+        </p:txBody>
+      </p:sp>
+      <p:sp>
+        <p:nvSpPr>
+          <p:cNvPr id="3" name="Content Placeholder 2">
+            <a:extLst>
+              <a:ext uri="{FF2B5EF4-FFF2-40B4-BE49-F238E27FC236}">
+                <a16:creationId xmlns:a16="http://schemas.microsoft.com/office/drawing/2014/main" id="{F764A3B3-9888-4A42-8523-5EAC0835E46E}"/>
+              </a:ext>
+            </a:extLst>
+          </p:cNvPr>
+          <p:cNvSpPr>
+            <a:spLocks noGrp="1"/>
+          </p:cNvSpPr>
+          <p:nvPr>
+            <p:ph idx="1"/>
+          </p:nvPr>
+        </p:nvSpPr>
+        <p:spPr>
+          <a:xfrm>
+            <a:off x="1451579" y="4131318"/>
+            <a:ext cx="9603275" cy="1802343"/>
+          </a:xfrm>
+        </p:spPr>
+        <p:txBody>
+          <a:bodyPr>
+            <a:normAutofit/>
+          </a:bodyPr>
+          <a:lstStyle/>
+          <a:p>
+            <a:r>
+              <a:rPr lang="en-US" dirty="0"/>
+              <a:t>This is rough guidance on which terms need to be included. </a:t>
+            </a:r>
+          </a:p>
+          <a:p>
+            <a:r>
+              <a:rPr lang="en-US" dirty="0"/>
+              <a:t>The actual value is usually where it ‘cuts off’. </a:t>
+            </a:r>
+          </a:p>
+          <a:p>
+            <a:r>
+              <a:rPr lang="en-US" dirty="0"/>
+              <a:t>https://</a:t>
+            </a:r>
+            <a:r>
+              <a:rPr lang="en-US" dirty="0" err="1"/>
+              <a:t>www.kaggle.com</a:t>
+            </a:r>
+            <a:r>
+              <a:rPr lang="en-US" dirty="0"/>
+              <a:t>/code/</a:t>
+            </a:r>
+            <a:r>
+              <a:rPr lang="en-US" dirty="0" err="1"/>
+              <a:t>iamleonie</a:t>
+            </a:r>
+            <a:r>
+              <a:rPr lang="en-US" dirty="0"/>
+              <a:t>/time-series-interpreting-</a:t>
+            </a:r>
+            <a:r>
+              <a:rPr lang="en-US" dirty="0" err="1"/>
+              <a:t>acf</a:t>
+            </a:r>
+            <a:r>
+              <a:rPr lang="en-US" dirty="0"/>
+              <a:t>-and-</a:t>
+            </a:r>
+            <a:r>
+              <a:rPr lang="en-US" dirty="0" err="1"/>
+              <a:t>pacf</a:t>
+            </a:r>
+            <a:endParaRPr lang="en-US" dirty="0"/>
+          </a:p>
+        </p:txBody>
+      </p:sp>
+      <p:pic>
+        <p:nvPicPr>
+          <p:cNvPr id="4" name="Picture 3">
+            <a:extLst>
+              <a:ext uri="{FF2B5EF4-FFF2-40B4-BE49-F238E27FC236}">
+                <a16:creationId xmlns:a16="http://schemas.microsoft.com/office/drawing/2014/main" id="{9E3F09BD-4953-86F4-98CD-AFAA1916521A}"/>
+              </a:ext>
+            </a:extLst>
+          </p:cNvPr>
+          <p:cNvPicPr>
+            <a:picLocks noChangeAspect="1"/>
+          </p:cNvPicPr>
+          <p:nvPr/>
+        </p:nvPicPr>
+        <p:blipFill>
+          <a:blip r:embed="rId2"/>
+          <a:stretch>
+            <a:fillRect/>
+          </a:stretch>
+        </p:blipFill>
+        <p:spPr>
+          <a:xfrm>
+            <a:off x="1533262" y="1921498"/>
+            <a:ext cx="9439908" cy="2142076"/>
+          </a:xfrm>
+          <a:prstGeom prst="rect">
+            <a:avLst/>
+          </a:prstGeom>
+        </p:spPr>
+      </p:pic>
+    </p:spTree>
+    <p:extLst>
+      <p:ext uri="{BB962C8B-B14F-4D97-AF65-F5344CB8AC3E}">
+        <p14:creationId xmlns:p14="http://schemas.microsoft.com/office/powerpoint/2010/main" val="2712208763"/>
+      </p:ext>
+    </p:extLst>
+  </p:cSld>
+  <p:clrMapOvr>
+    <a:masterClrMapping/>
+  </p:clrMapOvr>
+</p:sld>
+</file>
+
+<file path=ppt/slides/slide2.xml><?xml version="1.0" encoding="utf-8"?>
+<p:sld xmlns:a="http://schemas.openxmlformats.org/drawingml/2006/main" xmlns:r="http://schemas.openxmlformats.org/officeDocument/2006/relationships" xmlns:p="http://schemas.openxmlformats.org/presentationml/2006/main" show="0">
+  <p:cSld>
+    <p:spTree>
+      <p:nvGrpSpPr>
+        <p:cNvPr id="1" name=""/>
+        <p:cNvGrpSpPr/>
+        <p:nvPr/>
+      </p:nvGrpSpPr>
+      <p:grpSpPr>
+        <a:xfrm>
+          <a:off x="0" y="0"/>
+          <a:ext cx="0" cy="0"/>
+          <a:chOff x="0" y="0"/>
+          <a:chExt cx="0" cy="0"/>
+        </a:xfrm>
+      </p:grpSpPr>
+      <p:sp>
+        <p:nvSpPr>
+          <p:cNvPr id="2" name="Title 1">
+            <a:extLst>
+              <a:ext uri="{FF2B5EF4-FFF2-40B4-BE49-F238E27FC236}">
+                <a16:creationId xmlns:a16="http://schemas.microsoft.com/office/drawing/2014/main" id="{895088AB-F855-F539-BDBD-DF7174C29073}"/>
+              </a:ext>
+            </a:extLst>
+          </p:cNvPr>
+          <p:cNvSpPr>
+            <a:spLocks noGrp="1"/>
+          </p:cNvSpPr>
+          <p:nvPr>
+            <p:ph type="title"/>
+          </p:nvPr>
+        </p:nvSpPr>
+        <p:spPr/>
+        <p:txBody>
+          <a:bodyPr/>
+          <a:lstStyle/>
+          <a:p>
+            <a:r>
+              <a:rPr lang="en-US" dirty="0"/>
+              <a:t>Test Stuff</a:t>
+            </a:r>
+          </a:p>
+        </p:txBody>
+      </p:sp>
+      <p:sp>
+        <p:nvSpPr>
+          <p:cNvPr id="3" name="Content Placeholder 2">
+            <a:extLst>
+              <a:ext uri="{FF2B5EF4-FFF2-40B4-BE49-F238E27FC236}">
+                <a16:creationId xmlns:a16="http://schemas.microsoft.com/office/drawing/2014/main" id="{1F131C13-0A7B-2F52-C8D0-E07C377600A1}"/>
+              </a:ext>
+            </a:extLst>
+          </p:cNvPr>
+          <p:cNvSpPr>
+            <a:spLocks noGrp="1"/>
+          </p:cNvSpPr>
+          <p:nvPr>
+            <p:ph idx="1"/>
+          </p:nvPr>
+        </p:nvSpPr>
+        <p:spPr>
+          <a:xfrm>
+            <a:off x="1451579" y="2015732"/>
+            <a:ext cx="9603275" cy="3964282"/>
+          </a:xfrm>
+        </p:spPr>
+        <p:txBody>
+          <a:bodyPr/>
+          <a:lstStyle/>
+          <a:p>
+            <a:r>
+              <a:rPr lang="en-US" dirty="0"/>
+              <a:t>Good job overall. </a:t>
+            </a:r>
+          </a:p>
+          <a:p>
+            <a:r>
+              <a:rPr lang="en-US" dirty="0"/>
+              <a:t>Small notes:</a:t>
+            </a:r>
+          </a:p>
+          <a:p>
+            <a:pPr lvl="1"/>
+            <a:r>
+              <a:rPr lang="en-US" dirty="0"/>
+              <a:t>The kernel transformation and the kernel trick are separate. The transformation makes things work, the ‘trick’ allows it with less math. </a:t>
+            </a:r>
+          </a:p>
+          <a:p>
+            <a:pPr lvl="1"/>
+            <a:r>
+              <a:rPr lang="en-US" dirty="0"/>
+              <a:t>Forests are generally not really interpretable. </a:t>
+            </a:r>
+          </a:p>
+          <a:p>
+            <a:r>
+              <a:rPr lang="en-US" dirty="0"/>
+              <a:t>Dimensionality will continue to be important as we move to NN stuff. </a:t>
+            </a:r>
+          </a:p>
+          <a:p>
+            <a:pPr lvl="1"/>
+            <a:endParaRPr lang="en-US" dirty="0"/>
+          </a:p>
+        </p:txBody>
+      </p:sp>
+    </p:spTree>
+    <p:extLst>
+      <p:ext uri="{BB962C8B-B14F-4D97-AF65-F5344CB8AC3E}">
+        <p14:creationId xmlns:p14="http://schemas.microsoft.com/office/powerpoint/2010/main" val="2007408444"/>
+      </p:ext>
+    </p:extLst>
+  </p:cSld>
+  <p:clrMapOvr>
+    <a:masterClrMapping/>
+  </p:clrMapOvr>
+</p:sld>
+</file>
+
+<file path=ppt/slides/slide20.xml><?xml version="1.0" encoding="utf-8"?>
+<p:sld xmlns:a="http://schemas.openxmlformats.org/drawingml/2006/main" xmlns:r="http://schemas.openxmlformats.org/officeDocument/2006/relationships" xmlns:p="http://schemas.openxmlformats.org/presentationml/2006/main">
+  <p:cSld>
+    <p:spTree>
+      <p:nvGrpSpPr>
+        <p:cNvPr id="1" name=""/>
+        <p:cNvGrpSpPr/>
+        <p:nvPr/>
+      </p:nvGrpSpPr>
+      <p:grpSpPr>
+        <a:xfrm>
+          <a:off x="0" y="0"/>
+          <a:ext cx="0" cy="0"/>
+          <a:chOff x="0" y="0"/>
+          <a:chExt cx="0" cy="0"/>
+        </a:xfrm>
+      </p:grpSpPr>
+      <p:sp>
+        <p:nvSpPr>
+          <p:cNvPr id="2" name="Title 1">
+            <a:extLst>
+              <a:ext uri="{FF2B5EF4-FFF2-40B4-BE49-F238E27FC236}">
+                <a16:creationId xmlns:a16="http://schemas.microsoft.com/office/drawing/2014/main" id="{1E301671-7911-14AC-D4D5-9602BE635904}"/>
+              </a:ext>
+            </a:extLst>
+          </p:cNvPr>
+          <p:cNvSpPr>
+            <a:spLocks noGrp="1"/>
+          </p:cNvSpPr>
+          <p:nvPr>
+            <p:ph type="title"/>
+          </p:nvPr>
+        </p:nvSpPr>
+        <p:spPr/>
+        <p:txBody>
+          <a:bodyPr/>
+          <a:lstStyle/>
+          <a:p>
+            <a:r>
+              <a:rPr lang="en-US" dirty="0"/>
+              <a:t>P and Q</a:t>
+            </a:r>
+          </a:p>
+        </p:txBody>
+      </p:sp>
+      <p:sp>
+        <p:nvSpPr>
+          <p:cNvPr id="3" name="Content Placeholder 2">
+            <a:extLst>
+              <a:ext uri="{FF2B5EF4-FFF2-40B4-BE49-F238E27FC236}">
+                <a16:creationId xmlns:a16="http://schemas.microsoft.com/office/drawing/2014/main" id="{D9A78AFD-5820-9530-33CA-3503BFEFD001}"/>
+              </a:ext>
+            </a:extLst>
+          </p:cNvPr>
+          <p:cNvSpPr>
+            <a:spLocks noGrp="1"/>
+          </p:cNvSpPr>
+          <p:nvPr>
+            <p:ph idx="1"/>
+          </p:nvPr>
+        </p:nvSpPr>
+        <p:spPr>
+          <a:xfrm>
+            <a:off x="1238081" y="1933996"/>
+            <a:ext cx="10034124" cy="4119485"/>
+          </a:xfrm>
+        </p:spPr>
+        <p:txBody>
+          <a:bodyPr>
+            <a:normAutofit/>
+          </a:bodyPr>
+          <a:lstStyle/>
+          <a:p>
+            <a:r>
+              <a:rPr lang="en-US" dirty="0"/>
+              <a:t>Determining the p and q values is kind of vague. </a:t>
+            </a:r>
+          </a:p>
+          <a:p>
+            <a:pPr lvl="1"/>
+            <a:r>
+              <a:rPr lang="en-US" dirty="0"/>
+              <a:t>These terms act with the d param like kernel/basis functions to do a stationary transformation. </a:t>
+            </a:r>
+          </a:p>
+          <a:p>
+            <a:r>
+              <a:rPr lang="en-US" dirty="0"/>
+              <a:t>We make guesses based off of what we can see in a couple of plots:</a:t>
+            </a:r>
+          </a:p>
+          <a:p>
+            <a:pPr lvl="1"/>
+            <a:r>
+              <a:rPr lang="en-US" dirty="0"/>
+              <a:t>ACF – residual autocorrelation. </a:t>
+            </a:r>
+          </a:p>
+          <a:p>
+            <a:pPr lvl="1"/>
+            <a:r>
+              <a:rPr lang="en-US" dirty="0"/>
+              <a:t>PACF – residual partial autocorrelation. </a:t>
+            </a:r>
+          </a:p>
+          <a:p>
+            <a:r>
+              <a:rPr lang="en-US" dirty="0"/>
+              <a:t>Note – there’s more detail that goes into selecting these things that is largely out of scope. We can make estimates and evaluate. </a:t>
+            </a:r>
+          </a:p>
+        </p:txBody>
+      </p:sp>
+    </p:spTree>
+    <p:extLst>
+      <p:ext uri="{BB962C8B-B14F-4D97-AF65-F5344CB8AC3E}">
+        <p14:creationId xmlns:p14="http://schemas.microsoft.com/office/powerpoint/2010/main" val="628860228"/>
+      </p:ext>
+    </p:extLst>
+  </p:cSld>
+  <p:clrMapOvr>
+    <a:masterClrMapping/>
+  </p:clrMapOvr>
+</p:sld>
+</file>
+
+<file path=ppt/slides/slide21.xml><?xml version="1.0" encoding="utf-8"?>
+<p:sld xmlns:a="http://schemas.openxmlformats.org/drawingml/2006/main" xmlns:r="http://schemas.openxmlformats.org/officeDocument/2006/relationships" xmlns:p="http://schemas.openxmlformats.org/presentationml/2006/main">
+  <p:cSld>
+    <p:spTree>
+      <p:nvGrpSpPr>
+        <p:cNvPr id="1" name=""/>
+        <p:cNvGrpSpPr/>
+        <p:nvPr/>
+      </p:nvGrpSpPr>
+      <p:grpSpPr>
+        <a:xfrm>
+          <a:off x="0" y="0"/>
+          <a:ext cx="0" cy="0"/>
+          <a:chOff x="0" y="0"/>
+          <a:chExt cx="0" cy="0"/>
+        </a:xfrm>
+      </p:grpSpPr>
+      <p:sp>
+        <p:nvSpPr>
+          <p:cNvPr id="2" name="Title 1">
+            <a:extLst>
+              <a:ext uri="{FF2B5EF4-FFF2-40B4-BE49-F238E27FC236}">
+                <a16:creationId xmlns:a16="http://schemas.microsoft.com/office/drawing/2014/main" id="{E315D5B2-E808-5298-6064-A28E494EEB36}"/>
+              </a:ext>
+            </a:extLst>
+          </p:cNvPr>
+          <p:cNvSpPr>
+            <a:spLocks noGrp="1"/>
+          </p:cNvSpPr>
+          <p:nvPr>
+            <p:ph type="title"/>
+          </p:nvPr>
+        </p:nvSpPr>
+        <p:spPr/>
+        <p:txBody>
+          <a:bodyPr/>
+          <a:lstStyle/>
+          <a:p>
+            <a:r>
+              <a:rPr lang="en-US" dirty="0"/>
+              <a:t>P and Q, Part 2</a:t>
+            </a:r>
+          </a:p>
+        </p:txBody>
+      </p:sp>
+      <p:sp>
+        <p:nvSpPr>
+          <p:cNvPr id="3" name="Content Placeholder 2">
+            <a:extLst>
+              <a:ext uri="{FF2B5EF4-FFF2-40B4-BE49-F238E27FC236}">
+                <a16:creationId xmlns:a16="http://schemas.microsoft.com/office/drawing/2014/main" id="{845943AD-DB2E-C73D-F903-CE6FA309E9C2}"/>
+              </a:ext>
+            </a:extLst>
+          </p:cNvPr>
+          <p:cNvSpPr>
+            <a:spLocks noGrp="1"/>
+          </p:cNvSpPr>
+          <p:nvPr>
+            <p:ph idx="1"/>
+          </p:nvPr>
+        </p:nvSpPr>
+        <p:spPr>
+          <a:xfrm>
+            <a:off x="1252331" y="1853754"/>
+            <a:ext cx="9802524" cy="4312377"/>
+          </a:xfrm>
+        </p:spPr>
+        <p:txBody>
+          <a:bodyPr>
+            <a:normAutofit/>
+          </a:bodyPr>
+          <a:lstStyle/>
+          <a:p>
+            <a:r>
+              <a:rPr lang="en-US" dirty="0"/>
+              <a:t>Rough ‘rules’ – these are condensed guidelines. </a:t>
+            </a:r>
+          </a:p>
+          <a:p>
+            <a:pPr lvl="1"/>
+            <a:r>
+              <a:rPr lang="en-US" dirty="0"/>
+              <a:t>If the PACF of the differenced series displays a sharp cutoff and/or the lag-1 autocorrelation is positive--i.e., if the series appears slightly "</a:t>
+            </a:r>
+            <a:r>
+              <a:rPr lang="en-US" dirty="0" err="1"/>
+              <a:t>underdifferenced</a:t>
+            </a:r>
+            <a:r>
+              <a:rPr lang="en-US" dirty="0"/>
+              <a:t>"--then consider adding an AR term to the model. The lag at which the PACF cuts off is the indicated number of AR terms.</a:t>
+            </a:r>
+          </a:p>
+          <a:p>
+            <a:pPr lvl="1"/>
+            <a:r>
+              <a:rPr lang="en-US" dirty="0"/>
+              <a:t>If the ACF of the differenced series displays a sharp cutoff and/or the lag-1 autocorrelation is negative--i.e., if the series appears slightly "</a:t>
+            </a:r>
+            <a:r>
+              <a:rPr lang="en-US" dirty="0" err="1"/>
+              <a:t>overdifferenced</a:t>
+            </a:r>
+            <a:r>
+              <a:rPr lang="en-US" dirty="0"/>
+              <a:t>"--then consider adding an MA term to the model. The lag at which the ACF cuts off is the indicated number of MA terms.</a:t>
+            </a:r>
+          </a:p>
+          <a:p>
+            <a:r>
+              <a:rPr lang="en-US" dirty="0"/>
+              <a:t>Start small – if it is ambiguous, choose a lower answer and test. </a:t>
+            </a:r>
+          </a:p>
+          <a:p>
+            <a:r>
+              <a:rPr lang="en-US" dirty="0"/>
+              <a:t>There somehow isn’t a complete, clear guide to this, but there may be a better way. </a:t>
+            </a:r>
+          </a:p>
+        </p:txBody>
+      </p:sp>
+    </p:spTree>
+    <p:extLst>
+      <p:ext uri="{BB962C8B-B14F-4D97-AF65-F5344CB8AC3E}">
+        <p14:creationId xmlns:p14="http://schemas.microsoft.com/office/powerpoint/2010/main" val="3853325820"/>
+      </p:ext>
+    </p:extLst>
+  </p:cSld>
+  <p:clrMapOvr>
+    <a:masterClrMapping/>
+  </p:clrMapOvr>
+</p:sld>
+</file>
+
+<file path=ppt/slides/slide22.xml><?xml version="1.0" encoding="utf-8"?>
+<p:sld xmlns:a="http://schemas.openxmlformats.org/drawingml/2006/main" xmlns:r="http://schemas.openxmlformats.org/officeDocument/2006/relationships" xmlns:p="http://schemas.openxmlformats.org/presentationml/2006/main">
+  <p:cSld>
+    <p:spTree>
+      <p:nvGrpSpPr>
+        <p:cNvPr id="1" name=""/>
+        <p:cNvGrpSpPr/>
+        <p:nvPr/>
+      </p:nvGrpSpPr>
+      <p:grpSpPr>
+        <a:xfrm>
+          <a:off x="0" y="0"/>
+          <a:ext cx="0" cy="0"/>
+          <a:chOff x="0" y="0"/>
+          <a:chExt cx="0" cy="0"/>
+        </a:xfrm>
+      </p:grpSpPr>
+      <p:sp>
+        <p:nvSpPr>
+          <p:cNvPr id="2" name="Title 1">
+            <a:extLst>
+              <a:ext uri="{FF2B5EF4-FFF2-40B4-BE49-F238E27FC236}">
+                <a16:creationId xmlns:a16="http://schemas.microsoft.com/office/drawing/2014/main" id="{CB29671A-9F7F-B46B-98E8-3135B32A9759}"/>
+              </a:ext>
+            </a:extLst>
+          </p:cNvPr>
+          <p:cNvSpPr>
+            <a:spLocks noGrp="1"/>
+          </p:cNvSpPr>
+          <p:nvPr>
+            <p:ph type="title"/>
+          </p:nvPr>
+        </p:nvSpPr>
+        <p:spPr/>
+        <p:txBody>
+          <a:bodyPr/>
+          <a:lstStyle/>
+          <a:p>
+            <a:r>
+              <a:rPr lang="en-US" dirty="0"/>
+              <a:t>PACF</a:t>
+            </a:r>
+          </a:p>
+        </p:txBody>
+      </p:sp>
+      <p:sp>
+        <p:nvSpPr>
+          <p:cNvPr id="3" name="Content Placeholder 2">
+            <a:extLst>
+              <a:ext uri="{FF2B5EF4-FFF2-40B4-BE49-F238E27FC236}">
+                <a16:creationId xmlns:a16="http://schemas.microsoft.com/office/drawing/2014/main" id="{B2B56485-E975-BB88-C83F-917146506256}"/>
+              </a:ext>
+            </a:extLst>
+          </p:cNvPr>
+          <p:cNvSpPr>
+            <a:spLocks noGrp="1"/>
+          </p:cNvSpPr>
+          <p:nvPr>
+            <p:ph idx="1"/>
+          </p:nvPr>
+        </p:nvSpPr>
+        <p:spPr>
+          <a:xfrm>
+            <a:off x="328246" y="2015732"/>
+            <a:ext cx="5131670" cy="3450613"/>
+          </a:xfrm>
+        </p:spPr>
+        <p:txBody>
+          <a:bodyPr/>
+          <a:lstStyle/>
+          <a:p>
+            <a:r>
+              <a:rPr lang="en-US" dirty="0"/>
+              <a:t>The PACF plot shows the correlation between a record and its previous value. </a:t>
+            </a:r>
+          </a:p>
+          <a:p>
+            <a:r>
+              <a:rPr lang="en-US" dirty="0"/>
+              <a:t>We want to choose something on the low side of when the bars drop below the cutoff. </a:t>
+            </a:r>
+          </a:p>
+          <a:p>
+            <a:pPr lvl="1"/>
+            <a:r>
+              <a:rPr lang="en-US" dirty="0"/>
+              <a:t>This is 1 or 2. </a:t>
+            </a:r>
+          </a:p>
+          <a:p>
+            <a:r>
+              <a:rPr lang="en-US" dirty="0"/>
+              <a:t>This is the AR or p term. </a:t>
+            </a:r>
+          </a:p>
+        </p:txBody>
+      </p:sp>
+      <p:pic>
+        <p:nvPicPr>
+          <p:cNvPr id="3074" name="Picture 2" descr="Partial Autocorrelation">
+            <a:extLst>
+              <a:ext uri="{FF2B5EF4-FFF2-40B4-BE49-F238E27FC236}">
+                <a16:creationId xmlns:a16="http://schemas.microsoft.com/office/drawing/2014/main" id="{E3E7E91B-0003-6851-4B11-A0F0BEEA44FA}"/>
+              </a:ext>
+            </a:extLst>
+          </p:cNvPr>
+          <p:cNvPicPr>
+            <a:picLocks noChangeAspect="1" noChangeArrowheads="1"/>
+          </p:cNvPicPr>
+          <p:nvPr/>
+        </p:nvPicPr>
+        <p:blipFill>
+          <a:blip r:embed="rId2">
+            <a:extLst>
+              <a:ext uri="{28A0092B-C50C-407E-A947-70E740481C1C}">
+                <a14:useLocalDpi xmlns:a14="http://schemas.microsoft.com/office/drawing/2010/main" val="0"/>
+              </a:ext>
+            </a:extLst>
+          </a:blip>
+          <a:srcRect/>
+          <a:stretch>
+            <a:fillRect/>
+          </a:stretch>
+        </p:blipFill>
+        <p:spPr bwMode="auto">
+          <a:xfrm>
+            <a:off x="5459915" y="715107"/>
+            <a:ext cx="6732085" cy="5193323"/>
+          </a:xfrm>
+          <a:prstGeom prst="rect">
+            <a:avLst/>
+          </a:prstGeom>
+          <a:noFill/>
+          <a:extLst>
+            <a:ext uri="{909E8E84-426E-40DD-AFC4-6F175D3DCCD1}">
+              <a14:hiddenFill xmlns:a14="http://schemas.microsoft.com/office/drawing/2010/main">
+                <a:solidFill>
+                  <a:srgbClr val="FFFFFF"/>
+                </a:solidFill>
+              </a14:hiddenFill>
+            </a:ext>
+          </a:extLst>
+        </p:spPr>
+      </p:pic>
+    </p:spTree>
+    <p:extLst>
+      <p:ext uri="{BB962C8B-B14F-4D97-AF65-F5344CB8AC3E}">
+        <p14:creationId xmlns:p14="http://schemas.microsoft.com/office/powerpoint/2010/main" val="4106000625"/>
+      </p:ext>
+    </p:extLst>
+  </p:cSld>
+  <p:clrMapOvr>
+    <a:masterClrMapping/>
+  </p:clrMapOvr>
+</p:sld>
+</file>
+
+<file path=ppt/slides/slide23.xml><?xml version="1.0" encoding="utf-8"?>
+<p:sld xmlns:a="http://schemas.openxmlformats.org/drawingml/2006/main" xmlns:r="http://schemas.openxmlformats.org/officeDocument/2006/relationships" xmlns:p="http://schemas.openxmlformats.org/presentationml/2006/main">
+  <p:cSld>
+    <p:spTree>
+      <p:nvGrpSpPr>
+        <p:cNvPr id="1" name=""/>
+        <p:cNvGrpSpPr/>
+        <p:nvPr/>
+      </p:nvGrpSpPr>
+      <p:grpSpPr>
+        <a:xfrm>
+          <a:off x="0" y="0"/>
+          <a:ext cx="0" cy="0"/>
+          <a:chOff x="0" y="0"/>
+          <a:chExt cx="0" cy="0"/>
+        </a:xfrm>
+      </p:grpSpPr>
+      <p:sp>
+        <p:nvSpPr>
+          <p:cNvPr id="2" name="Title 1">
+            <a:extLst>
+              <a:ext uri="{FF2B5EF4-FFF2-40B4-BE49-F238E27FC236}">
+                <a16:creationId xmlns:a16="http://schemas.microsoft.com/office/drawing/2014/main" id="{5015771E-7DD1-06A6-17EC-D812CED2BB8D}"/>
+              </a:ext>
+            </a:extLst>
+          </p:cNvPr>
+          <p:cNvSpPr>
+            <a:spLocks noGrp="1"/>
+          </p:cNvSpPr>
+          <p:nvPr>
+            <p:ph type="title"/>
+          </p:nvPr>
+        </p:nvSpPr>
+        <p:spPr/>
+        <p:txBody>
+          <a:bodyPr/>
+          <a:lstStyle/>
+          <a:p>
+            <a:r>
+              <a:rPr lang="en-US" dirty="0"/>
+              <a:t>ACF</a:t>
+            </a:r>
+          </a:p>
+        </p:txBody>
+      </p:sp>
+      <p:sp>
+        <p:nvSpPr>
+          <p:cNvPr id="3" name="Content Placeholder 2">
+            <a:extLst>
+              <a:ext uri="{FF2B5EF4-FFF2-40B4-BE49-F238E27FC236}">
+                <a16:creationId xmlns:a16="http://schemas.microsoft.com/office/drawing/2014/main" id="{75629331-D9A8-31BB-DD5F-4FD0BE3D2007}"/>
+              </a:ext>
+            </a:extLst>
+          </p:cNvPr>
+          <p:cNvSpPr>
+            <a:spLocks noGrp="1"/>
+          </p:cNvSpPr>
+          <p:nvPr>
+            <p:ph idx="1"/>
+          </p:nvPr>
+        </p:nvSpPr>
+        <p:spPr>
+          <a:xfrm>
+            <a:off x="6460435" y="2015732"/>
+            <a:ext cx="4594419" cy="3450613"/>
+          </a:xfrm>
+        </p:spPr>
+        <p:txBody>
+          <a:bodyPr/>
+          <a:lstStyle/>
+          <a:p>
+            <a:r>
+              <a:rPr lang="en-US" dirty="0"/>
+              <a:t>The ACF plot show the correlation between a record and its previous record</a:t>
+            </a:r>
+            <a:r>
+              <a:rPr lang="en-US" b="1" dirty="0"/>
+              <a:t>s</a:t>
+            </a:r>
+            <a:r>
+              <a:rPr lang="en-US" dirty="0"/>
+              <a:t>. </a:t>
+            </a:r>
+          </a:p>
+          <a:p>
+            <a:r>
+              <a:rPr lang="en-US" dirty="0"/>
+              <a:t>We want to choose something on the low side of when the bars drop below the cutoff. </a:t>
+            </a:r>
+          </a:p>
+          <a:p>
+            <a:pPr lvl="1"/>
+            <a:r>
+              <a:rPr lang="en-US" dirty="0"/>
+              <a:t>This is 1 or 2. </a:t>
+            </a:r>
+          </a:p>
+          <a:p>
+            <a:r>
+              <a:rPr lang="en-US" dirty="0"/>
+              <a:t>This is the MA or q term. </a:t>
+            </a:r>
+          </a:p>
+          <a:p>
+            <a:endParaRPr lang="en-US" dirty="0"/>
+          </a:p>
+        </p:txBody>
+      </p:sp>
+      <p:pic>
+        <p:nvPicPr>
+          <p:cNvPr id="4100" name="Picture 4" descr="Autocorrelation">
+            <a:extLst>
+              <a:ext uri="{FF2B5EF4-FFF2-40B4-BE49-F238E27FC236}">
+                <a16:creationId xmlns:a16="http://schemas.microsoft.com/office/drawing/2014/main" id="{EF941FD4-DFBA-C933-4121-61AD8134FEB6}"/>
+              </a:ext>
+            </a:extLst>
+          </p:cNvPr>
+          <p:cNvPicPr>
+            <a:picLocks noChangeAspect="1" noChangeArrowheads="1"/>
+          </p:cNvPicPr>
+          <p:nvPr/>
+        </p:nvPicPr>
+        <p:blipFill>
+          <a:blip r:embed="rId2">
+            <a:extLst>
+              <a:ext uri="{28A0092B-C50C-407E-A947-70E740481C1C}">
+                <a14:useLocalDpi xmlns:a14="http://schemas.microsoft.com/office/drawing/2010/main" val="0"/>
+              </a:ext>
+            </a:extLst>
+          </a:blip>
+          <a:srcRect/>
+          <a:stretch>
+            <a:fillRect/>
+          </a:stretch>
+        </p:blipFill>
+        <p:spPr bwMode="auto">
+          <a:xfrm>
+            <a:off x="123068" y="1319904"/>
+            <a:ext cx="6201914" cy="4842268"/>
+          </a:xfrm>
+          <a:prstGeom prst="rect">
+            <a:avLst/>
+          </a:prstGeom>
+          <a:noFill/>
+          <a:extLst>
+            <a:ext uri="{909E8E84-426E-40DD-AFC4-6F175D3DCCD1}">
+              <a14:hiddenFill xmlns:a14="http://schemas.microsoft.com/office/drawing/2010/main">
+                <a:solidFill>
+                  <a:srgbClr val="FFFFFF"/>
+                </a:solidFill>
+              </a14:hiddenFill>
+            </a:ext>
+          </a:extLst>
+        </p:spPr>
+      </p:pic>
+    </p:spTree>
+    <p:extLst>
+      <p:ext uri="{BB962C8B-B14F-4D97-AF65-F5344CB8AC3E}">
+        <p14:creationId xmlns:p14="http://schemas.microsoft.com/office/powerpoint/2010/main" val="2598577213"/>
+      </p:ext>
+    </p:extLst>
+  </p:cSld>
+  <p:clrMapOvr>
+    <a:masterClrMapping/>
+  </p:clrMapOvr>
+</p:sld>
+</file>
+
+<file path=ppt/slides/slide24.xml><?xml version="1.0" encoding="utf-8"?>
+<p:sld xmlns:a="http://schemas.openxmlformats.org/drawingml/2006/main" xmlns:r="http://schemas.openxmlformats.org/officeDocument/2006/relationships" xmlns:p="http://schemas.openxmlformats.org/presentationml/2006/main">
+  <p:cSld>
+    <p:spTree>
+      <p:nvGrpSpPr>
+        <p:cNvPr id="1" name=""/>
+        <p:cNvGrpSpPr/>
+        <p:nvPr/>
+      </p:nvGrpSpPr>
+      <p:grpSpPr>
+        <a:xfrm>
+          <a:off x="0" y="0"/>
+          <a:ext cx="0" cy="0"/>
+          <a:chOff x="0" y="0"/>
+          <a:chExt cx="0" cy="0"/>
+        </a:xfrm>
+      </p:grpSpPr>
+      <p:sp>
+        <p:nvSpPr>
+          <p:cNvPr id="2" name="Title 1">
+            <a:extLst>
+              <a:ext uri="{FF2B5EF4-FFF2-40B4-BE49-F238E27FC236}">
+                <a16:creationId xmlns:a16="http://schemas.microsoft.com/office/drawing/2014/main" id="{BF734CFA-3AAD-7D4F-C707-B442C8488733}"/>
+              </a:ext>
+            </a:extLst>
+          </p:cNvPr>
+          <p:cNvSpPr>
+            <a:spLocks noGrp="1"/>
+          </p:cNvSpPr>
+          <p:nvPr>
+            <p:ph type="title"/>
+          </p:nvPr>
+        </p:nvSpPr>
+        <p:spPr/>
+        <p:txBody>
+          <a:bodyPr/>
+          <a:lstStyle/>
+          <a:p>
+            <a:r>
+              <a:rPr lang="en-US" dirty="0"/>
+              <a:t>Selecting d, P, Q</a:t>
+            </a:r>
+          </a:p>
+        </p:txBody>
+      </p:sp>
+      <p:sp>
+        <p:nvSpPr>
+          <p:cNvPr id="3" name="Content Placeholder 2">
+            <a:extLst>
+              <a:ext uri="{FF2B5EF4-FFF2-40B4-BE49-F238E27FC236}">
+                <a16:creationId xmlns:a16="http://schemas.microsoft.com/office/drawing/2014/main" id="{466DF6F7-4548-DFC1-526C-7A8EDAEA0392}"/>
+              </a:ext>
+            </a:extLst>
+          </p:cNvPr>
+          <p:cNvSpPr>
+            <a:spLocks noGrp="1"/>
+          </p:cNvSpPr>
+          <p:nvPr>
+            <p:ph idx="1"/>
+          </p:nvPr>
+        </p:nvSpPr>
+        <p:spPr/>
+        <p:txBody>
+          <a:bodyPr/>
+          <a:lstStyle/>
+          <a:p>
+            <a:r>
+              <a:rPr lang="en-US" dirty="0"/>
+              <a:t>Every time I look at this, the rules to select these becomes less clear. </a:t>
+            </a:r>
+          </a:p>
+          <a:p>
+            <a:r>
+              <a:rPr lang="en-US" dirty="0"/>
+              <a:t>The eyeball method works, but is ‘loose’ at best. </a:t>
+            </a:r>
+          </a:p>
+          <a:p>
+            <a:r>
+              <a:rPr lang="en-US" dirty="0"/>
+              <a:t>I don’t think it is really worth the time to learn it all that deeply. </a:t>
+            </a:r>
+          </a:p>
+        </p:txBody>
+      </p:sp>
+    </p:spTree>
+    <p:extLst>
+      <p:ext uri="{BB962C8B-B14F-4D97-AF65-F5344CB8AC3E}">
+        <p14:creationId xmlns:p14="http://schemas.microsoft.com/office/powerpoint/2010/main" val="459823675"/>
+      </p:ext>
+    </p:extLst>
+  </p:cSld>
+  <p:clrMapOvr>
+    <a:masterClrMapping/>
+  </p:clrMapOvr>
+</p:sld>
+</file>
+
+<file path=ppt/slides/slide25.xml><?xml version="1.0" encoding="utf-8"?>
+<p:sld xmlns:a="http://schemas.openxmlformats.org/drawingml/2006/main" xmlns:r="http://schemas.openxmlformats.org/officeDocument/2006/relationships" xmlns:p="http://schemas.openxmlformats.org/presentationml/2006/main" show="0">
+  <p:cSld>
+    <p:spTree>
+      <p:nvGrpSpPr>
+        <p:cNvPr id="1" name=""/>
+        <p:cNvGrpSpPr/>
+        <p:nvPr/>
+      </p:nvGrpSpPr>
+      <p:grpSpPr>
+        <a:xfrm>
+          <a:off x="0" y="0"/>
+          <a:ext cx="0" cy="0"/>
+          <a:chOff x="0" y="0"/>
+          <a:chExt cx="0" cy="0"/>
+        </a:xfrm>
+      </p:grpSpPr>
+      <p:sp>
+        <p:nvSpPr>
+          <p:cNvPr id="2" name="Title 1">
+            <a:extLst>
+              <a:ext uri="{FF2B5EF4-FFF2-40B4-BE49-F238E27FC236}">
+                <a16:creationId xmlns:a16="http://schemas.microsoft.com/office/drawing/2014/main" id="{42ECDDAF-6A94-AA4A-9692-942BAAC8C5AE}"/>
+              </a:ext>
+            </a:extLst>
+          </p:cNvPr>
+          <p:cNvSpPr>
+            <a:spLocks noGrp="1"/>
+          </p:cNvSpPr>
+          <p:nvPr>
+            <p:ph type="title"/>
+          </p:nvPr>
+        </p:nvSpPr>
+        <p:spPr/>
+        <p:txBody>
+          <a:bodyPr/>
+          <a:lstStyle/>
+          <a:p>
+            <a:r>
+              <a:rPr lang="en-US" dirty="0"/>
+              <a:t>AR – 0</a:t>
+            </a:r>
+            <a:br>
+              <a:rPr lang="en-US" dirty="0"/>
+            </a:br>
+            <a:r>
+              <a:rPr lang="en-US" dirty="0"/>
+              <a:t>MA – 1 </a:t>
+            </a:r>
+          </a:p>
+        </p:txBody>
+      </p:sp>
+      <p:pic>
+        <p:nvPicPr>
+          <p:cNvPr id="5" name="Content Placeholder 4">
+            <a:extLst>
+              <a:ext uri="{FF2B5EF4-FFF2-40B4-BE49-F238E27FC236}">
+                <a16:creationId xmlns:a16="http://schemas.microsoft.com/office/drawing/2014/main" id="{1050A55D-89FE-F349-BD7C-C479A0C23AEC}"/>
+              </a:ext>
+            </a:extLst>
+          </p:cNvPr>
+          <p:cNvPicPr>
+            <a:picLocks noGrp="1" noChangeAspect="1"/>
+          </p:cNvPicPr>
+          <p:nvPr>
+            <p:ph sz="half" idx="1"/>
+          </p:nvPr>
+        </p:nvPicPr>
+        <p:blipFill>
+          <a:blip r:embed="rId2"/>
+          <a:stretch>
+            <a:fillRect/>
+          </a:stretch>
+        </p:blipFill>
+        <p:spPr>
+          <a:xfrm>
+            <a:off x="0" y="2102632"/>
+            <a:ext cx="6092825" cy="4283334"/>
+          </a:xfrm>
+          <a:prstGeom prst="rect">
+            <a:avLst/>
+          </a:prstGeom>
+        </p:spPr>
+      </p:pic>
+      <p:pic>
+        <p:nvPicPr>
+          <p:cNvPr id="6" name="Content Placeholder 5">
+            <a:extLst>
+              <a:ext uri="{FF2B5EF4-FFF2-40B4-BE49-F238E27FC236}">
+                <a16:creationId xmlns:a16="http://schemas.microsoft.com/office/drawing/2014/main" id="{41F8E2DB-FAAD-C34C-B1DB-0C8BFE864AB0}"/>
+              </a:ext>
+            </a:extLst>
+          </p:cNvPr>
+          <p:cNvPicPr>
+            <a:picLocks noGrp="1" noChangeAspect="1"/>
+          </p:cNvPicPr>
+          <p:nvPr>
+            <p:ph sz="half" idx="2"/>
+          </p:nvPr>
+        </p:nvPicPr>
+        <p:blipFill>
+          <a:blip r:embed="rId3"/>
+          <a:stretch>
+            <a:fillRect/>
+          </a:stretch>
+        </p:blipFill>
+        <p:spPr>
+          <a:xfrm>
+            <a:off x="6107414" y="2116544"/>
+            <a:ext cx="6113241" cy="4269422"/>
+          </a:xfrm>
+          <a:prstGeom prst="rect">
+            <a:avLst/>
+          </a:prstGeom>
+        </p:spPr>
+      </p:pic>
+    </p:spTree>
+    <p:extLst>
+      <p:ext uri="{BB962C8B-B14F-4D97-AF65-F5344CB8AC3E}">
+        <p14:creationId xmlns:p14="http://schemas.microsoft.com/office/powerpoint/2010/main" val="2848724905"/>
+      </p:ext>
+    </p:extLst>
+  </p:cSld>
+  <p:clrMapOvr>
+    <a:masterClrMapping/>
+  </p:clrMapOvr>
+</p:sld>
+</file>
+
+<file path=ppt/slides/slide26.xml><?xml version="1.0" encoding="utf-8"?>
+<p:sld xmlns:a="http://schemas.openxmlformats.org/drawingml/2006/main" xmlns:r="http://schemas.openxmlformats.org/officeDocument/2006/relationships" xmlns:p="http://schemas.openxmlformats.org/presentationml/2006/main" show="0">
+  <p:cSld>
+    <p:spTree>
+      <p:nvGrpSpPr>
+        <p:cNvPr id="1" name=""/>
+        <p:cNvGrpSpPr/>
+        <p:nvPr/>
+      </p:nvGrpSpPr>
+      <p:grpSpPr>
+        <a:xfrm>
+          <a:off x="0" y="0"/>
+          <a:ext cx="0" cy="0"/>
+          <a:chOff x="0" y="0"/>
+          <a:chExt cx="0" cy="0"/>
+        </a:xfrm>
+      </p:grpSpPr>
+      <p:sp>
+        <p:nvSpPr>
+          <p:cNvPr id="2" name="Title 1">
+            <a:extLst>
+              <a:ext uri="{FF2B5EF4-FFF2-40B4-BE49-F238E27FC236}">
+                <a16:creationId xmlns:a16="http://schemas.microsoft.com/office/drawing/2014/main" id="{558BE19D-AE42-BB42-B8FA-BA310BE0E4AD}"/>
+              </a:ext>
+            </a:extLst>
+          </p:cNvPr>
+          <p:cNvSpPr>
+            <a:spLocks noGrp="1"/>
+          </p:cNvSpPr>
+          <p:nvPr>
+            <p:ph type="title"/>
+          </p:nvPr>
+        </p:nvSpPr>
+        <p:spPr/>
+        <p:txBody>
+          <a:bodyPr/>
+          <a:lstStyle/>
+          <a:p>
+            <a:r>
+              <a:rPr lang="en-US" dirty="0"/>
+              <a:t>AR – 1</a:t>
+            </a:r>
+            <a:br>
+              <a:rPr lang="en-US" dirty="0"/>
+            </a:br>
+            <a:r>
+              <a:rPr lang="en-US" dirty="0"/>
+              <a:t>MA – 0 </a:t>
+            </a:r>
+          </a:p>
+        </p:txBody>
+      </p:sp>
+      <p:pic>
+        <p:nvPicPr>
+          <p:cNvPr id="6" name="Content Placeholder 5">
+            <a:extLst>
+              <a:ext uri="{FF2B5EF4-FFF2-40B4-BE49-F238E27FC236}">
+                <a16:creationId xmlns:a16="http://schemas.microsoft.com/office/drawing/2014/main" id="{1C70AB12-CE35-9E4A-9759-B1340242A2AA}"/>
+              </a:ext>
+            </a:extLst>
+          </p:cNvPr>
+          <p:cNvPicPr>
+            <a:picLocks noGrp="1" noChangeAspect="1"/>
+          </p:cNvPicPr>
+          <p:nvPr>
+            <p:ph sz="half" idx="1"/>
+          </p:nvPr>
+        </p:nvPicPr>
+        <p:blipFill>
+          <a:blip r:embed="rId2"/>
+          <a:stretch>
+            <a:fillRect/>
+          </a:stretch>
+        </p:blipFill>
+        <p:spPr>
+          <a:xfrm>
+            <a:off x="0" y="2201955"/>
+            <a:ext cx="6092825" cy="4022772"/>
+          </a:xfrm>
+          <a:prstGeom prst="rect">
+            <a:avLst/>
+          </a:prstGeom>
+        </p:spPr>
+      </p:pic>
+      <p:pic>
+        <p:nvPicPr>
+          <p:cNvPr id="5" name="Content Placeholder 4">
+            <a:extLst>
+              <a:ext uri="{FF2B5EF4-FFF2-40B4-BE49-F238E27FC236}">
+                <a16:creationId xmlns:a16="http://schemas.microsoft.com/office/drawing/2014/main" id="{2B161ABB-D74D-3749-82FA-6930A99CB936}"/>
+              </a:ext>
+            </a:extLst>
+          </p:cNvPr>
+          <p:cNvPicPr>
+            <a:picLocks noGrp="1" noChangeAspect="1"/>
+          </p:cNvPicPr>
+          <p:nvPr>
+            <p:ph sz="half" idx="2"/>
+          </p:nvPr>
+        </p:nvPicPr>
+        <p:blipFill>
+          <a:blip r:embed="rId3"/>
+          <a:stretch>
+            <a:fillRect/>
+          </a:stretch>
+        </p:blipFill>
+        <p:spPr>
+          <a:xfrm>
+            <a:off x="6154121" y="2136946"/>
+            <a:ext cx="6092825" cy="4201641"/>
+          </a:xfrm>
+          <a:prstGeom prst="rect">
+            <a:avLst/>
+          </a:prstGeom>
+        </p:spPr>
+      </p:pic>
+    </p:spTree>
+    <p:extLst>
+      <p:ext uri="{BB962C8B-B14F-4D97-AF65-F5344CB8AC3E}">
+        <p14:creationId xmlns:p14="http://schemas.microsoft.com/office/powerpoint/2010/main" val="752172956"/>
+      </p:ext>
+    </p:extLst>
+  </p:cSld>
+  <p:clrMapOvr>
+    <a:masterClrMapping/>
+  </p:clrMapOvr>
+</p:sld>
+</file>
+
+<file path=ppt/slides/slide27.xml><?xml version="1.0" encoding="utf-8"?>
+<p:sld xmlns:a="http://schemas.openxmlformats.org/drawingml/2006/main" xmlns:r="http://schemas.openxmlformats.org/officeDocument/2006/relationships" xmlns:p="http://schemas.openxmlformats.org/presentationml/2006/main" show="0">
+  <p:cSld>
+    <p:spTree>
+      <p:nvGrpSpPr>
+        <p:cNvPr id="1" name=""/>
+        <p:cNvGrpSpPr/>
+        <p:nvPr/>
+      </p:nvGrpSpPr>
+      <p:grpSpPr>
+        <a:xfrm>
+          <a:off x="0" y="0"/>
+          <a:ext cx="0" cy="0"/>
+          <a:chOff x="0" y="0"/>
+          <a:chExt cx="0" cy="0"/>
+        </a:xfrm>
+      </p:grpSpPr>
+      <p:sp>
+        <p:nvSpPr>
+          <p:cNvPr id="6" name="Title 5">
+            <a:extLst>
+              <a:ext uri="{FF2B5EF4-FFF2-40B4-BE49-F238E27FC236}">
+                <a16:creationId xmlns:a16="http://schemas.microsoft.com/office/drawing/2014/main" id="{6C075DEA-0F3A-1D41-91A1-46ECC0DA25AC}"/>
+              </a:ext>
+            </a:extLst>
+          </p:cNvPr>
+          <p:cNvSpPr>
+            <a:spLocks noGrp="1"/>
+          </p:cNvSpPr>
+          <p:nvPr>
+            <p:ph type="title"/>
+          </p:nvPr>
+        </p:nvSpPr>
+        <p:spPr/>
+        <p:txBody>
+          <a:bodyPr/>
+          <a:lstStyle/>
+          <a:p>
+            <a:r>
+              <a:rPr lang="en-US" dirty="0"/>
+              <a:t>AR = 1</a:t>
+            </a:r>
+            <a:br>
+              <a:rPr lang="en-US" dirty="0"/>
+            </a:br>
+            <a:r>
+              <a:rPr lang="en-US" dirty="0"/>
+              <a:t>MA = 1</a:t>
+            </a:r>
+          </a:p>
+        </p:txBody>
+      </p:sp>
+      <p:pic>
+        <p:nvPicPr>
+          <p:cNvPr id="9" name="Content Placeholder 8">
+            <a:extLst>
+              <a:ext uri="{FF2B5EF4-FFF2-40B4-BE49-F238E27FC236}">
+                <a16:creationId xmlns:a16="http://schemas.microsoft.com/office/drawing/2014/main" id="{5450AC10-2360-C041-A1DE-1ED01FFAF62D}"/>
+              </a:ext>
+            </a:extLst>
+          </p:cNvPr>
+          <p:cNvPicPr>
+            <a:picLocks noGrp="1" noChangeAspect="1"/>
+          </p:cNvPicPr>
+          <p:nvPr>
+            <p:ph sz="half" idx="2"/>
+          </p:nvPr>
+        </p:nvPicPr>
+        <p:blipFill>
+          <a:blip r:embed="rId2"/>
+          <a:stretch>
+            <a:fillRect/>
+          </a:stretch>
+        </p:blipFill>
+        <p:spPr>
+          <a:xfrm>
+            <a:off x="6114320" y="2163640"/>
+            <a:ext cx="6034920" cy="4092349"/>
+          </a:xfrm>
+          <a:prstGeom prst="rect">
+            <a:avLst/>
+          </a:prstGeom>
+        </p:spPr>
+      </p:pic>
+      <p:pic>
+        <p:nvPicPr>
+          <p:cNvPr id="10" name="Content Placeholder 9">
+            <a:extLst>
+              <a:ext uri="{FF2B5EF4-FFF2-40B4-BE49-F238E27FC236}">
+                <a16:creationId xmlns:a16="http://schemas.microsoft.com/office/drawing/2014/main" id="{7F4A48C3-8DA4-1244-9CEC-30EB32F0272C}"/>
+              </a:ext>
+            </a:extLst>
+          </p:cNvPr>
+          <p:cNvPicPr>
+            <a:picLocks noGrp="1" noChangeAspect="1"/>
+          </p:cNvPicPr>
+          <p:nvPr>
+            <p:ph sz="half" idx="1"/>
+          </p:nvPr>
+        </p:nvPicPr>
+        <p:blipFill>
+          <a:blip r:embed="rId3"/>
+          <a:stretch>
+            <a:fillRect/>
+          </a:stretch>
+        </p:blipFill>
+        <p:spPr>
+          <a:xfrm>
+            <a:off x="0" y="2182697"/>
+            <a:ext cx="6092825" cy="4073292"/>
+          </a:xfrm>
+          <a:prstGeom prst="rect">
+            <a:avLst/>
+          </a:prstGeom>
+        </p:spPr>
+      </p:pic>
+    </p:spTree>
+    <p:extLst>
+      <p:ext uri="{BB962C8B-B14F-4D97-AF65-F5344CB8AC3E}">
+        <p14:creationId xmlns:p14="http://schemas.microsoft.com/office/powerpoint/2010/main" val="2180279072"/>
+      </p:ext>
+    </p:extLst>
+  </p:cSld>
+  <p:clrMapOvr>
+    <a:masterClrMapping/>
+  </p:clrMapOvr>
+</p:sld>
+</file>
+
+<file path=ppt/slides/slide28.xml><?xml version="1.0" encoding="utf-8"?>
+<p:sld xmlns:a="http://schemas.openxmlformats.org/drawingml/2006/main" xmlns:r="http://schemas.openxmlformats.org/officeDocument/2006/relationships" xmlns:p="http://schemas.openxmlformats.org/presentationml/2006/main">
+  <p:cSld>
+    <p:spTree>
+      <p:nvGrpSpPr>
+        <p:cNvPr id="1" name=""/>
+        <p:cNvGrpSpPr/>
+        <p:nvPr/>
+      </p:nvGrpSpPr>
+      <p:grpSpPr>
+        <a:xfrm>
+          <a:off x="0" y="0"/>
+          <a:ext cx="0" cy="0"/>
+          <a:chOff x="0" y="0"/>
+          <a:chExt cx="0" cy="0"/>
+        </a:xfrm>
+      </p:grpSpPr>
+      <p:sp>
+        <p:nvSpPr>
+          <p:cNvPr id="2" name="Title 1">
+            <a:extLst>
+              <a:ext uri="{FF2B5EF4-FFF2-40B4-BE49-F238E27FC236}">
+                <a16:creationId xmlns:a16="http://schemas.microsoft.com/office/drawing/2014/main" id="{6E1A8DAA-594E-DF46-8A5F-F8BFE936389B}"/>
+              </a:ext>
+            </a:extLst>
+          </p:cNvPr>
+          <p:cNvSpPr>
+            <a:spLocks noGrp="1"/>
+          </p:cNvSpPr>
+          <p:nvPr>
+            <p:ph type="title"/>
+          </p:nvPr>
+        </p:nvSpPr>
+        <p:spPr/>
+        <p:txBody>
+          <a:bodyPr/>
+          <a:lstStyle/>
+          <a:p>
+            <a:r>
+              <a:rPr lang="en-US" dirty="0"/>
+              <a:t>Implementation</a:t>
+            </a:r>
+          </a:p>
+        </p:txBody>
+      </p:sp>
+      <p:sp>
+        <p:nvSpPr>
+          <p:cNvPr id="3" name="Content Placeholder 2">
+            <a:extLst>
+              <a:ext uri="{FF2B5EF4-FFF2-40B4-BE49-F238E27FC236}">
+                <a16:creationId xmlns:a16="http://schemas.microsoft.com/office/drawing/2014/main" id="{F521AF14-542C-D24F-AB24-180660807542}"/>
+              </a:ext>
+            </a:extLst>
+          </p:cNvPr>
+          <p:cNvSpPr>
+            <a:spLocks noGrp="1"/>
+          </p:cNvSpPr>
+          <p:nvPr>
+            <p:ph idx="1"/>
+          </p:nvPr>
+        </p:nvSpPr>
+        <p:spPr>
+          <a:xfrm>
+            <a:off x="1451579" y="2015732"/>
+            <a:ext cx="9603275" cy="4037749"/>
+          </a:xfrm>
+        </p:spPr>
+        <p:txBody>
+          <a:bodyPr/>
+          <a:lstStyle/>
+          <a:p>
+            <a:r>
+              <a:rPr lang="en-US" dirty="0" err="1"/>
+              <a:t>Sktime</a:t>
+            </a:r>
+            <a:r>
+              <a:rPr lang="en-US" dirty="0"/>
+              <a:t> is a wrapper that packages time series functionality, largely from </a:t>
+            </a:r>
+            <a:r>
+              <a:rPr lang="en-US" dirty="0" err="1"/>
+              <a:t>statsmodels</a:t>
+            </a:r>
+            <a:r>
+              <a:rPr lang="en-US" dirty="0"/>
+              <a:t>, into a </a:t>
+            </a:r>
+            <a:r>
+              <a:rPr lang="en-US" dirty="0" err="1"/>
+              <a:t>sklearn-ish</a:t>
+            </a:r>
+            <a:r>
+              <a:rPr lang="en-US" dirty="0"/>
+              <a:t> format. </a:t>
+            </a:r>
+          </a:p>
+          <a:p>
+            <a:pPr lvl="1"/>
+            <a:r>
+              <a:rPr lang="en-US" dirty="0" err="1"/>
+              <a:t>Statsmodels</a:t>
+            </a:r>
+            <a:r>
+              <a:rPr lang="en-US" dirty="0"/>
+              <a:t> documentation is not the best. </a:t>
+            </a:r>
+          </a:p>
+          <a:p>
+            <a:pPr lvl="1"/>
+            <a:r>
+              <a:rPr lang="en-US" dirty="0" err="1"/>
+              <a:t>Statsmodels</a:t>
+            </a:r>
+            <a:r>
+              <a:rPr lang="en-US" dirty="0"/>
+              <a:t> code is structured quite differently. </a:t>
+            </a:r>
+          </a:p>
+          <a:p>
+            <a:r>
+              <a:rPr lang="en-US" dirty="0"/>
+              <a:t>Allows us to do basic time series at a higher level, much more easily. </a:t>
+            </a:r>
+          </a:p>
+          <a:p>
+            <a:r>
+              <a:rPr lang="en-US" dirty="0"/>
+              <a:t>ARIMA details previously can be replaced with </a:t>
+            </a:r>
+            <a:r>
+              <a:rPr lang="en-US" dirty="0" err="1"/>
+              <a:t>AutoARIMA</a:t>
+            </a:r>
+            <a:r>
+              <a:rPr lang="en-US" dirty="0"/>
+              <a:t>. </a:t>
+            </a:r>
+          </a:p>
+          <a:p>
+            <a:pPr lvl="1"/>
+            <a:r>
+              <a:rPr lang="en-US" dirty="0" err="1"/>
+              <a:t>AutoARIMA</a:t>
+            </a:r>
+            <a:r>
+              <a:rPr lang="en-US" dirty="0"/>
+              <a:t> will perform an optimization algorithm to find good parameters. </a:t>
+            </a:r>
+          </a:p>
+          <a:p>
+            <a:r>
+              <a:rPr lang="en-US" dirty="0"/>
+              <a:t>Key notes:</a:t>
+            </a:r>
+          </a:p>
+          <a:p>
+            <a:pPr lvl="1"/>
+            <a:r>
+              <a:rPr lang="en-US" dirty="0"/>
+              <a:t>Train-test split is now normally just the last X records are test data. </a:t>
+            </a:r>
+          </a:p>
+        </p:txBody>
+      </p:sp>
+    </p:spTree>
+    <p:extLst>
+      <p:ext uri="{BB962C8B-B14F-4D97-AF65-F5344CB8AC3E}">
+        <p14:creationId xmlns:p14="http://schemas.microsoft.com/office/powerpoint/2010/main" val="450521076"/>
+      </p:ext>
+    </p:extLst>
+  </p:cSld>
+  <p:clrMapOvr>
+    <a:masterClrMapping/>
+  </p:clrMapOvr>
+</p:sld>
+</file>
+
+<file path=ppt/slides/slide29.xml><?xml version="1.0" encoding="utf-8"?>
+<p:sld xmlns:a="http://schemas.openxmlformats.org/drawingml/2006/main" xmlns:r="http://schemas.openxmlformats.org/officeDocument/2006/relationships" xmlns:p="http://schemas.openxmlformats.org/presentationml/2006/main">
+  <p:cSld>
+    <p:spTree>
+      <p:nvGrpSpPr>
+        <p:cNvPr id="1" name=""/>
+        <p:cNvGrpSpPr/>
+        <p:nvPr/>
+      </p:nvGrpSpPr>
+      <p:grpSpPr>
+        <a:xfrm>
+          <a:off x="0" y="0"/>
+          <a:ext cx="0" cy="0"/>
+          <a:chOff x="0" y="0"/>
+          <a:chExt cx="0" cy="0"/>
+        </a:xfrm>
+      </p:grpSpPr>
+      <p:sp>
+        <p:nvSpPr>
+          <p:cNvPr id="2" name="Title 1">
+            <a:extLst>
+              <a:ext uri="{FF2B5EF4-FFF2-40B4-BE49-F238E27FC236}">
+                <a16:creationId xmlns:a16="http://schemas.microsoft.com/office/drawing/2014/main" id="{1A4F55AA-C223-9E51-2A63-2B3C5AB9636B}"/>
+              </a:ext>
+            </a:extLst>
+          </p:cNvPr>
+          <p:cNvSpPr>
+            <a:spLocks noGrp="1"/>
+          </p:cNvSpPr>
+          <p:nvPr>
+            <p:ph type="title"/>
+          </p:nvPr>
+        </p:nvSpPr>
+        <p:spPr/>
+        <p:txBody>
+          <a:bodyPr/>
+          <a:lstStyle/>
+          <a:p>
+            <a:r>
+              <a:rPr lang="en-US" dirty="0" err="1"/>
+              <a:t>AutoARIMA</a:t>
+            </a:r>
+            <a:endParaRPr lang="en-US" dirty="0"/>
+          </a:p>
+        </p:txBody>
+      </p:sp>
+      <p:sp>
+        <p:nvSpPr>
+          <p:cNvPr id="3" name="Content Placeholder 2">
+            <a:extLst>
+              <a:ext uri="{FF2B5EF4-FFF2-40B4-BE49-F238E27FC236}">
+                <a16:creationId xmlns:a16="http://schemas.microsoft.com/office/drawing/2014/main" id="{A54D11BF-4D97-6FA1-1844-CC8CA0D9F1A5}"/>
+              </a:ext>
+            </a:extLst>
+          </p:cNvPr>
+          <p:cNvSpPr>
+            <a:spLocks noGrp="1"/>
+          </p:cNvSpPr>
+          <p:nvPr>
+            <p:ph idx="1"/>
+          </p:nvPr>
+        </p:nvSpPr>
+        <p:spPr/>
+        <p:txBody>
+          <a:bodyPr/>
+          <a:lstStyle/>
+          <a:p>
+            <a:r>
+              <a:rPr lang="en-US" dirty="0" err="1"/>
+              <a:t>AutoARIMA</a:t>
+            </a:r>
+            <a:r>
+              <a:rPr lang="en-US" dirty="0"/>
+              <a:t> basically does the parameter finding process for us. </a:t>
+            </a:r>
+          </a:p>
+          <a:p>
+            <a:r>
+              <a:rPr lang="en-US" dirty="0"/>
+              <a:t>We can add in other transformers for things like trends. </a:t>
+            </a:r>
+          </a:p>
+          <a:p>
+            <a:r>
+              <a:rPr lang="en-US" dirty="0"/>
+              <a:t>We need to find the broad parameters, but the details are automated. </a:t>
+            </a:r>
+          </a:p>
+        </p:txBody>
+      </p:sp>
+    </p:spTree>
+    <p:extLst>
+      <p:ext uri="{BB962C8B-B14F-4D97-AF65-F5344CB8AC3E}">
+        <p14:creationId xmlns:p14="http://schemas.microsoft.com/office/powerpoint/2010/main" val="3741533776"/>
+      </p:ext>
+    </p:extLst>
+  </p:cSld>
+  <p:clrMapOvr>
+    <a:masterClrMapping/>
+  </p:clrMapOvr>
+</p:sld>
+</file>
+
+<file path=ppt/slides/slide3.xml><?xml version="1.0" encoding="utf-8"?>
+<p:sld xmlns:a="http://schemas.openxmlformats.org/drawingml/2006/main" xmlns:r="http://schemas.openxmlformats.org/officeDocument/2006/relationships" xmlns:p="http://schemas.openxmlformats.org/presentationml/2006/main">
+  <p:cSld>
+    <p:spTree>
+      <p:nvGrpSpPr>
+        <p:cNvPr id="1" name=""/>
+        <p:cNvGrpSpPr/>
+        <p:nvPr/>
+      </p:nvGrpSpPr>
+      <p:grpSpPr>
+        <a:xfrm>
+          <a:off x="0" y="0"/>
+          <a:ext cx="0" cy="0"/>
+          <a:chOff x="0" y="0"/>
+          <a:chExt cx="0" cy="0"/>
+        </a:xfrm>
+      </p:grpSpPr>
+      <p:sp>
+        <p:nvSpPr>
+          <p:cNvPr id="2" name="Title 1">
+            <a:extLst>
+              <a:ext uri="{FF2B5EF4-FFF2-40B4-BE49-F238E27FC236}">
+                <a16:creationId xmlns:a16="http://schemas.microsoft.com/office/drawing/2014/main" id="{7BBD86A9-0202-350E-3A45-FB4925440C90}"/>
+              </a:ext>
+            </a:extLst>
+          </p:cNvPr>
+          <p:cNvSpPr>
+            <a:spLocks noGrp="1"/>
+          </p:cNvSpPr>
+          <p:nvPr>
+            <p:ph type="title"/>
+          </p:nvPr>
+        </p:nvSpPr>
+        <p:spPr/>
+        <p:txBody>
+          <a:bodyPr/>
+          <a:lstStyle/>
+          <a:p>
+            <a:r>
+              <a:rPr lang="en-US" dirty="0"/>
+              <a:t>Housekeeping</a:t>
+            </a:r>
+          </a:p>
+        </p:txBody>
+      </p:sp>
+      <p:sp>
+        <p:nvSpPr>
+          <p:cNvPr id="3" name="Content Placeholder 2">
+            <a:extLst>
+              <a:ext uri="{FF2B5EF4-FFF2-40B4-BE49-F238E27FC236}">
+                <a16:creationId xmlns:a16="http://schemas.microsoft.com/office/drawing/2014/main" id="{037A2034-D711-6164-B302-1718F8CB8D88}"/>
+              </a:ext>
+            </a:extLst>
+          </p:cNvPr>
+          <p:cNvSpPr>
+            <a:spLocks noGrp="1"/>
+          </p:cNvSpPr>
+          <p:nvPr>
+            <p:ph idx="1"/>
+          </p:nvPr>
+        </p:nvSpPr>
+        <p:spPr>
+          <a:xfrm>
+            <a:off x="1451579" y="1938130"/>
+            <a:ext cx="9603275" cy="3886200"/>
+          </a:xfrm>
+        </p:spPr>
+        <p:txBody>
+          <a:bodyPr/>
+          <a:lstStyle/>
+          <a:p>
+            <a:r>
+              <a:rPr lang="en-US" dirty="0"/>
+              <a:t>Today – time series and RNN models part 1. </a:t>
+            </a:r>
+          </a:p>
+          <a:p>
+            <a:pPr lvl="1"/>
+            <a:r>
+              <a:rPr lang="en-US" dirty="0"/>
+              <a:t>Time series decomposition. </a:t>
+            </a:r>
+          </a:p>
+          <a:p>
+            <a:pPr lvl="1"/>
+            <a:r>
+              <a:rPr lang="en-US" dirty="0"/>
+              <a:t>ARIMA - parts of </a:t>
+            </a:r>
+            <a:r>
+              <a:rPr lang="en-US" dirty="0" err="1"/>
+              <a:t>arima</a:t>
+            </a:r>
+            <a:r>
+              <a:rPr lang="en-US" dirty="0"/>
+              <a:t> manually (less important) and </a:t>
+            </a:r>
+            <a:r>
+              <a:rPr lang="en-US" dirty="0" err="1"/>
+              <a:t>autoarima</a:t>
+            </a:r>
+            <a:r>
+              <a:rPr lang="en-US" dirty="0"/>
+              <a:t> (more). </a:t>
+            </a:r>
+          </a:p>
+          <a:p>
+            <a:pPr lvl="1"/>
+            <a:r>
+              <a:rPr lang="en-US" dirty="0"/>
+              <a:t>Depending on time – RNN theory. </a:t>
+            </a:r>
+          </a:p>
+          <a:p>
+            <a:r>
+              <a:rPr lang="en-US" dirty="0"/>
+              <a:t>You’re supposed to have a test next week!</a:t>
+            </a:r>
+          </a:p>
+          <a:p>
+            <a:pPr lvl="1"/>
+            <a:r>
+              <a:rPr lang="en-US" dirty="0"/>
+              <a:t>On neural network stuff (post sklearn) – topic summary in description on Brightspace. </a:t>
+            </a:r>
+          </a:p>
+          <a:p>
+            <a:pPr lvl="1"/>
+            <a:r>
+              <a:rPr lang="en-US" dirty="0"/>
+              <a:t>~20 questions, about 50/50 MC/short answer. It’s pretty straightforward. </a:t>
+            </a:r>
+          </a:p>
+          <a:p>
+            <a:pPr lvl="1"/>
+            <a:endParaRPr lang="en-US" dirty="0"/>
+          </a:p>
+        </p:txBody>
+      </p:sp>
+    </p:spTree>
+    <p:extLst>
+      <p:ext uri="{BB962C8B-B14F-4D97-AF65-F5344CB8AC3E}">
+        <p14:creationId xmlns:p14="http://schemas.microsoft.com/office/powerpoint/2010/main" val="2292807896"/>
+      </p:ext>
+    </p:extLst>
+  </p:cSld>
+  <p:clrMapOvr>
+    <a:masterClrMapping/>
+  </p:clrMapOvr>
+</p:sld>
+</file>
+
+<file path=ppt/slides/slide30.xml><?xml version="1.0" encoding="utf-8"?>
+<p:sld xmlns:a="http://schemas.openxmlformats.org/drawingml/2006/main" xmlns:r="http://schemas.openxmlformats.org/officeDocument/2006/relationships" xmlns:p="http://schemas.openxmlformats.org/presentationml/2006/main">
+  <p:cSld>
+    <p:bg>
+      <p:bgPr>
+        <a:gradFill rotWithShape="1">
+          <a:gsLst>
+            <a:gs pos="0">
+              <a:schemeClr val="bg2">
+                <a:tint val="94000"/>
+                <a:satMod val="80000"/>
+                <a:lumMod val="106000"/>
+              </a:schemeClr>
+            </a:gs>
+            <a:gs pos="100000">
+              <a:schemeClr val="bg2">
+                <a:shade val="80000"/>
+              </a:schemeClr>
+            </a:gs>
+          </a:gsLst>
+          <a:path path="circle">
+            <a:fillToRect l="43000" r="43000" b="100000"/>
+          </a:path>
+        </a:gradFill>
+        <a:effectLst/>
+      </p:bgPr>
+    </p:bg>
+    <p:spTree>
+      <p:nvGrpSpPr>
+        <p:cNvPr id="1" name=""/>
+        <p:cNvGrpSpPr/>
+        <p:nvPr/>
+      </p:nvGrpSpPr>
+      <p:grpSpPr>
+        <a:xfrm>
+          <a:off x="0" y="0"/>
+          <a:ext cx="0" cy="0"/>
+          <a:chOff x="0" y="0"/>
+          <a:chExt cx="0" cy="0"/>
+        </a:xfrm>
+      </p:grpSpPr>
+      <p:sp>
+        <p:nvSpPr>
+          <p:cNvPr id="2" name="Title 1">
+            <a:extLst>
+              <a:ext uri="{FF2B5EF4-FFF2-40B4-BE49-F238E27FC236}">
                 <a16:creationId xmlns:a16="http://schemas.microsoft.com/office/drawing/2014/main" id="{8F02F363-3042-4442-0A02-0FD28191AE9A}"/>
               </a:ext>
             </a:extLst>
@@ -6082,7 +7590,7 @@
 </p:sld>
 </file>
 
-<file path=ppt/slides/slide22.xml><?xml version="1.0" encoding="utf-8"?>
+<file path=ppt/slides/slide31.xml><?xml version="1.0" encoding="utf-8"?>
 <p:sld xmlns:a="http://schemas.openxmlformats.org/drawingml/2006/main" xmlns:r="http://schemas.openxmlformats.org/officeDocument/2006/relationships" xmlns:p="http://schemas.openxmlformats.org/presentationml/2006/main">
   <p:cSld>
     <p:spTree>
@@ -6226,7 +7734,7 @@
 </p:sld>
 </file>
 
-<file path=ppt/slides/slide23.xml><?xml version="1.0" encoding="utf-8"?>
+<file path=ppt/slides/slide32.xml><?xml version="1.0" encoding="utf-8"?>
 <p:sld xmlns:a="http://schemas.openxmlformats.org/drawingml/2006/main" xmlns:r="http://schemas.openxmlformats.org/officeDocument/2006/relationships" xmlns:p="http://schemas.openxmlformats.org/presentationml/2006/main">
   <p:cSld>
     <p:spTree>
@@ -6353,7 +7861,7 @@
 </p:sld>
 </file>
 
-<file path=ppt/slides/slide24.xml><?xml version="1.0" encoding="utf-8"?>
+<file path=ppt/slides/slide33.xml><?xml version="1.0" encoding="utf-8"?>
 <p:sld xmlns:a="http://schemas.openxmlformats.org/drawingml/2006/main" xmlns:r="http://schemas.openxmlformats.org/officeDocument/2006/relationships" xmlns:p="http://schemas.openxmlformats.org/presentationml/2006/main">
   <p:cSld>
     <p:spTree>
@@ -6499,7 +8007,7 @@
 </p:sld>
 </file>
 
-<file path=ppt/slides/slide25.xml><?xml version="1.0" encoding="utf-8"?>
+<file path=ppt/slides/slide34.xml><?xml version="1.0" encoding="utf-8"?>
 <p:sld xmlns:a="http://schemas.openxmlformats.org/drawingml/2006/main" xmlns:r="http://schemas.openxmlformats.org/officeDocument/2006/relationships" xmlns:p="http://schemas.openxmlformats.org/presentationml/2006/main">
   <p:cSld>
     <p:spTree>
@@ -6649,7 +8157,7 @@
 </p:sld>
 </file>
 
-<file path=ppt/slides/slide26.xml><?xml version="1.0" encoding="utf-8"?>
+<file path=ppt/slides/slide35.xml><?xml version="1.0" encoding="utf-8"?>
 <p:sld xmlns:a="http://schemas.openxmlformats.org/drawingml/2006/main" xmlns:r="http://schemas.openxmlformats.org/officeDocument/2006/relationships" xmlns:p="http://schemas.openxmlformats.org/presentationml/2006/main">
   <p:cSld>
     <p:spTree>
@@ -6796,7 +8304,7 @@
 </p:sld>
 </file>
 
-<file path=ppt/slides/slide27.xml><?xml version="1.0" encoding="utf-8"?>
+<file path=ppt/slides/slide36.xml><?xml version="1.0" encoding="utf-8"?>
 <p:sld xmlns:a="http://schemas.openxmlformats.org/drawingml/2006/main" xmlns:r="http://schemas.openxmlformats.org/officeDocument/2006/relationships" xmlns:p="http://schemas.openxmlformats.org/presentationml/2006/main">
   <p:cSld>
     <p:spTree>
@@ -6941,7 +8449,7 @@
 </p:sld>
 </file>
 
-<file path=ppt/slides/slide28.xml><?xml version="1.0" encoding="utf-8"?>
+<file path=ppt/slides/slide37.xml><?xml version="1.0" encoding="utf-8"?>
 <p:sld xmlns:a="http://schemas.openxmlformats.org/drawingml/2006/main" xmlns:r="http://schemas.openxmlformats.org/officeDocument/2006/relationships" xmlns:p="http://schemas.openxmlformats.org/presentationml/2006/main">
   <p:cSld>
     <p:spTree>
@@ -7071,7 +8579,7 @@
 </p:sld>
 </file>
 
-<file path=ppt/slides/slide29.xml><?xml version="1.0" encoding="utf-8"?>
+<file path=ppt/slides/slide38.xml><?xml version="1.0" encoding="utf-8"?>
 <p:sld xmlns:a="http://schemas.openxmlformats.org/drawingml/2006/main" xmlns:r="http://schemas.openxmlformats.org/officeDocument/2006/relationships" xmlns:p="http://schemas.openxmlformats.org/presentationml/2006/main">
   <p:cSld>
     <p:spTree>
@@ -7183,8 +8691,8 @@
             <a:chExt cx="11397141" cy="3044119"/>
           </a:xfrm>
         </p:grpSpPr>
-        <mc:AlternateContent xmlns:mc="http://schemas.openxmlformats.org/markup-compatibility/2006">
-          <mc:Choice xmlns:p14="http://schemas.microsoft.com/office/powerpoint/2010/main" Requires="p14">
+        <mc:AlternateContent xmlns:mc="http://schemas.openxmlformats.org/markup-compatibility/2006" xmlns:p14="http://schemas.microsoft.com/office/powerpoint/2010/main">
+          <mc:Choice Requires="p14">
             <p:contentPart p14:bwMode="auto" r:id="rId2">
               <p14:nvContentPartPr>
                 <p14:cNvPr id="4" name="Ink 3">
@@ -7203,7 +8711,7 @@
               </p14:xfrm>
             </p:contentPart>
           </mc:Choice>
-          <mc:Fallback>
+          <mc:Fallback xmlns="">
             <p:pic>
               <p:nvPicPr>
                 <p:cNvPr id="4" name="Ink 3">
@@ -7234,8 +8742,8 @@
             </p:pic>
           </mc:Fallback>
         </mc:AlternateContent>
-        <mc:AlternateContent xmlns:mc="http://schemas.openxmlformats.org/markup-compatibility/2006">
-          <mc:Choice xmlns:p14="http://schemas.microsoft.com/office/powerpoint/2010/main" Requires="p14">
+        <mc:AlternateContent xmlns:mc="http://schemas.openxmlformats.org/markup-compatibility/2006" xmlns:p14="http://schemas.microsoft.com/office/powerpoint/2010/main">
+          <mc:Choice Requires="p14">
             <p:contentPart p14:bwMode="auto" r:id="rId4">
               <p14:nvContentPartPr>
                 <p14:cNvPr id="5" name="Ink 4">
@@ -7254,7 +8762,7 @@
               </p14:xfrm>
             </p:contentPart>
           </mc:Choice>
-          <mc:Fallback>
+          <mc:Fallback xmlns="">
             <p:pic>
               <p:nvPicPr>
                 <p:cNvPr id="5" name="Ink 4">
@@ -7285,8 +8793,8 @@
             </p:pic>
           </mc:Fallback>
         </mc:AlternateContent>
-        <mc:AlternateContent xmlns:mc="http://schemas.openxmlformats.org/markup-compatibility/2006">
-          <mc:Choice xmlns:p14="http://schemas.microsoft.com/office/powerpoint/2010/main" Requires="p14">
+        <mc:AlternateContent xmlns:mc="http://schemas.openxmlformats.org/markup-compatibility/2006" xmlns:p14="http://schemas.microsoft.com/office/powerpoint/2010/main">
+          <mc:Choice Requires="p14">
             <p:contentPart p14:bwMode="auto" r:id="rId6">
               <p14:nvContentPartPr>
                 <p14:cNvPr id="6" name="Ink 5">
@@ -7305,7 +8813,7 @@
               </p14:xfrm>
             </p:contentPart>
           </mc:Choice>
-          <mc:Fallback>
+          <mc:Fallback xmlns="">
             <p:pic>
               <p:nvPicPr>
                 <p:cNvPr id="6" name="Ink 5">
@@ -7356,8 +8864,8 @@
               <a:chExt cx="3781800" cy="2691360"/>
             </a:xfrm>
           </p:grpSpPr>
-          <mc:AlternateContent xmlns:mc="http://schemas.openxmlformats.org/markup-compatibility/2006">
-            <mc:Choice xmlns:p14="http://schemas.microsoft.com/office/powerpoint/2010/main" Requires="p14">
+          <mc:AlternateContent xmlns:mc="http://schemas.openxmlformats.org/markup-compatibility/2006" xmlns:p14="http://schemas.microsoft.com/office/powerpoint/2010/main">
+            <mc:Choice Requires="p14">
               <p:contentPart p14:bwMode="auto" r:id="rId8">
                 <p14:nvContentPartPr>
                   <p14:cNvPr id="7" name="Ink 6">
@@ -7376,7 +8884,7 @@
                 </p14:xfrm>
               </p:contentPart>
             </mc:Choice>
-            <mc:Fallback>
+            <mc:Fallback xmlns="">
               <p:pic>
                 <p:nvPicPr>
                   <p:cNvPr id="7" name="Ink 6">
@@ -7407,8 +8915,8 @@
               </p:pic>
             </mc:Fallback>
           </mc:AlternateContent>
-          <mc:AlternateContent xmlns:mc="http://schemas.openxmlformats.org/markup-compatibility/2006">
-            <mc:Choice xmlns:p14="http://schemas.microsoft.com/office/powerpoint/2010/main" Requires="p14">
+          <mc:AlternateContent xmlns:mc="http://schemas.openxmlformats.org/markup-compatibility/2006" xmlns:p14="http://schemas.microsoft.com/office/powerpoint/2010/main">
+            <mc:Choice Requires="p14">
               <p:contentPart p14:bwMode="auto" r:id="rId10">
                 <p14:nvContentPartPr>
                   <p14:cNvPr id="8" name="Ink 7">
@@ -7427,7 +8935,7 @@
                 </p14:xfrm>
               </p:contentPart>
             </mc:Choice>
-            <mc:Fallback>
+            <mc:Fallback xmlns="">
               <p:pic>
                 <p:nvPicPr>
                   <p:cNvPr id="8" name="Ink 7">
@@ -7458,8 +8966,8 @@
               </p:pic>
             </mc:Fallback>
           </mc:AlternateContent>
-          <mc:AlternateContent xmlns:mc="http://schemas.openxmlformats.org/markup-compatibility/2006">
-            <mc:Choice xmlns:p14="http://schemas.microsoft.com/office/powerpoint/2010/main" Requires="p14">
+          <mc:AlternateContent xmlns:mc="http://schemas.openxmlformats.org/markup-compatibility/2006" xmlns:p14="http://schemas.microsoft.com/office/powerpoint/2010/main">
+            <mc:Choice Requires="p14">
               <p:contentPart p14:bwMode="auto" r:id="rId12">
                 <p14:nvContentPartPr>
                   <p14:cNvPr id="11" name="Ink 10">
@@ -7478,7 +8986,7 @@
                 </p14:xfrm>
               </p:contentPart>
             </mc:Choice>
-            <mc:Fallback>
+            <mc:Fallback xmlns="">
               <p:pic>
                 <p:nvPicPr>
                   <p:cNvPr id="11" name="Ink 10">
@@ -7510,8 +9018,8 @@
             </mc:Fallback>
           </mc:AlternateContent>
         </p:grpSp>
-        <mc:AlternateContent xmlns:mc="http://schemas.openxmlformats.org/markup-compatibility/2006">
-          <mc:Choice xmlns:p14="http://schemas.microsoft.com/office/powerpoint/2010/main" Requires="p14">
+        <mc:AlternateContent xmlns:mc="http://schemas.openxmlformats.org/markup-compatibility/2006" xmlns:p14="http://schemas.microsoft.com/office/powerpoint/2010/main">
+          <mc:Choice Requires="p14">
             <p:contentPart p14:bwMode="auto" r:id="rId14">
               <p14:nvContentPartPr>
                 <p14:cNvPr id="14" name="Ink 13">
@@ -7530,7 +9038,7 @@
               </p14:xfrm>
             </p:contentPart>
           </mc:Choice>
-          <mc:Fallback>
+          <mc:Fallback xmlns="">
             <p:pic>
               <p:nvPicPr>
                 <p:cNvPr id="14" name="Ink 13">
@@ -7680,90 +9188,7 @@
 </p:sld>
 </file>
 
-<file path=ppt/slides/slide3.xml><?xml version="1.0" encoding="utf-8"?>
-<p:sld xmlns:a="http://schemas.openxmlformats.org/drawingml/2006/main" xmlns:r="http://schemas.openxmlformats.org/officeDocument/2006/relationships" xmlns:p="http://schemas.openxmlformats.org/presentationml/2006/main">
-  <p:cSld>
-    <p:spTree>
-      <p:nvGrpSpPr>
-        <p:cNvPr id="1" name=""/>
-        <p:cNvGrpSpPr/>
-        <p:nvPr/>
-      </p:nvGrpSpPr>
-      <p:grpSpPr>
-        <a:xfrm>
-          <a:off x="0" y="0"/>
-          <a:ext cx="0" cy="0"/>
-          <a:chOff x="0" y="0"/>
-          <a:chExt cx="0" cy="0"/>
-        </a:xfrm>
-      </p:grpSpPr>
-      <p:sp>
-        <p:nvSpPr>
-          <p:cNvPr id="2" name="Title 1">
-            <a:extLst>
-              <a:ext uri="{FF2B5EF4-FFF2-40B4-BE49-F238E27FC236}">
-                <a16:creationId xmlns:a16="http://schemas.microsoft.com/office/drawing/2014/main" id="{AD0A358F-3029-3B46-8F88-5B7AAD9B2E72}"/>
-              </a:ext>
-            </a:extLst>
-          </p:cNvPr>
-          <p:cNvSpPr>
-            <a:spLocks noGrp="1"/>
-          </p:cNvSpPr>
-          <p:nvPr>
-            <p:ph type="ctrTitle"/>
-          </p:nvPr>
-        </p:nvSpPr>
-        <p:spPr/>
-        <p:txBody>
-          <a:bodyPr/>
-          <a:lstStyle/>
-          <a:p>
-            <a:r>
-              <a:rPr lang="en-US" dirty="0"/>
-              <a:t>Time Series Forecasting</a:t>
-            </a:r>
-          </a:p>
-        </p:txBody>
-      </p:sp>
-      <p:sp>
-        <p:nvSpPr>
-          <p:cNvPr id="3" name="Subtitle 2">
-            <a:extLst>
-              <a:ext uri="{FF2B5EF4-FFF2-40B4-BE49-F238E27FC236}">
-                <a16:creationId xmlns:a16="http://schemas.microsoft.com/office/drawing/2014/main" id="{BA00FEBA-B494-5046-9CD2-12082358FE92}"/>
-              </a:ext>
-            </a:extLst>
-          </p:cNvPr>
-          <p:cNvSpPr>
-            <a:spLocks noGrp="1"/>
-          </p:cNvSpPr>
-          <p:nvPr>
-            <p:ph type="subTitle" idx="1"/>
-          </p:nvPr>
-        </p:nvSpPr>
-        <p:spPr/>
-        <p:txBody>
-          <a:bodyPr/>
-          <a:lstStyle/>
-          <a:p>
-            <a:endParaRPr lang="en-US"/>
-          </a:p>
-        </p:txBody>
-      </p:sp>
-    </p:spTree>
-    <p:extLst>
-      <p:ext uri="{BB962C8B-B14F-4D97-AF65-F5344CB8AC3E}">
-        <p14:creationId xmlns:p14="http://schemas.microsoft.com/office/powerpoint/2010/main" val="3614949151"/>
-      </p:ext>
-    </p:extLst>
-  </p:cSld>
-  <p:clrMapOvr>
-    <a:masterClrMapping/>
-  </p:clrMapOvr>
-</p:sld>
-</file>
-
-<file path=ppt/slides/slide30.xml><?xml version="1.0" encoding="utf-8"?>
+<file path=ppt/slides/slide39.xml><?xml version="1.0" encoding="utf-8"?>
 <p:sld xmlns:a="http://schemas.openxmlformats.org/drawingml/2006/main" xmlns:r="http://schemas.openxmlformats.org/officeDocument/2006/relationships" xmlns:p="http://schemas.openxmlformats.org/presentationml/2006/main">
   <p:cSld>
     <p:spTree>
@@ -7911,301 +9336,6 @@
 </p:sld>
 </file>
 
-<file path=ppt/slides/slide31.xml><?xml version="1.0" encoding="utf-8"?>
-<p:sld xmlns:a="http://schemas.openxmlformats.org/drawingml/2006/main" xmlns:r="http://schemas.openxmlformats.org/officeDocument/2006/relationships" xmlns:p="http://schemas.openxmlformats.org/presentationml/2006/main">
-  <p:cSld>
-    <p:spTree>
-      <p:nvGrpSpPr>
-        <p:cNvPr id="1" name=""/>
-        <p:cNvGrpSpPr/>
-        <p:nvPr/>
-      </p:nvGrpSpPr>
-      <p:grpSpPr>
-        <a:xfrm>
-          <a:off x="0" y="0"/>
-          <a:ext cx="0" cy="0"/>
-          <a:chOff x="0" y="0"/>
-          <a:chExt cx="0" cy="0"/>
-        </a:xfrm>
-      </p:grpSpPr>
-      <p:sp>
-        <p:nvSpPr>
-          <p:cNvPr id="2" name="Title 1">
-            <a:extLst>
-              <a:ext uri="{FF2B5EF4-FFF2-40B4-BE49-F238E27FC236}">
-                <a16:creationId xmlns:a16="http://schemas.microsoft.com/office/drawing/2014/main" id="{8AF700E2-E516-8380-3E0A-1F6BA99D292A}"/>
-              </a:ext>
-            </a:extLst>
-          </p:cNvPr>
-          <p:cNvSpPr>
-            <a:spLocks noGrp="1"/>
-          </p:cNvSpPr>
-          <p:nvPr>
-            <p:ph type="title"/>
-          </p:nvPr>
-        </p:nvSpPr>
-        <p:spPr/>
-        <p:txBody>
-          <a:bodyPr/>
-          <a:lstStyle/>
-          <a:p>
-            <a:r>
-              <a:rPr lang="en-US" dirty="0"/>
-              <a:t>Determining a Time-Based Model to Use</a:t>
-            </a:r>
-          </a:p>
-        </p:txBody>
-      </p:sp>
-      <p:sp>
-        <p:nvSpPr>
-          <p:cNvPr id="3" name="Content Placeholder 2">
-            <a:extLst>
-              <a:ext uri="{FF2B5EF4-FFF2-40B4-BE49-F238E27FC236}">
-                <a16:creationId xmlns:a16="http://schemas.microsoft.com/office/drawing/2014/main" id="{E7BF0C3A-CD10-279F-F31D-E045FE69291F}"/>
-              </a:ext>
-            </a:extLst>
-          </p:cNvPr>
-          <p:cNvSpPr>
-            <a:spLocks noGrp="1"/>
-          </p:cNvSpPr>
-          <p:nvPr>
-            <p:ph idx="1"/>
-          </p:nvPr>
-        </p:nvSpPr>
-        <p:spPr>
-          <a:xfrm>
-            <a:off x="1254265" y="1853754"/>
-            <a:ext cx="9800589" cy="4199727"/>
-          </a:xfrm>
-        </p:spPr>
-        <p:txBody>
-          <a:bodyPr/>
-          <a:lstStyle/>
-          <a:p>
-            <a:r>
-              <a:rPr lang="en-US" dirty="0"/>
-              <a:t>The approaches with time series modelling differ greatly – averages, regression, NNs…</a:t>
-            </a:r>
-          </a:p>
-          <a:p>
-            <a:r>
-              <a:rPr lang="en-US" dirty="0"/>
-              <a:t>Data processing becomes more open ended in some ways:</a:t>
-            </a:r>
-          </a:p>
-          <a:p>
-            <a:pPr lvl="1"/>
-            <a:r>
-              <a:rPr lang="en-US" dirty="0"/>
-              <a:t>Time values may be transformed many ways – binned, time since last, duration, </a:t>
-            </a:r>
-            <a:r>
-              <a:rPr lang="en-US" dirty="0" err="1"/>
-              <a:t>etc</a:t>
-            </a:r>
-            <a:r>
-              <a:rPr lang="en-US" dirty="0"/>
-              <a:t>…</a:t>
-            </a:r>
-          </a:p>
-          <a:p>
-            <a:pPr lvl="1"/>
-            <a:r>
-              <a:rPr lang="en-US" dirty="0"/>
-              <a:t>May see more/different things done for feature construction, especially </a:t>
-            </a:r>
-            <a:r>
-              <a:rPr lang="en-US"/>
-              <a:t>with future preds. </a:t>
-            </a:r>
-            <a:endParaRPr lang="en-US" dirty="0"/>
-          </a:p>
-          <a:p>
-            <a:r>
-              <a:rPr lang="en-US" dirty="0"/>
-              <a:t>Framing of the problem is flexible, and requires domain and technical knowledge. </a:t>
-            </a:r>
-          </a:p>
-          <a:p>
-            <a:pPr lvl="1"/>
-            <a:r>
-              <a:rPr lang="en-US" dirty="0"/>
-              <a:t>Some problems may be framed in different ways. </a:t>
-            </a:r>
-          </a:p>
-          <a:p>
-            <a:pPr lvl="1"/>
-            <a:r>
-              <a:rPr lang="en-US" dirty="0"/>
-              <a:t>A CC fraud model may look at time of day, time since last purchase, or both as features. </a:t>
-            </a:r>
-          </a:p>
-          <a:p>
-            <a:pPr lvl="1"/>
-            <a:r>
-              <a:rPr lang="en-US" dirty="0"/>
-              <a:t>A “crime predictor” could be a regression that predicts #crimes/day as a target, or a time series that predicts the same thing, just oriented differently. </a:t>
-            </a:r>
-          </a:p>
-          <a:p>
-            <a:r>
-              <a:rPr lang="en-US" dirty="0"/>
-              <a:t>Feature selection here tends to be much more selective than with regression/classification.</a:t>
-            </a:r>
-          </a:p>
-        </p:txBody>
-      </p:sp>
-    </p:spTree>
-    <p:extLst>
-      <p:ext uri="{BB962C8B-B14F-4D97-AF65-F5344CB8AC3E}">
-        <p14:creationId xmlns:p14="http://schemas.microsoft.com/office/powerpoint/2010/main" val="2298263993"/>
-      </p:ext>
-    </p:extLst>
-  </p:cSld>
-  <p:clrMapOvr>
-    <a:masterClrMapping/>
-  </p:clrMapOvr>
-</p:sld>
-</file>
-
-<file path=ppt/slides/slide32.xml><?xml version="1.0" encoding="utf-8"?>
-<p:sld xmlns:a="http://schemas.openxmlformats.org/drawingml/2006/main" xmlns:r="http://schemas.openxmlformats.org/officeDocument/2006/relationships" xmlns:p="http://schemas.openxmlformats.org/presentationml/2006/main">
-  <p:cSld>
-    <p:spTree>
-      <p:nvGrpSpPr>
-        <p:cNvPr id="1" name=""/>
-        <p:cNvGrpSpPr/>
-        <p:nvPr/>
-      </p:nvGrpSpPr>
-      <p:grpSpPr>
-        <a:xfrm>
-          <a:off x="0" y="0"/>
-          <a:ext cx="0" cy="0"/>
-          <a:chOff x="0" y="0"/>
-          <a:chExt cx="0" cy="0"/>
-        </a:xfrm>
-      </p:grpSpPr>
-      <p:sp>
-        <p:nvSpPr>
-          <p:cNvPr id="2" name="Title 1">
-            <a:extLst>
-              <a:ext uri="{FF2B5EF4-FFF2-40B4-BE49-F238E27FC236}">
-                <a16:creationId xmlns:a16="http://schemas.microsoft.com/office/drawing/2014/main" id="{C965BD4C-1366-F7CE-BB72-33EBDC782A79}"/>
-              </a:ext>
-            </a:extLst>
-          </p:cNvPr>
-          <p:cNvSpPr>
-            <a:spLocks noGrp="1"/>
-          </p:cNvSpPr>
-          <p:nvPr>
-            <p:ph type="title"/>
-          </p:nvPr>
-        </p:nvSpPr>
-        <p:spPr/>
-        <p:txBody>
-          <a:bodyPr/>
-          <a:lstStyle/>
-          <a:p>
-            <a:r>
-              <a:rPr lang="en-US" dirty="0"/>
-              <a:t>Time Series Conclusion</a:t>
-            </a:r>
-          </a:p>
-        </p:txBody>
-      </p:sp>
-      <p:sp>
-        <p:nvSpPr>
-          <p:cNvPr id="3" name="Content Placeholder 2">
-            <a:extLst>
-              <a:ext uri="{FF2B5EF4-FFF2-40B4-BE49-F238E27FC236}">
-                <a16:creationId xmlns:a16="http://schemas.microsoft.com/office/drawing/2014/main" id="{C6023275-8696-EE31-2C2B-7B9C2E9A520D}"/>
-              </a:ext>
-            </a:extLst>
-          </p:cNvPr>
-          <p:cNvSpPr>
-            <a:spLocks noGrp="1"/>
-          </p:cNvSpPr>
-          <p:nvPr>
-            <p:ph idx="1"/>
-          </p:nvPr>
-        </p:nvSpPr>
-        <p:spPr>
-          <a:xfrm>
-            <a:off x="775252" y="1925904"/>
-            <a:ext cx="10793895" cy="4127577"/>
-          </a:xfrm>
-        </p:spPr>
-        <p:txBody>
-          <a:bodyPr/>
-          <a:lstStyle/>
-          <a:p>
-            <a:r>
-              <a:rPr lang="en-US" dirty="0"/>
-              <a:t>Sequential or time-series data requires a slightly different approach to predictions. </a:t>
-            </a:r>
-          </a:p>
-          <a:p>
-            <a:pPr lvl="1"/>
-            <a:r>
-              <a:rPr lang="en-US" dirty="0"/>
-              <a:t>Simple models only have one value, and we attempt to make a model that captures its patterns. </a:t>
-            </a:r>
-          </a:p>
-          <a:p>
-            <a:pPr lvl="1"/>
-            <a:r>
-              <a:rPr lang="en-US" dirty="0"/>
-              <a:t>Larger models require some ad-hoc dataset construction to make sense. </a:t>
-            </a:r>
-          </a:p>
-          <a:p>
-            <a:pPr lvl="1"/>
-            <a:r>
-              <a:rPr lang="en-US" dirty="0"/>
-              <a:t>Time-series often requires different, and more, data prep before we can model. </a:t>
-            </a:r>
-          </a:p>
-          <a:p>
-            <a:r>
-              <a:rPr lang="en-US" dirty="0"/>
-              <a:t>Rule-of-Thumb – start with a simple model, and complexity if needed. </a:t>
-            </a:r>
-          </a:p>
-          <a:p>
-            <a:r>
-              <a:rPr lang="en-US" dirty="0"/>
-              <a:t>Time-series models are rapidly developing with language/translation and other generative models. </a:t>
-            </a:r>
-          </a:p>
-          <a:p>
-            <a:pPr lvl="1"/>
-            <a:r>
-              <a:rPr lang="en-US" dirty="0"/>
-              <a:t>Any time there’s a direct dependence on “the previous record(s)”, these ideas apply. </a:t>
-            </a:r>
-          </a:p>
-          <a:p>
-            <a:pPr lvl="1"/>
-            <a:r>
-              <a:rPr lang="en-US" dirty="0"/>
-              <a:t>We’ll revisit this a little with RNN/transformer models, they maintain more temporal (sequence) info. </a:t>
-            </a:r>
-          </a:p>
-        </p:txBody>
-      </p:sp>
-    </p:spTree>
-    <p:extLst>
-      <p:ext uri="{BB962C8B-B14F-4D97-AF65-F5344CB8AC3E}">
-        <p14:creationId xmlns:p14="http://schemas.microsoft.com/office/powerpoint/2010/main" val="164357066"/>
-      </p:ext>
-    </p:extLst>
-  </p:cSld>
-  <p:clrMapOvr>
-    <a:masterClrMapping/>
-  </p:clrMapOvr>
-</p:sld>
-</file>
-
 <file path=ppt/slides/slide4.xml><?xml version="1.0" encoding="utf-8"?>
 <p:sld xmlns:a="http://schemas.openxmlformats.org/drawingml/2006/main" xmlns:r="http://schemas.openxmlformats.org/officeDocument/2006/relationships" xmlns:p="http://schemas.openxmlformats.org/presentationml/2006/main">
   <p:cSld>
@@ -8228,7 +9358,7 @@
           <p:cNvPr id="2" name="Title 1">
             <a:extLst>
               <a:ext uri="{FF2B5EF4-FFF2-40B4-BE49-F238E27FC236}">
-                <a16:creationId xmlns:a16="http://schemas.microsoft.com/office/drawing/2014/main" id="{B6BBB493-8DF2-7D9B-AAF8-D6D0AE1F57F5}"/>
+                <a16:creationId xmlns:a16="http://schemas.microsoft.com/office/drawing/2014/main" id="{A87851FC-94C5-99F2-503A-7AB341828EA1}"/>
               </a:ext>
             </a:extLst>
           </p:cNvPr>
@@ -8244,10 +9374,7 @@
           <a:bodyPr/>
           <a:lstStyle/>
           <a:p>
-            <a:r>
-              <a:rPr lang="en-US" dirty="0"/>
-              <a:t>Time Series Data</a:t>
-            </a:r>
+            <a:endParaRPr lang="en-US"/>
           </a:p>
         </p:txBody>
       </p:sp>
@@ -8256,7 +9383,7 @@
           <p:cNvPr id="3" name="Content Placeholder 2">
             <a:extLst>
               <a:ext uri="{FF2B5EF4-FFF2-40B4-BE49-F238E27FC236}">
-                <a16:creationId xmlns:a16="http://schemas.microsoft.com/office/drawing/2014/main" id="{1F74E27E-E260-95A4-E84F-4952B8D9FF54}"/>
+                <a16:creationId xmlns:a16="http://schemas.microsoft.com/office/drawing/2014/main" id="{0365007E-B435-57AC-F821-AFD1B9CB4C8F}"/>
               </a:ext>
             </a:extLst>
           </p:cNvPr>
@@ -8269,88 +9396,367 @@
         </p:nvSpPr>
         <p:spPr>
           <a:xfrm>
-            <a:off x="1451579" y="1853754"/>
-            <a:ext cx="9603275" cy="4199727"/>
+            <a:off x="7178065" y="2015732"/>
+            <a:ext cx="3876789" cy="3450613"/>
           </a:xfrm>
         </p:spPr>
         <p:txBody>
-          <a:bodyPr>
-            <a:normAutofit lnSpcReduction="10000"/>
-          </a:bodyPr>
-          <a:lstStyle/>
-          <a:p>
-            <a:r>
-              <a:rPr lang="en-US" dirty="0"/>
-              <a:t>Time-series data is data that progresses over time. </a:t>
-            </a:r>
-          </a:p>
-          <a:p>
-            <a:pPr lvl="1"/>
-            <a:r>
-              <a:rPr lang="en-US" dirty="0"/>
-              <a:t>E.g. gas prices, stock prices, temperature, </a:t>
-            </a:r>
-            <a:r>
-              <a:rPr lang="en-US" dirty="0" err="1"/>
-              <a:t>etc</a:t>
-            </a:r>
-            <a:r>
-              <a:rPr lang="en-US" dirty="0"/>
-              <a:t>…</a:t>
-            </a:r>
-          </a:p>
-          <a:p>
-            <a:r>
-              <a:rPr lang="en-US" dirty="0"/>
-              <a:t>The basis of predictions, or forecasts, is by looking at patterns in the data. </a:t>
-            </a:r>
-          </a:p>
-          <a:p>
-            <a:r>
-              <a:rPr lang="en-US" dirty="0"/>
-              <a:t>Time-series data has a few parts that our forecasts try to separate:</a:t>
-            </a:r>
-          </a:p>
-          <a:p>
-            <a:pPr lvl="1"/>
-            <a:r>
-              <a:rPr lang="en-US" dirty="0"/>
-              <a:t>Trend – are we going up or down as time progresses. </a:t>
-            </a:r>
-          </a:p>
-          <a:p>
-            <a:pPr lvl="1"/>
-            <a:r>
-              <a:rPr lang="en-US" dirty="0"/>
-              <a:t>Seasonality – do we have regular waves, such as seasonal sales. </a:t>
-            </a:r>
-          </a:p>
-          <a:p>
-            <a:pPr lvl="1"/>
-            <a:r>
-              <a:rPr lang="en-US" dirty="0"/>
-              <a:t>Cyclicality – do we have larger waves, spanning several seasons. </a:t>
-            </a:r>
-          </a:p>
-          <a:p>
-            <a:pPr lvl="1"/>
-            <a:r>
-              <a:rPr lang="en-US" dirty="0"/>
-              <a:t>Irregularity – how much variation is there that doesn’t fit into the above. </a:t>
-            </a:r>
-          </a:p>
-          <a:p>
-            <a:r>
-              <a:rPr lang="en-US" dirty="0"/>
-              <a:t>The models generally try to decompose each of these, measure each, and recombine them to create projections. </a:t>
-            </a:r>
-          </a:p>
-        </p:txBody>
-      </p:sp>
+          <a:bodyPr/>
+          <a:lstStyle/>
+          <a:p>
+            <a:r>
+              <a:rPr lang="en-US" dirty="0"/>
+              <a:t>Things are looking up, as always. </a:t>
+            </a:r>
+          </a:p>
+        </p:txBody>
+      </p:sp>
+      <p:pic>
+        <p:nvPicPr>
+          <p:cNvPr id="5122" name="Picture 2">
+            <a:extLst>
+              <a:ext uri="{FF2B5EF4-FFF2-40B4-BE49-F238E27FC236}">
+                <a16:creationId xmlns:a16="http://schemas.microsoft.com/office/drawing/2014/main" id="{F4DD32CC-DBEB-2715-B016-5152612433AF}"/>
+              </a:ext>
+            </a:extLst>
+          </p:cNvPr>
+          <p:cNvPicPr>
+            <a:picLocks noChangeAspect="1" noChangeArrowheads="1"/>
+          </p:cNvPicPr>
+          <p:nvPr/>
+        </p:nvPicPr>
+        <p:blipFill>
+          <a:blip r:embed="rId2">
+            <a:extLst>
+              <a:ext uri="{28A0092B-C50C-407E-A947-70E740481C1C}">
+                <a14:useLocalDpi xmlns:a14="http://schemas.microsoft.com/office/drawing/2010/main" val="0"/>
+              </a:ext>
+            </a:extLst>
+          </a:blip>
+          <a:srcRect/>
+          <a:stretch>
+            <a:fillRect/>
+          </a:stretch>
+        </p:blipFill>
+        <p:spPr bwMode="auto">
+          <a:xfrm>
+            <a:off x="1026502" y="0"/>
+            <a:ext cx="6151563" cy="6858000"/>
+          </a:xfrm>
+          <a:prstGeom prst="rect">
+            <a:avLst/>
+          </a:prstGeom>
+          <a:noFill/>
+          <a:extLst>
+            <a:ext uri="{909E8E84-426E-40DD-AFC4-6F175D3DCCD1}">
+              <a14:hiddenFill xmlns:a14="http://schemas.microsoft.com/office/drawing/2010/main">
+                <a:solidFill>
+                  <a:srgbClr val="FFFFFF"/>
+                </a:solidFill>
+              </a14:hiddenFill>
+            </a:ext>
+          </a:extLst>
+        </p:spPr>
+      </p:pic>
     </p:spTree>
     <p:extLst>
       <p:ext uri="{BB962C8B-B14F-4D97-AF65-F5344CB8AC3E}">
-        <p14:creationId xmlns:p14="http://schemas.microsoft.com/office/powerpoint/2010/main" val="1351010078"/>
+        <p14:creationId xmlns:p14="http://schemas.microsoft.com/office/powerpoint/2010/main" val="3242905681"/>
+      </p:ext>
+    </p:extLst>
+  </p:cSld>
+  <p:clrMapOvr>
+    <a:masterClrMapping/>
+  </p:clrMapOvr>
+</p:sld>
+</file>
+
+<file path=ppt/slides/slide40.xml><?xml version="1.0" encoding="utf-8"?>
+<p:sld xmlns:a="http://schemas.openxmlformats.org/drawingml/2006/main" xmlns:r="http://schemas.openxmlformats.org/officeDocument/2006/relationships" xmlns:p="http://schemas.openxmlformats.org/presentationml/2006/main">
+  <p:cSld>
+    <p:spTree>
+      <p:nvGrpSpPr>
+        <p:cNvPr id="1" name=""/>
+        <p:cNvGrpSpPr/>
+        <p:nvPr/>
+      </p:nvGrpSpPr>
+      <p:grpSpPr>
+        <a:xfrm>
+          <a:off x="0" y="0"/>
+          <a:ext cx="0" cy="0"/>
+          <a:chOff x="0" y="0"/>
+          <a:chExt cx="0" cy="0"/>
+        </a:xfrm>
+      </p:grpSpPr>
+      <p:sp>
+        <p:nvSpPr>
+          <p:cNvPr id="2" name="Title 1">
+            <a:extLst>
+              <a:ext uri="{FF2B5EF4-FFF2-40B4-BE49-F238E27FC236}">
+                <a16:creationId xmlns:a16="http://schemas.microsoft.com/office/drawing/2014/main" id="{8AF700E2-E516-8380-3E0A-1F6BA99D292A}"/>
+              </a:ext>
+            </a:extLst>
+          </p:cNvPr>
+          <p:cNvSpPr>
+            <a:spLocks noGrp="1"/>
+          </p:cNvSpPr>
+          <p:nvPr>
+            <p:ph type="title"/>
+          </p:nvPr>
+        </p:nvSpPr>
+        <p:spPr/>
+        <p:txBody>
+          <a:bodyPr/>
+          <a:lstStyle/>
+          <a:p>
+            <a:r>
+              <a:rPr lang="en-US" dirty="0"/>
+              <a:t>Determining a Time-Based Model to Use</a:t>
+            </a:r>
+          </a:p>
+        </p:txBody>
+      </p:sp>
+      <p:sp>
+        <p:nvSpPr>
+          <p:cNvPr id="3" name="Content Placeholder 2">
+            <a:extLst>
+              <a:ext uri="{FF2B5EF4-FFF2-40B4-BE49-F238E27FC236}">
+                <a16:creationId xmlns:a16="http://schemas.microsoft.com/office/drawing/2014/main" id="{E7BF0C3A-CD10-279F-F31D-E045FE69291F}"/>
+              </a:ext>
+            </a:extLst>
+          </p:cNvPr>
+          <p:cNvSpPr>
+            <a:spLocks noGrp="1"/>
+          </p:cNvSpPr>
+          <p:nvPr>
+            <p:ph idx="1"/>
+          </p:nvPr>
+        </p:nvSpPr>
+        <p:spPr>
+          <a:xfrm>
+            <a:off x="1254265" y="1853754"/>
+            <a:ext cx="9800589" cy="4199727"/>
+          </a:xfrm>
+        </p:spPr>
+        <p:txBody>
+          <a:bodyPr/>
+          <a:lstStyle/>
+          <a:p>
+            <a:r>
+              <a:rPr lang="en-US" dirty="0"/>
+              <a:t>The approaches with time series modelling differ greatly – averages, regression, NNs…</a:t>
+            </a:r>
+          </a:p>
+          <a:p>
+            <a:r>
+              <a:rPr lang="en-US" dirty="0"/>
+              <a:t>Data processing becomes more open ended in some ways:</a:t>
+            </a:r>
+          </a:p>
+          <a:p>
+            <a:pPr lvl="1"/>
+            <a:r>
+              <a:rPr lang="en-US" dirty="0"/>
+              <a:t>Time values may be transformed many ways – binned, time since last, duration, </a:t>
+            </a:r>
+            <a:r>
+              <a:rPr lang="en-US" dirty="0" err="1"/>
+              <a:t>etc</a:t>
+            </a:r>
+            <a:r>
+              <a:rPr lang="en-US" dirty="0"/>
+              <a:t>…</a:t>
+            </a:r>
+          </a:p>
+          <a:p>
+            <a:pPr lvl="1"/>
+            <a:r>
+              <a:rPr lang="en-US" dirty="0"/>
+              <a:t>May see more/different things done for feature construction, especially </a:t>
+            </a:r>
+            <a:r>
+              <a:rPr lang="en-US"/>
+              <a:t>with future preds. </a:t>
+            </a:r>
+            <a:endParaRPr lang="en-US" dirty="0"/>
+          </a:p>
+          <a:p>
+            <a:r>
+              <a:rPr lang="en-US" dirty="0"/>
+              <a:t>Framing of the problem is flexible, and requires domain and technical knowledge. </a:t>
+            </a:r>
+          </a:p>
+          <a:p>
+            <a:pPr lvl="1"/>
+            <a:r>
+              <a:rPr lang="en-US" dirty="0"/>
+              <a:t>Some problems may be framed in different ways. </a:t>
+            </a:r>
+          </a:p>
+          <a:p>
+            <a:pPr lvl="1"/>
+            <a:r>
+              <a:rPr lang="en-US" dirty="0"/>
+              <a:t>A CC fraud model may look at time of day, time since last purchase, or both as features. </a:t>
+            </a:r>
+          </a:p>
+          <a:p>
+            <a:pPr lvl="1"/>
+            <a:r>
+              <a:rPr lang="en-US" dirty="0"/>
+              <a:t>A “crime predictor” could be a regression that predicts #crimes/day as a target, or a time series that predicts the same thing, just oriented differently. </a:t>
+            </a:r>
+          </a:p>
+          <a:p>
+            <a:r>
+              <a:rPr lang="en-US" dirty="0"/>
+              <a:t>Feature selection here tends to be much more selective than with regression/classification.</a:t>
+            </a:r>
+          </a:p>
+        </p:txBody>
+      </p:sp>
+    </p:spTree>
+    <p:extLst>
+      <p:ext uri="{BB962C8B-B14F-4D97-AF65-F5344CB8AC3E}">
+        <p14:creationId xmlns:p14="http://schemas.microsoft.com/office/powerpoint/2010/main" val="2298263993"/>
+      </p:ext>
+    </p:extLst>
+  </p:cSld>
+  <p:clrMapOvr>
+    <a:masterClrMapping/>
+  </p:clrMapOvr>
+</p:sld>
+</file>
+
+<file path=ppt/slides/slide41.xml><?xml version="1.0" encoding="utf-8"?>
+<p:sld xmlns:a="http://schemas.openxmlformats.org/drawingml/2006/main" xmlns:r="http://schemas.openxmlformats.org/officeDocument/2006/relationships" xmlns:p="http://schemas.openxmlformats.org/presentationml/2006/main">
+  <p:cSld>
+    <p:spTree>
+      <p:nvGrpSpPr>
+        <p:cNvPr id="1" name=""/>
+        <p:cNvGrpSpPr/>
+        <p:nvPr/>
+      </p:nvGrpSpPr>
+      <p:grpSpPr>
+        <a:xfrm>
+          <a:off x="0" y="0"/>
+          <a:ext cx="0" cy="0"/>
+          <a:chOff x="0" y="0"/>
+          <a:chExt cx="0" cy="0"/>
+        </a:xfrm>
+      </p:grpSpPr>
+      <p:sp>
+        <p:nvSpPr>
+          <p:cNvPr id="2" name="Title 1">
+            <a:extLst>
+              <a:ext uri="{FF2B5EF4-FFF2-40B4-BE49-F238E27FC236}">
+                <a16:creationId xmlns:a16="http://schemas.microsoft.com/office/drawing/2014/main" id="{C965BD4C-1366-F7CE-BB72-33EBDC782A79}"/>
+              </a:ext>
+            </a:extLst>
+          </p:cNvPr>
+          <p:cNvSpPr>
+            <a:spLocks noGrp="1"/>
+          </p:cNvSpPr>
+          <p:nvPr>
+            <p:ph type="title"/>
+          </p:nvPr>
+        </p:nvSpPr>
+        <p:spPr/>
+        <p:txBody>
+          <a:bodyPr/>
+          <a:lstStyle/>
+          <a:p>
+            <a:r>
+              <a:rPr lang="en-US" dirty="0"/>
+              <a:t>Time Series Conclusion</a:t>
+            </a:r>
+          </a:p>
+        </p:txBody>
+      </p:sp>
+      <p:sp>
+        <p:nvSpPr>
+          <p:cNvPr id="3" name="Content Placeholder 2">
+            <a:extLst>
+              <a:ext uri="{FF2B5EF4-FFF2-40B4-BE49-F238E27FC236}">
+                <a16:creationId xmlns:a16="http://schemas.microsoft.com/office/drawing/2014/main" id="{C6023275-8696-EE31-2C2B-7B9C2E9A520D}"/>
+              </a:ext>
+            </a:extLst>
+          </p:cNvPr>
+          <p:cNvSpPr>
+            <a:spLocks noGrp="1"/>
+          </p:cNvSpPr>
+          <p:nvPr>
+            <p:ph idx="1"/>
+          </p:nvPr>
+        </p:nvSpPr>
+        <p:spPr>
+          <a:xfrm>
+            <a:off x="775252" y="1925904"/>
+            <a:ext cx="10793895" cy="4127577"/>
+          </a:xfrm>
+        </p:spPr>
+        <p:txBody>
+          <a:bodyPr/>
+          <a:lstStyle/>
+          <a:p>
+            <a:r>
+              <a:rPr lang="en-US" dirty="0"/>
+              <a:t>Sequential or time-series data requires a slightly different approach to predictions. </a:t>
+            </a:r>
+          </a:p>
+          <a:p>
+            <a:pPr lvl="1"/>
+            <a:r>
+              <a:rPr lang="en-US" dirty="0"/>
+              <a:t>Simple models only have one value, and we attempt to make a model that captures its patterns. </a:t>
+            </a:r>
+          </a:p>
+          <a:p>
+            <a:pPr lvl="1"/>
+            <a:r>
+              <a:rPr lang="en-US" dirty="0"/>
+              <a:t>Larger models require some ad-hoc dataset construction to make sense. </a:t>
+            </a:r>
+          </a:p>
+          <a:p>
+            <a:pPr lvl="1"/>
+            <a:r>
+              <a:rPr lang="en-US" dirty="0"/>
+              <a:t>Time-series often requires different, and more, data prep before we can model. </a:t>
+            </a:r>
+          </a:p>
+          <a:p>
+            <a:r>
+              <a:rPr lang="en-US" dirty="0"/>
+              <a:t>Rule-of-Thumb – start with a simple model, and complexity if needed. </a:t>
+            </a:r>
+          </a:p>
+          <a:p>
+            <a:r>
+              <a:rPr lang="en-US" dirty="0"/>
+              <a:t>Time-series models are rapidly developing with language/translation and other generative models. </a:t>
+            </a:r>
+          </a:p>
+          <a:p>
+            <a:pPr lvl="1"/>
+            <a:r>
+              <a:rPr lang="en-US" dirty="0"/>
+              <a:t>Any time there’s a direct dependence on “the previous record(s)”, these ideas apply. </a:t>
+            </a:r>
+          </a:p>
+          <a:p>
+            <a:pPr lvl="1"/>
+            <a:r>
+              <a:rPr lang="en-US" dirty="0"/>
+              <a:t>We’ll revisit this a little with RNN/transformer models, they maintain more temporal (sequence) info. </a:t>
+            </a:r>
+          </a:p>
+        </p:txBody>
+      </p:sp>
+    </p:spTree>
+    <p:extLst>
+      <p:ext uri="{BB962C8B-B14F-4D97-AF65-F5344CB8AC3E}">
+        <p14:creationId xmlns:p14="http://schemas.microsoft.com/office/powerpoint/2010/main" val="164357066"/>
       </p:ext>
     </p:extLst>
   </p:cSld>
@@ -8382,6 +9788,376 @@
           <p:cNvPr id="2" name="Title 1">
             <a:extLst>
               <a:ext uri="{FF2B5EF4-FFF2-40B4-BE49-F238E27FC236}">
+                <a16:creationId xmlns:a16="http://schemas.microsoft.com/office/drawing/2014/main" id="{AD0A358F-3029-3B46-8F88-5B7AAD9B2E72}"/>
+              </a:ext>
+            </a:extLst>
+          </p:cNvPr>
+          <p:cNvSpPr>
+            <a:spLocks noGrp="1"/>
+          </p:cNvSpPr>
+          <p:nvPr>
+            <p:ph type="ctrTitle"/>
+          </p:nvPr>
+        </p:nvSpPr>
+        <p:spPr/>
+        <p:txBody>
+          <a:bodyPr/>
+          <a:lstStyle/>
+          <a:p>
+            <a:r>
+              <a:rPr lang="en-US" dirty="0"/>
+              <a:t>Time Series Forecasting</a:t>
+            </a:r>
+          </a:p>
+        </p:txBody>
+      </p:sp>
+      <p:sp>
+        <p:nvSpPr>
+          <p:cNvPr id="3" name="Subtitle 2">
+            <a:extLst>
+              <a:ext uri="{FF2B5EF4-FFF2-40B4-BE49-F238E27FC236}">
+                <a16:creationId xmlns:a16="http://schemas.microsoft.com/office/drawing/2014/main" id="{BA00FEBA-B494-5046-9CD2-12082358FE92}"/>
+              </a:ext>
+            </a:extLst>
+          </p:cNvPr>
+          <p:cNvSpPr>
+            <a:spLocks noGrp="1"/>
+          </p:cNvSpPr>
+          <p:nvPr>
+            <p:ph type="subTitle" idx="1"/>
+          </p:nvPr>
+        </p:nvSpPr>
+        <p:spPr/>
+        <p:txBody>
+          <a:bodyPr/>
+          <a:lstStyle/>
+          <a:p>
+            <a:endParaRPr lang="en-US"/>
+          </a:p>
+        </p:txBody>
+      </p:sp>
+    </p:spTree>
+    <p:extLst>
+      <p:ext uri="{BB962C8B-B14F-4D97-AF65-F5344CB8AC3E}">
+        <p14:creationId xmlns:p14="http://schemas.microsoft.com/office/powerpoint/2010/main" val="3614949151"/>
+      </p:ext>
+    </p:extLst>
+  </p:cSld>
+  <p:clrMapOvr>
+    <a:masterClrMapping/>
+  </p:clrMapOvr>
+</p:sld>
+</file>
+
+<file path=ppt/slides/slide6.xml><?xml version="1.0" encoding="utf-8"?>
+<p:sld xmlns:a="http://schemas.openxmlformats.org/drawingml/2006/main" xmlns:r="http://schemas.openxmlformats.org/officeDocument/2006/relationships" xmlns:p="http://schemas.openxmlformats.org/presentationml/2006/main">
+  <p:cSld>
+    <p:spTree>
+      <p:nvGrpSpPr>
+        <p:cNvPr id="1" name=""/>
+        <p:cNvGrpSpPr/>
+        <p:nvPr/>
+      </p:nvGrpSpPr>
+      <p:grpSpPr>
+        <a:xfrm>
+          <a:off x="0" y="0"/>
+          <a:ext cx="0" cy="0"/>
+          <a:chOff x="0" y="0"/>
+          <a:chExt cx="0" cy="0"/>
+        </a:xfrm>
+      </p:grpSpPr>
+      <p:sp>
+        <p:nvSpPr>
+          <p:cNvPr id="2" name="Title 1">
+            <a:extLst>
+              <a:ext uri="{FF2B5EF4-FFF2-40B4-BE49-F238E27FC236}">
+                <a16:creationId xmlns:a16="http://schemas.microsoft.com/office/drawing/2014/main" id="{B6BBB493-8DF2-7D9B-AAF8-D6D0AE1F57F5}"/>
+              </a:ext>
+            </a:extLst>
+          </p:cNvPr>
+          <p:cNvSpPr>
+            <a:spLocks noGrp="1"/>
+          </p:cNvSpPr>
+          <p:nvPr>
+            <p:ph type="title"/>
+          </p:nvPr>
+        </p:nvSpPr>
+        <p:spPr/>
+        <p:txBody>
+          <a:bodyPr/>
+          <a:lstStyle/>
+          <a:p>
+            <a:r>
+              <a:rPr lang="en-US" dirty="0"/>
+              <a:t>Time Series Data</a:t>
+            </a:r>
+          </a:p>
+        </p:txBody>
+      </p:sp>
+      <p:sp>
+        <p:nvSpPr>
+          <p:cNvPr id="3" name="Content Placeholder 2">
+            <a:extLst>
+              <a:ext uri="{FF2B5EF4-FFF2-40B4-BE49-F238E27FC236}">
+                <a16:creationId xmlns:a16="http://schemas.microsoft.com/office/drawing/2014/main" id="{1F74E27E-E260-95A4-E84F-4952B8D9FF54}"/>
+              </a:ext>
+            </a:extLst>
+          </p:cNvPr>
+          <p:cNvSpPr>
+            <a:spLocks noGrp="1"/>
+          </p:cNvSpPr>
+          <p:nvPr>
+            <p:ph idx="1"/>
+          </p:nvPr>
+        </p:nvSpPr>
+        <p:spPr>
+          <a:xfrm>
+            <a:off x="1451579" y="1853754"/>
+            <a:ext cx="9603275" cy="4199727"/>
+          </a:xfrm>
+        </p:spPr>
+        <p:txBody>
+          <a:bodyPr>
+            <a:normAutofit lnSpcReduction="10000"/>
+          </a:bodyPr>
+          <a:lstStyle/>
+          <a:p>
+            <a:r>
+              <a:rPr lang="en-US" dirty="0"/>
+              <a:t>Time-series data is data that progresses over time. </a:t>
+            </a:r>
+          </a:p>
+          <a:p>
+            <a:pPr lvl="1"/>
+            <a:r>
+              <a:rPr lang="en-US" dirty="0"/>
+              <a:t>E.g. gas prices, stock prices, temperature, </a:t>
+            </a:r>
+            <a:r>
+              <a:rPr lang="en-US" dirty="0" err="1"/>
+              <a:t>etc</a:t>
+            </a:r>
+            <a:r>
+              <a:rPr lang="en-US" dirty="0"/>
+              <a:t>…</a:t>
+            </a:r>
+          </a:p>
+          <a:p>
+            <a:r>
+              <a:rPr lang="en-US" dirty="0"/>
+              <a:t>The basis of predictions, or forecasts, is by looking at patterns in the data. </a:t>
+            </a:r>
+          </a:p>
+          <a:p>
+            <a:r>
+              <a:rPr lang="en-US" dirty="0"/>
+              <a:t>Time-series data has a few parts that our forecasts try to separate:</a:t>
+            </a:r>
+          </a:p>
+          <a:p>
+            <a:pPr lvl="1"/>
+            <a:r>
+              <a:rPr lang="en-US" dirty="0"/>
+              <a:t>Trend – are we going up or down as time progresses. </a:t>
+            </a:r>
+          </a:p>
+          <a:p>
+            <a:pPr lvl="1"/>
+            <a:r>
+              <a:rPr lang="en-US" dirty="0"/>
+              <a:t>Seasonality – do we have regular waves, such as seasonal sales. </a:t>
+            </a:r>
+          </a:p>
+          <a:p>
+            <a:pPr lvl="1"/>
+            <a:r>
+              <a:rPr lang="en-US" dirty="0"/>
+              <a:t>Cyclicality – do we have larger waves, spanning several seasons. </a:t>
+            </a:r>
+          </a:p>
+          <a:p>
+            <a:pPr lvl="1"/>
+            <a:r>
+              <a:rPr lang="en-US" dirty="0"/>
+              <a:t>Irregularity – how much variation is there that doesn’t fit into the above. </a:t>
+            </a:r>
+          </a:p>
+          <a:p>
+            <a:r>
+              <a:rPr lang="en-US" dirty="0"/>
+              <a:t>The models generally try to decompose each of these, measure each, and recombine them to create projections. </a:t>
+            </a:r>
+          </a:p>
+        </p:txBody>
+      </p:sp>
+    </p:spTree>
+    <p:extLst>
+      <p:ext uri="{BB962C8B-B14F-4D97-AF65-F5344CB8AC3E}">
+        <p14:creationId xmlns:p14="http://schemas.microsoft.com/office/powerpoint/2010/main" val="1351010078"/>
+      </p:ext>
+    </p:extLst>
+  </p:cSld>
+  <p:clrMapOvr>
+    <a:masterClrMapping/>
+  </p:clrMapOvr>
+</p:sld>
+</file>
+
+<file path=ppt/slides/slide7.xml><?xml version="1.0" encoding="utf-8"?>
+<p:sld xmlns:a="http://schemas.openxmlformats.org/drawingml/2006/main" xmlns:r="http://schemas.openxmlformats.org/officeDocument/2006/relationships" xmlns:p="http://schemas.openxmlformats.org/presentationml/2006/main">
+  <p:cSld>
+    <p:spTree>
+      <p:nvGrpSpPr>
+        <p:cNvPr id="1" name=""/>
+        <p:cNvGrpSpPr/>
+        <p:nvPr/>
+      </p:nvGrpSpPr>
+      <p:grpSpPr>
+        <a:xfrm>
+          <a:off x="0" y="0"/>
+          <a:ext cx="0" cy="0"/>
+          <a:chOff x="0" y="0"/>
+          <a:chExt cx="0" cy="0"/>
+        </a:xfrm>
+      </p:grpSpPr>
+      <p:sp>
+        <p:nvSpPr>
+          <p:cNvPr id="2" name="Title 1">
+            <a:extLst>
+              <a:ext uri="{FF2B5EF4-FFF2-40B4-BE49-F238E27FC236}">
+                <a16:creationId xmlns:a16="http://schemas.microsoft.com/office/drawing/2014/main" id="{20C186F9-CCA3-A78A-EDFD-4A7F4C556F1A}"/>
+              </a:ext>
+            </a:extLst>
+          </p:cNvPr>
+          <p:cNvSpPr>
+            <a:spLocks noGrp="1"/>
+          </p:cNvSpPr>
+          <p:nvPr>
+            <p:ph type="title"/>
+          </p:nvPr>
+        </p:nvSpPr>
+        <p:spPr/>
+        <p:txBody>
+          <a:bodyPr/>
+          <a:lstStyle/>
+          <a:p>
+            <a:r>
+              <a:rPr lang="en-US" dirty="0"/>
+              <a:t>Time Series Predictions Are Hard</a:t>
+            </a:r>
+          </a:p>
+        </p:txBody>
+      </p:sp>
+      <p:sp>
+        <p:nvSpPr>
+          <p:cNvPr id="3" name="Content Placeholder 2">
+            <a:extLst>
+              <a:ext uri="{FF2B5EF4-FFF2-40B4-BE49-F238E27FC236}">
+                <a16:creationId xmlns:a16="http://schemas.microsoft.com/office/drawing/2014/main" id="{A3B003D7-46ED-A783-E3C5-892743296E9B}"/>
+              </a:ext>
+            </a:extLst>
+          </p:cNvPr>
+          <p:cNvSpPr>
+            <a:spLocks noGrp="1"/>
+          </p:cNvSpPr>
+          <p:nvPr>
+            <p:ph idx="1"/>
+          </p:nvPr>
+        </p:nvSpPr>
+        <p:spPr>
+          <a:xfrm>
+            <a:off x="1451579" y="2015732"/>
+            <a:ext cx="9603275" cy="4037749"/>
+          </a:xfrm>
+        </p:spPr>
+        <p:txBody>
+          <a:bodyPr/>
+          <a:lstStyle/>
+          <a:p>
+            <a:r>
+              <a:rPr lang="en-US" dirty="0"/>
+              <a:t>It is hard to make accurate time series predictions into the future. </a:t>
+            </a:r>
+          </a:p>
+          <a:p>
+            <a:pPr lvl="1"/>
+            <a:r>
+              <a:rPr lang="en-US" dirty="0"/>
+              <a:t>If it wasn’t, we’d all have massive stock portfolios. </a:t>
+            </a:r>
+          </a:p>
+          <a:p>
+            <a:r>
+              <a:rPr lang="en-US" dirty="0"/>
+              <a:t>Simple statistical models (moving average, </a:t>
+            </a:r>
+            <a:r>
+              <a:rPr lang="en-US" dirty="0" err="1"/>
+              <a:t>etc</a:t>
+            </a:r>
+            <a:r>
+              <a:rPr lang="en-US" dirty="0"/>
+              <a:t>…) often win out. </a:t>
+            </a:r>
+          </a:p>
+          <a:p>
+            <a:pPr lvl="1"/>
+            <a:r>
+              <a:rPr lang="en-US" dirty="0"/>
+              <a:t>The large and powerful neural networks have higher ceilings, but more variance. </a:t>
+            </a:r>
+          </a:p>
+          <a:p>
+            <a:pPr lvl="1"/>
+            <a:r>
+              <a:rPr lang="en-US" dirty="0"/>
+              <a:t>Relying on a model that is less adaptive to details often works well. </a:t>
+            </a:r>
+          </a:p>
+          <a:p>
+            <a:pPr lvl="1"/>
+            <a:r>
+              <a:rPr lang="en-US" dirty="0"/>
+              <a:t>Build up – start with simple, then modify if that works poorly. </a:t>
+            </a:r>
+          </a:p>
+        </p:txBody>
+      </p:sp>
+    </p:spTree>
+    <p:extLst>
+      <p:ext uri="{BB962C8B-B14F-4D97-AF65-F5344CB8AC3E}">
+        <p14:creationId xmlns:p14="http://schemas.microsoft.com/office/powerpoint/2010/main" val="2774669473"/>
+      </p:ext>
+    </p:extLst>
+  </p:cSld>
+  <p:clrMapOvr>
+    <a:masterClrMapping/>
+  </p:clrMapOvr>
+</p:sld>
+</file>
+
+<file path=ppt/slides/slide8.xml><?xml version="1.0" encoding="utf-8"?>
+<p:sld xmlns:a="http://schemas.openxmlformats.org/drawingml/2006/main" xmlns:r="http://schemas.openxmlformats.org/officeDocument/2006/relationships" xmlns:p="http://schemas.openxmlformats.org/presentationml/2006/main">
+  <p:cSld>
+    <p:spTree>
+      <p:nvGrpSpPr>
+        <p:cNvPr id="1" name=""/>
+        <p:cNvGrpSpPr/>
+        <p:nvPr/>
+      </p:nvGrpSpPr>
+      <p:grpSpPr>
+        <a:xfrm>
+          <a:off x="0" y="0"/>
+          <a:ext cx="0" cy="0"/>
+          <a:chOff x="0" y="0"/>
+          <a:chExt cx="0" cy="0"/>
+        </a:xfrm>
+      </p:grpSpPr>
+      <p:sp>
+        <p:nvSpPr>
+          <p:cNvPr id="2" name="Title 1">
+            <a:extLst>
+              <a:ext uri="{FF2B5EF4-FFF2-40B4-BE49-F238E27FC236}">
                 <a16:creationId xmlns:a16="http://schemas.microsoft.com/office/drawing/2014/main" id="{CA70A4D0-EDE2-C46E-4065-9564930E6593}"/>
               </a:ext>
             </a:extLst>
@@ -8485,7 +10261,7 @@
 </p:sld>
 </file>
 
-<file path=ppt/slides/slide6.xml><?xml version="1.0" encoding="utf-8"?>
+<file path=ppt/slides/slide9.xml><?xml version="1.0" encoding="utf-8"?>
 <p:sld xmlns:a="http://schemas.openxmlformats.org/drawingml/2006/main" xmlns:r="http://schemas.openxmlformats.org/officeDocument/2006/relationships" xmlns:p="http://schemas.openxmlformats.org/presentationml/2006/main" show="0">
   <p:cSld>
     <p:spTree>
@@ -8603,458 +10379,6 @@
     <p:extLst>
       <p:ext uri="{BB962C8B-B14F-4D97-AF65-F5344CB8AC3E}">
         <p14:creationId xmlns:p14="http://schemas.microsoft.com/office/powerpoint/2010/main" val="2949466179"/>
-      </p:ext>
-    </p:extLst>
-  </p:cSld>
-  <p:clrMapOvr>
-    <a:masterClrMapping/>
-  </p:clrMapOvr>
-</p:sld>
-</file>
-
-<file path=ppt/slides/slide7.xml><?xml version="1.0" encoding="utf-8"?>
-<p:sld xmlns:a="http://schemas.openxmlformats.org/drawingml/2006/main" xmlns:r="http://schemas.openxmlformats.org/officeDocument/2006/relationships" xmlns:p="http://schemas.openxmlformats.org/presentationml/2006/main">
-  <p:cSld>
-    <p:spTree>
-      <p:nvGrpSpPr>
-        <p:cNvPr id="1" name=""/>
-        <p:cNvGrpSpPr/>
-        <p:nvPr/>
-      </p:nvGrpSpPr>
-      <p:grpSpPr>
-        <a:xfrm>
-          <a:off x="0" y="0"/>
-          <a:ext cx="0" cy="0"/>
-          <a:chOff x="0" y="0"/>
-          <a:chExt cx="0" cy="0"/>
-        </a:xfrm>
-      </p:grpSpPr>
-      <p:sp>
-        <p:nvSpPr>
-          <p:cNvPr id="2" name="Title 1">
-            <a:extLst>
-              <a:ext uri="{FF2B5EF4-FFF2-40B4-BE49-F238E27FC236}">
-                <a16:creationId xmlns:a16="http://schemas.microsoft.com/office/drawing/2014/main" id="{82AE3AE3-61AA-C5C4-4A48-DBE9FABF829F}"/>
-              </a:ext>
-            </a:extLst>
-          </p:cNvPr>
-          <p:cNvSpPr>
-            <a:spLocks noGrp="1"/>
-          </p:cNvSpPr>
-          <p:nvPr>
-            <p:ph type="title"/>
-          </p:nvPr>
-        </p:nvSpPr>
-        <p:spPr>
-          <a:xfrm>
-            <a:off x="145143" y="804519"/>
-            <a:ext cx="4845957" cy="1049235"/>
-          </a:xfrm>
-        </p:spPr>
-        <p:txBody>
-          <a:bodyPr/>
-          <a:lstStyle/>
-          <a:p>
-            <a:r>
-              <a:rPr lang="en-US" dirty="0"/>
-              <a:t>Time Series Components</a:t>
-            </a:r>
-          </a:p>
-        </p:txBody>
-      </p:sp>
-      <p:sp>
-        <p:nvSpPr>
-          <p:cNvPr id="3" name="Content Placeholder 2">
-            <a:extLst>
-              <a:ext uri="{FF2B5EF4-FFF2-40B4-BE49-F238E27FC236}">
-                <a16:creationId xmlns:a16="http://schemas.microsoft.com/office/drawing/2014/main" id="{823CBDEA-9B52-1B56-8C54-684D056D5886}"/>
-              </a:ext>
-            </a:extLst>
-          </p:cNvPr>
-          <p:cNvSpPr>
-            <a:spLocks noGrp="1"/>
-          </p:cNvSpPr>
-          <p:nvPr>
-            <p:ph idx="1"/>
-          </p:nvPr>
-        </p:nvSpPr>
-        <p:spPr>
-          <a:xfrm>
-            <a:off x="145143" y="1853754"/>
-            <a:ext cx="4845957" cy="4199727"/>
-          </a:xfrm>
-        </p:spPr>
-        <p:txBody>
-          <a:bodyPr/>
-          <a:lstStyle/>
-          <a:p>
-            <a:r>
-              <a:rPr lang="en-US" dirty="0"/>
-              <a:t>The basic idea is that if we can extract each component of the time series’ variation, our model can more easily project each. </a:t>
-            </a:r>
-          </a:p>
-          <a:p>
-            <a:r>
-              <a:rPr lang="en-US" dirty="0"/>
-              <a:t>Example plots:</a:t>
-            </a:r>
-          </a:p>
-          <a:p>
-            <a:pPr lvl="1"/>
-            <a:r>
-              <a:rPr lang="en-US" dirty="0"/>
-              <a:t>Trend – linear increase. </a:t>
-            </a:r>
-          </a:p>
-          <a:p>
-            <a:pPr lvl="1"/>
-            <a:r>
-              <a:rPr lang="en-US" dirty="0"/>
-              <a:t>Seasonality – predictable waves. </a:t>
-            </a:r>
-          </a:p>
-          <a:p>
-            <a:pPr lvl="1"/>
-            <a:r>
-              <a:rPr lang="en-US" dirty="0"/>
-              <a:t>Random – “other” variation. </a:t>
-            </a:r>
-          </a:p>
-          <a:p>
-            <a:r>
-              <a:rPr lang="en-US" dirty="0"/>
-              <a:t>Note: different models may capture slightly different components. </a:t>
-            </a:r>
-          </a:p>
-        </p:txBody>
-      </p:sp>
-      <p:pic>
-        <p:nvPicPr>
-          <p:cNvPr id="2050" name="Picture 2" descr="Time series graphs with random, seasonal and trend components in cluster 1  | Download Scientific Diagram">
-            <a:extLst>
-              <a:ext uri="{FF2B5EF4-FFF2-40B4-BE49-F238E27FC236}">
-                <a16:creationId xmlns:a16="http://schemas.microsoft.com/office/drawing/2014/main" id="{245F8238-6B60-6A10-C7A0-A1CBA8A26730}"/>
-              </a:ext>
-            </a:extLst>
-          </p:cNvPr>
-          <p:cNvPicPr>
-            <a:picLocks noChangeAspect="1" noChangeArrowheads="1"/>
-          </p:cNvPicPr>
-          <p:nvPr/>
-        </p:nvPicPr>
-        <p:blipFill>
-          <a:blip r:embed="rId2">
-            <a:extLst>
-              <a:ext uri="{28A0092B-C50C-407E-A947-70E740481C1C}">
-                <a14:useLocalDpi xmlns:a14="http://schemas.microsoft.com/office/drawing/2010/main" val="0"/>
-              </a:ext>
-            </a:extLst>
-          </a:blip>
-          <a:srcRect/>
-          <a:stretch>
-            <a:fillRect/>
-          </a:stretch>
-        </p:blipFill>
-        <p:spPr bwMode="auto">
-          <a:xfrm>
-            <a:off x="4991100" y="196850"/>
-            <a:ext cx="7200900" cy="6464300"/>
-          </a:xfrm>
-          <a:prstGeom prst="rect">
-            <a:avLst/>
-          </a:prstGeom>
-          <a:noFill/>
-          <a:extLst>
-            <a:ext uri="{909E8E84-426E-40DD-AFC4-6F175D3DCCD1}">
-              <a14:hiddenFill xmlns:a14="http://schemas.microsoft.com/office/drawing/2010/main">
-                <a:solidFill>
-                  <a:srgbClr val="FFFFFF"/>
-                </a:solidFill>
-              </a14:hiddenFill>
-            </a:ext>
-          </a:extLst>
-        </p:spPr>
-      </p:pic>
-    </p:spTree>
-    <p:extLst>
-      <p:ext uri="{BB962C8B-B14F-4D97-AF65-F5344CB8AC3E}">
-        <p14:creationId xmlns:p14="http://schemas.microsoft.com/office/powerpoint/2010/main" val="1903044234"/>
-      </p:ext>
-    </p:extLst>
-  </p:cSld>
-  <p:clrMapOvr>
-    <a:masterClrMapping/>
-  </p:clrMapOvr>
-</p:sld>
-</file>
-
-<file path=ppt/slides/slide8.xml><?xml version="1.0" encoding="utf-8"?>
-<p:sld xmlns:a="http://schemas.openxmlformats.org/drawingml/2006/main" xmlns:r="http://schemas.openxmlformats.org/officeDocument/2006/relationships" xmlns:p="http://schemas.openxmlformats.org/presentationml/2006/main">
-  <p:cSld>
-    <p:spTree>
-      <p:nvGrpSpPr>
-        <p:cNvPr id="1" name=""/>
-        <p:cNvGrpSpPr/>
-        <p:nvPr/>
-      </p:nvGrpSpPr>
-      <p:grpSpPr>
-        <a:xfrm>
-          <a:off x="0" y="0"/>
-          <a:ext cx="0" cy="0"/>
-          <a:chOff x="0" y="0"/>
-          <a:chExt cx="0" cy="0"/>
-        </a:xfrm>
-      </p:grpSpPr>
-      <p:sp>
-        <p:nvSpPr>
-          <p:cNvPr id="2" name="Title 1">
-            <a:extLst>
-              <a:ext uri="{FF2B5EF4-FFF2-40B4-BE49-F238E27FC236}">
-                <a16:creationId xmlns:a16="http://schemas.microsoft.com/office/drawing/2014/main" id="{5747E6BB-1E1D-AF4C-8CE0-6495F0739AD3}"/>
-              </a:ext>
-            </a:extLst>
-          </p:cNvPr>
-          <p:cNvSpPr>
-            <a:spLocks noGrp="1"/>
-          </p:cNvSpPr>
-          <p:nvPr>
-            <p:ph type="title"/>
-          </p:nvPr>
-        </p:nvSpPr>
-        <p:spPr/>
-        <p:txBody>
-          <a:bodyPr/>
-          <a:lstStyle/>
-          <a:p>
-            <a:r>
-              <a:rPr lang="en-US" dirty="0"/>
-              <a:t>Exponential Smoothing</a:t>
-            </a:r>
-          </a:p>
-        </p:txBody>
-      </p:sp>
-      <p:sp>
-        <p:nvSpPr>
-          <p:cNvPr id="3" name="Content Placeholder 2">
-            <a:extLst>
-              <a:ext uri="{FF2B5EF4-FFF2-40B4-BE49-F238E27FC236}">
-                <a16:creationId xmlns:a16="http://schemas.microsoft.com/office/drawing/2014/main" id="{92510E4B-B5AE-7445-AA7F-16491623F112}"/>
-              </a:ext>
-            </a:extLst>
-          </p:cNvPr>
-          <p:cNvSpPr>
-            <a:spLocks noGrp="1"/>
-          </p:cNvSpPr>
-          <p:nvPr>
-            <p:ph idx="1"/>
-          </p:nvPr>
-        </p:nvSpPr>
-        <p:spPr>
-          <a:xfrm>
-            <a:off x="1451579" y="2015732"/>
-            <a:ext cx="9603275" cy="4037749"/>
-          </a:xfrm>
-        </p:spPr>
-        <p:txBody>
-          <a:bodyPr>
-            <a:normAutofit/>
-          </a:bodyPr>
-          <a:lstStyle/>
-          <a:p>
-            <a:r>
-              <a:rPr lang="en-US" dirty="0"/>
-              <a:t>Exponential smoothing is one of the simplest forms of time series forecasts. </a:t>
-            </a:r>
-          </a:p>
-          <a:p>
-            <a:r>
-              <a:rPr lang="en-US" dirty="0"/>
-              <a:t>Weighted averaging with a smoothing term. </a:t>
-            </a:r>
-          </a:p>
-          <a:p>
-            <a:r>
-              <a:rPr lang="en-US" dirty="0"/>
-              <a:t>Can also incorporate:</a:t>
-            </a:r>
-          </a:p>
-          <a:p>
-            <a:pPr lvl="1"/>
-            <a:r>
-              <a:rPr lang="en-US" dirty="0"/>
-              <a:t>Trends – are we moving up or down over time. </a:t>
-            </a:r>
-          </a:p>
-          <a:p>
-            <a:pPr lvl="1"/>
-            <a:r>
-              <a:rPr lang="en-US" dirty="0"/>
-              <a:t>Cyclicality – are there seasonal patterns. </a:t>
-            </a:r>
-          </a:p>
-          <a:p>
-            <a:r>
-              <a:rPr lang="en-US" dirty="0"/>
-              <a:t>Trends and seasonality can be either Additive or Multiplicative:</a:t>
-            </a:r>
-          </a:p>
-          <a:p>
-            <a:pPr lvl="1"/>
-            <a:r>
-              <a:rPr lang="en-CA" dirty="0"/>
-              <a:t>If every December we sell 10,000 more apartments than we do in November, the seasonality is </a:t>
-            </a:r>
-            <a:r>
-              <a:rPr lang="en-CA" i="1" dirty="0"/>
-              <a:t>additive</a:t>
-            </a:r>
-            <a:r>
-              <a:rPr lang="en-CA" dirty="0"/>
-              <a:t> in nature. However, if we sell 10% more apartments in the summer months than we do in the winter months the seasonality is </a:t>
-            </a:r>
-            <a:r>
-              <a:rPr lang="en-CA" i="1" dirty="0"/>
-              <a:t>multiplicative</a:t>
-            </a:r>
-            <a:r>
-              <a:rPr lang="en-CA" dirty="0"/>
-              <a:t> in nature.</a:t>
-            </a:r>
-            <a:endParaRPr lang="en-US" dirty="0"/>
-          </a:p>
-        </p:txBody>
-      </p:sp>
-    </p:spTree>
-    <p:extLst>
-      <p:ext uri="{BB962C8B-B14F-4D97-AF65-F5344CB8AC3E}">
-        <p14:creationId xmlns:p14="http://schemas.microsoft.com/office/powerpoint/2010/main" val="1578221522"/>
-      </p:ext>
-    </p:extLst>
-  </p:cSld>
-  <p:clrMapOvr>
-    <a:masterClrMapping/>
-  </p:clrMapOvr>
-</p:sld>
-</file>
-
-<file path=ppt/slides/slide9.xml><?xml version="1.0" encoding="utf-8"?>
-<p:sld xmlns:a="http://schemas.openxmlformats.org/drawingml/2006/main" xmlns:r="http://schemas.openxmlformats.org/officeDocument/2006/relationships" xmlns:p="http://schemas.openxmlformats.org/presentationml/2006/main">
-  <p:cSld>
-    <p:spTree>
-      <p:nvGrpSpPr>
-        <p:cNvPr id="1" name=""/>
-        <p:cNvGrpSpPr/>
-        <p:nvPr/>
-      </p:nvGrpSpPr>
-      <p:grpSpPr>
-        <a:xfrm>
-          <a:off x="0" y="0"/>
-          <a:ext cx="0" cy="0"/>
-          <a:chOff x="0" y="0"/>
-          <a:chExt cx="0" cy="0"/>
-        </a:xfrm>
-      </p:grpSpPr>
-      <p:sp>
-        <p:nvSpPr>
-          <p:cNvPr id="2" name="Title 1">
-            <a:extLst>
-              <a:ext uri="{FF2B5EF4-FFF2-40B4-BE49-F238E27FC236}">
-                <a16:creationId xmlns:a16="http://schemas.microsoft.com/office/drawing/2014/main" id="{38C00E31-AF1D-2147-A243-C6D0E066B0F9}"/>
-              </a:ext>
-            </a:extLst>
-          </p:cNvPr>
-          <p:cNvSpPr>
-            <a:spLocks noGrp="1"/>
-          </p:cNvSpPr>
-          <p:nvPr>
-            <p:ph type="title"/>
-          </p:nvPr>
-        </p:nvSpPr>
-        <p:spPr/>
-        <p:txBody>
-          <a:bodyPr/>
-          <a:lstStyle/>
-          <a:p>
-            <a:endParaRPr lang="en-US"/>
-          </a:p>
-        </p:txBody>
-      </p:sp>
-      <p:sp>
-        <p:nvSpPr>
-          <p:cNvPr id="3" name="Content Placeholder 2">
-            <a:extLst>
-              <a:ext uri="{FF2B5EF4-FFF2-40B4-BE49-F238E27FC236}">
-                <a16:creationId xmlns:a16="http://schemas.microsoft.com/office/drawing/2014/main" id="{E1474FC8-4E41-6541-BD02-76EBFABE63CC}"/>
-              </a:ext>
-            </a:extLst>
-          </p:cNvPr>
-          <p:cNvSpPr>
-            <a:spLocks noGrp="1"/>
-          </p:cNvSpPr>
-          <p:nvPr>
-            <p:ph idx="1"/>
-          </p:nvPr>
-        </p:nvSpPr>
-        <p:spPr/>
-        <p:txBody>
-          <a:bodyPr/>
-          <a:lstStyle/>
-          <a:p>
-            <a:endParaRPr lang="en-US"/>
-          </a:p>
-        </p:txBody>
-      </p:sp>
-      <p:pic>
-        <p:nvPicPr>
-          <p:cNvPr id="1026" name="Picture 2" descr="Trend, Seasonality, Moving Average, Auto Regressive Model : My Journey to  Time Series Data with Interactive Code | by Jae Duk Seo | Towards Data  Science">
-            <a:extLst>
-              <a:ext uri="{FF2B5EF4-FFF2-40B4-BE49-F238E27FC236}">
-                <a16:creationId xmlns:a16="http://schemas.microsoft.com/office/drawing/2014/main" id="{81836D80-3AD8-7448-BD2F-386344D86380}"/>
-              </a:ext>
-            </a:extLst>
-          </p:cNvPr>
-          <p:cNvPicPr>
-            <a:picLocks noChangeAspect="1" noChangeArrowheads="1"/>
-          </p:cNvPicPr>
-          <p:nvPr/>
-        </p:nvPicPr>
-        <p:blipFill>
-          <a:blip r:embed="rId2">
-            <a:extLst>
-              <a:ext uri="{28A0092B-C50C-407E-A947-70E740481C1C}">
-                <a14:useLocalDpi xmlns:a14="http://schemas.microsoft.com/office/drawing/2010/main" val="0"/>
-              </a:ext>
-            </a:extLst>
-          </a:blip>
-          <a:srcRect/>
-          <a:stretch>
-            <a:fillRect/>
-          </a:stretch>
-        </p:blipFill>
-        <p:spPr bwMode="auto">
-          <a:xfrm>
-            <a:off x="2473325" y="0"/>
-            <a:ext cx="7245350" cy="6858000"/>
-          </a:xfrm>
-          <a:prstGeom prst="rect">
-            <a:avLst/>
-          </a:prstGeom>
-          <a:noFill/>
-          <a:extLst>
-            <a:ext uri="{909E8E84-426E-40DD-AFC4-6F175D3DCCD1}">
-              <a14:hiddenFill xmlns:a14="http://schemas.microsoft.com/office/drawing/2010/main">
-                <a:solidFill>
-                  <a:srgbClr val="FFFFFF"/>
-                </a:solidFill>
-              </a14:hiddenFill>
-            </a:ext>
-          </a:extLst>
-        </p:spPr>
-      </p:pic>
-    </p:spTree>
-    <p:extLst>
-      <p:ext uri="{BB962C8B-B14F-4D97-AF65-F5344CB8AC3E}">
-        <p14:creationId xmlns:p14="http://schemas.microsoft.com/office/powerpoint/2010/main" val="184144261"/>
       </p:ext>
     </p:extLst>
   </p:cSld>
